--- a/Attendance Wireframes.pptx
+++ b/Attendance Wireframes.pptx
@@ -5,48 +5,52 @@
     <p:sldMasterId id="2147483672" r:id="rId1"/>
   </p:sldMasterIdLst>
   <p:notesMasterIdLst>
-    <p:notesMasterId r:id="rId41"/>
+    <p:notesMasterId r:id="rId45"/>
   </p:notesMasterIdLst>
   <p:sldIdLst>
     <p:sldId id="256" r:id="rId2"/>
-    <p:sldId id="295" r:id="rId3"/>
-    <p:sldId id="320" r:id="rId4"/>
-    <p:sldId id="259" r:id="rId5"/>
+    <p:sldId id="335" r:id="rId3"/>
+    <p:sldId id="259" r:id="rId4"/>
+    <p:sldId id="260" r:id="rId5"/>
     <p:sldId id="291" r:id="rId6"/>
     <p:sldId id="292" r:id="rId7"/>
     <p:sldId id="334" r:id="rId8"/>
-    <p:sldId id="260" r:id="rId9"/>
-    <p:sldId id="261" r:id="rId10"/>
-    <p:sldId id="262" r:id="rId11"/>
-    <p:sldId id="299" r:id="rId12"/>
-    <p:sldId id="296" r:id="rId13"/>
-    <p:sldId id="322" r:id="rId14"/>
-    <p:sldId id="287" r:id="rId15"/>
-    <p:sldId id="286" r:id="rId16"/>
-    <p:sldId id="302" r:id="rId17"/>
-    <p:sldId id="300" r:id="rId18"/>
-    <p:sldId id="303" r:id="rId19"/>
-    <p:sldId id="301" r:id="rId20"/>
-    <p:sldId id="308" r:id="rId21"/>
-    <p:sldId id="307" r:id="rId22"/>
-    <p:sldId id="323" r:id="rId23"/>
-    <p:sldId id="309" r:id="rId24"/>
-    <p:sldId id="326" r:id="rId25"/>
-    <p:sldId id="330" r:id="rId26"/>
-    <p:sldId id="328" r:id="rId27"/>
-    <p:sldId id="329" r:id="rId28"/>
-    <p:sldId id="325" r:id="rId29"/>
-    <p:sldId id="312" r:id="rId30"/>
-    <p:sldId id="313" r:id="rId31"/>
-    <p:sldId id="314" r:id="rId32"/>
-    <p:sldId id="311" r:id="rId33"/>
-    <p:sldId id="310" r:id="rId34"/>
-    <p:sldId id="316" r:id="rId35"/>
-    <p:sldId id="317" r:id="rId36"/>
-    <p:sldId id="319" r:id="rId37"/>
-    <p:sldId id="331" r:id="rId38"/>
-    <p:sldId id="333" r:id="rId39"/>
-    <p:sldId id="315" r:id="rId40"/>
+    <p:sldId id="336" r:id="rId9"/>
+    <p:sldId id="337" r:id="rId10"/>
+    <p:sldId id="320" r:id="rId11"/>
+    <p:sldId id="261" r:id="rId12"/>
+    <p:sldId id="339" r:id="rId13"/>
+    <p:sldId id="296" r:id="rId14"/>
+    <p:sldId id="338" r:id="rId15"/>
+    <p:sldId id="322" r:id="rId16"/>
+    <p:sldId id="287" r:id="rId17"/>
+    <p:sldId id="341" r:id="rId18"/>
+    <p:sldId id="340" r:id="rId19"/>
+    <p:sldId id="286" r:id="rId20"/>
+    <p:sldId id="302" r:id="rId21"/>
+    <p:sldId id="300" r:id="rId22"/>
+    <p:sldId id="303" r:id="rId23"/>
+    <p:sldId id="301" r:id="rId24"/>
+    <p:sldId id="308" r:id="rId25"/>
+    <p:sldId id="307" r:id="rId26"/>
+    <p:sldId id="323" r:id="rId27"/>
+    <p:sldId id="309" r:id="rId28"/>
+    <p:sldId id="326" r:id="rId29"/>
+    <p:sldId id="330" r:id="rId30"/>
+    <p:sldId id="328" r:id="rId31"/>
+    <p:sldId id="329" r:id="rId32"/>
+    <p:sldId id="325" r:id="rId33"/>
+    <p:sldId id="312" r:id="rId34"/>
+    <p:sldId id="313" r:id="rId35"/>
+    <p:sldId id="314" r:id="rId36"/>
+    <p:sldId id="311" r:id="rId37"/>
+    <p:sldId id="310" r:id="rId38"/>
+    <p:sldId id="316" r:id="rId39"/>
+    <p:sldId id="317" r:id="rId40"/>
+    <p:sldId id="319" r:id="rId41"/>
+    <p:sldId id="331" r:id="rId42"/>
+    <p:sldId id="333" r:id="rId43"/>
+    <p:sldId id="315" r:id="rId44"/>
   </p:sldIdLst>
   <p:sldSz cx="12192000" cy="6858000"/>
   <p:notesSz cx="6858000" cy="9144000"/>
@@ -235,7 +239,7 @@
           <a:p>
             <a:fld id="{600416ED-1B1D-4548-A703-720F853C47D5}" type="datetimeFigureOut">
               <a:rPr lang="en-IN" smtClean="0"/>
-              <a:t>11-09-2015</a:t>
+              <a:t>13-09-2015</a:t>
             </a:fld>
             <a:endParaRPr lang="en-IN"/>
           </a:p>
@@ -568,7 +572,7 @@
           <a:p>
             <a:fld id="{C4B580D9-EF10-4222-B20C-E8713BC63561}" type="slidenum">
               <a:rPr lang="en-IN" smtClean="0"/>
-              <a:t>15</a:t>
+              <a:t>19</a:t>
             </a:fld>
             <a:endParaRPr lang="en-IN"/>
           </a:p>
@@ -590,6 +594,14 @@
 <file path=ppt/slideLayouts/slideLayout1.xml><?xml version="1.0" encoding="utf-8"?>
 <p:sldLayout xmlns:a="http://schemas.openxmlformats.org/drawingml/2006/main" xmlns:r="http://schemas.openxmlformats.org/officeDocument/2006/relationships" xmlns:p="http://schemas.openxmlformats.org/presentationml/2006/main" type="title" preserve="1">
   <p:cSld name="Title Slide">
+    <p:bg>
+      <p:bgPr>
+        <a:solidFill>
+          <a:srgbClr val="FFFFFF"/>
+        </a:solidFill>
+        <a:effectLst/>
+      </p:bgPr>
+    </p:bg>
     <p:spTree>
       <p:nvGrpSpPr>
         <p:cNvPr id="1" name=""/>
@@ -623,10 +635,28 @@
         <p:txBody>
           <a:bodyPr anchor="b">
             <a:normAutofit/>
+            <a:scene3d>
+              <a:camera prst="orthographicFront"/>
+              <a:lightRig rig="harsh" dir="t"/>
+            </a:scene3d>
+            <a:sp3d extrusionH="57150" prstMaterial="matte">
+              <a:bevelT w="63500" h="12700" prst="angle"/>
+              <a:contourClr>
+                <a:schemeClr val="bg1">
+                  <a:lumMod val="65000"/>
+                </a:schemeClr>
+              </a:contourClr>
+            </a:sp3d>
           </a:bodyPr>
           <a:lstStyle>
             <a:lvl1pPr algn="ctr">
-              <a:defRPr sz="5400"/>
+              <a:defRPr sz="5400" b="1" cap="none" spc="0">
+                <a:ln/>
+                <a:solidFill>
+                  <a:schemeClr val="accent3"/>
+                </a:solidFill>
+                <a:effectLst/>
+              </a:defRPr>
             </a:lvl1pPr>
           </a:lstStyle>
           <a:p>
@@ -659,10 +689,18 @@
           <a:lstStyle>
             <a:lvl1pPr marL="0" indent="0" algn="ctr">
               <a:buNone/>
-              <a:defRPr>
+              <a:defRPr b="1" cap="none" spc="50">
+                <a:ln w="0"/>
                 <a:solidFill>
-                  <a:schemeClr val="tx1"/>
+                  <a:schemeClr val="bg2"/>
                 </a:solidFill>
+                <a:effectLst>
+                  <a:innerShdw blurRad="63500" dist="50800" dir="13500000">
+                    <a:srgbClr val="000000">
+                      <a:alpha val="50000"/>
+                    </a:srgbClr>
+                  </a:innerShdw>
+                </a:effectLst>
               </a:defRPr>
             </a:lvl1pPr>
             <a:lvl2pPr marL="457200" indent="0" algn="ctr">
@@ -772,7 +810,7 @@
           <a:p>
             <a:fld id="{119F04BC-213D-4ABC-9D24-2814C4B97E5D}" type="datetimeFigureOut">
               <a:rPr lang="en-IN" smtClean="0"/>
-              <a:t>11-09-2015</a:t>
+              <a:t>13-09-2015</a:t>
             </a:fld>
             <a:endParaRPr lang="en-IN"/>
           </a:p>
@@ -793,7 +831,7 @@
           <a:bodyPr/>
           <a:lstStyle/>
           <a:p>
-            <a:endParaRPr lang="en-IN"/>
+            <a:endParaRPr lang="en-IN" dirty="0"/>
           </a:p>
         </p:txBody>
       </p:sp>
@@ -816,7 +854,7 @@
               <a:rPr lang="en-IN" smtClean="0"/>
               <a:t>‹#›</a:t>
             </a:fld>
-            <a:endParaRPr lang="en-IN"/>
+            <a:endParaRPr lang="en-IN" dirty="0"/>
           </a:p>
         </p:txBody>
       </p:sp>
@@ -830,6 +868,13 @@
   <p:clrMapOvr>
     <a:masterClrMapping/>
   </p:clrMapOvr>
+  <p:timing>
+    <p:tnLst>
+      <p:par>
+        <p:cTn id="1" dur="indefinite" restart="never" nodeType="tmRoot"/>
+      </p:par>
+    </p:tnLst>
+  </p:timing>
 </p:sldLayout>
 </file>
 
@@ -1070,7 +1115,7 @@
           <a:p>
             <a:fld id="{119F04BC-213D-4ABC-9D24-2814C4B97E5D}" type="datetimeFigureOut">
               <a:rPr lang="en-IN" smtClean="0"/>
-              <a:t>11-09-2015</a:t>
+              <a:t>13-09-2015</a:t>
             </a:fld>
             <a:endParaRPr lang="en-IN"/>
           </a:p>
@@ -1262,7 +1307,7 @@
           <a:p>
             <a:fld id="{119F04BC-213D-4ABC-9D24-2814C4B97E5D}" type="datetimeFigureOut">
               <a:rPr lang="en-IN" smtClean="0"/>
-              <a:t>11-09-2015</a:t>
+              <a:t>13-09-2015</a:t>
             </a:fld>
             <a:endParaRPr lang="en-IN"/>
           </a:p>
@@ -1523,7 +1568,7 @@
           <a:p>
             <a:fld id="{119F04BC-213D-4ABC-9D24-2814C4B97E5D}" type="datetimeFigureOut">
               <a:rPr lang="en-IN" smtClean="0"/>
-              <a:t>11-09-2015</a:t>
+              <a:t>13-09-2015</a:t>
             </a:fld>
             <a:endParaRPr lang="en-IN"/>
           </a:p>
@@ -1947,7 +1992,7 @@
           <a:p>
             <a:fld id="{119F04BC-213D-4ABC-9D24-2814C4B97E5D}" type="datetimeFigureOut">
               <a:rPr lang="en-IN" smtClean="0"/>
-              <a:t>11-09-2015</a:t>
+              <a:t>13-09-2015</a:t>
             </a:fld>
             <a:endParaRPr lang="en-IN"/>
           </a:p>
@@ -2484,7 +2529,7 @@
           <a:p>
             <a:fld id="{119F04BC-213D-4ABC-9D24-2814C4B97E5D}" type="datetimeFigureOut">
               <a:rPr lang="en-IN" smtClean="0"/>
-              <a:t>11-09-2015</a:t>
+              <a:t>13-09-2015</a:t>
             </a:fld>
             <a:endParaRPr lang="en-IN"/>
           </a:p>
@@ -3348,7 +3393,7 @@
           <a:p>
             <a:fld id="{119F04BC-213D-4ABC-9D24-2814C4B97E5D}" type="datetimeFigureOut">
               <a:rPr lang="en-IN" smtClean="0"/>
-              <a:t>11-09-2015</a:t>
+              <a:t>13-09-2015</a:t>
             </a:fld>
             <a:endParaRPr lang="en-IN"/>
           </a:p>
@@ -3518,7 +3563,7 @@
           <a:p>
             <a:fld id="{119F04BC-213D-4ABC-9D24-2814C4B97E5D}" type="datetimeFigureOut">
               <a:rPr lang="en-IN" smtClean="0"/>
-              <a:t>11-09-2015</a:t>
+              <a:t>13-09-2015</a:t>
             </a:fld>
             <a:endParaRPr lang="en-IN"/>
           </a:p>
@@ -3702,7 +3747,7 @@
           <a:p>
             <a:fld id="{119F04BC-213D-4ABC-9D24-2814C4B97E5D}" type="datetimeFigureOut">
               <a:rPr lang="en-IN" smtClean="0"/>
-              <a:t>11-09-2015</a:t>
+              <a:t>13-09-2015</a:t>
             </a:fld>
             <a:endParaRPr lang="en-IN"/>
           </a:p>
@@ -3800,7 +3845,19 @@
           <a:bodyPr/>
           <a:lstStyle>
             <a:lvl1pPr algn="l">
-              <a:defRPr/>
+              <a:defRPr b="1" cap="none" spc="50">
+                <a:ln w="0"/>
+                <a:solidFill>
+                  <a:schemeClr val="bg2"/>
+                </a:solidFill>
+                <a:effectLst>
+                  <a:innerShdw blurRad="63500" dist="50800" dir="13500000">
+                    <a:srgbClr val="000000">
+                      <a:alpha val="50000"/>
+                    </a:srgbClr>
+                  </a:innerShdw>
+                </a:effectLst>
+              </a:defRPr>
             </a:lvl1pPr>
           </a:lstStyle>
           <a:p>
@@ -3809,6 +3866,63 @@
               <a:t>Click to edit Master title style</a:t>
             </a:r>
             <a:endParaRPr lang="en-US" dirty="0"/>
+          </a:p>
+        </p:txBody>
+      </p:sp>
+      <p:sp>
+        <p:nvSpPr>
+          <p:cNvPr id="6" name="Text Placeholder 5"/>
+          <p:cNvSpPr>
+            <a:spLocks noGrp="1"/>
+          </p:cNvSpPr>
+          <p:nvPr>
+            <p:ph type="body" sz="quarter" idx="10"/>
+          </p:nvPr>
+        </p:nvSpPr>
+        <p:spPr>
+          <a:xfrm>
+            <a:off x="558800" y="1384300"/>
+            <a:ext cx="11353800" cy="4991100"/>
+          </a:xfrm>
+        </p:spPr>
+        <p:txBody>
+          <a:bodyPr/>
+          <a:lstStyle/>
+          <a:p>
+            <a:pPr lvl="0"/>
+            <a:r>
+              <a:rPr lang="en-US" smtClean="0"/>
+              <a:t>Click to edit Master text styles</a:t>
+            </a:r>
+          </a:p>
+          <a:p>
+            <a:pPr lvl="1"/>
+            <a:r>
+              <a:rPr lang="en-US" smtClean="0"/>
+              <a:t>Second level</a:t>
+            </a:r>
+          </a:p>
+          <a:p>
+            <a:pPr lvl="2"/>
+            <a:r>
+              <a:rPr lang="en-US" smtClean="0"/>
+              <a:t>Third level</a:t>
+            </a:r>
+          </a:p>
+          <a:p>
+            <a:pPr lvl="3"/>
+            <a:r>
+              <a:rPr lang="en-US" smtClean="0"/>
+              <a:t>Fourth level</a:t>
+            </a:r>
+          </a:p>
+          <a:p>
+            <a:pPr lvl="4"/>
+            <a:r>
+              <a:rPr lang="en-US" smtClean="0"/>
+              <a:t>Fifth level</a:t>
+            </a:r>
+            <a:endParaRPr lang="en-IN"/>
           </a:p>
         </p:txBody>
       </p:sp>
@@ -3822,6 +3936,13 @@
   <p:clrMapOvr>
     <a:masterClrMapping/>
   </p:clrMapOvr>
+  <p:timing>
+    <p:tnLst>
+      <p:par>
+        <p:cTn id="1" dur="indefinite" restart="never" nodeType="tmRoot"/>
+      </p:par>
+    </p:tnLst>
+  </p:timing>
 </p:sldLayout>
 </file>
 
@@ -4008,7 +4129,7 @@
           <a:p>
             <a:fld id="{119F04BC-213D-4ABC-9D24-2814C4B97E5D}" type="datetimeFigureOut">
               <a:rPr lang="en-IN" smtClean="0"/>
-              <a:t>11-09-2015</a:t>
+              <a:t>13-09-2015</a:t>
             </a:fld>
             <a:endParaRPr lang="en-IN"/>
           </a:p>
@@ -4244,7 +4365,7 @@
           <a:p>
             <a:fld id="{119F04BC-213D-4ABC-9D24-2814C4B97E5D}" type="datetimeFigureOut">
               <a:rPr lang="en-IN" smtClean="0"/>
-              <a:t>11-09-2015</a:t>
+              <a:t>13-09-2015</a:t>
             </a:fld>
             <a:endParaRPr lang="en-IN"/>
           </a:p>
@@ -4710,7 +4831,7 @@
           <a:p>
             <a:fld id="{119F04BC-213D-4ABC-9D24-2814C4B97E5D}" type="datetimeFigureOut">
               <a:rPr lang="en-IN" smtClean="0"/>
-              <a:t>11-09-2015</a:t>
+              <a:t>13-09-2015</a:t>
             </a:fld>
             <a:endParaRPr lang="en-IN"/>
           </a:p>
@@ -4858,7 +4979,7 @@
           <a:p>
             <a:fld id="{119F04BC-213D-4ABC-9D24-2814C4B97E5D}" type="datetimeFigureOut">
               <a:rPr lang="en-IN" smtClean="0"/>
-              <a:t>11-09-2015</a:t>
+              <a:t>13-09-2015</a:t>
             </a:fld>
             <a:endParaRPr lang="en-IN"/>
           </a:p>
@@ -5113,7 +5234,7 @@
           <a:p>
             <a:fld id="{119F04BC-213D-4ABC-9D24-2814C4B97E5D}" type="datetimeFigureOut">
               <a:rPr lang="en-IN" smtClean="0"/>
-              <a:t>11-09-2015</a:t>
+              <a:t>13-09-2015</a:t>
             </a:fld>
             <a:endParaRPr lang="en-IN"/>
           </a:p>
@@ -5413,7 +5534,7 @@
           <a:p>
             <a:fld id="{119F04BC-213D-4ABC-9D24-2814C4B97E5D}" type="datetimeFigureOut">
               <a:rPr lang="en-IN" smtClean="0"/>
-              <a:t>11-09-2015</a:t>
+              <a:t>13-09-2015</a:t>
             </a:fld>
             <a:endParaRPr lang="en-IN"/>
           </a:p>
@@ -5478,9 +5599,12 @@
 <p:sldMaster xmlns:a="http://schemas.openxmlformats.org/drawingml/2006/main" xmlns:r="http://schemas.openxmlformats.org/officeDocument/2006/relationships" xmlns:p="http://schemas.openxmlformats.org/presentationml/2006/main">
   <p:cSld>
     <p:bg>
-      <p:bgRef idx="1003">
-        <a:schemeClr val="bg2"/>
-      </p:bgRef>
+      <p:bgPr>
+        <a:solidFill>
+          <a:schemeClr val="tx1"/>
+        </a:solidFill>
+        <a:effectLst/>
+      </p:bgPr>
     </p:bg>
     <p:spTree>
       <p:nvGrpSpPr>
@@ -5498,6 +5622,397 @@
       </p:grpSpPr>
       <p:sp>
         <p:nvSpPr>
+          <p:cNvPr id="10" name="Freeform 9"/>
+          <p:cNvSpPr>
+            <a:spLocks/>
+          </p:cNvSpPr>
+          <p:nvPr userDrawn="1"/>
+        </p:nvSpPr>
+        <p:spPr bwMode="auto">
+          <a:xfrm>
+            <a:off x="2855911" y="5791200"/>
+            <a:ext cx="6858000" cy="914400"/>
+          </a:xfrm>
+          <a:custGeom>
+            <a:avLst/>
+            <a:gdLst/>
+            <a:ahLst/>
+            <a:cxnLst>
+              <a:cxn ang="0">
+                <a:pos x="17264" y="180"/>
+              </a:cxn>
+              <a:cxn ang="0">
+                <a:pos x="16706" y="689"/>
+              </a:cxn>
+              <a:cxn ang="0">
+                <a:pos x="15959" y="1141"/>
+              </a:cxn>
+              <a:cxn ang="0">
+                <a:pos x="15050" y="1535"/>
+              </a:cxn>
+              <a:cxn ang="0">
+                <a:pos x="14003" y="1871"/>
+              </a:cxn>
+              <a:cxn ang="0">
+                <a:pos x="12844" y="2151"/>
+              </a:cxn>
+              <a:cxn ang="0">
+                <a:pos x="11599" y="2374"/>
+              </a:cxn>
+              <a:cxn ang="0">
+                <a:pos x="10294" y="2540"/>
+              </a:cxn>
+              <a:cxn ang="0">
+                <a:pos x="8951" y="2649"/>
+              </a:cxn>
+              <a:cxn ang="0">
+                <a:pos x="7599" y="2704"/>
+              </a:cxn>
+              <a:cxn ang="0">
+                <a:pos x="6264" y="2702"/>
+              </a:cxn>
+              <a:cxn ang="0">
+                <a:pos x="4968" y="2645"/>
+              </a:cxn>
+              <a:cxn ang="0">
+                <a:pos x="3740" y="2534"/>
+              </a:cxn>
+              <a:cxn ang="0">
+                <a:pos x="2603" y="2367"/>
+              </a:cxn>
+              <a:cxn ang="0">
+                <a:pos x="1584" y="2147"/>
+              </a:cxn>
+              <a:cxn ang="0">
+                <a:pos x="708" y="1871"/>
+              </a:cxn>
+              <a:cxn ang="0">
+                <a:pos x="0" y="1543"/>
+              </a:cxn>
+              <a:cxn ang="0">
+                <a:pos x="341" y="1635"/>
+              </a:cxn>
+              <a:cxn ang="0">
+                <a:pos x="1155" y="1920"/>
+              </a:cxn>
+              <a:cxn ang="0">
+                <a:pos x="2121" y="2151"/>
+              </a:cxn>
+              <a:cxn ang="0">
+                <a:pos x="3215" y="2331"/>
+              </a:cxn>
+              <a:cxn ang="0">
+                <a:pos x="4413" y="2457"/>
+              </a:cxn>
+              <a:cxn ang="0">
+                <a:pos x="5686" y="2531"/>
+              </a:cxn>
+              <a:cxn ang="0">
+                <a:pos x="7011" y="2550"/>
+              </a:cxn>
+              <a:cxn ang="0">
+                <a:pos x="8361" y="2515"/>
+              </a:cxn>
+              <a:cxn ang="0">
+                <a:pos x="9712" y="2426"/>
+              </a:cxn>
+              <a:cxn ang="0">
+                <a:pos x="11037" y="2283"/>
+              </a:cxn>
+              <a:cxn ang="0">
+                <a:pos x="12311" y="2084"/>
+              </a:cxn>
+              <a:cxn ang="0">
+                <a:pos x="13509" y="1831"/>
+              </a:cxn>
+              <a:cxn ang="0">
+                <a:pos x="14604" y="1522"/>
+              </a:cxn>
+              <a:cxn ang="0">
+                <a:pos x="15571" y="1158"/>
+              </a:cxn>
+              <a:cxn ang="0">
+                <a:pos x="16386" y="737"/>
+              </a:cxn>
+              <a:cxn ang="0">
+                <a:pos x="17021" y="260"/>
+              </a:cxn>
+            </a:cxnLst>
+            <a:rect l="0" t="0" r="r" b="b"/>
+            <a:pathLst>
+              <a:path w="17264" h="2710">
+                <a:moveTo>
+                  <a:pt x="17264" y="0"/>
+                </a:moveTo>
+                <a:lnTo>
+                  <a:pt x="17264" y="180"/>
+                </a:lnTo>
+                <a:lnTo>
+                  <a:pt x="17010" y="442"/>
+                </a:lnTo>
+                <a:lnTo>
+                  <a:pt x="16706" y="689"/>
+                </a:lnTo>
+                <a:lnTo>
+                  <a:pt x="16354" y="923"/>
+                </a:lnTo>
+                <a:lnTo>
+                  <a:pt x="15959" y="1141"/>
+                </a:lnTo>
+                <a:lnTo>
+                  <a:pt x="15524" y="1345"/>
+                </a:lnTo>
+                <a:lnTo>
+                  <a:pt x="15050" y="1535"/>
+                </a:lnTo>
+                <a:lnTo>
+                  <a:pt x="14543" y="1710"/>
+                </a:lnTo>
+                <a:lnTo>
+                  <a:pt x="14003" y="1871"/>
+                </a:lnTo>
+                <a:lnTo>
+                  <a:pt x="13437" y="2018"/>
+                </a:lnTo>
+                <a:lnTo>
+                  <a:pt x="12844" y="2151"/>
+                </a:lnTo>
+                <a:lnTo>
+                  <a:pt x="12232" y="2269"/>
+                </a:lnTo>
+                <a:lnTo>
+                  <a:pt x="11599" y="2374"/>
+                </a:lnTo>
+                <a:lnTo>
+                  <a:pt x="10952" y="2464"/>
+                </a:lnTo>
+                <a:lnTo>
+                  <a:pt x="10294" y="2540"/>
+                </a:lnTo>
+                <a:lnTo>
+                  <a:pt x="9625" y="2602"/>
+                </a:lnTo>
+                <a:lnTo>
+                  <a:pt x="8951" y="2649"/>
+                </a:lnTo>
+                <a:lnTo>
+                  <a:pt x="8275" y="2684"/>
+                </a:lnTo>
+                <a:lnTo>
+                  <a:pt x="7599" y="2704"/>
+                </a:lnTo>
+                <a:lnTo>
+                  <a:pt x="6928" y="2710"/>
+                </a:lnTo>
+                <a:lnTo>
+                  <a:pt x="6264" y="2702"/>
+                </a:lnTo>
+                <a:lnTo>
+                  <a:pt x="5609" y="2681"/>
+                </a:lnTo>
+                <a:lnTo>
+                  <a:pt x="4968" y="2645"/>
+                </a:lnTo>
+                <a:lnTo>
+                  <a:pt x="4344" y="2597"/>
+                </a:lnTo>
+                <a:lnTo>
+                  <a:pt x="3740" y="2534"/>
+                </a:lnTo>
+                <a:lnTo>
+                  <a:pt x="3158" y="2457"/>
+                </a:lnTo>
+                <a:lnTo>
+                  <a:pt x="2603" y="2367"/>
+                </a:lnTo>
+                <a:lnTo>
+                  <a:pt x="2077" y="2264"/>
+                </a:lnTo>
+                <a:lnTo>
+                  <a:pt x="1584" y="2147"/>
+                </a:lnTo>
+                <a:lnTo>
+                  <a:pt x="1126" y="2016"/>
+                </a:lnTo>
+                <a:lnTo>
+                  <a:pt x="708" y="1871"/>
+                </a:lnTo>
+                <a:lnTo>
+                  <a:pt x="331" y="1714"/>
+                </a:lnTo>
+                <a:lnTo>
+                  <a:pt x="0" y="1543"/>
+                </a:lnTo>
+                <a:lnTo>
+                  <a:pt x="0" y="1474"/>
+                </a:lnTo>
+                <a:lnTo>
+                  <a:pt x="341" y="1635"/>
+                </a:lnTo>
+                <a:lnTo>
+                  <a:pt x="727" y="1784"/>
+                </a:lnTo>
+                <a:lnTo>
+                  <a:pt x="1155" y="1920"/>
+                </a:lnTo>
+                <a:lnTo>
+                  <a:pt x="1621" y="2042"/>
+                </a:lnTo>
+                <a:lnTo>
+                  <a:pt x="2121" y="2151"/>
+                </a:lnTo>
+                <a:lnTo>
+                  <a:pt x="2654" y="2249"/>
+                </a:lnTo>
+                <a:lnTo>
+                  <a:pt x="3215" y="2331"/>
+                </a:lnTo>
+                <a:lnTo>
+                  <a:pt x="3803" y="2401"/>
+                </a:lnTo>
+                <a:lnTo>
+                  <a:pt x="4413" y="2457"/>
+                </a:lnTo>
+                <a:lnTo>
+                  <a:pt x="5041" y="2500"/>
+                </a:lnTo>
+                <a:lnTo>
+                  <a:pt x="5686" y="2531"/>
+                </a:lnTo>
+                <a:lnTo>
+                  <a:pt x="6343" y="2547"/>
+                </a:lnTo>
+                <a:lnTo>
+                  <a:pt x="7011" y="2550"/>
+                </a:lnTo>
+                <a:lnTo>
+                  <a:pt x="7685" y="2539"/>
+                </a:lnTo>
+                <a:lnTo>
+                  <a:pt x="8361" y="2515"/>
+                </a:lnTo>
+                <a:lnTo>
+                  <a:pt x="9039" y="2478"/>
+                </a:lnTo>
+                <a:lnTo>
+                  <a:pt x="9712" y="2426"/>
+                </a:lnTo>
+                <a:lnTo>
+                  <a:pt x="10379" y="2361"/>
+                </a:lnTo>
+                <a:lnTo>
+                  <a:pt x="11037" y="2283"/>
+                </a:lnTo>
+                <a:lnTo>
+                  <a:pt x="11682" y="2190"/>
+                </a:lnTo>
+                <a:lnTo>
+                  <a:pt x="12311" y="2084"/>
+                </a:lnTo>
+                <a:lnTo>
+                  <a:pt x="12921" y="1964"/>
+                </a:lnTo>
+                <a:lnTo>
+                  <a:pt x="13509" y="1831"/>
+                </a:lnTo>
+                <a:lnTo>
+                  <a:pt x="14070" y="1683"/>
+                </a:lnTo>
+                <a:lnTo>
+                  <a:pt x="14604" y="1522"/>
+                </a:lnTo>
+                <a:lnTo>
+                  <a:pt x="15105" y="1347"/>
+                </a:lnTo>
+                <a:lnTo>
+                  <a:pt x="15571" y="1158"/>
+                </a:lnTo>
+                <a:lnTo>
+                  <a:pt x="15999" y="954"/>
+                </a:lnTo>
+                <a:lnTo>
+                  <a:pt x="16386" y="737"/>
+                </a:lnTo>
+                <a:lnTo>
+                  <a:pt x="16728" y="506"/>
+                </a:lnTo>
+                <a:lnTo>
+                  <a:pt x="17021" y="260"/>
+                </a:lnTo>
+                <a:lnTo>
+                  <a:pt x="17264" y="0"/>
+                </a:lnTo>
+                <a:close/>
+              </a:path>
+            </a:pathLst>
+          </a:custGeom>
+          <a:gradFill flip="none" rotWithShape="1">
+            <a:gsLst>
+              <a:gs pos="0">
+                <a:sysClr val="window" lastClr="FFFFFF">
+                  <a:alpha val="30000"/>
+                </a:sysClr>
+              </a:gs>
+              <a:gs pos="50000">
+                <a:srgbClr val="9CB084"/>
+              </a:gs>
+              <a:gs pos="100000">
+                <a:sysClr val="window" lastClr="FFFFFF">
+                  <a:alpha val="30000"/>
+                </a:sysClr>
+              </a:gs>
+            </a:gsLst>
+            <a:lin ang="0" scaled="1"/>
+            <a:tileRect/>
+          </a:gradFill>
+          <a:ln w="9525">
+            <a:noFill/>
+            <a:round/>
+            <a:headEnd/>
+            <a:tailEnd/>
+          </a:ln>
+        </p:spPr>
+        <p:txBody>
+          <a:bodyPr vert="horz" wrap="square" lIns="91440" tIns="45720" rIns="91440" bIns="45720" numCol="1" anchor="t" anchorCtr="0" compatLnSpc="1">
+            <a:prstTxWarp prst="textNoShape">
+              <a:avLst/>
+            </a:prstTxWarp>
+          </a:bodyPr>
+          <a:lstStyle/>
+          <a:p>
+            <a:pPr marL="0" marR="0" lvl="0" indent="0" defTabSz="914400" eaLnBrk="1" fontAlgn="auto" latinLnBrk="0" hangingPunct="1">
+              <a:lnSpc>
+                <a:spcPct val="100000"/>
+              </a:lnSpc>
+              <a:spcBef>
+                <a:spcPts val="0"/>
+              </a:spcBef>
+              <a:spcAft>
+                <a:spcPts val="0"/>
+              </a:spcAft>
+              <a:buClrTx/>
+              <a:buSzTx/>
+              <a:buFontTx/>
+              <a:buNone/>
+              <a:tabLst/>
+              <a:defRPr/>
+            </a:pPr>
+            <a:endParaRPr kumimoji="0" lang="en-US" sz="1800" b="0" i="0" u="none" strike="noStrike" kern="0" cap="none" spc="0" normalizeH="0" baseline="0" noProof="0" smtClean="0">
+              <a:ln>
+                <a:noFill/>
+              </a:ln>
+              <a:solidFill>
+                <a:prstClr val="black"/>
+              </a:solidFill>
+              <a:effectLst/>
+              <a:uLnTx/>
+              <a:uFillTx/>
+            </a:endParaRPr>
+          </a:p>
+        </p:txBody>
+      </p:sp>
+      <p:sp>
+        <p:nvSpPr>
           <p:cNvPr id="2" name="Title Placeholder 1"/>
           <p:cNvSpPr>
             <a:spLocks noGrp="1"/>
@@ -5529,7 +6044,7 @@
           <a:lstStyle/>
           <a:p>
             <a:r>
-              <a:rPr lang="en-US" smtClean="0"/>
+              <a:rPr lang="en-US" dirty="0" smtClean="0"/>
               <a:t>Click to edit Master title style</a:t>
             </a:r>
             <a:endParaRPr lang="en-US" dirty="0"/>
@@ -5570,35 +6085,35 @@
           <a:p>
             <a:pPr lvl="0"/>
             <a:r>
-              <a:rPr lang="en-US" smtClean="0"/>
+              <a:rPr lang="en-US" dirty="0" smtClean="0"/>
               <a:t>Click to edit Master text styles</a:t>
             </a:r>
           </a:p>
           <a:p>
             <a:pPr lvl="1"/>
             <a:r>
-              <a:rPr lang="en-US" smtClean="0"/>
+              <a:rPr lang="en-US" dirty="0" smtClean="0"/>
               <a:t>Second level</a:t>
             </a:r>
           </a:p>
           <a:p>
             <a:pPr lvl="2"/>
             <a:r>
-              <a:rPr lang="en-US" smtClean="0"/>
+              <a:rPr lang="en-US" dirty="0" smtClean="0"/>
               <a:t>Third level</a:t>
             </a:r>
           </a:p>
           <a:p>
             <a:pPr lvl="3"/>
             <a:r>
-              <a:rPr lang="en-US" smtClean="0"/>
+              <a:rPr lang="en-US" dirty="0" smtClean="0"/>
               <a:t>Fourth level</a:t>
             </a:r>
           </a:p>
           <a:p>
             <a:pPr lvl="4"/>
             <a:r>
-              <a:rPr lang="en-US" smtClean="0"/>
+              <a:rPr lang="en-US" dirty="0" smtClean="0"/>
               <a:t>Fifth level</a:t>
             </a:r>
             <a:endParaRPr lang="en-US" dirty="0"/>
@@ -5647,7 +6162,7 @@
           <a:p>
             <a:fld id="{119F04BC-213D-4ABC-9D24-2814C4B97E5D}" type="datetimeFigureOut">
               <a:rPr lang="en-IN" smtClean="0"/>
-              <a:t>11-09-2015</a:t>
+              <a:t>13-09-2015</a:t>
             </a:fld>
             <a:endParaRPr lang="en-IN"/>
           </a:p>
@@ -5742,6 +6257,273 @@
               <a:t>‹#›</a:t>
             </a:fld>
             <a:endParaRPr lang="en-IN"/>
+          </a:p>
+        </p:txBody>
+      </p:sp>
+      <p:sp>
+        <p:nvSpPr>
+          <p:cNvPr id="7" name="Freeform 6"/>
+          <p:cNvSpPr>
+            <a:spLocks/>
+          </p:cNvSpPr>
+          <p:nvPr userDrawn="1"/>
+        </p:nvSpPr>
+        <p:spPr bwMode="auto">
+          <a:xfrm>
+            <a:off x="11102975" y="0"/>
+            <a:ext cx="1089025" cy="2663164"/>
+          </a:xfrm>
+          <a:custGeom>
+            <a:avLst/>
+            <a:gdLst/>
+            <a:ahLst/>
+            <a:cxnLst>
+              <a:cxn ang="0">
+                <a:pos x="0" y="0"/>
+              </a:cxn>
+              <a:cxn ang="0">
+                <a:pos x="1432" y="0"/>
+              </a:cxn>
+              <a:cxn ang="0">
+                <a:pos x="1432" y="3492"/>
+              </a:cxn>
+              <a:cxn ang="0">
+                <a:pos x="1419" y="3252"/>
+              </a:cxn>
+              <a:cxn ang="0">
+                <a:pos x="1406" y="3024"/>
+              </a:cxn>
+              <a:cxn ang="0">
+                <a:pos x="1393" y="2807"/>
+              </a:cxn>
+              <a:cxn ang="0">
+                <a:pos x="1379" y="2601"/>
+              </a:cxn>
+              <a:cxn ang="0">
+                <a:pos x="1364" y="2407"/>
+              </a:cxn>
+              <a:cxn ang="0">
+                <a:pos x="1348" y="2222"/>
+              </a:cxn>
+              <a:cxn ang="0">
+                <a:pos x="1330" y="2047"/>
+              </a:cxn>
+              <a:cxn ang="0">
+                <a:pos x="1311" y="1881"/>
+              </a:cxn>
+              <a:cxn ang="0">
+                <a:pos x="1291" y="1726"/>
+              </a:cxn>
+              <a:cxn ang="0">
+                <a:pos x="1268" y="1580"/>
+              </a:cxn>
+              <a:cxn ang="0">
+                <a:pos x="1245" y="1442"/>
+              </a:cxn>
+              <a:cxn ang="0">
+                <a:pos x="1218" y="1313"/>
+              </a:cxn>
+              <a:cxn ang="0">
+                <a:pos x="1190" y="1192"/>
+              </a:cxn>
+              <a:cxn ang="0">
+                <a:pos x="1158" y="1078"/>
+              </a:cxn>
+              <a:cxn ang="0">
+                <a:pos x="1125" y="973"/>
+              </a:cxn>
+              <a:cxn ang="0">
+                <a:pos x="1089" y="873"/>
+              </a:cxn>
+              <a:cxn ang="0">
+                <a:pos x="1049" y="781"/>
+              </a:cxn>
+              <a:cxn ang="0">
+                <a:pos x="1007" y="696"/>
+              </a:cxn>
+              <a:cxn ang="0">
+                <a:pos x="962" y="617"/>
+              </a:cxn>
+              <a:cxn ang="0">
+                <a:pos x="913" y="544"/>
+              </a:cxn>
+              <a:cxn ang="0">
+                <a:pos x="860" y="475"/>
+              </a:cxn>
+              <a:cxn ang="0">
+                <a:pos x="804" y="413"/>
+              </a:cxn>
+              <a:cxn ang="0">
+                <a:pos x="744" y="354"/>
+              </a:cxn>
+              <a:cxn ang="0">
+                <a:pos x="680" y="301"/>
+              </a:cxn>
+              <a:cxn ang="0">
+                <a:pos x="611" y="252"/>
+              </a:cxn>
+              <a:cxn ang="0">
+                <a:pos x="539" y="206"/>
+              </a:cxn>
+              <a:cxn ang="0">
+                <a:pos x="461" y="165"/>
+              </a:cxn>
+              <a:cxn ang="0">
+                <a:pos x="379" y="128"/>
+              </a:cxn>
+              <a:cxn ang="0">
+                <a:pos x="292" y="92"/>
+              </a:cxn>
+              <a:cxn ang="0">
+                <a:pos x="200" y="59"/>
+              </a:cxn>
+              <a:cxn ang="0">
+                <a:pos x="103" y="28"/>
+              </a:cxn>
+              <a:cxn ang="0">
+                <a:pos x="0" y="0"/>
+              </a:cxn>
+            </a:cxnLst>
+            <a:rect l="0" t="0" r="r" b="b"/>
+            <a:pathLst>
+              <a:path w="1432" h="3492">
+                <a:moveTo>
+                  <a:pt x="0" y="0"/>
+                </a:moveTo>
+                <a:lnTo>
+                  <a:pt x="1432" y="0"/>
+                </a:lnTo>
+                <a:lnTo>
+                  <a:pt x="1432" y="3492"/>
+                </a:lnTo>
+                <a:lnTo>
+                  <a:pt x="1419" y="3252"/>
+                </a:lnTo>
+                <a:lnTo>
+                  <a:pt x="1406" y="3024"/>
+                </a:lnTo>
+                <a:lnTo>
+                  <a:pt x="1393" y="2807"/>
+                </a:lnTo>
+                <a:lnTo>
+                  <a:pt x="1379" y="2601"/>
+                </a:lnTo>
+                <a:lnTo>
+                  <a:pt x="1364" y="2407"/>
+                </a:lnTo>
+                <a:lnTo>
+                  <a:pt x="1348" y="2222"/>
+                </a:lnTo>
+                <a:lnTo>
+                  <a:pt x="1330" y="2047"/>
+                </a:lnTo>
+                <a:lnTo>
+                  <a:pt x="1311" y="1881"/>
+                </a:lnTo>
+                <a:lnTo>
+                  <a:pt x="1291" y="1726"/>
+                </a:lnTo>
+                <a:lnTo>
+                  <a:pt x="1268" y="1580"/>
+                </a:lnTo>
+                <a:lnTo>
+                  <a:pt x="1245" y="1442"/>
+                </a:lnTo>
+                <a:lnTo>
+                  <a:pt x="1218" y="1313"/>
+                </a:lnTo>
+                <a:lnTo>
+                  <a:pt x="1190" y="1192"/>
+                </a:lnTo>
+                <a:lnTo>
+                  <a:pt x="1158" y="1078"/>
+                </a:lnTo>
+                <a:lnTo>
+                  <a:pt x="1125" y="973"/>
+                </a:lnTo>
+                <a:lnTo>
+                  <a:pt x="1089" y="873"/>
+                </a:lnTo>
+                <a:lnTo>
+                  <a:pt x="1049" y="781"/>
+                </a:lnTo>
+                <a:lnTo>
+                  <a:pt x="1007" y="696"/>
+                </a:lnTo>
+                <a:lnTo>
+                  <a:pt x="962" y="617"/>
+                </a:lnTo>
+                <a:lnTo>
+                  <a:pt x="913" y="544"/>
+                </a:lnTo>
+                <a:lnTo>
+                  <a:pt x="860" y="475"/>
+                </a:lnTo>
+                <a:lnTo>
+                  <a:pt x="804" y="413"/>
+                </a:lnTo>
+                <a:lnTo>
+                  <a:pt x="744" y="354"/>
+                </a:lnTo>
+                <a:lnTo>
+                  <a:pt x="680" y="301"/>
+                </a:lnTo>
+                <a:lnTo>
+                  <a:pt x="611" y="252"/>
+                </a:lnTo>
+                <a:lnTo>
+                  <a:pt x="539" y="206"/>
+                </a:lnTo>
+                <a:lnTo>
+                  <a:pt x="461" y="165"/>
+                </a:lnTo>
+                <a:lnTo>
+                  <a:pt x="379" y="128"/>
+                </a:lnTo>
+                <a:lnTo>
+                  <a:pt x="292" y="92"/>
+                </a:lnTo>
+                <a:lnTo>
+                  <a:pt x="200" y="59"/>
+                </a:lnTo>
+                <a:lnTo>
+                  <a:pt x="103" y="28"/>
+                </a:lnTo>
+                <a:lnTo>
+                  <a:pt x="0" y="0"/>
+                </a:lnTo>
+                <a:close/>
+              </a:path>
+            </a:pathLst>
+          </a:custGeom>
+          <a:ln>
+            <a:headEnd/>
+            <a:tailEnd/>
+          </a:ln>
+        </p:spPr>
+        <p:style>
+          <a:lnRef idx="0">
+            <a:schemeClr val="dk1"/>
+          </a:lnRef>
+          <a:fillRef idx="3">
+            <a:schemeClr val="dk1"/>
+          </a:fillRef>
+          <a:effectRef idx="3">
+            <a:schemeClr val="dk1"/>
+          </a:effectRef>
+          <a:fontRef idx="minor">
+            <a:schemeClr val="lt1"/>
+          </a:fontRef>
+        </p:style>
+        <p:txBody>
+          <a:bodyPr vert="horz" wrap="square" lIns="91440" tIns="45720" rIns="91440" bIns="45720" numCol="1" anchor="t" anchorCtr="0" compatLnSpc="1">
+            <a:prstTxWarp prst="textNoShape">
+              <a:avLst/>
+            </a:prstTxWarp>
+          </a:bodyPr>
+          <a:lstStyle/>
+          <a:p>
+            <a:endParaRPr lang="en-US"/>
           </a:p>
         </p:txBody>
       </p:sp>
@@ -5772,6 +6554,13 @@
     <p:sldLayoutId id="2147483688" r:id="rId16"/>
     <p:sldLayoutId id="2147483689" r:id="rId17"/>
   </p:sldLayoutIdLst>
+  <p:timing>
+    <p:tnLst>
+      <p:par>
+        <p:cTn id="1" dur="indefinite" restart="never" nodeType="tmRoot"/>
+      </p:par>
+    </p:tnLst>
+  </p:timing>
   <p:txStyles>
     <p:titleStyle>
       <a:lvl1pPr algn="ctr" defTabSz="457200" rtl="0" eaLnBrk="1" latinLnBrk="0" hangingPunct="1">
@@ -5779,25 +6568,17 @@
           <a:spcPct val="0"/>
         </a:spcBef>
         <a:buNone/>
-        <a:defRPr sz="4000" kern="1200">
-          <a:ln>
-            <a:solidFill>
-              <a:schemeClr val="bg1">
-                <a:lumMod val="75000"/>
-                <a:lumOff val="25000"/>
-                <a:alpha val="10000"/>
-              </a:schemeClr>
-            </a:solidFill>
-          </a:ln>
+        <a:defRPr sz="4000" b="1" kern="1200" cap="none" spc="50">
+          <a:ln w="0"/>
           <a:solidFill>
-            <a:schemeClr val="tx2"/>
+            <a:schemeClr val="bg2"/>
           </a:solidFill>
           <a:effectLst>
-            <a:outerShdw blurRad="9525" dist="25400" dir="14640000" algn="tl" rotWithShape="0">
-              <a:schemeClr val="bg1">
-                <a:alpha val="30000"/>
-              </a:schemeClr>
-            </a:outerShdw>
+            <a:innerShdw blurRad="63500" dist="50800" dir="13500000">
+              <a:srgbClr val="000000">
+                <a:alpha val="50000"/>
+              </a:srgbClr>
+            </a:innerShdw>
           </a:effectLst>
           <a:latin typeface="+mj-lt"/>
           <a:ea typeface="+mj-ea"/>
@@ -5875,26 +6656,14 @@
         <a:buSzPct val="70000"/>
         <a:buFont typeface="Wingdings 2" charset="2"/>
         <a:buChar char=""/>
-        <a:defRPr sz="2000" kern="1200">
+        <a:defRPr sz="2000" b="0" kern="1200" cap="none" spc="0">
           <a:ln>
-            <a:solidFill>
-              <a:schemeClr val="bg1">
-                <a:lumMod val="75000"/>
-                <a:lumOff val="25000"/>
-                <a:alpha val="10000"/>
-              </a:schemeClr>
-            </a:solidFill>
+            <a:noFill/>
           </a:ln>
           <a:solidFill>
-            <a:schemeClr val="tx2"/>
+            <a:srgbClr val="363636"/>
           </a:solidFill>
-          <a:effectLst>
-            <a:outerShdw blurRad="9525" dist="25400" dir="14640000" algn="tl" rotWithShape="0">
-              <a:schemeClr val="bg1">
-                <a:alpha val="30000"/>
-              </a:schemeClr>
-            </a:outerShdw>
-          </a:effectLst>
+          <a:effectLst/>
           <a:latin typeface="+mn-lt"/>
           <a:ea typeface="+mn-ea"/>
           <a:cs typeface="+mn-cs"/>
@@ -5913,26 +6682,14 @@
         <a:buSzPct val="70000"/>
         <a:buFont typeface="Wingdings 2" charset="2"/>
         <a:buChar char=""/>
-        <a:defRPr sz="1800" kern="1200">
+        <a:defRPr sz="1800" b="0" kern="1200" cap="none" spc="0">
           <a:ln>
-            <a:solidFill>
-              <a:schemeClr val="bg1">
-                <a:lumMod val="75000"/>
-                <a:lumOff val="25000"/>
-                <a:alpha val="10000"/>
-              </a:schemeClr>
-            </a:solidFill>
+            <a:noFill/>
           </a:ln>
           <a:solidFill>
-            <a:schemeClr val="tx2"/>
+            <a:srgbClr val="363636"/>
           </a:solidFill>
-          <a:effectLst>
-            <a:outerShdw blurRad="9525" dist="25400" dir="14640000" algn="tl" rotWithShape="0">
-              <a:schemeClr val="bg1">
-                <a:alpha val="30000"/>
-              </a:schemeClr>
-            </a:outerShdw>
-          </a:effectLst>
+          <a:effectLst/>
           <a:latin typeface="+mn-lt"/>
           <a:ea typeface="+mn-ea"/>
           <a:cs typeface="+mn-cs"/>
@@ -5951,26 +6708,14 @@
         <a:buSzPct val="70000"/>
         <a:buFont typeface="Wingdings 2" charset="2"/>
         <a:buChar char=""/>
-        <a:defRPr sz="1600" kern="1200">
+        <a:defRPr sz="1600" b="0" kern="1200" cap="none" spc="0">
           <a:ln>
-            <a:solidFill>
-              <a:schemeClr val="bg1">
-                <a:lumMod val="75000"/>
-                <a:lumOff val="25000"/>
-                <a:alpha val="10000"/>
-              </a:schemeClr>
-            </a:solidFill>
+            <a:noFill/>
           </a:ln>
           <a:solidFill>
-            <a:schemeClr val="tx2"/>
+            <a:srgbClr val="363636"/>
           </a:solidFill>
-          <a:effectLst>
-            <a:outerShdw blurRad="9525" dist="25400" dir="14640000" algn="tl" rotWithShape="0">
-              <a:schemeClr val="bg1">
-                <a:alpha val="30000"/>
-              </a:schemeClr>
-            </a:outerShdw>
-          </a:effectLst>
+          <a:effectLst/>
           <a:latin typeface="+mn-lt"/>
           <a:ea typeface="+mn-ea"/>
           <a:cs typeface="+mn-cs"/>
@@ -5989,26 +6734,14 @@
         <a:buSzPct val="70000"/>
         <a:buFont typeface="Wingdings 2" charset="2"/>
         <a:buChar char=""/>
-        <a:defRPr sz="1400" kern="1200">
+        <a:defRPr sz="1400" b="0" kern="1200" cap="none" spc="0">
           <a:ln>
-            <a:solidFill>
-              <a:schemeClr val="bg1">
-                <a:lumMod val="75000"/>
-                <a:lumOff val="25000"/>
-                <a:alpha val="10000"/>
-              </a:schemeClr>
-            </a:solidFill>
+            <a:noFill/>
           </a:ln>
           <a:solidFill>
-            <a:schemeClr val="tx2"/>
+            <a:srgbClr val="363636"/>
           </a:solidFill>
-          <a:effectLst>
-            <a:outerShdw blurRad="9525" dist="25400" dir="14640000" algn="tl" rotWithShape="0">
-              <a:schemeClr val="bg1">
-                <a:alpha val="30000"/>
-              </a:schemeClr>
-            </a:outerShdw>
-          </a:effectLst>
+          <a:effectLst/>
           <a:latin typeface="+mn-lt"/>
           <a:ea typeface="+mn-ea"/>
           <a:cs typeface="+mn-cs"/>
@@ -6027,26 +6760,14 @@
         <a:buSzPct val="70000"/>
         <a:buFont typeface="Wingdings 2" charset="2"/>
         <a:buChar char=""/>
-        <a:defRPr sz="1400" kern="1200">
+        <a:defRPr sz="1400" b="0" kern="1200" cap="none" spc="0">
           <a:ln>
-            <a:solidFill>
-              <a:schemeClr val="bg1">
-                <a:lumMod val="75000"/>
-                <a:lumOff val="25000"/>
-                <a:alpha val="10000"/>
-              </a:schemeClr>
-            </a:solidFill>
+            <a:noFill/>
           </a:ln>
           <a:solidFill>
-            <a:schemeClr val="tx2"/>
+            <a:srgbClr val="363636"/>
           </a:solidFill>
-          <a:effectLst>
-            <a:outerShdw blurRad="9525" dist="25400" dir="14640000" algn="tl" rotWithShape="0">
-              <a:schemeClr val="bg1">
-                <a:alpha val="30000"/>
-              </a:schemeClr>
-            </a:outerShdw>
-          </a:effectLst>
+          <a:effectLst/>
           <a:latin typeface="+mn-lt"/>
           <a:ea typeface="+mn-ea"/>
           <a:cs typeface="+mn-cs"/>
@@ -6333,14 +7054,28 @@
         </p:nvSpPr>
         <p:spPr/>
         <p:txBody>
-          <a:bodyPr/>
-          <a:lstStyle/>
-          <a:p>
-            <a:r>
-              <a:rPr lang="en-IN" dirty="0" smtClean="0"/>
+          <a:bodyPr>
+            <a:normAutofit/>
+            <a:scene3d>
+              <a:camera prst="orthographicFront"/>
+              <a:lightRig rig="harsh" dir="t"/>
+            </a:scene3d>
+            <a:sp3d extrusionH="57150" prstMaterial="matte">
+              <a:bevelT w="63500" h="12700" prst="angle"/>
+              <a:contourClr>
+                <a:schemeClr val="bg1">
+                  <a:lumMod val="65000"/>
+                </a:schemeClr>
+              </a:contourClr>
+            </a:sp3d>
+          </a:bodyPr>
+          <a:lstStyle/>
+          <a:p>
+            <a:r>
+              <a:rPr lang="en-IN" sz="7200" dirty="0" smtClean="0"/>
               <a:t>Attendance Wireframes</a:t>
             </a:r>
-            <a:endParaRPr lang="en-IN" dirty="0"/>
+            <a:endParaRPr lang="en-IN" sz="7200" dirty="0"/>
           </a:p>
         </p:txBody>
       </p:sp>
@@ -6360,10 +7095,68 @@
           <a:lstStyle/>
           <a:p>
             <a:r>
-              <a:rPr lang="en-IN" smtClean="0"/>
-              <a:t>Rujoota Shah</a:t>
-            </a:r>
-            <a:endParaRPr lang="en-IN"/>
+              <a:rPr lang="en-IN" b="1" spc="50" dirty="0" smtClean="0">
+                <a:ln w="0"/>
+                <a:solidFill>
+                  <a:schemeClr val="bg2"/>
+                </a:solidFill>
+                <a:effectLst>
+                  <a:innerShdw blurRad="63500" dist="50800" dir="13500000">
+                    <a:srgbClr val="000000">
+                      <a:alpha val="50000"/>
+                    </a:srgbClr>
+                  </a:innerShdw>
+                </a:effectLst>
+              </a:rPr>
+              <a:t>Rujoota </a:t>
+            </a:r>
+            <a:r>
+              <a:rPr lang="en-IN" b="1" spc="50" dirty="0" smtClean="0">
+                <a:ln w="0"/>
+                <a:solidFill>
+                  <a:schemeClr val="bg2"/>
+                </a:solidFill>
+                <a:effectLst>
+                  <a:innerShdw blurRad="63500" dist="50800" dir="13500000">
+                    <a:srgbClr val="000000">
+                      <a:alpha val="50000"/>
+                    </a:srgbClr>
+                  </a:innerShdw>
+                </a:effectLst>
+              </a:rPr>
+              <a:t>Shah</a:t>
+            </a:r>
+          </a:p>
+          <a:p>
+            <a:r>
+              <a:rPr lang="en-IN" b="1" spc="50" dirty="0" smtClean="0">
+                <a:ln w="0"/>
+                <a:solidFill>
+                  <a:schemeClr val="bg2"/>
+                </a:solidFill>
+                <a:effectLst>
+                  <a:innerShdw blurRad="63500" dist="50800" dir="13500000">
+                    <a:srgbClr val="000000">
+                      <a:alpha val="50000"/>
+                    </a:srgbClr>
+                  </a:innerShdw>
+                </a:effectLst>
+              </a:rPr>
+              <a:t>Student id - 915717457</a:t>
+            </a:r>
+            <a:endParaRPr lang="en-IN" b="1" spc="50" dirty="0">
+              <a:ln w="0"/>
+              <a:solidFill>
+                <a:schemeClr val="bg2"/>
+              </a:solidFill>
+              <a:effectLst>
+                <a:innerShdw blurRad="63500" dist="50800" dir="13500000">
+                  <a:srgbClr val="000000">
+                    <a:alpha val="50000"/>
+                  </a:srgbClr>
+                </a:innerShdw>
+              </a:effectLst>
+            </a:endParaRPr>
           </a:p>
         </p:txBody>
       </p:sp>
@@ -6390,6 +7183,14 @@
 <file path=ppt/slides/slide10.xml><?xml version="1.0" encoding="utf-8"?>
 <p:sld xmlns:a="http://schemas.openxmlformats.org/drawingml/2006/main" xmlns:r="http://schemas.openxmlformats.org/officeDocument/2006/relationships" xmlns:p="http://schemas.openxmlformats.org/presentationml/2006/main">
   <p:cSld>
+    <p:bg>
+      <p:bgPr>
+        <a:solidFill>
+          <a:schemeClr val="tx1"/>
+        </a:solidFill>
+        <a:effectLst/>
+      </p:bgPr>
+    </p:bg>
     <p:spTree>
       <p:nvGrpSpPr>
         <p:cNvPr id="1" name=""/>
@@ -6420,45 +7221,588 @@
           <a:lstStyle/>
           <a:p>
             <a:r>
-              <a:rPr lang="en-IN" smtClean="0"/>
-              <a:t>Email id verfication</a:t>
-            </a:r>
-            <a:endParaRPr lang="en-IN"/>
-          </a:p>
-        </p:txBody>
-      </p:sp>
-      <p:sp>
-        <p:nvSpPr>
-          <p:cNvPr id="3" name="Content Placeholder 2"/>
-          <p:cNvSpPr>
-            <a:spLocks noGrp="1"/>
-          </p:cNvSpPr>
-          <p:nvPr>
-            <p:ph idx="4294967295"/>
-          </p:nvPr>
-        </p:nvSpPr>
-        <p:spPr>
-          <a:xfrm>
-            <a:off x="913795" y="1732449"/>
-            <a:ext cx="10353762" cy="4058751"/>
-          </a:xfrm>
-        </p:spPr>
-        <p:txBody>
-          <a:bodyPr/>
-          <a:lstStyle/>
-          <a:p>
-            <a:r>
               <a:rPr lang="en-IN" dirty="0" smtClean="0"/>
-              <a:t>Opens browser, popping up “Your email-abc@gmail.com is verified”</a:t>
+              <a:t>: Menu</a:t>
             </a:r>
             <a:endParaRPr lang="en-IN" dirty="0"/>
           </a:p>
         </p:txBody>
       </p:sp>
+      <p:grpSp>
+        <p:nvGrpSpPr>
+          <p:cNvPr id="14" name="Group 13"/>
+          <p:cNvGrpSpPr/>
+          <p:nvPr/>
+        </p:nvGrpSpPr>
+        <p:grpSpPr>
+          <a:xfrm>
+            <a:off x="4121237" y="794441"/>
+            <a:ext cx="3966693" cy="5902573"/>
+            <a:chOff x="4121237" y="794441"/>
+            <a:chExt cx="3966693" cy="5902573"/>
+          </a:xfrm>
+        </p:grpSpPr>
+        <p:sp>
+          <p:nvSpPr>
+            <p:cNvPr id="4" name="Rectangle 3"/>
+            <p:cNvSpPr/>
+            <p:nvPr/>
+          </p:nvSpPr>
+          <p:spPr>
+            <a:xfrm>
+              <a:off x="4121237" y="794441"/>
+              <a:ext cx="3966693" cy="5902573"/>
+            </a:xfrm>
+            <a:prstGeom prst="rect">
+              <a:avLst/>
+            </a:prstGeom>
+          </p:spPr>
+          <p:style>
+            <a:lnRef idx="2">
+              <a:schemeClr val="accent6"/>
+            </a:lnRef>
+            <a:fillRef idx="1">
+              <a:schemeClr val="lt1"/>
+            </a:fillRef>
+            <a:effectRef idx="0">
+              <a:schemeClr val="accent6"/>
+            </a:effectRef>
+            <a:fontRef idx="minor">
+              <a:schemeClr val="dk1"/>
+            </a:fontRef>
+          </p:style>
+          <p:txBody>
+            <a:bodyPr rtlCol="0" anchor="ctr"/>
+            <a:lstStyle/>
+            <a:p>
+              <a:pPr algn="ctr"/>
+              <a:endParaRPr lang="en-IN">
+                <a:latin typeface="Calibri" panose="020F0502020204030204" pitchFamily="34" charset="0"/>
+              </a:endParaRPr>
+            </a:p>
+          </p:txBody>
+        </p:sp>
+        <p:sp>
+          <p:nvSpPr>
+            <p:cNvPr id="7" name="Rectangle 6"/>
+            <p:cNvSpPr/>
+            <p:nvPr/>
+          </p:nvSpPr>
+          <p:spPr>
+            <a:xfrm>
+              <a:off x="4121237" y="794441"/>
+              <a:ext cx="3966693" cy="441931"/>
+            </a:xfrm>
+            <a:prstGeom prst="rect">
+              <a:avLst/>
+            </a:prstGeom>
+            <a:ln>
+              <a:noFill/>
+            </a:ln>
+          </p:spPr>
+          <p:style>
+            <a:lnRef idx="3">
+              <a:schemeClr val="lt1"/>
+            </a:lnRef>
+            <a:fillRef idx="1">
+              <a:schemeClr val="accent4"/>
+            </a:fillRef>
+            <a:effectRef idx="1">
+              <a:schemeClr val="accent4"/>
+            </a:effectRef>
+            <a:fontRef idx="minor">
+              <a:schemeClr val="lt1"/>
+            </a:fontRef>
+          </p:style>
+          <p:txBody>
+            <a:bodyPr rtlCol="0" anchor="ctr"/>
+            <a:lstStyle/>
+            <a:p>
+              <a:pPr algn="ctr"/>
+              <a:r>
+                <a:rPr lang="en-IN" dirty="0" smtClean="0">
+                  <a:solidFill>
+                    <a:schemeClr val="bg1"/>
+                  </a:solidFill>
+                  <a:latin typeface="Calibri" panose="020F0502020204030204" pitchFamily="34" charset="0"/>
+                </a:rPr>
+                <a:t>Attendance</a:t>
+              </a:r>
+              <a:r>
+                <a:rPr lang="en-IN" dirty="0" smtClean="0">
+                  <a:latin typeface="Calibri" panose="020F0502020204030204" pitchFamily="34" charset="0"/>
+                </a:rPr>
+                <a:t>		</a:t>
+              </a:r>
+              <a:r>
+                <a:rPr lang="en-IN" dirty="0">
+                  <a:latin typeface="Calibri" panose="020F0502020204030204" pitchFamily="34" charset="0"/>
+                </a:rPr>
+                <a:t> </a:t>
+              </a:r>
+              <a:r>
+                <a:rPr lang="en-IN" dirty="0" smtClean="0">
+                  <a:latin typeface="Calibri" panose="020F0502020204030204" pitchFamily="34" charset="0"/>
+                </a:rPr>
+                <a:t>             </a:t>
+              </a:r>
+              <a:r>
+                <a:rPr lang="en-IN" dirty="0" smtClean="0">
+                  <a:solidFill>
+                    <a:schemeClr val="bg1"/>
+                  </a:solidFill>
+                  <a:latin typeface="Calibri" panose="020F0502020204030204" pitchFamily="34" charset="0"/>
+                </a:rPr>
+                <a:t>:	</a:t>
+              </a:r>
+              <a:endParaRPr lang="en-IN" dirty="0">
+                <a:solidFill>
+                  <a:schemeClr val="bg1"/>
+                </a:solidFill>
+                <a:latin typeface="Calibri" panose="020F0502020204030204" pitchFamily="34" charset="0"/>
+              </a:endParaRPr>
+            </a:p>
+          </p:txBody>
+        </p:sp>
+      </p:grpSp>
+      <p:sp>
+        <p:nvSpPr>
+          <p:cNvPr id="5" name="Rectangle 4"/>
+          <p:cNvSpPr/>
+          <p:nvPr/>
+        </p:nvSpPr>
+        <p:spPr>
+          <a:xfrm>
+            <a:off x="5658201" y="1236374"/>
+            <a:ext cx="2375097" cy="3141345"/>
+          </a:xfrm>
+          <a:prstGeom prst="rect">
+            <a:avLst/>
+          </a:prstGeom>
+        </p:spPr>
+        <p:style>
+          <a:lnRef idx="2">
+            <a:schemeClr val="accent6"/>
+          </a:lnRef>
+          <a:fillRef idx="1">
+            <a:schemeClr val="lt1"/>
+          </a:fillRef>
+          <a:effectRef idx="0">
+            <a:schemeClr val="accent6"/>
+          </a:effectRef>
+          <a:fontRef idx="minor">
+            <a:schemeClr val="dk1"/>
+          </a:fontRef>
+        </p:style>
+        <p:txBody>
+          <a:bodyPr rtlCol="0" anchor="t"/>
+          <a:lstStyle/>
+          <a:p>
+            <a:r>
+              <a:rPr lang="en-IN" dirty="0" smtClean="0"/>
+              <a:t>       Home</a:t>
+            </a:r>
+          </a:p>
+          <a:p>
+            <a:endParaRPr lang="en-IN" dirty="0"/>
+          </a:p>
+          <a:p>
+            <a:r>
+              <a:rPr lang="en-IN" dirty="0" smtClean="0"/>
+              <a:t>         Share</a:t>
+            </a:r>
+          </a:p>
+          <a:p>
+            <a:endParaRPr lang="en-IN" dirty="0" smtClean="0"/>
+          </a:p>
+          <a:p>
+            <a:r>
+              <a:rPr lang="en-IN" dirty="0" smtClean="0"/>
+              <a:t>        Rate</a:t>
+            </a:r>
+          </a:p>
+          <a:p>
+            <a:endParaRPr lang="en-IN" dirty="0" smtClean="0"/>
+          </a:p>
+          <a:p>
+            <a:r>
+              <a:rPr lang="en-IN" dirty="0" smtClean="0"/>
+              <a:t>        About</a:t>
+            </a:r>
+          </a:p>
+          <a:p>
+            <a:endParaRPr lang="en-IN" dirty="0" smtClean="0"/>
+          </a:p>
+          <a:p>
+            <a:r>
+              <a:rPr lang="en-IN" dirty="0" smtClean="0"/>
+              <a:t>        Help</a:t>
+            </a:r>
+          </a:p>
+          <a:p>
+            <a:endParaRPr lang="en-IN" dirty="0" smtClean="0"/>
+          </a:p>
+          <a:p>
+            <a:r>
+              <a:rPr lang="en-IN" dirty="0" smtClean="0"/>
+              <a:t>        Sign out</a:t>
+            </a:r>
+          </a:p>
+          <a:p>
+            <a:endParaRPr lang="en-IN" dirty="0" smtClean="0"/>
+          </a:p>
+          <a:p>
+            <a:endParaRPr lang="en-IN" dirty="0" smtClean="0"/>
+          </a:p>
+        </p:txBody>
+      </p:sp>
+      <p:pic>
+        <p:nvPicPr>
+          <p:cNvPr id="10" name="Picture 9"/>
+          <p:cNvPicPr>
+            <a:picLocks noChangeAspect="1"/>
+          </p:cNvPicPr>
+          <p:nvPr/>
+        </p:nvPicPr>
+        <p:blipFill>
+          <a:blip r:embed="rId2" cstate="print">
+            <a:duotone>
+              <a:schemeClr val="accent4">
+                <a:shade val="45000"/>
+                <a:satMod val="135000"/>
+              </a:schemeClr>
+              <a:prstClr val="white"/>
+            </a:duotone>
+            <a:extLst>
+              <a:ext uri="{28A0092B-C50C-407E-A947-70E740481C1C}">
+                <a14:useLocalDpi xmlns:a14="http://schemas.microsoft.com/office/drawing/2010/main" val="0"/>
+              </a:ext>
+            </a:extLst>
+          </a:blip>
+          <a:stretch>
+            <a:fillRect/>
+          </a:stretch>
+        </p:blipFill>
+        <p:spPr>
+          <a:xfrm>
+            <a:off x="5711762" y="1328252"/>
+            <a:ext cx="355229" cy="328633"/>
+          </a:xfrm>
+          <a:prstGeom prst="rect">
+            <a:avLst/>
+          </a:prstGeom>
+        </p:spPr>
+      </p:pic>
+      <p:pic>
+        <p:nvPicPr>
+          <p:cNvPr id="11" name="Picture 10"/>
+          <p:cNvPicPr>
+            <a:picLocks noChangeAspect="1"/>
+          </p:cNvPicPr>
+          <p:nvPr/>
+        </p:nvPicPr>
+        <p:blipFill rotWithShape="1">
+          <a:blip r:embed="rId3">
+            <a:duotone>
+              <a:schemeClr val="accent4">
+                <a:shade val="45000"/>
+                <a:satMod val="135000"/>
+              </a:schemeClr>
+              <a:prstClr val="white"/>
+            </a:duotone>
+            <a:extLst>
+              <a:ext uri="{28A0092B-C50C-407E-A947-70E740481C1C}">
+                <a14:useLocalDpi xmlns:a14="http://schemas.microsoft.com/office/drawing/2010/main" val="0"/>
+              </a:ext>
+            </a:extLst>
+          </a:blip>
+          <a:srcRect l="11455" t="13881" r="10618" b="15671"/>
+          <a:stretch/>
+        </p:blipFill>
+        <p:spPr>
+          <a:xfrm>
+            <a:off x="5697463" y="1817409"/>
+            <a:ext cx="430252" cy="405293"/>
+          </a:xfrm>
+          <a:prstGeom prst="rect">
+            <a:avLst/>
+          </a:prstGeom>
+        </p:spPr>
+      </p:pic>
+      <p:cxnSp>
+        <p:nvCxnSpPr>
+          <p:cNvPr id="23" name="Straight Connector 22"/>
+          <p:cNvCxnSpPr/>
+          <p:nvPr/>
+        </p:nvCxnSpPr>
+        <p:spPr>
+          <a:xfrm>
+            <a:off x="5712793" y="1740013"/>
+            <a:ext cx="2237695" cy="0"/>
+          </a:xfrm>
+          <a:prstGeom prst="line">
+            <a:avLst/>
+          </a:prstGeom>
+          <a:ln>
+            <a:solidFill>
+              <a:srgbClr val="C1BBBB"/>
+            </a:solidFill>
+          </a:ln>
+        </p:spPr>
+        <p:style>
+          <a:lnRef idx="1">
+            <a:schemeClr val="accent6"/>
+          </a:lnRef>
+          <a:fillRef idx="0">
+            <a:schemeClr val="accent6"/>
+          </a:fillRef>
+          <a:effectRef idx="0">
+            <a:schemeClr val="accent6"/>
+          </a:effectRef>
+          <a:fontRef idx="minor">
+            <a:schemeClr val="tx1"/>
+          </a:fontRef>
+        </p:style>
+      </p:cxnSp>
+      <p:cxnSp>
+        <p:nvCxnSpPr>
+          <p:cNvPr id="26" name="Straight Connector 25"/>
+          <p:cNvCxnSpPr/>
+          <p:nvPr/>
+        </p:nvCxnSpPr>
+        <p:spPr>
+          <a:xfrm>
+            <a:off x="5729103" y="2240482"/>
+            <a:ext cx="2237695" cy="0"/>
+          </a:xfrm>
+          <a:prstGeom prst="line">
+            <a:avLst/>
+          </a:prstGeom>
+          <a:ln>
+            <a:solidFill>
+              <a:srgbClr val="C1BBBB"/>
+            </a:solidFill>
+          </a:ln>
+        </p:spPr>
+        <p:style>
+          <a:lnRef idx="1">
+            <a:schemeClr val="accent6"/>
+          </a:lnRef>
+          <a:fillRef idx="0">
+            <a:schemeClr val="accent6"/>
+          </a:fillRef>
+          <a:effectRef idx="0">
+            <a:schemeClr val="accent6"/>
+          </a:effectRef>
+          <a:fontRef idx="minor">
+            <a:schemeClr val="tx1"/>
+          </a:fontRef>
+        </p:style>
+      </p:cxnSp>
+      <p:cxnSp>
+        <p:nvCxnSpPr>
+          <p:cNvPr id="27" name="Straight Connector 26"/>
+          <p:cNvCxnSpPr/>
+          <p:nvPr/>
+        </p:nvCxnSpPr>
+        <p:spPr>
+          <a:xfrm>
+            <a:off x="5727363" y="2837984"/>
+            <a:ext cx="2237695" cy="0"/>
+          </a:xfrm>
+          <a:prstGeom prst="line">
+            <a:avLst/>
+          </a:prstGeom>
+          <a:ln>
+            <a:solidFill>
+              <a:srgbClr val="C1BBBB"/>
+            </a:solidFill>
+          </a:ln>
+        </p:spPr>
+        <p:style>
+          <a:lnRef idx="1">
+            <a:schemeClr val="accent6"/>
+          </a:lnRef>
+          <a:fillRef idx="0">
+            <a:schemeClr val="accent6"/>
+          </a:fillRef>
+          <a:effectRef idx="0">
+            <a:schemeClr val="accent6"/>
+          </a:effectRef>
+          <a:fontRef idx="minor">
+            <a:schemeClr val="tx1"/>
+          </a:fontRef>
+        </p:style>
+      </p:cxnSp>
+      <p:cxnSp>
+        <p:nvCxnSpPr>
+          <p:cNvPr id="28" name="Straight Connector 27"/>
+          <p:cNvCxnSpPr/>
+          <p:nvPr/>
+        </p:nvCxnSpPr>
+        <p:spPr>
+          <a:xfrm>
+            <a:off x="5712793" y="3355019"/>
+            <a:ext cx="2237695" cy="0"/>
+          </a:xfrm>
+          <a:prstGeom prst="line">
+            <a:avLst/>
+          </a:prstGeom>
+          <a:ln>
+            <a:solidFill>
+              <a:srgbClr val="C1BBBB"/>
+            </a:solidFill>
+          </a:ln>
+        </p:spPr>
+        <p:style>
+          <a:lnRef idx="1">
+            <a:schemeClr val="accent6"/>
+          </a:lnRef>
+          <a:fillRef idx="0">
+            <a:schemeClr val="accent6"/>
+          </a:fillRef>
+          <a:effectRef idx="0">
+            <a:schemeClr val="accent6"/>
+          </a:effectRef>
+          <a:fontRef idx="minor">
+            <a:schemeClr val="tx1"/>
+          </a:fontRef>
+        </p:style>
+      </p:cxnSp>
+      <p:cxnSp>
+        <p:nvCxnSpPr>
+          <p:cNvPr id="29" name="Straight Connector 28"/>
+          <p:cNvCxnSpPr/>
+          <p:nvPr/>
+        </p:nvCxnSpPr>
+        <p:spPr>
+          <a:xfrm>
+            <a:off x="5692362" y="3860055"/>
+            <a:ext cx="2237695" cy="0"/>
+          </a:xfrm>
+          <a:prstGeom prst="line">
+            <a:avLst/>
+          </a:prstGeom>
+          <a:ln>
+            <a:solidFill>
+              <a:srgbClr val="C1BBBB"/>
+            </a:solidFill>
+          </a:ln>
+        </p:spPr>
+        <p:style>
+          <a:lnRef idx="1">
+            <a:schemeClr val="accent6"/>
+          </a:lnRef>
+          <a:fillRef idx="0">
+            <a:schemeClr val="accent6"/>
+          </a:fillRef>
+          <a:effectRef idx="0">
+            <a:schemeClr val="accent6"/>
+          </a:effectRef>
+          <a:fontRef idx="minor">
+            <a:schemeClr val="tx1"/>
+          </a:fontRef>
+        </p:style>
+      </p:cxnSp>
+      <p:cxnSp>
+        <p:nvCxnSpPr>
+          <p:cNvPr id="30" name="Straight Connector 29"/>
+          <p:cNvCxnSpPr/>
+          <p:nvPr/>
+        </p:nvCxnSpPr>
+        <p:spPr>
+          <a:xfrm>
+            <a:off x="5692362" y="4377719"/>
+            <a:ext cx="2237695" cy="0"/>
+          </a:xfrm>
+          <a:prstGeom prst="line">
+            <a:avLst/>
+          </a:prstGeom>
+          <a:ln>
+            <a:solidFill>
+              <a:srgbClr val="C1BBBB"/>
+            </a:solidFill>
+          </a:ln>
+        </p:spPr>
+        <p:style>
+          <a:lnRef idx="1">
+            <a:schemeClr val="accent6"/>
+          </a:lnRef>
+          <a:fillRef idx="0">
+            <a:schemeClr val="accent6"/>
+          </a:fillRef>
+          <a:effectRef idx="0">
+            <a:schemeClr val="accent6"/>
+          </a:effectRef>
+          <a:fontRef idx="minor">
+            <a:schemeClr val="tx1"/>
+          </a:fontRef>
+        </p:style>
+      </p:cxnSp>
+      <p:pic>
+        <p:nvPicPr>
+          <p:cNvPr id="3" name="Picture 2"/>
+          <p:cNvPicPr>
+            <a:picLocks noChangeAspect="1"/>
+          </p:cNvPicPr>
+          <p:nvPr/>
+        </p:nvPicPr>
+        <p:blipFill>
+          <a:blip r:embed="rId4">
+            <a:extLst>
+              <a:ext uri="{28A0092B-C50C-407E-A947-70E740481C1C}">
+                <a14:useLocalDpi xmlns:a14="http://schemas.microsoft.com/office/drawing/2010/main" val="0"/>
+              </a:ext>
+            </a:extLst>
+          </a:blip>
+          <a:stretch>
+            <a:fillRect/>
+          </a:stretch>
+        </p:blipFill>
+        <p:spPr>
+          <a:xfrm>
+            <a:off x="5711762" y="2282536"/>
+            <a:ext cx="457200" cy="457200"/>
+          </a:xfrm>
+          <a:prstGeom prst="rect">
+            <a:avLst/>
+          </a:prstGeom>
+        </p:spPr>
+      </p:pic>
+      <p:pic>
+        <p:nvPicPr>
+          <p:cNvPr id="9" name="Picture 8"/>
+          <p:cNvPicPr>
+            <a:picLocks noChangeAspect="1"/>
+          </p:cNvPicPr>
+          <p:nvPr/>
+        </p:nvPicPr>
+        <p:blipFill>
+          <a:blip r:embed="rId5">
+            <a:extLst>
+              <a:ext uri="{28A0092B-C50C-407E-A947-70E740481C1C}">
+                <a14:useLocalDpi xmlns:a14="http://schemas.microsoft.com/office/drawing/2010/main" val="0"/>
+              </a:ext>
+            </a:extLst>
+          </a:blip>
+          <a:stretch>
+            <a:fillRect/>
+          </a:stretch>
+        </p:blipFill>
+        <p:spPr>
+          <a:xfrm>
+            <a:off x="5647383" y="2867588"/>
+            <a:ext cx="457200" cy="457200"/>
+          </a:xfrm>
+          <a:prstGeom prst="rect">
+            <a:avLst/>
+          </a:prstGeom>
+        </p:spPr>
+      </p:pic>
     </p:spTree>
     <p:extLst>
       <p:ext uri="{BB962C8B-B14F-4D97-AF65-F5344CB8AC3E}">
-        <p14:creationId xmlns:p14="http://schemas.microsoft.com/office/powerpoint/2010/main" val="2190528784"/>
+        <p14:creationId xmlns:p14="http://schemas.microsoft.com/office/powerpoint/2010/main" val="2983364293"/>
       </p:ext>
     </p:extLst>
   </p:cSld>
@@ -6499,7 +7843,7 @@
             <a:spLocks noGrp="1"/>
           </p:cNvSpPr>
           <p:nvPr>
-            <p:ph type="ctrTitle"/>
+            <p:ph type="title"/>
           </p:nvPr>
         </p:nvSpPr>
         <p:spPr/>
@@ -6509,26 +7853,424 @@
           <a:p>
             <a:r>
               <a:rPr lang="en-IN" dirty="0" smtClean="0"/>
-              <a:t>For facilitators</a:t>
+              <a:t>On click of About/Help</a:t>
             </a:r>
             <a:endParaRPr lang="en-IN" dirty="0"/>
+          </a:p>
+        </p:txBody>
+      </p:sp>
+      <p:sp>
+        <p:nvSpPr>
+          <p:cNvPr id="4" name="Rectangle 3"/>
+          <p:cNvSpPr/>
+          <p:nvPr/>
+        </p:nvSpPr>
+        <p:spPr>
+          <a:xfrm>
+            <a:off x="4121237" y="794441"/>
+            <a:ext cx="3966693" cy="5902573"/>
+          </a:xfrm>
+          <a:prstGeom prst="rect">
+            <a:avLst/>
+          </a:prstGeom>
+        </p:spPr>
+        <p:style>
+          <a:lnRef idx="2">
+            <a:schemeClr val="accent6"/>
+          </a:lnRef>
+          <a:fillRef idx="1">
+            <a:schemeClr val="lt1"/>
+          </a:fillRef>
+          <a:effectRef idx="0">
+            <a:schemeClr val="accent6"/>
+          </a:effectRef>
+          <a:fontRef idx="minor">
+            <a:schemeClr val="dk1"/>
+          </a:fontRef>
+        </p:style>
+        <p:txBody>
+          <a:bodyPr rtlCol="0" anchor="ctr"/>
+          <a:lstStyle/>
+          <a:p>
+            <a:pPr algn="ctr"/>
+            <a:endParaRPr lang="en-IN" dirty="0">
+              <a:latin typeface="Calibri" panose="020F0502020204030204" pitchFamily="34" charset="0"/>
+            </a:endParaRPr>
+          </a:p>
+        </p:txBody>
+      </p:sp>
+      <p:sp>
+        <p:nvSpPr>
+          <p:cNvPr id="5" name="Rectangle 4"/>
+          <p:cNvSpPr/>
+          <p:nvPr/>
+        </p:nvSpPr>
+        <p:spPr>
+          <a:xfrm>
+            <a:off x="4250027" y="1803525"/>
+            <a:ext cx="3734871" cy="4404091"/>
+          </a:xfrm>
+          <a:prstGeom prst="rect">
+            <a:avLst/>
+          </a:prstGeom>
+        </p:spPr>
+        <p:style>
+          <a:lnRef idx="2">
+            <a:schemeClr val="accent6"/>
+          </a:lnRef>
+          <a:fillRef idx="1">
+            <a:schemeClr val="lt1"/>
+          </a:fillRef>
+          <a:effectRef idx="0">
+            <a:schemeClr val="accent6"/>
+          </a:effectRef>
+          <a:fontRef idx="minor">
+            <a:schemeClr val="dk1"/>
+          </a:fontRef>
+        </p:style>
+        <p:txBody>
+          <a:bodyPr rtlCol="0" anchor="ctr"/>
+          <a:lstStyle/>
+          <a:p>
+            <a:r>
+              <a:rPr lang="en-IN" smtClean="0">
+                <a:latin typeface="Calibri" panose="020F0502020204030204" pitchFamily="34" charset="0"/>
+              </a:rPr>
+              <a:t>Lorem ipsum Lorem ipsum </a:t>
+            </a:r>
+          </a:p>
+          <a:p>
+            <a:r>
+              <a:rPr lang="en-IN" smtClean="0">
+                <a:latin typeface="Calibri" panose="020F0502020204030204" pitchFamily="34" charset="0"/>
+              </a:rPr>
+              <a:t>Lorem ipsum Lorem ipsum </a:t>
+            </a:r>
+          </a:p>
+          <a:p>
+            <a:r>
+              <a:rPr lang="en-IN" smtClean="0">
+                <a:latin typeface="Calibri" panose="020F0502020204030204" pitchFamily="34" charset="0"/>
+              </a:rPr>
+              <a:t>Lorem ipsum Lorem ipsum </a:t>
+            </a:r>
+          </a:p>
+          <a:p>
+            <a:r>
+              <a:rPr lang="en-IN" smtClean="0">
+                <a:latin typeface="Calibri" panose="020F0502020204030204" pitchFamily="34" charset="0"/>
+              </a:rPr>
+              <a:t>Lorem ipsum Lorem ipsum </a:t>
+            </a:r>
+          </a:p>
+          <a:p>
+            <a:r>
+              <a:rPr lang="en-IN" smtClean="0">
+                <a:latin typeface="Calibri" panose="020F0502020204030204" pitchFamily="34" charset="0"/>
+              </a:rPr>
+              <a:t>Lorem ipsum Lorem ipsum </a:t>
+            </a:r>
+          </a:p>
+          <a:p>
+            <a:r>
+              <a:rPr lang="en-IN" smtClean="0">
+                <a:latin typeface="Calibri" panose="020F0502020204030204" pitchFamily="34" charset="0"/>
+              </a:rPr>
+              <a:t>Lorem ipsum Lorem ipsum </a:t>
+            </a:r>
+          </a:p>
+          <a:p>
+            <a:r>
+              <a:rPr lang="en-IN" smtClean="0">
+                <a:latin typeface="Calibri" panose="020F0502020204030204" pitchFamily="34" charset="0"/>
+              </a:rPr>
+              <a:t>Lorem ipsum Lorem ipsum </a:t>
+            </a:r>
+          </a:p>
+          <a:p>
+            <a:r>
+              <a:rPr lang="en-IN" smtClean="0">
+                <a:latin typeface="Calibri" panose="020F0502020204030204" pitchFamily="34" charset="0"/>
+              </a:rPr>
+              <a:t>Lorem ipsum Lorem ipsum </a:t>
+            </a:r>
+          </a:p>
+          <a:p>
+            <a:r>
+              <a:rPr lang="en-IN" smtClean="0">
+                <a:latin typeface="Calibri" panose="020F0502020204030204" pitchFamily="34" charset="0"/>
+              </a:rPr>
+              <a:t>Lorem ipsum Lorem ipsum </a:t>
+            </a:r>
+          </a:p>
+          <a:p>
+            <a:r>
+              <a:rPr lang="en-IN" smtClean="0">
+                <a:latin typeface="Calibri" panose="020F0502020204030204" pitchFamily="34" charset="0"/>
+              </a:rPr>
+              <a:t>Lorem ipsum Lorem ipsum </a:t>
+            </a:r>
+          </a:p>
+          <a:p>
+            <a:r>
+              <a:rPr lang="en-IN" smtClean="0">
+                <a:latin typeface="Calibri" panose="020F0502020204030204" pitchFamily="34" charset="0"/>
+              </a:rPr>
+              <a:t>Lorem ipsum Lorem ipsum </a:t>
+            </a:r>
+          </a:p>
+          <a:p>
+            <a:r>
+              <a:rPr lang="en-IN" smtClean="0">
+                <a:latin typeface="Calibri" panose="020F0502020204030204" pitchFamily="34" charset="0"/>
+              </a:rPr>
+              <a:t>Lorem ipsum Lorem ipsum </a:t>
+            </a:r>
+          </a:p>
+          <a:p>
+            <a:r>
+              <a:rPr lang="en-IN" smtClean="0">
+                <a:latin typeface="Calibri" panose="020F0502020204030204" pitchFamily="34" charset="0"/>
+              </a:rPr>
+              <a:t>Lorem ipsum Lorem ipsum </a:t>
+            </a:r>
+          </a:p>
+          <a:p>
+            <a:r>
+              <a:rPr lang="en-IN" smtClean="0">
+                <a:latin typeface="Calibri" panose="020F0502020204030204" pitchFamily="34" charset="0"/>
+              </a:rPr>
+              <a:t>Lorem ipsum Lorem ipsum </a:t>
+            </a:r>
+          </a:p>
+          <a:p>
+            <a:r>
+              <a:rPr lang="en-IN" smtClean="0">
+                <a:latin typeface="Calibri" panose="020F0502020204030204" pitchFamily="34" charset="0"/>
+              </a:rPr>
+              <a:t>Lorem ipsum Lorem ipsum </a:t>
+            </a:r>
+          </a:p>
+          <a:p>
+            <a:r>
+              <a:rPr lang="en-IN" smtClean="0">
+                <a:latin typeface="Calibri" panose="020F0502020204030204" pitchFamily="34" charset="0"/>
+              </a:rPr>
+              <a:t>Lorem ipsum Lorem ipsum </a:t>
+            </a:r>
+          </a:p>
+        </p:txBody>
+      </p:sp>
+      <p:sp>
+        <p:nvSpPr>
+          <p:cNvPr id="6" name="Rectangle 5"/>
+          <p:cNvSpPr/>
+          <p:nvPr/>
+        </p:nvSpPr>
+        <p:spPr>
+          <a:xfrm>
+            <a:off x="4185634" y="1397600"/>
+            <a:ext cx="1970468" cy="309093"/>
+          </a:xfrm>
+          <a:prstGeom prst="rect">
+            <a:avLst/>
+          </a:prstGeom>
+          <a:noFill/>
+          <a:ln>
+            <a:noFill/>
+          </a:ln>
+        </p:spPr>
+        <p:style>
+          <a:lnRef idx="2">
+            <a:schemeClr val="dk1"/>
+          </a:lnRef>
+          <a:fillRef idx="1">
+            <a:schemeClr val="lt1"/>
+          </a:fillRef>
+          <a:effectRef idx="0">
+            <a:schemeClr val="dk1"/>
+          </a:effectRef>
+          <a:fontRef idx="minor">
+            <a:schemeClr val="dk1"/>
+          </a:fontRef>
+        </p:style>
+        <p:txBody>
+          <a:bodyPr rtlCol="0" anchor="ctr"/>
+          <a:lstStyle/>
+          <a:p>
+            <a:r>
+              <a:rPr lang="en-IN" dirty="0" smtClean="0">
+                <a:latin typeface="Calibri" panose="020F0502020204030204" pitchFamily="34" charset="0"/>
+              </a:rPr>
+              <a:t>About/Help</a:t>
+            </a:r>
+            <a:endParaRPr lang="en-IN" dirty="0">
+              <a:latin typeface="Calibri" panose="020F0502020204030204" pitchFamily="34" charset="0"/>
+            </a:endParaRPr>
+          </a:p>
+        </p:txBody>
+      </p:sp>
+      <p:sp>
+        <p:nvSpPr>
+          <p:cNvPr id="7" name="Rectangle 6"/>
+          <p:cNvSpPr/>
+          <p:nvPr/>
+        </p:nvSpPr>
+        <p:spPr>
+          <a:xfrm>
+            <a:off x="4121237" y="794441"/>
+            <a:ext cx="3966693" cy="441931"/>
+          </a:xfrm>
+          <a:prstGeom prst="rect">
+            <a:avLst/>
+          </a:prstGeom>
+          <a:ln/>
+        </p:spPr>
+        <p:style>
+          <a:lnRef idx="2">
+            <a:schemeClr val="accent4">
+              <a:shade val="50000"/>
+            </a:schemeClr>
+          </a:lnRef>
+          <a:fillRef idx="1">
+            <a:schemeClr val="accent4"/>
+          </a:fillRef>
+          <a:effectRef idx="0">
+            <a:schemeClr val="accent4"/>
+          </a:effectRef>
+          <a:fontRef idx="minor">
+            <a:schemeClr val="lt1"/>
+          </a:fontRef>
+        </p:style>
+        <p:txBody>
+          <a:bodyPr rtlCol="0" anchor="ctr"/>
+          <a:lstStyle/>
+          <a:p>
+            <a:pPr algn="ctr"/>
+            <a:r>
+              <a:rPr lang="en-IN" dirty="0" smtClean="0">
+                <a:solidFill>
+                  <a:schemeClr val="bg1"/>
+                </a:solidFill>
+                <a:latin typeface="Calibri" panose="020F0502020204030204" pitchFamily="34" charset="0"/>
+              </a:rPr>
+              <a:t>Attendance: About/Help 	                :	</a:t>
+            </a:r>
+            <a:endParaRPr lang="en-IN" dirty="0">
+              <a:solidFill>
+                <a:schemeClr val="bg1"/>
+              </a:solidFill>
+              <a:latin typeface="Calibri" panose="020F0502020204030204" pitchFamily="34" charset="0"/>
+            </a:endParaRPr>
           </a:p>
         </p:txBody>
       </p:sp>
     </p:spTree>
     <p:extLst>
       <p:ext uri="{BB962C8B-B14F-4D97-AF65-F5344CB8AC3E}">
-        <p14:creationId xmlns:p14="http://schemas.microsoft.com/office/powerpoint/2010/main" val="3504319527"/>
+        <p14:creationId xmlns:p14="http://schemas.microsoft.com/office/powerpoint/2010/main" val="2609894188"/>
       </p:ext>
     </p:extLst>
   </p:cSld>
   <p:clrMapOvr>
     <a:masterClrMapping/>
   </p:clrMapOvr>
+  <p:timing>
+    <p:tnLst>
+      <p:par>
+        <p:cTn id="1" dur="indefinite" restart="never" nodeType="tmRoot"/>
+      </p:par>
+    </p:tnLst>
+  </p:timing>
 </p:sld>
 </file>
 
 <file path=ppt/slides/slide12.xml><?xml version="1.0" encoding="utf-8"?>
+<p:sld xmlns:a="http://schemas.openxmlformats.org/drawingml/2006/main" xmlns:r="http://schemas.openxmlformats.org/officeDocument/2006/relationships" xmlns:p="http://schemas.openxmlformats.org/presentationml/2006/main">
+  <p:cSld>
+    <p:spTree>
+      <p:nvGrpSpPr>
+        <p:cNvPr id="1" name=""/>
+        <p:cNvGrpSpPr/>
+        <p:nvPr/>
+      </p:nvGrpSpPr>
+      <p:grpSpPr>
+        <a:xfrm>
+          <a:off x="0" y="0"/>
+          <a:ext cx="0" cy="0"/>
+          <a:chOff x="0" y="0"/>
+          <a:chExt cx="0" cy="0"/>
+        </a:xfrm>
+      </p:grpSpPr>
+      <p:sp>
+        <p:nvSpPr>
+          <p:cNvPr id="2" name="Title 1"/>
+          <p:cNvSpPr>
+            <a:spLocks noGrp="1"/>
+          </p:cNvSpPr>
+          <p:nvPr>
+            <p:ph type="title"/>
+          </p:nvPr>
+        </p:nvSpPr>
+        <p:spPr/>
+        <p:txBody>
+          <a:bodyPr/>
+          <a:lstStyle/>
+          <a:p>
+            <a:r>
+              <a:rPr lang="en-IN" dirty="0" smtClean="0"/>
+              <a:t>Facilitator related user stories</a:t>
+            </a:r>
+            <a:endParaRPr lang="en-IN" dirty="0"/>
+          </a:p>
+        </p:txBody>
+      </p:sp>
+      <p:sp>
+        <p:nvSpPr>
+          <p:cNvPr id="3" name="Text Placeholder 2"/>
+          <p:cNvSpPr>
+            <a:spLocks noGrp="1"/>
+          </p:cNvSpPr>
+          <p:nvPr>
+            <p:ph type="body" sz="quarter" idx="10"/>
+          </p:nvPr>
+        </p:nvSpPr>
+        <p:spPr/>
+        <p:txBody>
+          <a:bodyPr>
+            <a:normAutofit/>
+          </a:bodyPr>
+          <a:lstStyle/>
+          <a:p>
+            <a:r>
+              <a:rPr lang="en-IN" sz="2400" dirty="0" smtClean="0"/>
+              <a:t>As a facilitator, I should be able to login in app and get a home screen with options to manage attendance, timetable, courses and reports.</a:t>
+            </a:r>
+            <a:endParaRPr lang="en-IN" sz="2400" dirty="0"/>
+          </a:p>
+        </p:txBody>
+      </p:sp>
+    </p:spTree>
+    <p:extLst>
+      <p:ext uri="{BB962C8B-B14F-4D97-AF65-F5344CB8AC3E}">
+        <p14:creationId xmlns:p14="http://schemas.microsoft.com/office/powerpoint/2010/main" val="3711391976"/>
+      </p:ext>
+    </p:extLst>
+  </p:cSld>
+  <p:clrMapOvr>
+    <a:masterClrMapping/>
+  </p:clrMapOvr>
+  <p:timing>
+    <p:tnLst>
+      <p:par>
+        <p:cTn id="1" dur="indefinite" restart="never" nodeType="tmRoot"/>
+      </p:par>
+    </p:tnLst>
+  </p:timing>
+</p:sld>
+</file>
+
+<file path=ppt/slides/slide13.xml><?xml version="1.0" encoding="utf-8"?>
 <p:sld xmlns:a="http://schemas.openxmlformats.org/drawingml/2006/main" xmlns:r="http://schemas.openxmlformats.org/officeDocument/2006/relationships" xmlns:p="http://schemas.openxmlformats.org/presentationml/2006/main">
   <p:cSld>
     <p:spTree>
@@ -7009,10 +8751,114 @@
   <p:clrMapOvr>
     <a:masterClrMapping/>
   </p:clrMapOvr>
+  <p:timing>
+    <p:tnLst>
+      <p:par>
+        <p:cTn id="1" dur="indefinite" restart="never" nodeType="tmRoot"/>
+      </p:par>
+    </p:tnLst>
+  </p:timing>
 </p:sld>
 </file>
 
-<file path=ppt/slides/slide13.xml><?xml version="1.0" encoding="utf-8"?>
+<file path=ppt/slides/slide14.xml><?xml version="1.0" encoding="utf-8"?>
+<p:sld xmlns:a="http://schemas.openxmlformats.org/drawingml/2006/main" xmlns:r="http://schemas.openxmlformats.org/officeDocument/2006/relationships" xmlns:p="http://schemas.openxmlformats.org/presentationml/2006/main">
+  <p:cSld>
+    <p:spTree>
+      <p:nvGrpSpPr>
+        <p:cNvPr id="1" name=""/>
+        <p:cNvGrpSpPr/>
+        <p:nvPr/>
+      </p:nvGrpSpPr>
+      <p:grpSpPr>
+        <a:xfrm>
+          <a:off x="0" y="0"/>
+          <a:ext cx="0" cy="0"/>
+          <a:chOff x="0" y="0"/>
+          <a:chExt cx="0" cy="0"/>
+        </a:xfrm>
+      </p:grpSpPr>
+      <p:sp>
+        <p:nvSpPr>
+          <p:cNvPr id="2" name="Title 1"/>
+          <p:cNvSpPr>
+            <a:spLocks noGrp="1"/>
+          </p:cNvSpPr>
+          <p:nvPr>
+            <p:ph type="title"/>
+          </p:nvPr>
+        </p:nvSpPr>
+        <p:spPr/>
+        <p:txBody>
+          <a:bodyPr/>
+          <a:lstStyle/>
+          <a:p>
+            <a:r>
+              <a:rPr lang="en-IN" dirty="0" smtClean="0"/>
+              <a:t>Facilitator related user stories</a:t>
+            </a:r>
+            <a:endParaRPr lang="en-IN" dirty="0"/>
+          </a:p>
+        </p:txBody>
+      </p:sp>
+      <p:sp>
+        <p:nvSpPr>
+          <p:cNvPr id="3" name="Text Placeholder 2"/>
+          <p:cNvSpPr>
+            <a:spLocks noGrp="1"/>
+          </p:cNvSpPr>
+          <p:nvPr>
+            <p:ph type="body" sz="quarter" idx="10"/>
+          </p:nvPr>
+        </p:nvSpPr>
+        <p:spPr/>
+        <p:txBody>
+          <a:bodyPr>
+            <a:normAutofit/>
+          </a:bodyPr>
+          <a:lstStyle/>
+          <a:p>
+            <a:r>
+              <a:rPr lang="en-IN" sz="2400" dirty="0" smtClean="0"/>
+              <a:t>As a facilitator, I should be able to login in app to take attendance from students/attendees by giving them randomly generated code.</a:t>
+            </a:r>
+          </a:p>
+          <a:p>
+            <a:r>
+              <a:rPr lang="en-IN" sz="2400" dirty="0" smtClean="0"/>
+              <a:t>As a facilitator, I should be able to manually add or change the attendance supplied by students/attendees.</a:t>
+            </a:r>
+          </a:p>
+          <a:p>
+            <a:r>
+              <a:rPr lang="en-IN" sz="2400" dirty="0" smtClean="0"/>
+              <a:t>As a facilitator, I should be able to receive notification reminder to take attendance.</a:t>
+            </a:r>
+            <a:endParaRPr lang="en-IN" sz="2400" dirty="0"/>
+          </a:p>
+        </p:txBody>
+      </p:sp>
+    </p:spTree>
+    <p:extLst>
+      <p:ext uri="{BB962C8B-B14F-4D97-AF65-F5344CB8AC3E}">
+        <p14:creationId xmlns:p14="http://schemas.microsoft.com/office/powerpoint/2010/main" val="2540378898"/>
+      </p:ext>
+    </p:extLst>
+  </p:cSld>
+  <p:clrMapOvr>
+    <a:masterClrMapping/>
+  </p:clrMapOvr>
+  <p:timing>
+    <p:tnLst>
+      <p:par>
+        <p:cTn id="1" dur="indefinite" restart="never" nodeType="tmRoot"/>
+      </p:par>
+    </p:tnLst>
+  </p:timing>
+</p:sld>
+</file>
+
+<file path=ppt/slides/slide15.xml><?xml version="1.0" encoding="utf-8"?>
 <p:sld xmlns:a="http://schemas.openxmlformats.org/drawingml/2006/main" xmlns:r="http://schemas.openxmlformats.org/officeDocument/2006/relationships" xmlns:p="http://schemas.openxmlformats.org/presentationml/2006/main">
   <p:cSld>
     <p:spTree>
@@ -7609,10 +9455,17 @@
   <p:clrMapOvr>
     <a:masterClrMapping/>
   </p:clrMapOvr>
+  <p:timing>
+    <p:tnLst>
+      <p:par>
+        <p:cTn id="1" dur="indefinite" restart="never" nodeType="tmRoot"/>
+      </p:par>
+    </p:tnLst>
+  </p:timing>
 </p:sld>
 </file>
 
-<file path=ppt/slides/slide14.xml><?xml version="1.0" encoding="utf-8"?>
+<file path=ppt/slides/slide16.xml><?xml version="1.0" encoding="utf-8"?>
 <p:sld xmlns:a="http://schemas.openxmlformats.org/drawingml/2006/main" xmlns:r="http://schemas.openxmlformats.org/officeDocument/2006/relationships" xmlns:p="http://schemas.openxmlformats.org/presentationml/2006/main">
   <p:cSld>
     <p:spTree>
@@ -7778,7 +9631,7 @@
         </p:nvSpPr>
         <p:spPr>
           <a:xfrm>
-            <a:off x="4449172" y="2080663"/>
+            <a:off x="4280825" y="2009818"/>
             <a:ext cx="1419366" cy="425487"/>
           </a:xfrm>
           <a:prstGeom prst="roundRect">
@@ -7811,7 +9664,7 @@
               <a:rPr lang="en-IN" dirty="0" smtClean="0">
                 <a:latin typeface="Calibri" panose="020F0502020204030204" pitchFamily="34" charset="0"/>
               </a:rPr>
-              <a:t>Check all</a:t>
+              <a:t>All present</a:t>
             </a:r>
             <a:endParaRPr lang="en-IN" dirty="0">
               <a:latin typeface="Calibri" panose="020F0502020204030204" pitchFamily="34" charset="0"/>
@@ -7858,15 +9711,7 @@
                             <a:schemeClr val="bg1"/>
                           </a:solidFill>
                         </a:rPr>
-                        <a:t>         </a:t>
-                      </a:r>
-                      <a:r>
-                        <a:rPr lang="en-IN" dirty="0" smtClean="0">
-                          <a:solidFill>
-                            <a:schemeClr val="bg1"/>
-                          </a:solidFill>
-                        </a:rPr>
-                        <a:t>915717457</a:t>
+                        <a:t>         915717457</a:t>
                       </a:r>
                     </a:p>
                     <a:p>
@@ -7908,15 +9753,7 @@
                             <a:schemeClr val="bg1"/>
                           </a:solidFill>
                         </a:rPr>
-                        <a:t>         </a:t>
-                      </a:r>
-                      <a:r>
-                        <a:rPr lang="en-IN" dirty="0" smtClean="0">
-                          <a:solidFill>
-                            <a:schemeClr val="bg1"/>
-                          </a:solidFill>
-                        </a:rPr>
-                        <a:t>915717458</a:t>
+                        <a:t>         915717458</a:t>
                       </a:r>
                     </a:p>
                     <a:p>
@@ -8140,8 +9977,8 @@
             <a:chExt cx="272955" cy="232012"/>
           </a:xfrm>
           <a:effectLst>
-            <a:glow rad="139700">
-              <a:srgbClr val="00B050">
+            <a:glow rad="101600">
+              <a:srgbClr val="FFFF00">
                 <a:alpha val="40000"/>
               </a:srgbClr>
             </a:glow>
@@ -8166,7 +10003,7 @@
             <a:prstGeom prst="line">
               <a:avLst/>
             </a:prstGeom>
-            <a:ln w="57150">
+            <a:ln w="28575">
               <a:solidFill>
                 <a:srgbClr val="00B050"/>
               </a:solidFill>
@@ -8208,7 +10045,7 @@
             <a:prstGeom prst="line">
               <a:avLst/>
             </a:prstGeom>
-            <a:ln w="57150">
+            <a:ln w="28575">
               <a:solidFill>
                 <a:srgbClr val="00B050"/>
               </a:solidFill>
@@ -8282,90 +10119,14 @@
       </p:sp>
       <p:sp>
         <p:nvSpPr>
-          <p:cNvPr id="37" name="Rectangle 36"/>
-          <p:cNvSpPr/>
-          <p:nvPr/>
-        </p:nvSpPr>
-        <p:spPr>
-          <a:xfrm>
-            <a:off x="4280167" y="2893325"/>
-            <a:ext cx="291795" cy="232012"/>
-          </a:xfrm>
-          <a:prstGeom prst="rect">
-            <a:avLst/>
-          </a:prstGeom>
-        </p:spPr>
-        <p:style>
-          <a:lnRef idx="2">
-            <a:schemeClr val="accent6"/>
-          </a:lnRef>
-          <a:fillRef idx="1">
-            <a:schemeClr val="lt1"/>
-          </a:fillRef>
-          <a:effectRef idx="0">
-            <a:schemeClr val="accent6"/>
-          </a:effectRef>
-          <a:fontRef idx="minor">
-            <a:schemeClr val="dk1"/>
-          </a:fontRef>
-        </p:style>
-        <p:txBody>
-          <a:bodyPr rtlCol="0" anchor="ctr"/>
-          <a:lstStyle/>
-          <a:p>
-            <a:pPr algn="ctr"/>
-            <a:endParaRPr lang="en-IN"/>
-          </a:p>
-        </p:txBody>
-      </p:sp>
-      <p:sp>
-        <p:nvSpPr>
-          <p:cNvPr id="38" name="Rectangle 37"/>
-          <p:cNvSpPr/>
-          <p:nvPr/>
-        </p:nvSpPr>
-        <p:spPr>
-          <a:xfrm>
-            <a:off x="4296087" y="3591641"/>
-            <a:ext cx="291795" cy="232012"/>
-          </a:xfrm>
-          <a:prstGeom prst="rect">
-            <a:avLst/>
-          </a:prstGeom>
-        </p:spPr>
-        <p:style>
-          <a:lnRef idx="2">
-            <a:schemeClr val="accent6"/>
-          </a:lnRef>
-          <a:fillRef idx="1">
-            <a:schemeClr val="lt1"/>
-          </a:fillRef>
-          <a:effectRef idx="0">
-            <a:schemeClr val="accent6"/>
-          </a:effectRef>
-          <a:fontRef idx="minor">
-            <a:schemeClr val="dk1"/>
-          </a:fontRef>
-        </p:style>
-        <p:txBody>
-          <a:bodyPr rtlCol="0" anchor="ctr"/>
-          <a:lstStyle/>
-          <a:p>
-            <a:pPr algn="ctr"/>
-            <a:endParaRPr lang="en-IN"/>
-          </a:p>
-        </p:txBody>
-      </p:sp>
-      <p:sp>
-        <p:nvSpPr>
           <p:cNvPr id="39" name="Rounded Rectangle 38"/>
           <p:cNvSpPr/>
           <p:nvPr/>
         </p:nvSpPr>
         <p:spPr>
           <a:xfrm>
-            <a:off x="5980000" y="2082935"/>
-            <a:ext cx="1419366" cy="425487"/>
+            <a:off x="6796587" y="2009818"/>
+            <a:ext cx="1169436" cy="425487"/>
           </a:xfrm>
           <a:prstGeom prst="roundRect">
             <a:avLst/>
@@ -8407,14 +10168,14 @@
       </p:sp>
       <p:sp>
         <p:nvSpPr>
-          <p:cNvPr id="40" name="TextBox 39"/>
+          <p:cNvPr id="43" name="TextBox 42"/>
           <p:cNvSpPr txBox="1"/>
           <p:nvPr/>
         </p:nvSpPr>
         <p:spPr>
           <a:xfrm>
-            <a:off x="1473958" y="3354590"/>
-            <a:ext cx="2047164" cy="646331"/>
+            <a:off x="8679978" y="2723079"/>
+            <a:ext cx="2705777" cy="646331"/>
           </a:xfrm>
           <a:prstGeom prst="rect">
             <a:avLst/>
@@ -8428,26 +10189,31 @@
           <a:lstStyle/>
           <a:p>
             <a:r>
-              <a:rPr lang="en-IN" dirty="0" smtClean="0"/>
-              <a:t>Checkboxes for manual attendance</a:t>
-            </a:r>
-            <a:endParaRPr lang="en-IN" dirty="0"/>
+              <a:rPr lang="en-IN" dirty="0" smtClean="0">
+                <a:solidFill>
+                  <a:schemeClr val="bg1"/>
+                </a:solidFill>
+              </a:rPr>
+              <a:t>Add notes for this student-it maybe on leave or late</a:t>
+            </a:r>
+            <a:endParaRPr lang="en-IN" dirty="0">
+              <a:solidFill>
+                <a:schemeClr val="bg1"/>
+              </a:solidFill>
+            </a:endParaRPr>
           </a:p>
         </p:txBody>
       </p:sp>
       <p:cxnSp>
         <p:nvCxnSpPr>
-          <p:cNvPr id="42" name="Straight Arrow Connector 41"/>
-          <p:cNvCxnSpPr>
-            <a:stCxn id="37" idx="1"/>
-            <a:endCxn id="40" idx="0"/>
-          </p:cNvCxnSpPr>
+          <p:cNvPr id="45" name="Straight Arrow Connector 44"/>
+          <p:cNvCxnSpPr/>
           <p:nvPr/>
         </p:nvCxnSpPr>
         <p:spPr>
-          <a:xfrm flipH="1">
-            <a:off x="2497540" y="3009331"/>
-            <a:ext cx="1782627" cy="345259"/>
+          <a:xfrm flipV="1">
+            <a:off x="7970290" y="3042367"/>
+            <a:ext cx="709688" cy="3878"/>
           </a:xfrm>
           <a:prstGeom prst="straightConnector1">
             <a:avLst/>
@@ -8473,14 +10239,14 @@
       </p:cxnSp>
       <p:sp>
         <p:nvSpPr>
-          <p:cNvPr id="43" name="TextBox 42"/>
+          <p:cNvPr id="46" name="TextBox 45"/>
           <p:cNvSpPr txBox="1"/>
           <p:nvPr/>
         </p:nvSpPr>
         <p:spPr>
           <a:xfrm>
-            <a:off x="8679978" y="2723079"/>
-            <a:ext cx="2705777" cy="646331"/>
+            <a:off x="8679978" y="1637071"/>
+            <a:ext cx="3236719" cy="923330"/>
           </a:xfrm>
           <a:prstGeom prst="rect">
             <a:avLst/>
@@ -8494,86 +10260,34 @@
           <a:lstStyle/>
           <a:p>
             <a:r>
-              <a:rPr lang="en-IN" dirty="0" smtClean="0"/>
-              <a:t>Add notes for this student-it maybe on leave or late</a:t>
-            </a:r>
-            <a:endParaRPr lang="en-IN" dirty="0"/>
-          </a:p>
-        </p:txBody>
-      </p:sp>
-      <p:cxnSp>
-        <p:nvCxnSpPr>
-          <p:cNvPr id="45" name="Straight Arrow Connector 44"/>
-          <p:cNvCxnSpPr/>
-          <p:nvPr/>
-        </p:nvCxnSpPr>
-        <p:spPr>
-          <a:xfrm flipV="1">
-            <a:off x="7970290" y="3042367"/>
-            <a:ext cx="709688" cy="3878"/>
-          </a:xfrm>
-          <a:prstGeom prst="straightConnector1">
-            <a:avLst/>
-          </a:prstGeom>
-          <a:ln>
-            <a:tailEnd type="triangle"/>
-          </a:ln>
-        </p:spPr>
-        <p:style>
-          <a:lnRef idx="1">
-            <a:schemeClr val="dk1"/>
-          </a:lnRef>
-          <a:fillRef idx="0">
-            <a:schemeClr val="dk1"/>
-          </a:fillRef>
-          <a:effectRef idx="0">
-            <a:schemeClr val="dk1"/>
-          </a:effectRef>
-          <a:fontRef idx="minor">
-            <a:schemeClr val="tx1"/>
-          </a:fontRef>
-        </p:style>
-      </p:cxnSp>
-      <p:sp>
-        <p:nvSpPr>
-          <p:cNvPr id="46" name="TextBox 45"/>
-          <p:cNvSpPr txBox="1"/>
-          <p:nvPr/>
-        </p:nvSpPr>
-        <p:spPr>
-          <a:xfrm>
-            <a:off x="8679978" y="1637071"/>
-            <a:ext cx="3236719" cy="923330"/>
-          </a:xfrm>
-          <a:prstGeom prst="rect">
-            <a:avLst/>
-          </a:prstGeom>
-          <a:noFill/>
-        </p:spPr>
-        <p:txBody>
-          <a:bodyPr wrap="square" rtlCol="0">
-            <a:spAutoFit/>
-          </a:bodyPr>
-          <a:lstStyle/>
-          <a:p>
-            <a:r>
-              <a:rPr lang="en-IN" dirty="0" smtClean="0"/>
+              <a:rPr lang="en-IN" dirty="0" smtClean="0">
+                <a:solidFill>
+                  <a:schemeClr val="bg1"/>
+                </a:solidFill>
+              </a:rPr>
               <a:t>Add special notes for this class like class cancelled or class topic etc.</a:t>
             </a:r>
-            <a:endParaRPr lang="en-IN" dirty="0"/>
+            <a:endParaRPr lang="en-IN" dirty="0">
+              <a:solidFill>
+                <a:schemeClr val="bg1"/>
+              </a:solidFill>
+            </a:endParaRPr>
           </a:p>
         </p:txBody>
       </p:sp>
       <p:cxnSp>
         <p:nvCxnSpPr>
           <p:cNvPr id="48" name="Straight Arrow Connector 47"/>
-          <p:cNvCxnSpPr/>
+          <p:cNvCxnSpPr>
+            <a:stCxn id="39" idx="3"/>
+            <a:endCxn id="46" idx="1"/>
+          </p:cNvCxnSpPr>
           <p:nvPr/>
         </p:nvCxnSpPr>
         <p:spPr>
-          <a:xfrm>
-            <a:off x="7510828" y="2098736"/>
-            <a:ext cx="1169150" cy="261006"/>
+          <a:xfrm flipV="1">
+            <a:off x="7966023" y="2098736"/>
+            <a:ext cx="713955" cy="123826"/>
           </a:xfrm>
           <a:prstGeom prst="straightConnector1">
             <a:avLst/>
@@ -8702,10 +10416,18 @@
           <a:lstStyle/>
           <a:p>
             <a:r>
-              <a:rPr lang="en-IN" dirty="0" smtClean="0"/>
+              <a:rPr lang="en-IN" dirty="0" smtClean="0">
+                <a:solidFill>
+                  <a:schemeClr val="bg1"/>
+                </a:solidFill>
+              </a:rPr>
               <a:t>These buttons will glow when attendance is filled</a:t>
             </a:r>
-            <a:endParaRPr lang="en-IN" dirty="0"/>
+            <a:endParaRPr lang="en-IN" dirty="0">
+              <a:solidFill>
+                <a:schemeClr val="bg1"/>
+              </a:solidFill>
+            </a:endParaRPr>
           </a:p>
         </p:txBody>
       </p:sp>
@@ -8789,7 +10511,7 @@
 </p:sld>
 </file>
 
-<file path=ppt/slides/slide15.xml><?xml version="1.0" encoding="utf-8"?>
+<file path=ppt/slides/slide17.xml><?xml version="1.0" encoding="utf-8"?>
 <p:sld xmlns:a="http://schemas.openxmlformats.org/drawingml/2006/main" xmlns:r="http://schemas.openxmlformats.org/officeDocument/2006/relationships" xmlns:p="http://schemas.openxmlformats.org/presentationml/2006/main">
   <p:cSld>
     <p:spTree>
@@ -8816,12 +10538,569 @@
             <p:ph type="title"/>
           </p:nvPr>
         </p:nvSpPr>
-        <p:spPr>
-          <a:xfrm>
-            <a:off x="0" y="0"/>
-            <a:ext cx="10353762" cy="970450"/>
-          </a:xfrm>
-        </p:spPr>
+        <p:spPr/>
+        <p:txBody>
+          <a:bodyPr/>
+          <a:lstStyle/>
+          <a:p>
+            <a:r>
+              <a:rPr lang="en-IN" dirty="0" smtClean="0"/>
+              <a:t>Start taking attendance for this class</a:t>
+            </a:r>
+            <a:endParaRPr lang="en-IN" dirty="0"/>
+          </a:p>
+        </p:txBody>
+      </p:sp>
+      <p:sp>
+        <p:nvSpPr>
+          <p:cNvPr id="4" name="Rectangle 3"/>
+          <p:cNvSpPr/>
+          <p:nvPr/>
+        </p:nvSpPr>
+        <p:spPr>
+          <a:xfrm>
+            <a:off x="4121237" y="811066"/>
+            <a:ext cx="3966693" cy="5902573"/>
+          </a:xfrm>
+          <a:prstGeom prst="rect">
+            <a:avLst/>
+          </a:prstGeom>
+          <a:solidFill>
+            <a:schemeClr val="accent6">
+              <a:lumMod val="20000"/>
+              <a:lumOff val="80000"/>
+            </a:schemeClr>
+          </a:solidFill>
+        </p:spPr>
+        <p:style>
+          <a:lnRef idx="2">
+            <a:schemeClr val="accent6"/>
+          </a:lnRef>
+          <a:fillRef idx="1">
+            <a:schemeClr val="lt1"/>
+          </a:fillRef>
+          <a:effectRef idx="0">
+            <a:schemeClr val="accent6"/>
+          </a:effectRef>
+          <a:fontRef idx="minor">
+            <a:schemeClr val="dk1"/>
+          </a:fontRef>
+        </p:style>
+        <p:txBody>
+          <a:bodyPr rtlCol="0" anchor="ctr"/>
+          <a:lstStyle/>
+          <a:p>
+            <a:pPr algn="ctr"/>
+            <a:endParaRPr lang="en-IN">
+              <a:latin typeface="Calibri" panose="020F0502020204030204" pitchFamily="34" charset="0"/>
+            </a:endParaRPr>
+          </a:p>
+        </p:txBody>
+      </p:sp>
+      <p:grpSp>
+        <p:nvGrpSpPr>
+          <p:cNvPr id="7" name="Group 6"/>
+          <p:cNvGrpSpPr/>
+          <p:nvPr/>
+        </p:nvGrpSpPr>
+        <p:grpSpPr>
+          <a:xfrm>
+            <a:off x="4248931" y="1295618"/>
+            <a:ext cx="3744700" cy="3861512"/>
+            <a:chOff x="4116190" y="1384106"/>
+            <a:chExt cx="3972634" cy="3861512"/>
+          </a:xfrm>
+          <a:solidFill>
+            <a:schemeClr val="accent6">
+              <a:lumMod val="20000"/>
+              <a:lumOff val="80000"/>
+            </a:schemeClr>
+          </a:solidFill>
+        </p:grpSpPr>
+        <p:sp>
+          <p:nvSpPr>
+            <p:cNvPr id="9" name="Rectangle 8"/>
+            <p:cNvSpPr/>
+            <p:nvPr/>
+          </p:nvSpPr>
+          <p:spPr>
+            <a:xfrm>
+              <a:off x="4121238" y="1384106"/>
+              <a:ext cx="3966692" cy="741848"/>
+            </a:xfrm>
+            <a:prstGeom prst="rect">
+              <a:avLst/>
+            </a:prstGeom>
+            <a:grpFill/>
+            <a:ln/>
+          </p:spPr>
+          <p:style>
+            <a:lnRef idx="2">
+              <a:schemeClr val="accent4"/>
+            </a:lnRef>
+            <a:fillRef idx="1">
+              <a:schemeClr val="lt1"/>
+            </a:fillRef>
+            <a:effectRef idx="0">
+              <a:schemeClr val="accent4"/>
+            </a:effectRef>
+            <a:fontRef idx="minor">
+              <a:schemeClr val="dk1"/>
+            </a:fontRef>
+          </p:style>
+          <p:txBody>
+            <a:bodyPr rtlCol="0" anchor="ctr"/>
+            <a:lstStyle/>
+            <a:p>
+              <a:r>
+                <a:rPr lang="en-IN" dirty="0" smtClean="0">
+                  <a:latin typeface="Calibri" panose="020F0502020204030204" pitchFamily="34" charset="0"/>
+                </a:rPr>
+                <a:t>Start taking attendance for this class</a:t>
+              </a:r>
+              <a:endParaRPr lang="en-IN" dirty="0">
+                <a:latin typeface="Calibri" panose="020F0502020204030204" pitchFamily="34" charset="0"/>
+              </a:endParaRPr>
+            </a:p>
+          </p:txBody>
+        </p:sp>
+        <p:sp>
+          <p:nvSpPr>
+            <p:cNvPr id="10" name="Rectangle 9"/>
+            <p:cNvSpPr/>
+            <p:nvPr/>
+          </p:nvSpPr>
+          <p:spPr>
+            <a:xfrm>
+              <a:off x="4122132" y="2141038"/>
+              <a:ext cx="3966692" cy="729120"/>
+            </a:xfrm>
+            <a:prstGeom prst="rect">
+              <a:avLst/>
+            </a:prstGeom>
+            <a:grpFill/>
+            <a:ln/>
+          </p:spPr>
+          <p:style>
+            <a:lnRef idx="2">
+              <a:schemeClr val="accent4"/>
+            </a:lnRef>
+            <a:fillRef idx="1">
+              <a:schemeClr val="lt1"/>
+            </a:fillRef>
+            <a:effectRef idx="0">
+              <a:schemeClr val="accent4"/>
+            </a:effectRef>
+            <a:fontRef idx="minor">
+              <a:schemeClr val="dk1"/>
+            </a:fontRef>
+          </p:style>
+          <p:txBody>
+            <a:bodyPr rtlCol="0" anchor="ctr"/>
+            <a:lstStyle/>
+            <a:p>
+              <a:r>
+                <a:rPr lang="en-IN" dirty="0" smtClean="0">
+                  <a:latin typeface="Calibri" panose="020F0502020204030204" pitchFamily="34" charset="0"/>
+                </a:rPr>
+                <a:t>Fill attendance for this class manually</a:t>
+              </a:r>
+              <a:endParaRPr lang="en-IN" dirty="0">
+                <a:latin typeface="Calibri" panose="020F0502020204030204" pitchFamily="34" charset="0"/>
+              </a:endParaRPr>
+            </a:p>
+          </p:txBody>
+        </p:sp>
+        <p:sp>
+          <p:nvSpPr>
+            <p:cNvPr id="11" name="Rectangle 10"/>
+            <p:cNvSpPr/>
+            <p:nvPr/>
+          </p:nvSpPr>
+          <p:spPr>
+            <a:xfrm>
+              <a:off x="4121238" y="2891041"/>
+              <a:ext cx="3966692" cy="686828"/>
+            </a:xfrm>
+            <a:prstGeom prst="rect">
+              <a:avLst/>
+            </a:prstGeom>
+            <a:grpFill/>
+            <a:ln/>
+          </p:spPr>
+          <p:style>
+            <a:lnRef idx="2">
+              <a:schemeClr val="accent4"/>
+            </a:lnRef>
+            <a:fillRef idx="1">
+              <a:schemeClr val="lt1"/>
+            </a:fillRef>
+            <a:effectRef idx="0">
+              <a:schemeClr val="accent4"/>
+            </a:effectRef>
+            <a:fontRef idx="minor">
+              <a:schemeClr val="dk1"/>
+            </a:fontRef>
+          </p:style>
+          <p:txBody>
+            <a:bodyPr rtlCol="0" anchor="ctr"/>
+            <a:lstStyle/>
+            <a:p>
+              <a:r>
+                <a:rPr lang="en-IN" dirty="0" smtClean="0">
+                  <a:latin typeface="Calibri" panose="020F0502020204030204" pitchFamily="34" charset="0"/>
+                </a:rPr>
+                <a:t>View reports</a:t>
+              </a:r>
+              <a:endParaRPr lang="en-IN" dirty="0">
+                <a:latin typeface="Calibri" panose="020F0502020204030204" pitchFamily="34" charset="0"/>
+              </a:endParaRPr>
+            </a:p>
+          </p:txBody>
+        </p:sp>
+        <p:sp>
+          <p:nvSpPr>
+            <p:cNvPr id="12" name="Rectangle 11"/>
+            <p:cNvSpPr/>
+            <p:nvPr/>
+          </p:nvSpPr>
+          <p:spPr>
+            <a:xfrm>
+              <a:off x="4122132" y="3601348"/>
+              <a:ext cx="3966692" cy="816472"/>
+            </a:xfrm>
+            <a:prstGeom prst="rect">
+              <a:avLst/>
+            </a:prstGeom>
+            <a:grpFill/>
+            <a:ln/>
+          </p:spPr>
+          <p:style>
+            <a:lnRef idx="2">
+              <a:schemeClr val="accent4"/>
+            </a:lnRef>
+            <a:fillRef idx="1">
+              <a:schemeClr val="lt1"/>
+            </a:fillRef>
+            <a:effectRef idx="0">
+              <a:schemeClr val="accent4"/>
+            </a:effectRef>
+            <a:fontRef idx="minor">
+              <a:schemeClr val="dk1"/>
+            </a:fontRef>
+          </p:style>
+          <p:txBody>
+            <a:bodyPr rtlCol="0" anchor="ctr"/>
+            <a:lstStyle/>
+            <a:p>
+              <a:r>
+                <a:rPr lang="en-IN" dirty="0" smtClean="0">
+                  <a:latin typeface="Calibri" panose="020F0502020204030204" pitchFamily="34" charset="0"/>
+                </a:rPr>
+                <a:t>My courses</a:t>
+              </a:r>
+              <a:endParaRPr lang="en-IN" dirty="0">
+                <a:latin typeface="Calibri" panose="020F0502020204030204" pitchFamily="34" charset="0"/>
+              </a:endParaRPr>
+            </a:p>
+          </p:txBody>
+        </p:sp>
+        <p:sp>
+          <p:nvSpPr>
+            <p:cNvPr id="13" name="Rectangle 12"/>
+            <p:cNvSpPr/>
+            <p:nvPr/>
+          </p:nvSpPr>
+          <p:spPr>
+            <a:xfrm>
+              <a:off x="4116190" y="4436078"/>
+              <a:ext cx="3966692" cy="809540"/>
+            </a:xfrm>
+            <a:prstGeom prst="rect">
+              <a:avLst/>
+            </a:prstGeom>
+            <a:grpFill/>
+            <a:ln/>
+          </p:spPr>
+          <p:style>
+            <a:lnRef idx="2">
+              <a:schemeClr val="accent4"/>
+            </a:lnRef>
+            <a:fillRef idx="1">
+              <a:schemeClr val="lt1"/>
+            </a:fillRef>
+            <a:effectRef idx="0">
+              <a:schemeClr val="accent4"/>
+            </a:effectRef>
+            <a:fontRef idx="minor">
+              <a:schemeClr val="dk1"/>
+            </a:fontRef>
+          </p:style>
+          <p:txBody>
+            <a:bodyPr rtlCol="0" anchor="ctr"/>
+            <a:lstStyle/>
+            <a:p>
+              <a:r>
+                <a:rPr lang="en-IN" dirty="0" smtClean="0">
+                  <a:latin typeface="Calibri" panose="020F0502020204030204" pitchFamily="34" charset="0"/>
+                </a:rPr>
+                <a:t>My time table</a:t>
+              </a:r>
+              <a:endParaRPr lang="en-IN" dirty="0">
+                <a:latin typeface="Calibri" panose="020F0502020204030204" pitchFamily="34" charset="0"/>
+              </a:endParaRPr>
+            </a:p>
+          </p:txBody>
+        </p:sp>
+      </p:grpSp>
+      <p:sp>
+        <p:nvSpPr>
+          <p:cNvPr id="14" name="Rectangle 13"/>
+          <p:cNvSpPr/>
+          <p:nvPr/>
+        </p:nvSpPr>
+        <p:spPr>
+          <a:xfrm>
+            <a:off x="4248931" y="5172793"/>
+            <a:ext cx="3739099" cy="809540"/>
+          </a:xfrm>
+          <a:prstGeom prst="rect">
+            <a:avLst/>
+          </a:prstGeom>
+          <a:solidFill>
+            <a:schemeClr val="accent6">
+              <a:lumMod val="20000"/>
+              <a:lumOff val="80000"/>
+            </a:schemeClr>
+          </a:solidFill>
+          <a:ln/>
+        </p:spPr>
+        <p:style>
+          <a:lnRef idx="2">
+            <a:schemeClr val="accent4"/>
+          </a:lnRef>
+          <a:fillRef idx="1">
+            <a:schemeClr val="lt1"/>
+          </a:fillRef>
+          <a:effectRef idx="0">
+            <a:schemeClr val="accent4"/>
+          </a:effectRef>
+          <a:fontRef idx="minor">
+            <a:schemeClr val="dk1"/>
+          </a:fontRef>
+        </p:style>
+        <p:txBody>
+          <a:bodyPr rtlCol="0" anchor="ctr"/>
+          <a:lstStyle/>
+          <a:p>
+            <a:r>
+              <a:rPr lang="en-IN" dirty="0" smtClean="0">
+                <a:latin typeface="Calibri" panose="020F0502020204030204" pitchFamily="34" charset="0"/>
+              </a:rPr>
+              <a:t>Add students to a course</a:t>
+            </a:r>
+            <a:endParaRPr lang="en-IN" dirty="0">
+              <a:latin typeface="Calibri" panose="020F0502020204030204" pitchFamily="34" charset="0"/>
+            </a:endParaRPr>
+          </a:p>
+        </p:txBody>
+      </p:sp>
+      <p:sp>
+        <p:nvSpPr>
+          <p:cNvPr id="15" name="Rectangle 14"/>
+          <p:cNvSpPr/>
+          <p:nvPr/>
+        </p:nvSpPr>
+        <p:spPr>
+          <a:xfrm>
+            <a:off x="4121238" y="836577"/>
+            <a:ext cx="3966692" cy="715527"/>
+          </a:xfrm>
+          <a:prstGeom prst="rect">
+            <a:avLst/>
+          </a:prstGeom>
+        </p:spPr>
+        <p:style>
+          <a:lnRef idx="2">
+            <a:schemeClr val="accent4"/>
+          </a:lnRef>
+          <a:fillRef idx="1">
+            <a:schemeClr val="lt1"/>
+          </a:fillRef>
+          <a:effectRef idx="0">
+            <a:schemeClr val="accent4"/>
+          </a:effectRef>
+          <a:fontRef idx="minor">
+            <a:schemeClr val="dk1"/>
+          </a:fontRef>
+        </p:style>
+        <p:txBody>
+          <a:bodyPr rtlCol="0" anchor="t"/>
+          <a:lstStyle/>
+          <a:p>
+            <a:endParaRPr lang="en-IN" dirty="0" smtClean="0"/>
+          </a:p>
+          <a:p>
+            <a:r>
+              <a:rPr lang="en-IN" dirty="0" smtClean="0"/>
+              <a:t>Reminder: need to take attendance</a:t>
+            </a:r>
+            <a:endParaRPr lang="en-IN" dirty="0" smtClean="0"/>
+          </a:p>
+        </p:txBody>
+      </p:sp>
+    </p:spTree>
+    <p:extLst>
+      <p:ext uri="{BB962C8B-B14F-4D97-AF65-F5344CB8AC3E}">
+        <p14:creationId xmlns:p14="http://schemas.microsoft.com/office/powerpoint/2010/main" val="3163904392"/>
+      </p:ext>
+    </p:extLst>
+  </p:cSld>
+  <p:clrMapOvr>
+    <a:masterClrMapping/>
+  </p:clrMapOvr>
+  <p:timing>
+    <p:tnLst>
+      <p:par>
+        <p:cTn id="1" dur="indefinite" restart="never" nodeType="tmRoot"/>
+      </p:par>
+    </p:tnLst>
+  </p:timing>
+</p:sld>
+</file>
+
+<file path=ppt/slides/slide18.xml><?xml version="1.0" encoding="utf-8"?>
+<p:sld xmlns:a="http://schemas.openxmlformats.org/drawingml/2006/main" xmlns:r="http://schemas.openxmlformats.org/officeDocument/2006/relationships" xmlns:p="http://schemas.openxmlformats.org/presentationml/2006/main">
+  <p:cSld>
+    <p:spTree>
+      <p:nvGrpSpPr>
+        <p:cNvPr id="1" name=""/>
+        <p:cNvGrpSpPr/>
+        <p:nvPr/>
+      </p:nvGrpSpPr>
+      <p:grpSpPr>
+        <a:xfrm>
+          <a:off x="0" y="0"/>
+          <a:ext cx="0" cy="0"/>
+          <a:chOff x="0" y="0"/>
+          <a:chExt cx="0" cy="0"/>
+        </a:xfrm>
+      </p:grpSpPr>
+      <p:sp>
+        <p:nvSpPr>
+          <p:cNvPr id="2" name="Title 1"/>
+          <p:cNvSpPr>
+            <a:spLocks noGrp="1"/>
+          </p:cNvSpPr>
+          <p:nvPr>
+            <p:ph type="title"/>
+          </p:nvPr>
+        </p:nvSpPr>
+        <p:spPr/>
+        <p:txBody>
+          <a:bodyPr/>
+          <a:lstStyle/>
+          <a:p>
+            <a:r>
+              <a:rPr lang="en-IN" dirty="0" smtClean="0"/>
+              <a:t>Facilitator related user stories</a:t>
+            </a:r>
+            <a:endParaRPr lang="en-IN" dirty="0"/>
+          </a:p>
+        </p:txBody>
+      </p:sp>
+      <p:sp>
+        <p:nvSpPr>
+          <p:cNvPr id="3" name="Text Placeholder 2"/>
+          <p:cNvSpPr>
+            <a:spLocks noGrp="1"/>
+          </p:cNvSpPr>
+          <p:nvPr>
+            <p:ph type="body" sz="quarter" idx="10"/>
+          </p:nvPr>
+        </p:nvSpPr>
+        <p:spPr/>
+        <p:txBody>
+          <a:bodyPr>
+            <a:normAutofit/>
+          </a:bodyPr>
+          <a:lstStyle/>
+          <a:p>
+            <a:r>
+              <a:rPr lang="en-IN" sz="2400" dirty="0" smtClean="0"/>
+              <a:t>As a facilitator, I should be able to view my time table and make changes to it.</a:t>
+            </a:r>
+          </a:p>
+          <a:p>
+            <a:pPr lvl="1"/>
+            <a:r>
+              <a:rPr lang="en-IN" sz="2200" dirty="0" smtClean="0"/>
+              <a:t>I should be able to add courses in my time table.</a:t>
+            </a:r>
+          </a:p>
+          <a:p>
+            <a:pPr lvl="1"/>
+            <a:r>
+              <a:rPr lang="en-IN" sz="2200" dirty="0" smtClean="0"/>
+              <a:t>I should be able to delete or update already added courses in my time table.</a:t>
+            </a:r>
+          </a:p>
+          <a:p>
+            <a:r>
+              <a:rPr lang="en-IN" sz="2400" dirty="0" smtClean="0"/>
+              <a:t>As a facilitator, I should be able to view holidays when I do not need to take attendance.</a:t>
+            </a:r>
+          </a:p>
+        </p:txBody>
+      </p:sp>
+    </p:spTree>
+    <p:extLst>
+      <p:ext uri="{BB962C8B-B14F-4D97-AF65-F5344CB8AC3E}">
+        <p14:creationId xmlns:p14="http://schemas.microsoft.com/office/powerpoint/2010/main" val="2810215355"/>
+      </p:ext>
+    </p:extLst>
+  </p:cSld>
+  <p:clrMapOvr>
+    <a:masterClrMapping/>
+  </p:clrMapOvr>
+  <p:timing>
+    <p:tnLst>
+      <p:par>
+        <p:cTn id="1" dur="indefinite" restart="never" nodeType="tmRoot"/>
+      </p:par>
+    </p:tnLst>
+  </p:timing>
+</p:sld>
+</file>
+
+<file path=ppt/slides/slide19.xml><?xml version="1.0" encoding="utf-8"?>
+<p:sld xmlns:a="http://schemas.openxmlformats.org/drawingml/2006/main" xmlns:r="http://schemas.openxmlformats.org/officeDocument/2006/relationships" xmlns:p="http://schemas.openxmlformats.org/presentationml/2006/main">
+  <p:cSld>
+    <p:spTree>
+      <p:nvGrpSpPr>
+        <p:cNvPr id="1" name=""/>
+        <p:cNvGrpSpPr/>
+        <p:nvPr/>
+      </p:nvGrpSpPr>
+      <p:grpSpPr>
+        <a:xfrm>
+          <a:off x="0" y="0"/>
+          <a:ext cx="0" cy="0"/>
+          <a:chOff x="0" y="0"/>
+          <a:chExt cx="0" cy="0"/>
+        </a:xfrm>
+      </p:grpSpPr>
+      <p:sp>
+        <p:nvSpPr>
+          <p:cNvPr id="2" name="Title 1"/>
+          <p:cNvSpPr>
+            <a:spLocks noGrp="1"/>
+          </p:cNvSpPr>
+          <p:nvPr>
+            <p:ph type="title"/>
+          </p:nvPr>
+        </p:nvSpPr>
+        <p:spPr/>
         <p:txBody>
           <a:bodyPr/>
           <a:lstStyle/>
@@ -8948,16 +11227,28 @@
           <a:lstStyle/>
           <a:p>
             <a:r>
-              <a:rPr lang="en-IN" dirty="0" smtClean="0"/>
+              <a:rPr lang="en-IN" dirty="0" smtClean="0">
+                <a:solidFill>
+                  <a:schemeClr val="bg1"/>
+                </a:solidFill>
+              </a:rPr>
               <a:t>Today’s date</a:t>
             </a:r>
           </a:p>
           <a:p>
             <a:r>
-              <a:rPr lang="en-IN" dirty="0" smtClean="0"/>
+              <a:rPr lang="en-IN" dirty="0" smtClean="0">
+                <a:solidFill>
+                  <a:schemeClr val="bg1"/>
+                </a:solidFill>
+              </a:rPr>
               <a:t>On click of each button, you will see courses on that day with timings</a:t>
             </a:r>
-            <a:endParaRPr lang="en-IN" dirty="0"/>
+            <a:endParaRPr lang="en-IN" dirty="0">
+              <a:solidFill>
+                <a:schemeClr val="bg1"/>
+              </a:solidFill>
+            </a:endParaRPr>
           </a:p>
         </p:txBody>
       </p:sp>
@@ -8984,10 +11275,18 @@
           <a:lstStyle/>
           <a:p>
             <a:r>
-              <a:rPr lang="en-IN" dirty="0" smtClean="0"/>
+              <a:rPr lang="en-IN" dirty="0" smtClean="0">
+                <a:solidFill>
+                  <a:schemeClr val="bg1"/>
+                </a:solidFill>
+              </a:rPr>
               <a:t>Attendance filled</a:t>
             </a:r>
-            <a:endParaRPr lang="en-IN" dirty="0"/>
+            <a:endParaRPr lang="en-IN" dirty="0">
+              <a:solidFill>
+                <a:schemeClr val="bg1"/>
+              </a:solidFill>
+            </a:endParaRPr>
           </a:p>
         </p:txBody>
       </p:sp>
@@ -9014,10 +11313,18 @@
           <a:lstStyle/>
           <a:p>
             <a:r>
-              <a:rPr lang="en-IN" dirty="0" smtClean="0"/>
+              <a:rPr lang="en-IN" dirty="0" smtClean="0">
+                <a:solidFill>
+                  <a:schemeClr val="bg1"/>
+                </a:solidFill>
+              </a:rPr>
               <a:t>Attendance not filled</a:t>
             </a:r>
-            <a:endParaRPr lang="en-IN" dirty="0"/>
+            <a:endParaRPr lang="en-IN" dirty="0">
+              <a:solidFill>
+                <a:schemeClr val="bg1"/>
+              </a:solidFill>
+            </a:endParaRPr>
           </a:p>
         </p:txBody>
       </p:sp>
@@ -9044,10 +11351,18 @@
           <a:lstStyle/>
           <a:p>
             <a:r>
-              <a:rPr lang="en-IN" dirty="0" smtClean="0"/>
+              <a:rPr lang="en-IN" dirty="0" smtClean="0">
+                <a:solidFill>
+                  <a:schemeClr val="bg1"/>
+                </a:solidFill>
+              </a:rPr>
               <a:t>Holiday</a:t>
             </a:r>
-            <a:endParaRPr lang="en-IN" dirty="0"/>
+            <a:endParaRPr lang="en-IN" dirty="0">
+              <a:solidFill>
+                <a:schemeClr val="bg1"/>
+              </a:solidFill>
+            </a:endParaRPr>
           </a:p>
         </p:txBody>
       </p:sp>
@@ -9612,7 +11927,7 @@
 </p:sld>
 </file>
 
-<file path=ppt/slides/slide16.xml><?xml version="1.0" encoding="utf-8"?>
+<file path=ppt/slides/slide2.xml><?xml version="1.0" encoding="utf-8"?>
 <p:sld xmlns:a="http://schemas.openxmlformats.org/drawingml/2006/main" xmlns:r="http://schemas.openxmlformats.org/officeDocument/2006/relationships" xmlns:p="http://schemas.openxmlformats.org/presentationml/2006/main">
   <p:cSld>
     <p:spTree>
@@ -9631,6 +11946,477 @@
       </p:grpSpPr>
       <p:sp>
         <p:nvSpPr>
+          <p:cNvPr id="3" name="Title 2"/>
+          <p:cNvSpPr>
+            <a:spLocks noGrp="1"/>
+          </p:cNvSpPr>
+          <p:nvPr>
+            <p:ph type="title"/>
+          </p:nvPr>
+        </p:nvSpPr>
+        <p:spPr>
+          <a:xfrm>
+            <a:off x="457199" y="442452"/>
+            <a:ext cx="10353762" cy="970450"/>
+          </a:xfrm>
+        </p:spPr>
+        <p:txBody>
+          <a:bodyPr>
+            <a:normAutofit/>
+          </a:bodyPr>
+          <a:lstStyle/>
+          <a:p>
+            <a:r>
+              <a:rPr lang="en-IN" dirty="0" smtClean="0"/>
+              <a:t>Login related user stories</a:t>
+            </a:r>
+            <a:endParaRPr lang="en-IN" dirty="0"/>
+          </a:p>
+        </p:txBody>
+      </p:sp>
+      <p:sp>
+        <p:nvSpPr>
+          <p:cNvPr id="6" name="Content Placeholder 2"/>
+          <p:cNvSpPr txBox="1">
+            <a:spLocks/>
+          </p:cNvSpPr>
+          <p:nvPr/>
+        </p:nvSpPr>
+        <p:spPr>
+          <a:xfrm>
+            <a:off x="457199" y="1600200"/>
+            <a:ext cx="10795819" cy="4525963"/>
+          </a:xfrm>
+          <a:prstGeom prst="rect">
+            <a:avLst/>
+          </a:prstGeom>
+          <a:effectLst>
+            <a:outerShdw blurRad="25400" dir="17880000">
+              <a:srgbClr val="000000">
+                <a:alpha val="46000"/>
+              </a:srgbClr>
+            </a:outerShdw>
+          </a:effectLst>
+        </p:spPr>
+        <p:txBody>
+          <a:bodyPr vert="horz" lIns="91440" tIns="45720" rIns="91440" bIns="45720" rtlCol="0" anchor="t">
+            <a:normAutofit/>
+          </a:bodyPr>
+          <a:lstStyle>
+            <a:lvl1pPr marL="342900" indent="-306000" algn="l" defTabSz="457200" rtl="0" eaLnBrk="1" latinLnBrk="0" hangingPunct="1">
+              <a:spcBef>
+                <a:spcPct val="20000"/>
+              </a:spcBef>
+              <a:spcAft>
+                <a:spcPts val="600"/>
+              </a:spcAft>
+              <a:buClr>
+                <a:schemeClr val="tx2"/>
+              </a:buClr>
+              <a:buSzPct val="70000"/>
+              <a:buFont typeface="Wingdings 2" charset="2"/>
+              <a:buChar char=""/>
+              <a:defRPr sz="2000" b="1" kern="1200" cap="none" spc="50">
+                <a:ln w="0"/>
+                <a:solidFill>
+                  <a:schemeClr val="bg2"/>
+                </a:solidFill>
+                <a:effectLst>
+                  <a:innerShdw blurRad="63500" dist="50800" dir="13500000">
+                    <a:srgbClr val="000000">
+                      <a:alpha val="50000"/>
+                    </a:srgbClr>
+                  </a:innerShdw>
+                </a:effectLst>
+                <a:latin typeface="+mn-lt"/>
+                <a:ea typeface="+mn-ea"/>
+                <a:cs typeface="+mn-cs"/>
+              </a:defRPr>
+            </a:lvl1pPr>
+            <a:lvl2pPr marL="720000" indent="-270000" algn="l" defTabSz="457200" rtl="0" eaLnBrk="1" latinLnBrk="0" hangingPunct="1">
+              <a:spcBef>
+                <a:spcPct val="20000"/>
+              </a:spcBef>
+              <a:spcAft>
+                <a:spcPts val="600"/>
+              </a:spcAft>
+              <a:buClr>
+                <a:schemeClr val="tx2"/>
+              </a:buClr>
+              <a:buSzPct val="70000"/>
+              <a:buFont typeface="Wingdings 2" charset="2"/>
+              <a:buChar char=""/>
+              <a:defRPr sz="1800" b="1" kern="1200" cap="none" spc="50">
+                <a:ln w="0"/>
+                <a:solidFill>
+                  <a:schemeClr val="bg2"/>
+                </a:solidFill>
+                <a:effectLst>
+                  <a:innerShdw blurRad="63500" dist="50800" dir="13500000">
+                    <a:srgbClr val="000000">
+                      <a:alpha val="50000"/>
+                    </a:srgbClr>
+                  </a:innerShdw>
+                </a:effectLst>
+                <a:latin typeface="+mn-lt"/>
+                <a:ea typeface="+mn-ea"/>
+                <a:cs typeface="+mn-cs"/>
+              </a:defRPr>
+            </a:lvl2pPr>
+            <a:lvl3pPr marL="1026000" indent="-216000" algn="l" defTabSz="457200" rtl="0" eaLnBrk="1" latinLnBrk="0" hangingPunct="1">
+              <a:spcBef>
+                <a:spcPct val="20000"/>
+              </a:spcBef>
+              <a:spcAft>
+                <a:spcPts val="600"/>
+              </a:spcAft>
+              <a:buClr>
+                <a:schemeClr val="tx2"/>
+              </a:buClr>
+              <a:buSzPct val="70000"/>
+              <a:buFont typeface="Wingdings 2" charset="2"/>
+              <a:buChar char=""/>
+              <a:defRPr sz="1600" b="1" kern="1200" cap="none" spc="50">
+                <a:ln w="0"/>
+                <a:solidFill>
+                  <a:schemeClr val="bg2"/>
+                </a:solidFill>
+                <a:effectLst>
+                  <a:innerShdw blurRad="63500" dist="50800" dir="13500000">
+                    <a:srgbClr val="000000">
+                      <a:alpha val="50000"/>
+                    </a:srgbClr>
+                  </a:innerShdw>
+                </a:effectLst>
+                <a:latin typeface="+mn-lt"/>
+                <a:ea typeface="+mn-ea"/>
+                <a:cs typeface="+mn-cs"/>
+              </a:defRPr>
+            </a:lvl3pPr>
+            <a:lvl4pPr marL="1386000" indent="-216000" algn="l" defTabSz="457200" rtl="0" eaLnBrk="1" latinLnBrk="0" hangingPunct="1">
+              <a:spcBef>
+                <a:spcPct val="20000"/>
+              </a:spcBef>
+              <a:spcAft>
+                <a:spcPts val="600"/>
+              </a:spcAft>
+              <a:buClr>
+                <a:schemeClr val="tx2"/>
+              </a:buClr>
+              <a:buSzPct val="70000"/>
+              <a:buFont typeface="Wingdings 2" charset="2"/>
+              <a:buChar char=""/>
+              <a:defRPr sz="1400" b="1" kern="1200" cap="none" spc="50">
+                <a:ln w="0"/>
+                <a:solidFill>
+                  <a:schemeClr val="bg2"/>
+                </a:solidFill>
+                <a:effectLst>
+                  <a:innerShdw blurRad="63500" dist="50800" dir="13500000">
+                    <a:srgbClr val="000000">
+                      <a:alpha val="50000"/>
+                    </a:srgbClr>
+                  </a:innerShdw>
+                </a:effectLst>
+                <a:latin typeface="+mn-lt"/>
+                <a:ea typeface="+mn-ea"/>
+                <a:cs typeface="+mn-cs"/>
+              </a:defRPr>
+            </a:lvl4pPr>
+            <a:lvl5pPr marL="1674000" indent="-216000" algn="l" defTabSz="457200" rtl="0" eaLnBrk="1" latinLnBrk="0" hangingPunct="1">
+              <a:spcBef>
+                <a:spcPct val="20000"/>
+              </a:spcBef>
+              <a:spcAft>
+                <a:spcPts val="600"/>
+              </a:spcAft>
+              <a:buClr>
+                <a:schemeClr val="tx2"/>
+              </a:buClr>
+              <a:buSzPct val="70000"/>
+              <a:buFont typeface="Wingdings 2" charset="2"/>
+              <a:buChar char=""/>
+              <a:defRPr sz="1400" b="1" kern="1200" cap="none" spc="50">
+                <a:ln w="0"/>
+                <a:solidFill>
+                  <a:schemeClr val="bg2"/>
+                </a:solidFill>
+                <a:effectLst>
+                  <a:innerShdw blurRad="63500" dist="50800" dir="13500000">
+                    <a:srgbClr val="000000">
+                      <a:alpha val="50000"/>
+                    </a:srgbClr>
+                  </a:innerShdw>
+                </a:effectLst>
+                <a:latin typeface="+mn-lt"/>
+                <a:ea typeface="+mn-ea"/>
+                <a:cs typeface="+mn-cs"/>
+              </a:defRPr>
+            </a:lvl5pPr>
+            <a:lvl6pPr marL="2014600" indent="-228600" algn="l" defTabSz="457200" rtl="0" eaLnBrk="1" latinLnBrk="0" hangingPunct="1">
+              <a:spcBef>
+                <a:spcPct val="20000"/>
+              </a:spcBef>
+              <a:spcAft>
+                <a:spcPts val="600"/>
+              </a:spcAft>
+              <a:buClr>
+                <a:schemeClr val="tx2"/>
+              </a:buClr>
+              <a:buSzPct val="70000"/>
+              <a:buFont typeface="Wingdings 2" charset="2"/>
+              <a:buChar char=""/>
+              <a:defRPr sz="1400" kern="1200">
+                <a:ln>
+                  <a:solidFill>
+                    <a:schemeClr val="bg1">
+                      <a:lumMod val="75000"/>
+                      <a:lumOff val="25000"/>
+                      <a:alpha val="10000"/>
+                    </a:schemeClr>
+                  </a:solidFill>
+                </a:ln>
+                <a:solidFill>
+                  <a:schemeClr val="tx2"/>
+                </a:solidFill>
+                <a:effectLst>
+                  <a:outerShdw blurRad="9525" dist="25400" dir="14640000" algn="tl" rotWithShape="0">
+                    <a:schemeClr val="bg1">
+                      <a:alpha val="30000"/>
+                    </a:schemeClr>
+                  </a:outerShdw>
+                </a:effectLst>
+                <a:latin typeface="+mn-lt"/>
+                <a:ea typeface="+mn-ea"/>
+                <a:cs typeface="+mn-cs"/>
+              </a:defRPr>
+            </a:lvl6pPr>
+            <a:lvl7pPr marL="2401800" indent="-228600" algn="l" defTabSz="457200" rtl="0" eaLnBrk="1" latinLnBrk="0" hangingPunct="1">
+              <a:spcBef>
+                <a:spcPct val="20000"/>
+              </a:spcBef>
+              <a:spcAft>
+                <a:spcPts val="600"/>
+              </a:spcAft>
+              <a:buClr>
+                <a:schemeClr val="tx2"/>
+              </a:buClr>
+              <a:buSzPct val="70000"/>
+              <a:buFont typeface="Wingdings 2" charset="2"/>
+              <a:buChar char=""/>
+              <a:defRPr sz="1400" kern="1200">
+                <a:ln>
+                  <a:solidFill>
+                    <a:schemeClr val="bg1">
+                      <a:lumMod val="75000"/>
+                      <a:lumOff val="25000"/>
+                      <a:alpha val="10000"/>
+                    </a:schemeClr>
+                  </a:solidFill>
+                </a:ln>
+                <a:solidFill>
+                  <a:schemeClr val="tx2"/>
+                </a:solidFill>
+                <a:effectLst>
+                  <a:outerShdw blurRad="9525" dist="25400" dir="14640000" algn="tl" rotWithShape="0">
+                    <a:schemeClr val="bg1">
+                      <a:alpha val="30000"/>
+                    </a:schemeClr>
+                  </a:outerShdw>
+                </a:effectLst>
+                <a:latin typeface="+mn-lt"/>
+                <a:ea typeface="+mn-ea"/>
+                <a:cs typeface="+mn-cs"/>
+              </a:defRPr>
+            </a:lvl7pPr>
+            <a:lvl8pPr marL="2789000" indent="-228600" algn="l" defTabSz="457200" rtl="0" eaLnBrk="1" latinLnBrk="0" hangingPunct="1">
+              <a:spcBef>
+                <a:spcPct val="20000"/>
+              </a:spcBef>
+              <a:spcAft>
+                <a:spcPts val="600"/>
+              </a:spcAft>
+              <a:buClr>
+                <a:schemeClr val="tx2"/>
+              </a:buClr>
+              <a:buSzPct val="70000"/>
+              <a:buFont typeface="Wingdings 2" charset="2"/>
+              <a:buChar char=""/>
+              <a:defRPr sz="1400" kern="1200">
+                <a:ln>
+                  <a:solidFill>
+                    <a:schemeClr val="bg1">
+                      <a:lumMod val="75000"/>
+                      <a:lumOff val="25000"/>
+                      <a:alpha val="10000"/>
+                    </a:schemeClr>
+                  </a:solidFill>
+                </a:ln>
+                <a:solidFill>
+                  <a:schemeClr val="tx2"/>
+                </a:solidFill>
+                <a:effectLst>
+                  <a:outerShdw blurRad="9525" dist="25400" dir="14640000" algn="tl" rotWithShape="0">
+                    <a:schemeClr val="bg1">
+                      <a:alpha val="30000"/>
+                    </a:schemeClr>
+                  </a:outerShdw>
+                </a:effectLst>
+                <a:latin typeface="+mn-lt"/>
+                <a:ea typeface="+mn-ea"/>
+                <a:cs typeface="+mn-cs"/>
+              </a:defRPr>
+            </a:lvl8pPr>
+            <a:lvl9pPr marL="3106200" indent="-228600" algn="l" defTabSz="457200" rtl="0" eaLnBrk="1" latinLnBrk="0" hangingPunct="1">
+              <a:spcBef>
+                <a:spcPct val="20000"/>
+              </a:spcBef>
+              <a:spcAft>
+                <a:spcPts val="600"/>
+              </a:spcAft>
+              <a:buClr>
+                <a:schemeClr val="tx2"/>
+              </a:buClr>
+              <a:buSzPct val="70000"/>
+              <a:buFont typeface="Wingdings 2" charset="2"/>
+              <a:buChar char=""/>
+              <a:defRPr sz="1400" kern="1200">
+                <a:ln>
+                  <a:solidFill>
+                    <a:schemeClr val="bg1">
+                      <a:lumMod val="75000"/>
+                      <a:lumOff val="25000"/>
+                      <a:alpha val="10000"/>
+                    </a:schemeClr>
+                  </a:solidFill>
+                </a:ln>
+                <a:solidFill>
+                  <a:schemeClr val="tx2"/>
+                </a:solidFill>
+                <a:effectLst>
+                  <a:outerShdw blurRad="9525" dist="25400" dir="14640000" algn="tl" rotWithShape="0">
+                    <a:schemeClr val="bg1">
+                      <a:alpha val="30000"/>
+                    </a:schemeClr>
+                  </a:outerShdw>
+                </a:effectLst>
+                <a:latin typeface="+mn-lt"/>
+                <a:ea typeface="+mn-ea"/>
+                <a:cs typeface="+mn-cs"/>
+              </a:defRPr>
+            </a:lvl9pPr>
+          </a:lstStyle>
+          <a:p>
+            <a:r>
+              <a:rPr lang="en-US" sz="2800" b="0" spc="0" dirty="0" smtClean="0">
+                <a:ln>
+                  <a:noFill/>
+                </a:ln>
+                <a:solidFill>
+                  <a:srgbClr val="363636"/>
+                </a:solidFill>
+                <a:effectLst/>
+                <a:latin typeface="+mj-lt"/>
+              </a:rPr>
+              <a:t>As a user, I should be able to create login in app as facilitator/teacher or as attendee/student.</a:t>
+            </a:r>
+          </a:p>
+          <a:p>
+            <a:r>
+              <a:rPr lang="en-US" sz="2800" b="0" spc="0" dirty="0" smtClean="0">
+                <a:ln>
+                  <a:noFill/>
+                </a:ln>
+                <a:solidFill>
+                  <a:srgbClr val="363636"/>
+                </a:solidFill>
+                <a:effectLst/>
+                <a:latin typeface="+mj-lt"/>
+              </a:rPr>
+              <a:t>As a user, I should be able to login in the app as either facilitator/teacher or as attendee/student.</a:t>
+            </a:r>
+          </a:p>
+          <a:p>
+            <a:r>
+              <a:rPr lang="en-US" sz="2800" b="0" spc="0" dirty="0" smtClean="0">
+                <a:ln>
+                  <a:noFill/>
+                </a:ln>
+                <a:solidFill>
+                  <a:srgbClr val="363636"/>
+                </a:solidFill>
+                <a:effectLst/>
+                <a:latin typeface="+mj-lt"/>
+              </a:rPr>
+              <a:t>As a user, I should be able to retrieve my forgotten password.</a:t>
+            </a:r>
+          </a:p>
+          <a:p>
+            <a:r>
+              <a:rPr lang="en-US" sz="2800" b="0" spc="0" dirty="0" smtClean="0">
+                <a:ln>
+                  <a:noFill/>
+                </a:ln>
+                <a:solidFill>
+                  <a:srgbClr val="363636"/>
+                </a:solidFill>
+                <a:effectLst/>
+                <a:latin typeface="+mj-lt"/>
+              </a:rPr>
+              <a:t>As a user, I should be able to change my password.</a:t>
+            </a:r>
+            <a:endParaRPr lang="en-US" sz="2800" b="0" spc="0" dirty="0" smtClean="0">
+              <a:ln>
+                <a:noFill/>
+              </a:ln>
+              <a:solidFill>
+                <a:srgbClr val="363636"/>
+              </a:solidFill>
+              <a:effectLst/>
+              <a:latin typeface="+mj-lt"/>
+            </a:endParaRPr>
+          </a:p>
+        </p:txBody>
+      </p:sp>
+    </p:spTree>
+    <p:extLst>
+      <p:ext uri="{BB962C8B-B14F-4D97-AF65-F5344CB8AC3E}">
+        <p14:creationId xmlns:p14="http://schemas.microsoft.com/office/powerpoint/2010/main" val="835534629"/>
+      </p:ext>
+    </p:extLst>
+  </p:cSld>
+  <p:clrMapOvr>
+    <a:masterClrMapping/>
+  </p:clrMapOvr>
+  <p:timing>
+    <p:tnLst>
+      <p:par>
+        <p:cTn id="1" dur="indefinite" restart="never" nodeType="tmRoot"/>
+      </p:par>
+    </p:tnLst>
+  </p:timing>
+</p:sld>
+</file>
+
+<file path=ppt/slides/slide20.xml><?xml version="1.0" encoding="utf-8"?>
+<p:sld xmlns:a="http://schemas.openxmlformats.org/drawingml/2006/main" xmlns:r="http://schemas.openxmlformats.org/officeDocument/2006/relationships" xmlns:p="http://schemas.openxmlformats.org/presentationml/2006/main">
+  <p:cSld>
+    <p:spTree>
+      <p:nvGrpSpPr>
+        <p:cNvPr id="1" name=""/>
+        <p:cNvGrpSpPr/>
+        <p:nvPr/>
+      </p:nvGrpSpPr>
+      <p:grpSpPr>
+        <a:xfrm>
+          <a:off x="0" y="0"/>
+          <a:ext cx="0" cy="0"/>
+          <a:chOff x="0" y="0"/>
+          <a:chExt cx="0" cy="0"/>
+        </a:xfrm>
+      </p:grpSpPr>
+      <p:sp>
+        <p:nvSpPr>
           <p:cNvPr id="2" name="Title 1"/>
           <p:cNvSpPr>
             <a:spLocks noGrp="1"/>
@@ -9646,11 +12432,7 @@
           <a:p>
             <a:r>
               <a:rPr lang="en-IN" dirty="0" smtClean="0"/>
-              <a:t>My timetable-&gt;Add </a:t>
-            </a:r>
-            <a:r>
-              <a:rPr lang="en-IN" dirty="0" smtClean="0"/>
-              <a:t>course to my timetable</a:t>
+              <a:t>My timetable-&gt;Add course to my timetable</a:t>
             </a:r>
             <a:endParaRPr lang="en-IN" dirty="0"/>
           </a:p>
@@ -10472,7 +13254,7 @@
         </p:nvSpPr>
         <p:spPr>
           <a:xfrm>
-            <a:off x="6786411" y="6095381"/>
+            <a:off x="6786411" y="6085546"/>
             <a:ext cx="1116572" cy="425487"/>
           </a:xfrm>
           <a:prstGeom prst="roundRect">
@@ -10505,7 +13287,7 @@
               <a:rPr lang="en-IN" dirty="0" smtClean="0">
                 <a:latin typeface="Calibri" panose="020F0502020204030204" pitchFamily="34" charset="0"/>
               </a:rPr>
-              <a:t>Add</a:t>
+              <a:t>Ok</a:t>
             </a:r>
             <a:endParaRPr lang="en-IN" dirty="0">
               <a:latin typeface="Calibri" panose="020F0502020204030204" pitchFamily="34" charset="0"/>
@@ -10569,10 +13351,18 @@
           <a:lstStyle/>
           <a:p>
             <a:r>
-              <a:rPr lang="en-IN" dirty="0" smtClean="0"/>
+              <a:rPr lang="en-IN" dirty="0" smtClean="0">
+                <a:solidFill>
+                  <a:schemeClr val="bg1"/>
+                </a:solidFill>
+              </a:rPr>
               <a:t>Opens time selector</a:t>
             </a:r>
-            <a:endParaRPr lang="en-IN" dirty="0"/>
+            <a:endParaRPr lang="en-IN" dirty="0">
+              <a:solidFill>
+                <a:schemeClr val="bg1"/>
+              </a:solidFill>
+            </a:endParaRPr>
           </a:p>
         </p:txBody>
       </p:sp>
@@ -10634,11 +13424,19 @@
           <a:lstStyle/>
           <a:p>
             <a:r>
-              <a:rPr lang="en-IN" dirty="0"/>
+              <a:rPr lang="en-IN" dirty="0">
+                <a:solidFill>
+                  <a:schemeClr val="bg1"/>
+                </a:solidFill>
+              </a:rPr>
               <a:t>This opens </a:t>
             </a:r>
             <a:r>
-              <a:rPr lang="en-IN" dirty="0" smtClean="0"/>
+              <a:rPr lang="en-IN" dirty="0" smtClean="0">
+                <a:solidFill>
+                  <a:schemeClr val="bg1"/>
+                </a:solidFill>
+              </a:rPr>
               <a:t>date selector</a:t>
             </a:r>
           </a:p>
@@ -10702,14 +13500,26 @@
           <a:lstStyle/>
           <a:p>
             <a:r>
-              <a:rPr lang="en-IN" dirty="0" err="1" smtClean="0"/>
+              <a:rPr lang="en-IN" dirty="0" err="1" smtClean="0">
+                <a:solidFill>
+                  <a:schemeClr val="bg1"/>
+                </a:solidFill>
+              </a:rPr>
               <a:t>Multiselect</a:t>
             </a:r>
             <a:r>
-              <a:rPr lang="en-IN" dirty="0" smtClean="0"/>
+              <a:rPr lang="en-IN" dirty="0" smtClean="0">
+                <a:solidFill>
+                  <a:schemeClr val="bg1"/>
+                </a:solidFill>
+              </a:rPr>
               <a:t> buttons</a:t>
             </a:r>
-            <a:endParaRPr lang="en-IN" dirty="0"/>
+            <a:endParaRPr lang="en-IN" dirty="0">
+              <a:solidFill>
+                <a:schemeClr val="bg1"/>
+              </a:solidFill>
+            </a:endParaRPr>
           </a:p>
         </p:txBody>
       </p:sp>
@@ -10771,10 +13581,18 @@
           <a:lstStyle/>
           <a:p>
             <a:r>
-              <a:rPr lang="en-IN" dirty="0" smtClean="0"/>
+              <a:rPr lang="en-IN" dirty="0" smtClean="0">
+                <a:solidFill>
+                  <a:schemeClr val="bg1"/>
+                </a:solidFill>
+              </a:rPr>
               <a:t>Courses as defined by facilitator, searchable dropdown</a:t>
             </a:r>
-            <a:endParaRPr lang="en-IN" dirty="0"/>
+            <a:endParaRPr lang="en-IN" dirty="0">
+              <a:solidFill>
+                <a:schemeClr val="bg1"/>
+              </a:solidFill>
+            </a:endParaRPr>
           </a:p>
         </p:txBody>
       </p:sp>
@@ -10912,10 +13730,18 @@
           <a:lstStyle/>
           <a:p>
             <a:r>
-              <a:rPr lang="en-IN" dirty="0" smtClean="0"/>
+              <a:rPr lang="en-IN" dirty="0" smtClean="0">
+                <a:solidFill>
+                  <a:schemeClr val="bg1"/>
+                </a:solidFill>
+              </a:rPr>
               <a:t>Radio buttons</a:t>
             </a:r>
-            <a:endParaRPr lang="en-IN" dirty="0"/>
+            <a:endParaRPr lang="en-IN" dirty="0">
+              <a:solidFill>
+                <a:schemeClr val="bg1"/>
+              </a:solidFill>
+            </a:endParaRPr>
           </a:p>
         </p:txBody>
       </p:sp>
@@ -10929,10 +13755,17 @@
   <p:clrMapOvr>
     <a:masterClrMapping/>
   </p:clrMapOvr>
+  <p:timing>
+    <p:tnLst>
+      <p:par>
+        <p:cTn id="1" dur="indefinite" restart="never" nodeType="tmRoot"/>
+      </p:par>
+    </p:tnLst>
+  </p:timing>
 </p:sld>
 </file>
 
-<file path=ppt/slides/slide17.xml><?xml version="1.0" encoding="utf-8"?>
+<file path=ppt/slides/slide21.xml><?xml version="1.0" encoding="utf-8"?>
 <p:sld xmlns:a="http://schemas.openxmlformats.org/drawingml/2006/main" xmlns:r="http://schemas.openxmlformats.org/officeDocument/2006/relationships" xmlns:p="http://schemas.openxmlformats.org/presentationml/2006/main">
   <p:cSld>
     <p:spTree>
@@ -11431,10 +14264,17 @@
   <p:clrMapOvr>
     <a:masterClrMapping/>
   </p:clrMapOvr>
+  <p:timing>
+    <p:tnLst>
+      <p:par>
+        <p:cTn id="1" dur="indefinite" restart="never" nodeType="tmRoot"/>
+      </p:par>
+    </p:tnLst>
+  </p:timing>
 </p:sld>
 </file>
 
-<file path=ppt/slides/slide18.xml><?xml version="1.0" encoding="utf-8"?>
+<file path=ppt/slides/slide22.xml><?xml version="1.0" encoding="utf-8"?>
 <p:sld xmlns:a="http://schemas.openxmlformats.org/drawingml/2006/main" xmlns:r="http://schemas.openxmlformats.org/officeDocument/2006/relationships" xmlns:p="http://schemas.openxmlformats.org/presentationml/2006/main">
   <p:cSld>
     <p:spTree>
@@ -11461,20 +14301,25 @@
             <p:ph type="title"/>
           </p:nvPr>
         </p:nvSpPr>
-        <p:spPr/>
+        <p:spPr>
+          <a:xfrm>
+            <a:off x="0" y="0"/>
+            <a:ext cx="11282516" cy="970450"/>
+          </a:xfrm>
+        </p:spPr>
         <p:txBody>
           <a:bodyPr>
-            <a:normAutofit/>
+            <a:normAutofit fontScale="90000"/>
           </a:bodyPr>
           <a:lstStyle/>
           <a:p>
             <a:r>
               <a:rPr lang="en-IN" dirty="0" smtClean="0"/>
-              <a:t>My </a:t>
+              <a:t>My timetable- select any date </a:t>
             </a:r>
             <a:r>
               <a:rPr lang="en-IN" dirty="0" smtClean="0"/>
-              <a:t>timetable- select any date - Edit</a:t>
+              <a:t>–select any course to edit</a:t>
             </a:r>
             <a:endParaRPr lang="en-IN" dirty="0"/>
           </a:p>
@@ -12362,10 +15207,18 @@
           <a:lstStyle/>
           <a:p>
             <a:r>
-              <a:rPr lang="en-IN" dirty="0" smtClean="0"/>
+              <a:rPr lang="en-IN" dirty="0" smtClean="0">
+                <a:solidFill>
+                  <a:schemeClr val="bg1"/>
+                </a:solidFill>
+              </a:rPr>
               <a:t>Opens time selector</a:t>
             </a:r>
-            <a:endParaRPr lang="en-IN" dirty="0"/>
+            <a:endParaRPr lang="en-IN" dirty="0">
+              <a:solidFill>
+                <a:schemeClr val="bg1"/>
+              </a:solidFill>
+            </a:endParaRPr>
           </a:p>
         </p:txBody>
       </p:sp>
@@ -12427,11 +15280,19 @@
           <a:lstStyle/>
           <a:p>
             <a:r>
-              <a:rPr lang="en-IN" dirty="0"/>
+              <a:rPr lang="en-IN" dirty="0">
+                <a:solidFill>
+                  <a:schemeClr val="bg1"/>
+                </a:solidFill>
+              </a:rPr>
               <a:t>This opens </a:t>
             </a:r>
             <a:r>
-              <a:rPr lang="en-IN" dirty="0" smtClean="0"/>
+              <a:rPr lang="en-IN" dirty="0" smtClean="0">
+                <a:solidFill>
+                  <a:schemeClr val="bg1"/>
+                </a:solidFill>
+              </a:rPr>
               <a:t>date selector</a:t>
             </a:r>
           </a:p>
@@ -12495,14 +15356,26 @@
           <a:lstStyle/>
           <a:p>
             <a:r>
-              <a:rPr lang="en-IN" dirty="0" err="1" smtClean="0"/>
+              <a:rPr lang="en-IN" dirty="0" err="1" smtClean="0">
+                <a:solidFill>
+                  <a:schemeClr val="bg1"/>
+                </a:solidFill>
+              </a:rPr>
               <a:t>Multiselect</a:t>
             </a:r>
             <a:r>
-              <a:rPr lang="en-IN" dirty="0" smtClean="0"/>
+              <a:rPr lang="en-IN" dirty="0" smtClean="0">
+                <a:solidFill>
+                  <a:schemeClr val="bg1"/>
+                </a:solidFill>
+              </a:rPr>
               <a:t> buttons</a:t>
             </a:r>
-            <a:endParaRPr lang="en-IN" dirty="0"/>
+            <a:endParaRPr lang="en-IN" dirty="0">
+              <a:solidFill>
+                <a:schemeClr val="bg1"/>
+              </a:solidFill>
+            </a:endParaRPr>
           </a:p>
         </p:txBody>
       </p:sp>
@@ -12562,10 +15435,18 @@
           <a:lstStyle/>
           <a:p>
             <a:r>
-              <a:rPr lang="en-IN" dirty="0" smtClean="0"/>
+              <a:rPr lang="en-IN" dirty="0" smtClean="0">
+                <a:solidFill>
+                  <a:schemeClr val="bg1"/>
+                </a:solidFill>
+              </a:rPr>
               <a:t>Selected course to edit, rest fields are pre populated</a:t>
             </a:r>
-            <a:endParaRPr lang="en-IN" dirty="0"/>
+            <a:endParaRPr lang="en-IN" dirty="0">
+              <a:solidFill>
+                <a:schemeClr val="bg1"/>
+              </a:solidFill>
+            </a:endParaRPr>
           </a:p>
         </p:txBody>
       </p:sp>
@@ -12665,10 +15546,18 @@
           <a:lstStyle/>
           <a:p>
             <a:r>
-              <a:rPr lang="en-IN" dirty="0" smtClean="0"/>
+              <a:rPr lang="en-IN" dirty="0" smtClean="0">
+                <a:solidFill>
+                  <a:schemeClr val="bg1"/>
+                </a:solidFill>
+              </a:rPr>
               <a:t>Radio buttons</a:t>
             </a:r>
-            <a:endParaRPr lang="en-IN" dirty="0"/>
+            <a:endParaRPr lang="en-IN" dirty="0">
+              <a:solidFill>
+                <a:schemeClr val="bg1"/>
+              </a:solidFill>
+            </a:endParaRPr>
           </a:p>
         </p:txBody>
       </p:sp>
@@ -12805,10 +15694,17 @@
   <p:clrMapOvr>
     <a:masterClrMapping/>
   </p:clrMapOvr>
+  <p:timing>
+    <p:tnLst>
+      <p:par>
+        <p:cTn id="1" dur="indefinite" restart="never" nodeType="tmRoot"/>
+      </p:par>
+    </p:tnLst>
+  </p:timing>
 </p:sld>
 </file>
 
-<file path=ppt/slides/slide19.xml><?xml version="1.0" encoding="utf-8"?>
+<file path=ppt/slides/slide23.xml><?xml version="1.0" encoding="utf-8"?>
 <p:sld xmlns:a="http://schemas.openxmlformats.org/drawingml/2006/main" xmlns:r="http://schemas.openxmlformats.org/officeDocument/2006/relationships" xmlns:p="http://schemas.openxmlformats.org/presentationml/2006/main">
   <p:cSld>
     <p:spTree>
@@ -13595,69 +16491,17 @@
   <p:clrMapOvr>
     <a:masterClrMapping/>
   </p:clrMapOvr>
+  <p:timing>
+    <p:tnLst>
+      <p:par>
+        <p:cTn id="1" dur="indefinite" restart="never" nodeType="tmRoot"/>
+      </p:par>
+    </p:tnLst>
+  </p:timing>
 </p:sld>
 </file>
 
-<file path=ppt/slides/slide2.xml><?xml version="1.0" encoding="utf-8"?>
-<p:sld xmlns:a="http://schemas.openxmlformats.org/drawingml/2006/main" xmlns:r="http://schemas.openxmlformats.org/officeDocument/2006/relationships" xmlns:p="http://schemas.openxmlformats.org/presentationml/2006/main">
-  <p:cSld>
-    <p:spTree>
-      <p:nvGrpSpPr>
-        <p:cNvPr id="1" name=""/>
-        <p:cNvGrpSpPr/>
-        <p:nvPr/>
-      </p:nvGrpSpPr>
-      <p:grpSpPr>
-        <a:xfrm>
-          <a:off x="0" y="0"/>
-          <a:ext cx="0" cy="0"/>
-          <a:chOff x="0" y="0"/>
-          <a:chExt cx="0" cy="0"/>
-        </a:xfrm>
-      </p:grpSpPr>
-      <p:sp>
-        <p:nvSpPr>
-          <p:cNvPr id="2" name="Title 1"/>
-          <p:cNvSpPr>
-            <a:spLocks noGrp="1"/>
-          </p:cNvSpPr>
-          <p:nvPr>
-            <p:ph type="title"/>
-          </p:nvPr>
-        </p:nvSpPr>
-        <p:spPr>
-          <a:xfrm>
-            <a:off x="2726571" y="2776447"/>
-            <a:ext cx="6783186" cy="970450"/>
-          </a:xfrm>
-        </p:spPr>
-        <p:txBody>
-          <a:bodyPr/>
-          <a:lstStyle/>
-          <a:p>
-            <a:pPr algn="ctr"/>
-            <a:r>
-              <a:rPr lang="en-IN" dirty="0" smtClean="0"/>
-              <a:t>Generic screens for both users</a:t>
-            </a:r>
-            <a:endParaRPr lang="en-IN" dirty="0"/>
-          </a:p>
-        </p:txBody>
-      </p:sp>
-    </p:spTree>
-    <p:extLst>
-      <p:ext uri="{BB962C8B-B14F-4D97-AF65-F5344CB8AC3E}">
-        <p14:creationId xmlns:p14="http://schemas.microsoft.com/office/powerpoint/2010/main" val="1162800019"/>
-      </p:ext>
-    </p:extLst>
-  </p:cSld>
-  <p:clrMapOvr>
-    <a:masterClrMapping/>
-  </p:clrMapOvr>
-</p:sld>
-</file>
-
-<file path=ppt/slides/slide20.xml><?xml version="1.0" encoding="utf-8"?>
+<file path=ppt/slides/slide24.xml><?xml version="1.0" encoding="utf-8"?>
 <p:sld xmlns:a="http://schemas.openxmlformats.org/drawingml/2006/main" xmlns:r="http://schemas.openxmlformats.org/officeDocument/2006/relationships" xmlns:p="http://schemas.openxmlformats.org/presentationml/2006/main">
   <p:cSld>
     <p:spTree>
@@ -14058,11 +16902,6 @@
                         </a:rPr>
                         <a:t>Software </a:t>
                       </a:r>
-                      <a:endParaRPr lang="en-IN" dirty="0" smtClean="0">
-                        <a:solidFill>
-                          <a:schemeClr val="bg1"/>
-                        </a:solidFill>
-                      </a:endParaRPr>
                     </a:p>
                     <a:p>
                       <a:r>
@@ -14073,11 +16912,6 @@
                         </a:rPr>
                         <a:t>Engineering</a:t>
                       </a:r>
-                      <a:endParaRPr lang="en-IN" dirty="0" smtClean="0">
-                        <a:solidFill>
-                          <a:schemeClr val="bg1"/>
-                        </a:solidFill>
-                      </a:endParaRPr>
                     </a:p>
                     <a:p>
                       <a:r>
@@ -14308,18 +17142,34 @@
           <a:lstStyle/>
           <a:p>
             <a:r>
-              <a:rPr lang="en-IN" dirty="0" smtClean="0"/>
+              <a:rPr lang="en-IN" dirty="0" smtClean="0">
+                <a:solidFill>
+                  <a:srgbClr val="363636"/>
+                </a:solidFill>
+              </a:rPr>
               <a:t>Clickable, on click of this, it will </a:t>
             </a:r>
             <a:r>
-              <a:rPr lang="en-IN" dirty="0" err="1" smtClean="0"/>
+              <a:rPr lang="en-IN" dirty="0" err="1" smtClean="0">
+                <a:solidFill>
+                  <a:srgbClr val="363636"/>
+                </a:solidFill>
+              </a:rPr>
               <a:t>goto</a:t>
             </a:r>
             <a:r>
-              <a:rPr lang="en-IN" dirty="0" smtClean="0"/>
+              <a:rPr lang="en-IN" dirty="0" smtClean="0">
+                <a:solidFill>
+                  <a:srgbClr val="363636"/>
+                </a:solidFill>
+              </a:rPr>
               <a:t> add students screen</a:t>
             </a:r>
-            <a:endParaRPr lang="en-IN" dirty="0"/>
+            <a:endParaRPr lang="en-IN" dirty="0">
+              <a:solidFill>
+                <a:srgbClr val="363636"/>
+              </a:solidFill>
+            </a:endParaRPr>
           </a:p>
         </p:txBody>
       </p:sp>
@@ -14423,10 +17273,17 @@
   <p:clrMapOvr>
     <a:masterClrMapping/>
   </p:clrMapOvr>
+  <p:timing>
+    <p:tnLst>
+      <p:par>
+        <p:cTn id="1" dur="indefinite" restart="never" nodeType="tmRoot"/>
+      </p:par>
+    </p:tnLst>
+  </p:timing>
 </p:sld>
 </file>
 
-<file path=ppt/slides/slide21.xml><?xml version="1.0" encoding="utf-8"?>
+<file path=ppt/slides/slide25.xml><?xml version="1.0" encoding="utf-8"?>
 <p:sld xmlns:a="http://schemas.openxmlformats.org/drawingml/2006/main" xmlns:r="http://schemas.openxmlformats.org/officeDocument/2006/relationships" xmlns:p="http://schemas.openxmlformats.org/presentationml/2006/main">
   <p:cSld>
     <p:spTree>
@@ -14915,7 +17772,7 @@
 </p:sld>
 </file>
 
-<file path=ppt/slides/slide22.xml><?xml version="1.0" encoding="utf-8"?>
+<file path=ppt/slides/slide26.xml><?xml version="1.0" encoding="utf-8"?>
 <p:sld xmlns:a="http://schemas.openxmlformats.org/drawingml/2006/main" xmlns:r="http://schemas.openxmlformats.org/officeDocument/2006/relationships" xmlns:p="http://schemas.openxmlformats.org/presentationml/2006/main">
   <p:cSld>
     <p:spTree>
@@ -14949,11 +17806,7 @@
           <a:p>
             <a:r>
               <a:rPr lang="en-IN" dirty="0" smtClean="0"/>
-              <a:t>My courses – Edit </a:t>
-            </a:r>
-            <a:r>
-              <a:rPr lang="en-IN" dirty="0" smtClean="0"/>
-              <a:t>course</a:t>
+              <a:t>My courses – Edit course</a:t>
             </a:r>
             <a:endParaRPr lang="en-IN" dirty="0"/>
           </a:p>
@@ -15420,7 +18273,7 @@
 </p:sld>
 </file>
 
-<file path=ppt/slides/slide23.xml><?xml version="1.0" encoding="utf-8"?>
+<file path=ppt/slides/slide27.xml><?xml version="1.0" encoding="utf-8"?>
 <p:sld xmlns:a="http://schemas.openxmlformats.org/drawingml/2006/main" xmlns:r="http://schemas.openxmlformats.org/officeDocument/2006/relationships" xmlns:p="http://schemas.openxmlformats.org/presentationml/2006/main">
   <p:cSld>
     <p:spTree>
@@ -16194,7 +19047,7 @@
 </p:sld>
 </file>
 
-<file path=ppt/slides/slide24.xml><?xml version="1.0" encoding="utf-8"?>
+<file path=ppt/slides/slide28.xml><?xml version="1.0" encoding="utf-8"?>
 <p:sld xmlns:a="http://schemas.openxmlformats.org/drawingml/2006/main" xmlns:r="http://schemas.openxmlformats.org/officeDocument/2006/relationships" xmlns:p="http://schemas.openxmlformats.org/presentationml/2006/main">
   <p:cSld>
     <p:spTree>
@@ -16779,7 +19632,7 @@
 </p:sld>
 </file>
 
-<file path=ppt/slides/slide25.xml><?xml version="1.0" encoding="utf-8"?>
+<file path=ppt/slides/slide29.xml><?xml version="1.0" encoding="utf-8"?>
 <p:sld xmlns:a="http://schemas.openxmlformats.org/drawingml/2006/main" xmlns:r="http://schemas.openxmlformats.org/officeDocument/2006/relationships" xmlns:p="http://schemas.openxmlformats.org/presentationml/2006/main">
   <p:cSld>
     <p:spTree>
@@ -17404,15 +20257,7 @@
                   <a:schemeClr val="bg1"/>
                 </a:solidFill>
               </a:rPr>
-              <a:t>Are you sure you want to delete this </a:t>
-            </a:r>
-            <a:r>
-              <a:rPr lang="en-IN" dirty="0" smtClean="0">
-                <a:solidFill>
-                  <a:schemeClr val="bg1"/>
-                </a:solidFill>
-              </a:rPr>
-              <a:t>student?</a:t>
+              <a:t>Are you sure you want to delete this student?</a:t>
             </a:r>
           </a:p>
           <a:p>
@@ -17549,7 +20394,7 @@
 </p:sld>
 </file>
 
-<file path=ppt/slides/slide26.xml><?xml version="1.0" encoding="utf-8"?>
+<file path=ppt/slides/slide3.xml><?xml version="1.0" encoding="utf-8"?>
 <p:sld xmlns:a="http://schemas.openxmlformats.org/drawingml/2006/main" xmlns:r="http://schemas.openxmlformats.org/officeDocument/2006/relationships" xmlns:p="http://schemas.openxmlformats.org/presentationml/2006/main">
   <p:cSld>
     <p:spTree>
@@ -17578,16 +20423,37 @@
         </p:nvSpPr>
         <p:spPr/>
         <p:txBody>
-          <a:bodyPr/>
+          <a:bodyPr>
+            <a:scene3d>
+              <a:camera prst="orthographicFront"/>
+              <a:lightRig rig="harsh" dir="t"/>
+            </a:scene3d>
+            <a:sp3d extrusionH="57150" prstMaterial="matte">
+              <a:bevelT w="63500" h="12700" prst="angle"/>
+              <a:contourClr>
+                <a:schemeClr val="bg1">
+                  <a:lumMod val="65000"/>
+                </a:schemeClr>
+              </a:contourClr>
+            </a:sp3d>
+          </a:bodyPr>
           <a:lstStyle/>
           <a:p>
             <a:r>
               <a:rPr lang="en-IN" dirty="0" smtClean="0"/>
-              <a:t>My courses – </a:t>
+              <a:t> Login </a:t>
             </a:r>
             <a:r>
               <a:rPr lang="en-IN" dirty="0" smtClean="0"/>
-              <a:t>Add student</a:t>
+              <a:t>prompt – home </a:t>
+            </a:r>
+            <a:r>
+              <a:rPr lang="en-IN" dirty="0" smtClean="0"/>
+              <a:t>screen without </a:t>
+            </a:r>
+            <a:r>
+              <a:rPr lang="en-IN" dirty="0" smtClean="0"/>
+              <a:t>login</a:t>
             </a:r>
             <a:endParaRPr lang="en-IN" dirty="0"/>
           </a:p>
@@ -17595,13 +20461,13 @@
       </p:sp>
       <p:sp>
         <p:nvSpPr>
-          <p:cNvPr id="14" name="Rectangle 13"/>
+          <p:cNvPr id="4" name="Rectangle 3"/>
           <p:cNvSpPr/>
           <p:nvPr/>
         </p:nvSpPr>
         <p:spPr>
           <a:xfrm>
-            <a:off x="4121237" y="794441"/>
+            <a:off x="4121237" y="882929"/>
             <a:ext cx="3966693" cy="5902573"/>
           </a:xfrm>
           <a:prstGeom prst="rect">
@@ -17627,7 +20493,7 @@
           <a:lstStyle/>
           <a:p>
             <a:pPr algn="ctr"/>
-            <a:endParaRPr lang="en-IN" dirty="0">
+            <a:endParaRPr lang="en-IN">
               <a:latin typeface="Calibri" panose="020F0502020204030204" pitchFamily="34" charset="0"/>
             </a:endParaRPr>
           </a:p>
@@ -17635,14 +20501,14 @@
       </p:sp>
       <p:sp>
         <p:nvSpPr>
-          <p:cNvPr id="15" name="Rectangle 14"/>
+          <p:cNvPr id="5" name="Rectangle 4"/>
           <p:cNvSpPr/>
           <p:nvPr/>
         </p:nvSpPr>
         <p:spPr>
           <a:xfrm>
-            <a:off x="4346617" y="2581853"/>
-            <a:ext cx="3367828" cy="309093"/>
+            <a:off x="4752300" y="2544903"/>
+            <a:ext cx="2730325" cy="309093"/>
           </a:xfrm>
           <a:prstGeom prst="rect">
             <a:avLst/>
@@ -17666,7 +20532,13 @@
           <a:bodyPr rtlCol="0" anchor="ctr"/>
           <a:lstStyle/>
           <a:p>
-            <a:endParaRPr lang="en-IN" dirty="0">
+            <a:r>
+              <a:rPr lang="en-IN" smtClean="0">
+                <a:latin typeface="Calibri" panose="020F0502020204030204" pitchFamily="34" charset="0"/>
+              </a:rPr>
+              <a:t>abc@gmail.com</a:t>
+            </a:r>
+            <a:endParaRPr lang="en-IN">
               <a:latin typeface="Calibri" panose="020F0502020204030204" pitchFamily="34" charset="0"/>
             </a:endParaRPr>
           </a:p>
@@ -17674,13 +20546,13 @@
       </p:sp>
       <p:sp>
         <p:nvSpPr>
-          <p:cNvPr id="16" name="Rectangle 15"/>
+          <p:cNvPr id="6" name="Rectangle 5"/>
           <p:cNvSpPr/>
           <p:nvPr/>
         </p:nvSpPr>
         <p:spPr>
           <a:xfrm>
-            <a:off x="4254322" y="2208636"/>
+            <a:off x="4711505" y="2223301"/>
             <a:ext cx="1970468" cy="309093"/>
           </a:xfrm>
           <a:prstGeom prst="rect">
@@ -17710,21 +20582,12 @@
           <a:lstStyle/>
           <a:p>
             <a:r>
-              <a:rPr lang="en-IN" dirty="0" smtClean="0">
+              <a:rPr lang="en-IN" smtClean="0">
                 <a:latin typeface="Calibri" panose="020F0502020204030204" pitchFamily="34" charset="0"/>
               </a:rPr>
-              <a:t>Student id: </a:t>
-            </a:r>
-            <a:r>
-              <a:rPr lang="en-IN" dirty="0" smtClean="0">
-                <a:solidFill>
-                  <a:srgbClr val="FF0000"/>
-                </a:solidFill>
-                <a:latin typeface="Calibri" panose="020F0502020204030204" pitchFamily="34" charset="0"/>
-              </a:rPr>
-              <a:t>*</a:t>
-            </a:r>
-            <a:endParaRPr lang="en-IN" dirty="0">
+              <a:t>Email id:</a:t>
+            </a:r>
+            <a:endParaRPr lang="en-IN">
               <a:latin typeface="Calibri" panose="020F0502020204030204" pitchFamily="34" charset="0"/>
             </a:endParaRPr>
           </a:p>
@@ -17732,13 +20595,13 @@
       </p:sp>
       <p:sp>
         <p:nvSpPr>
-          <p:cNvPr id="17" name="Rectangle 16"/>
+          <p:cNvPr id="7" name="Rectangle 6"/>
           <p:cNvSpPr/>
           <p:nvPr/>
         </p:nvSpPr>
         <p:spPr>
           <a:xfrm>
-            <a:off x="4121237" y="794441"/>
+            <a:off x="4121237" y="882929"/>
             <a:ext cx="3966693" cy="441931"/>
           </a:xfrm>
           <a:prstGeom prst="rect">
@@ -17766,7 +20629,6 @@
           <a:bodyPr rtlCol="0" anchor="ctr"/>
           <a:lstStyle/>
           <a:p>
-            <a:pPr algn="ctr"/>
             <a:r>
               <a:rPr lang="en-IN" dirty="0" smtClean="0">
                 <a:solidFill>
@@ -17774,43 +20636,7 @@
                 </a:solidFill>
                 <a:latin typeface="Calibri" panose="020F0502020204030204" pitchFamily="34" charset="0"/>
               </a:rPr>
-              <a:t>Add </a:t>
-            </a:r>
-            <a:r>
-              <a:rPr lang="en-IN" dirty="0" smtClean="0">
-                <a:solidFill>
-                  <a:schemeClr val="bg1"/>
-                </a:solidFill>
-                <a:latin typeface="Calibri" panose="020F0502020204030204" pitchFamily="34" charset="0"/>
-              </a:rPr>
-              <a:t>new </a:t>
-            </a:r>
-            <a:r>
-              <a:rPr lang="en-IN" dirty="0" smtClean="0">
-                <a:solidFill>
-                  <a:schemeClr val="bg1"/>
-                </a:solidFill>
-                <a:latin typeface="Calibri" panose="020F0502020204030204" pitchFamily="34" charset="0"/>
-              </a:rPr>
-              <a:t>student</a:t>
-            </a:r>
-            <a:r>
-              <a:rPr lang="en-IN" dirty="0" smtClean="0">
-                <a:solidFill>
-                  <a:schemeClr val="bg1"/>
-                </a:solidFill>
-                <a:latin typeface="Calibri" panose="020F0502020204030204" pitchFamily="34" charset="0"/>
-              </a:rPr>
-              <a:t>	</a:t>
-            </a:r>
-            <a:r>
-              <a:rPr lang="en-IN" dirty="0" smtClean="0">
-                <a:solidFill>
-                  <a:schemeClr val="bg1"/>
-                </a:solidFill>
-                <a:latin typeface="Calibri" panose="020F0502020204030204" pitchFamily="34" charset="0"/>
-              </a:rPr>
-              <a:t>		:</a:t>
+              <a:t>Attendance: Login			:</a:t>
             </a:r>
             <a:endParaRPr lang="en-IN" dirty="0">
               <a:solidFill>
@@ -17823,19 +20649,18 @@
       </p:sp>
       <p:sp>
         <p:nvSpPr>
-          <p:cNvPr id="18" name="Rounded Rectangle 17"/>
+          <p:cNvPr id="8" name="Rounded Rectangle 7"/>
           <p:cNvSpPr/>
           <p:nvPr/>
         </p:nvSpPr>
         <p:spPr>
           <a:xfrm>
-            <a:off x="6900931" y="6069894"/>
+            <a:off x="5097887" y="4035871"/>
             <a:ext cx="811366" cy="425487"/>
           </a:xfrm>
           <a:prstGeom prst="roundRect">
             <a:avLst/>
           </a:prstGeom>
-          <a:ln/>
         </p:spPr>
         <p:style>
           <a:lnRef idx="2">
@@ -17859,12 +20684,12 @@
           <a:p>
             <a:pPr algn="ctr"/>
             <a:r>
-              <a:rPr lang="en-IN" sz="1500" dirty="0" smtClean="0">
+              <a:rPr lang="en-IN" sz="1500" smtClean="0">
                 <a:latin typeface="Calibri" panose="020F0502020204030204" pitchFamily="34" charset="0"/>
               </a:rPr>
-              <a:t>Ok</a:t>
-            </a:r>
-            <a:endParaRPr lang="en-IN" sz="1500" dirty="0">
+              <a:t>Login</a:t>
+            </a:r>
+            <a:endParaRPr lang="en-IN" sz="1500">
               <a:latin typeface="Calibri" panose="020F0502020204030204" pitchFamily="34" charset="0"/>
             </a:endParaRPr>
           </a:p>
@@ -17872,14 +20697,14 @@
       </p:sp>
       <p:sp>
         <p:nvSpPr>
-          <p:cNvPr id="19" name="Rectangle 18"/>
+          <p:cNvPr id="9" name="Rectangle 8"/>
           <p:cNvSpPr/>
           <p:nvPr/>
         </p:nvSpPr>
         <p:spPr>
           <a:xfrm>
-            <a:off x="4346616" y="3334619"/>
-            <a:ext cx="3367829" cy="366885"/>
+            <a:off x="4797374" y="3318924"/>
+            <a:ext cx="2685251" cy="309093"/>
           </a:xfrm>
           <a:prstGeom prst="rect">
             <a:avLst/>
@@ -17903,7 +20728,13 @@
           <a:bodyPr rtlCol="0" anchor="ctr"/>
           <a:lstStyle/>
           <a:p>
-            <a:endParaRPr lang="en-IN" dirty="0">
+            <a:r>
+              <a:rPr lang="en-IN" smtClean="0">
+                <a:latin typeface="Calibri" panose="020F0502020204030204" pitchFamily="34" charset="0"/>
+              </a:rPr>
+              <a:t>*******</a:t>
+            </a:r>
+            <a:endParaRPr lang="en-IN">
               <a:latin typeface="Calibri" panose="020F0502020204030204" pitchFamily="34" charset="0"/>
             </a:endParaRPr>
           </a:p>
@@ -17911,13 +20742,13 @@
       </p:sp>
       <p:sp>
         <p:nvSpPr>
-          <p:cNvPr id="20" name="Rectangle 19"/>
+          <p:cNvPr id="10" name="Rectangle 9"/>
           <p:cNvSpPr/>
           <p:nvPr/>
         </p:nvSpPr>
         <p:spPr>
           <a:xfrm>
-            <a:off x="4254322" y="2955070"/>
+            <a:off x="4730830" y="3009831"/>
             <a:ext cx="1970468" cy="309093"/>
           </a:xfrm>
           <a:prstGeom prst="rect">
@@ -17947,39 +20778,281 @@
           <a:lstStyle/>
           <a:p>
             <a:r>
-              <a:rPr lang="en-IN" dirty="0" smtClean="0">
+              <a:rPr lang="en-IN" smtClean="0">
                 <a:latin typeface="Calibri" panose="020F0502020204030204" pitchFamily="34" charset="0"/>
               </a:rPr>
-              <a:t>Student name:</a:t>
-            </a:r>
-            <a:r>
-              <a:rPr lang="en-IN" dirty="0" smtClean="0">
+              <a:t>Password:</a:t>
+            </a:r>
+            <a:endParaRPr lang="en-IN">
+              <a:latin typeface="Calibri" panose="020F0502020204030204" pitchFamily="34" charset="0"/>
+            </a:endParaRPr>
+          </a:p>
+        </p:txBody>
+      </p:sp>
+      <p:sp>
+        <p:nvSpPr>
+          <p:cNvPr id="11" name="Rounded Rectangle 10"/>
+          <p:cNvSpPr/>
+          <p:nvPr/>
+        </p:nvSpPr>
+        <p:spPr>
+          <a:xfrm>
+            <a:off x="6129270" y="4035871"/>
+            <a:ext cx="811366" cy="425487"/>
+          </a:xfrm>
+          <a:prstGeom prst="roundRect">
+            <a:avLst/>
+          </a:prstGeom>
+        </p:spPr>
+        <p:style>
+          <a:lnRef idx="2">
+            <a:schemeClr val="accent4">
+              <a:shade val="50000"/>
+            </a:schemeClr>
+          </a:lnRef>
+          <a:fillRef idx="1">
+            <a:schemeClr val="accent4"/>
+          </a:fillRef>
+          <a:effectRef idx="0">
+            <a:schemeClr val="accent4"/>
+          </a:effectRef>
+          <a:fontRef idx="minor">
+            <a:schemeClr val="lt1"/>
+          </a:fontRef>
+        </p:style>
+        <p:txBody>
+          <a:bodyPr rtlCol="0" anchor="ctr"/>
+          <a:lstStyle/>
+          <a:p>
+            <a:pPr algn="ctr"/>
+            <a:r>
+              <a:rPr lang="en-IN" sz="1500" smtClean="0">
+                <a:latin typeface="Calibri" panose="020F0502020204030204" pitchFamily="34" charset="0"/>
+              </a:rPr>
+              <a:t>Cancel</a:t>
+            </a:r>
+            <a:endParaRPr lang="en-IN" sz="1500">
+              <a:latin typeface="Calibri" panose="020F0502020204030204" pitchFamily="34" charset="0"/>
+            </a:endParaRPr>
+          </a:p>
+        </p:txBody>
+      </p:sp>
+      <p:sp>
+        <p:nvSpPr>
+          <p:cNvPr id="12" name="TextBox 11"/>
+          <p:cNvSpPr txBox="1"/>
+          <p:nvPr/>
+        </p:nvSpPr>
+        <p:spPr>
+          <a:xfrm>
+            <a:off x="5213798" y="4546242"/>
+            <a:ext cx="2268827" cy="1077218"/>
+          </a:xfrm>
+          <a:prstGeom prst="rect">
+            <a:avLst/>
+          </a:prstGeom>
+          <a:noFill/>
+        </p:spPr>
+        <p:txBody>
+          <a:bodyPr wrap="square" rtlCol="0">
+            <a:spAutoFit/>
+          </a:bodyPr>
+          <a:lstStyle/>
+          <a:p>
+            <a:endParaRPr lang="en-IN" sz="1600" u="sng" dirty="0" smtClean="0">
+              <a:solidFill>
+                <a:srgbClr val="0070C0"/>
+              </a:solidFill>
+              <a:latin typeface="Calibri" panose="020F0502020204030204" pitchFamily="34" charset="0"/>
+            </a:endParaRPr>
+          </a:p>
+          <a:p>
+            <a:r>
+              <a:rPr lang="en-IN" sz="1600" u="sng" dirty="0" smtClean="0">
                 <a:solidFill>
-                  <a:srgbClr val="FF0000"/>
+                  <a:srgbClr val="0070C0"/>
                 </a:solidFill>
                 <a:latin typeface="Calibri" panose="020F0502020204030204" pitchFamily="34" charset="0"/>
               </a:rPr>
-              <a:t>*</a:t>
-            </a:r>
-            <a:endParaRPr lang="en-IN" dirty="0">
+              <a:t>Forgot Password?</a:t>
+            </a:r>
+          </a:p>
+          <a:p>
+            <a:endParaRPr lang="en-IN" sz="1600" u="sng" dirty="0" smtClean="0">
               <a:solidFill>
-                <a:srgbClr val="FF0000"/>
+                <a:srgbClr val="0070C0"/>
               </a:solidFill>
               <a:latin typeface="Calibri" panose="020F0502020204030204" pitchFamily="34" charset="0"/>
             </a:endParaRPr>
           </a:p>
-        </p:txBody>
-      </p:sp>
-      <p:sp>
-        <p:nvSpPr>
-          <p:cNvPr id="26" name="Rectangle 25"/>
+          <a:p>
+            <a:r>
+              <a:rPr lang="en-IN" sz="1600" u="sng" dirty="0" smtClean="0">
+                <a:solidFill>
+                  <a:srgbClr val="0070C0"/>
+                </a:solidFill>
+                <a:latin typeface="Calibri" panose="020F0502020204030204" pitchFamily="34" charset="0"/>
+              </a:rPr>
+              <a:t>New User?</a:t>
+            </a:r>
+            <a:endParaRPr lang="en-IN" sz="1600" u="sng" dirty="0">
+              <a:solidFill>
+                <a:srgbClr val="0070C0"/>
+              </a:solidFill>
+              <a:latin typeface="Calibri" panose="020F0502020204030204" pitchFamily="34" charset="0"/>
+            </a:endParaRPr>
+          </a:p>
+        </p:txBody>
+      </p:sp>
+    </p:spTree>
+    <p:extLst>
+      <p:ext uri="{BB962C8B-B14F-4D97-AF65-F5344CB8AC3E}">
+        <p14:creationId xmlns:p14="http://schemas.microsoft.com/office/powerpoint/2010/main" val="4171248633"/>
+      </p:ext>
+    </p:extLst>
+  </p:cSld>
+  <p:clrMapOvr>
+    <a:masterClrMapping/>
+  </p:clrMapOvr>
+  <p:timing>
+    <p:tnLst>
+      <p:par>
+        <p:cTn id="1" dur="indefinite" restart="never" nodeType="tmRoot"/>
+      </p:par>
+    </p:tnLst>
+  </p:timing>
+</p:sld>
+</file>
+
+<file path=ppt/slides/slide30.xml><?xml version="1.0" encoding="utf-8"?>
+<p:sld xmlns:a="http://schemas.openxmlformats.org/drawingml/2006/main" xmlns:r="http://schemas.openxmlformats.org/officeDocument/2006/relationships" xmlns:p="http://schemas.openxmlformats.org/presentationml/2006/main">
+  <p:cSld>
+    <p:spTree>
+      <p:nvGrpSpPr>
+        <p:cNvPr id="1" name=""/>
+        <p:cNvGrpSpPr/>
+        <p:nvPr/>
+      </p:nvGrpSpPr>
+      <p:grpSpPr>
+        <a:xfrm>
+          <a:off x="0" y="0"/>
+          <a:ext cx="0" cy="0"/>
+          <a:chOff x="0" y="0"/>
+          <a:chExt cx="0" cy="0"/>
+        </a:xfrm>
+      </p:grpSpPr>
+      <p:sp>
+        <p:nvSpPr>
+          <p:cNvPr id="2" name="Title 1"/>
+          <p:cNvSpPr>
+            <a:spLocks noGrp="1"/>
+          </p:cNvSpPr>
+          <p:nvPr>
+            <p:ph type="title"/>
+          </p:nvPr>
+        </p:nvSpPr>
+        <p:spPr/>
+        <p:txBody>
+          <a:bodyPr/>
+          <a:lstStyle/>
+          <a:p>
+            <a:r>
+              <a:rPr lang="en-IN" dirty="0" smtClean="0"/>
+              <a:t>My courses – Add student</a:t>
+            </a:r>
+            <a:endParaRPr lang="en-IN" dirty="0"/>
+          </a:p>
+        </p:txBody>
+      </p:sp>
+      <p:sp>
+        <p:nvSpPr>
+          <p:cNvPr id="14" name="Rectangle 13"/>
           <p:cNvSpPr/>
           <p:nvPr/>
         </p:nvSpPr>
         <p:spPr>
           <a:xfrm>
-            <a:off x="4239294" y="1433649"/>
-            <a:ext cx="2898925" cy="379550"/>
+            <a:off x="4121237" y="794441"/>
+            <a:ext cx="3966693" cy="5902573"/>
+          </a:xfrm>
+          <a:prstGeom prst="rect">
+            <a:avLst/>
+          </a:prstGeom>
+        </p:spPr>
+        <p:style>
+          <a:lnRef idx="2">
+            <a:schemeClr val="accent6"/>
+          </a:lnRef>
+          <a:fillRef idx="1">
+            <a:schemeClr val="lt1"/>
+          </a:fillRef>
+          <a:effectRef idx="0">
+            <a:schemeClr val="accent6"/>
+          </a:effectRef>
+          <a:fontRef idx="minor">
+            <a:schemeClr val="dk1"/>
+          </a:fontRef>
+        </p:style>
+        <p:txBody>
+          <a:bodyPr rtlCol="0" anchor="ctr"/>
+          <a:lstStyle/>
+          <a:p>
+            <a:pPr algn="ctr"/>
+            <a:endParaRPr lang="en-IN" dirty="0">
+              <a:latin typeface="Calibri" panose="020F0502020204030204" pitchFamily="34" charset="0"/>
+            </a:endParaRPr>
+          </a:p>
+        </p:txBody>
+      </p:sp>
+      <p:sp>
+        <p:nvSpPr>
+          <p:cNvPr id="15" name="Rectangle 14"/>
+          <p:cNvSpPr/>
+          <p:nvPr/>
+        </p:nvSpPr>
+        <p:spPr>
+          <a:xfrm>
+            <a:off x="4346617" y="2581853"/>
+            <a:ext cx="3367828" cy="309093"/>
+          </a:xfrm>
+          <a:prstGeom prst="rect">
+            <a:avLst/>
+          </a:prstGeom>
+        </p:spPr>
+        <p:style>
+          <a:lnRef idx="2">
+            <a:schemeClr val="accent6"/>
+          </a:lnRef>
+          <a:fillRef idx="1">
+            <a:schemeClr val="lt1"/>
+          </a:fillRef>
+          <a:effectRef idx="0">
+            <a:schemeClr val="accent6"/>
+          </a:effectRef>
+          <a:fontRef idx="minor">
+            <a:schemeClr val="dk1"/>
+          </a:fontRef>
+        </p:style>
+        <p:txBody>
+          <a:bodyPr rtlCol="0" anchor="ctr"/>
+          <a:lstStyle/>
+          <a:p>
+            <a:endParaRPr lang="en-IN" dirty="0">
+              <a:latin typeface="Calibri" panose="020F0502020204030204" pitchFamily="34" charset="0"/>
+            </a:endParaRPr>
+          </a:p>
+        </p:txBody>
+      </p:sp>
+      <p:sp>
+        <p:nvSpPr>
+          <p:cNvPr id="16" name="Rectangle 15"/>
+          <p:cNvSpPr/>
+          <p:nvPr/>
+        </p:nvSpPr>
+        <p:spPr>
+          <a:xfrm>
+            <a:off x="4254322" y="2208636"/>
+            <a:ext cx="1970468" cy="309093"/>
           </a:xfrm>
           <a:prstGeom prst="rect">
             <a:avLst/>
@@ -18011,13 +21084,269 @@
               <a:rPr lang="en-IN" dirty="0" smtClean="0">
                 <a:latin typeface="Calibri" panose="020F0502020204030204" pitchFamily="34" charset="0"/>
               </a:rPr>
-              <a:t>Course </a:t>
-            </a:r>
+              <a:t>Student id: </a:t>
+            </a:r>
+            <a:r>
+              <a:rPr lang="en-IN" dirty="0" smtClean="0">
+                <a:solidFill>
+                  <a:srgbClr val="FF0000"/>
+                </a:solidFill>
+                <a:latin typeface="Calibri" panose="020F0502020204030204" pitchFamily="34" charset="0"/>
+              </a:rPr>
+              <a:t>*</a:t>
+            </a:r>
+            <a:endParaRPr lang="en-IN" dirty="0">
+              <a:latin typeface="Calibri" panose="020F0502020204030204" pitchFamily="34" charset="0"/>
+            </a:endParaRPr>
+          </a:p>
+        </p:txBody>
+      </p:sp>
+      <p:sp>
+        <p:nvSpPr>
+          <p:cNvPr id="17" name="Rectangle 16"/>
+          <p:cNvSpPr/>
+          <p:nvPr/>
+        </p:nvSpPr>
+        <p:spPr>
+          <a:xfrm>
+            <a:off x="4121237" y="794441"/>
+            <a:ext cx="3966693" cy="441931"/>
+          </a:xfrm>
+          <a:prstGeom prst="rect">
+            <a:avLst/>
+          </a:prstGeom>
+          <a:ln/>
+        </p:spPr>
+        <p:style>
+          <a:lnRef idx="2">
+            <a:schemeClr val="accent4">
+              <a:shade val="50000"/>
+            </a:schemeClr>
+          </a:lnRef>
+          <a:fillRef idx="1">
+            <a:schemeClr val="accent4"/>
+          </a:fillRef>
+          <a:effectRef idx="0">
+            <a:schemeClr val="accent4"/>
+          </a:effectRef>
+          <a:fontRef idx="minor">
+            <a:schemeClr val="lt1"/>
+          </a:fontRef>
+        </p:style>
+        <p:txBody>
+          <a:bodyPr rtlCol="0" anchor="ctr"/>
+          <a:lstStyle/>
+          <a:p>
+            <a:pPr algn="ctr"/>
+            <a:r>
+              <a:rPr lang="en-IN" dirty="0" smtClean="0">
+                <a:solidFill>
+                  <a:schemeClr val="bg1"/>
+                </a:solidFill>
+                <a:latin typeface="Calibri" panose="020F0502020204030204" pitchFamily="34" charset="0"/>
+              </a:rPr>
+              <a:t>Add new student			:</a:t>
+            </a:r>
+            <a:endParaRPr lang="en-IN" dirty="0">
+              <a:solidFill>
+                <a:schemeClr val="bg1"/>
+              </a:solidFill>
+              <a:latin typeface="Calibri" panose="020F0502020204030204" pitchFamily="34" charset="0"/>
+            </a:endParaRPr>
+          </a:p>
+        </p:txBody>
+      </p:sp>
+      <p:sp>
+        <p:nvSpPr>
+          <p:cNvPr id="18" name="Rounded Rectangle 17"/>
+          <p:cNvSpPr/>
+          <p:nvPr/>
+        </p:nvSpPr>
+        <p:spPr>
+          <a:xfrm>
+            <a:off x="6900931" y="6069894"/>
+            <a:ext cx="811366" cy="425487"/>
+          </a:xfrm>
+          <a:prstGeom prst="roundRect">
+            <a:avLst/>
+          </a:prstGeom>
+          <a:ln/>
+        </p:spPr>
+        <p:style>
+          <a:lnRef idx="2">
+            <a:schemeClr val="accent4">
+              <a:shade val="50000"/>
+            </a:schemeClr>
+          </a:lnRef>
+          <a:fillRef idx="1">
+            <a:schemeClr val="accent4"/>
+          </a:fillRef>
+          <a:effectRef idx="0">
+            <a:schemeClr val="accent4"/>
+          </a:effectRef>
+          <a:fontRef idx="minor">
+            <a:schemeClr val="lt1"/>
+          </a:fontRef>
+        </p:style>
+        <p:txBody>
+          <a:bodyPr rtlCol="0" anchor="ctr"/>
+          <a:lstStyle/>
+          <a:p>
+            <a:pPr algn="ctr"/>
+            <a:r>
+              <a:rPr lang="en-IN" sz="1500" dirty="0" smtClean="0">
+                <a:latin typeface="Calibri" panose="020F0502020204030204" pitchFamily="34" charset="0"/>
+              </a:rPr>
+              <a:t>Ok</a:t>
+            </a:r>
+            <a:endParaRPr lang="en-IN" sz="1500" dirty="0">
+              <a:latin typeface="Calibri" panose="020F0502020204030204" pitchFamily="34" charset="0"/>
+            </a:endParaRPr>
+          </a:p>
+        </p:txBody>
+      </p:sp>
+      <p:sp>
+        <p:nvSpPr>
+          <p:cNvPr id="19" name="Rectangle 18"/>
+          <p:cNvSpPr/>
+          <p:nvPr/>
+        </p:nvSpPr>
+        <p:spPr>
+          <a:xfrm>
+            <a:off x="4346616" y="3334619"/>
+            <a:ext cx="3367829" cy="366885"/>
+          </a:xfrm>
+          <a:prstGeom prst="rect">
+            <a:avLst/>
+          </a:prstGeom>
+        </p:spPr>
+        <p:style>
+          <a:lnRef idx="2">
+            <a:schemeClr val="accent6"/>
+          </a:lnRef>
+          <a:fillRef idx="1">
+            <a:schemeClr val="lt1"/>
+          </a:fillRef>
+          <a:effectRef idx="0">
+            <a:schemeClr val="accent6"/>
+          </a:effectRef>
+          <a:fontRef idx="minor">
+            <a:schemeClr val="dk1"/>
+          </a:fontRef>
+        </p:style>
+        <p:txBody>
+          <a:bodyPr rtlCol="0" anchor="ctr"/>
+          <a:lstStyle/>
+          <a:p>
+            <a:endParaRPr lang="en-IN" dirty="0">
+              <a:latin typeface="Calibri" panose="020F0502020204030204" pitchFamily="34" charset="0"/>
+            </a:endParaRPr>
+          </a:p>
+        </p:txBody>
+      </p:sp>
+      <p:sp>
+        <p:nvSpPr>
+          <p:cNvPr id="20" name="Rectangle 19"/>
+          <p:cNvSpPr/>
+          <p:nvPr/>
+        </p:nvSpPr>
+        <p:spPr>
+          <a:xfrm>
+            <a:off x="4254322" y="2955070"/>
+            <a:ext cx="1970468" cy="309093"/>
+          </a:xfrm>
+          <a:prstGeom prst="rect">
+            <a:avLst/>
+          </a:prstGeom>
+          <a:noFill/>
+          <a:ln>
+            <a:noFill/>
+          </a:ln>
+        </p:spPr>
+        <p:style>
+          <a:lnRef idx="2">
+            <a:schemeClr val="dk1"/>
+          </a:lnRef>
+          <a:fillRef idx="1">
+            <a:schemeClr val="lt1"/>
+          </a:fillRef>
+          <a:effectRef idx="0">
+            <a:schemeClr val="dk1"/>
+          </a:effectRef>
+          <a:fontRef idx="minor">
+            <a:schemeClr val="dk1"/>
+          </a:fontRef>
+        </p:style>
+        <p:txBody>
+          <a:bodyPr rtlCol="0" anchor="ctr"/>
+          <a:lstStyle/>
+          <a:p>
             <a:r>
               <a:rPr lang="en-IN" dirty="0" smtClean="0">
                 <a:latin typeface="Calibri" panose="020F0502020204030204" pitchFamily="34" charset="0"/>
               </a:rPr>
-              <a:t>code: </a:t>
+              <a:t>Student name:</a:t>
+            </a:r>
+            <a:r>
+              <a:rPr lang="en-IN" dirty="0" smtClean="0">
+                <a:solidFill>
+                  <a:srgbClr val="FF0000"/>
+                </a:solidFill>
+                <a:latin typeface="Calibri" panose="020F0502020204030204" pitchFamily="34" charset="0"/>
+              </a:rPr>
+              <a:t>*</a:t>
+            </a:r>
+            <a:endParaRPr lang="en-IN" dirty="0">
+              <a:solidFill>
+                <a:srgbClr val="FF0000"/>
+              </a:solidFill>
+              <a:latin typeface="Calibri" panose="020F0502020204030204" pitchFamily="34" charset="0"/>
+            </a:endParaRPr>
+          </a:p>
+        </p:txBody>
+      </p:sp>
+      <p:sp>
+        <p:nvSpPr>
+          <p:cNvPr id="26" name="Rectangle 25"/>
+          <p:cNvSpPr/>
+          <p:nvPr/>
+        </p:nvSpPr>
+        <p:spPr>
+          <a:xfrm>
+            <a:off x="4239294" y="1433649"/>
+            <a:ext cx="2898925" cy="379550"/>
+          </a:xfrm>
+          <a:prstGeom prst="rect">
+            <a:avLst/>
+          </a:prstGeom>
+          <a:noFill/>
+          <a:ln>
+            <a:noFill/>
+          </a:ln>
+        </p:spPr>
+        <p:style>
+          <a:lnRef idx="2">
+            <a:schemeClr val="dk1"/>
+          </a:lnRef>
+          <a:fillRef idx="1">
+            <a:schemeClr val="lt1"/>
+          </a:fillRef>
+          <a:effectRef idx="0">
+            <a:schemeClr val="dk1"/>
+          </a:effectRef>
+          <a:fontRef idx="minor">
+            <a:schemeClr val="dk1"/>
+          </a:fontRef>
+        </p:style>
+        <p:txBody>
+          <a:bodyPr rtlCol="0" anchor="ctr"/>
+          <a:lstStyle/>
+          <a:p>
+            <a:r>
+              <a:rPr lang="en-IN" dirty="0" smtClean="0">
+                <a:latin typeface="Calibri" panose="020F0502020204030204" pitchFamily="34" charset="0"/>
+              </a:rPr>
+              <a:t>Course code: </a:t>
             </a:r>
             <a:r>
               <a:rPr lang="en-IN" dirty="0" smtClean="0">
@@ -18157,7 +21486,7 @@
 </p:sld>
 </file>
 
-<file path=ppt/slides/slide27.xml><?xml version="1.0" encoding="utf-8"?>
+<file path=ppt/slides/slide31.xml><?xml version="1.0" encoding="utf-8"?>
 <p:sld xmlns:a="http://schemas.openxmlformats.org/drawingml/2006/main" xmlns:r="http://schemas.openxmlformats.org/officeDocument/2006/relationships" xmlns:p="http://schemas.openxmlformats.org/presentationml/2006/main">
   <p:cSld>
     <p:spTree>
@@ -18191,11 +21520,7 @@
           <a:p>
             <a:r>
               <a:rPr lang="en-IN" dirty="0" smtClean="0"/>
-              <a:t>My courses – </a:t>
-            </a:r>
-            <a:r>
-              <a:rPr lang="en-IN" dirty="0" smtClean="0"/>
-              <a:t>Edit student</a:t>
+              <a:t>My courses – Edit student</a:t>
             </a:r>
             <a:endParaRPr lang="en-IN" dirty="0"/>
           </a:p>
@@ -18388,16 +21713,7 @@
                 </a:solidFill>
                 <a:latin typeface="Calibri" panose="020F0502020204030204" pitchFamily="34" charset="0"/>
               </a:rPr>
-              <a:t>Edit student		</a:t>
-            </a:r>
-            <a:r>
-              <a:rPr lang="en-IN" dirty="0" smtClean="0">
-                <a:solidFill>
-                  <a:schemeClr val="bg1"/>
-                </a:solidFill>
-                <a:latin typeface="Calibri" panose="020F0502020204030204" pitchFamily="34" charset="0"/>
-              </a:rPr>
-              <a:t>	:</a:t>
+              <a:t>Edit student			:</a:t>
             </a:r>
             <a:endParaRPr lang="en-IN" dirty="0">
               <a:solidFill>
@@ -18604,13 +21920,7 @@
               <a:rPr lang="en-IN" dirty="0" smtClean="0">
                 <a:latin typeface="Calibri" panose="020F0502020204030204" pitchFamily="34" charset="0"/>
               </a:rPr>
-              <a:t>Course </a:t>
-            </a:r>
-            <a:r>
-              <a:rPr lang="en-IN" dirty="0" smtClean="0">
-                <a:latin typeface="Calibri" panose="020F0502020204030204" pitchFamily="34" charset="0"/>
-              </a:rPr>
-              <a:t>code: </a:t>
+              <a:t>Course code: </a:t>
             </a:r>
             <a:r>
               <a:rPr lang="en-IN" dirty="0" smtClean="0">
@@ -18756,7 +22066,7 @@
 </p:sld>
 </file>
 
-<file path=ppt/slides/slide28.xml><?xml version="1.0" encoding="utf-8"?>
+<file path=ppt/slides/slide32.xml><?xml version="1.0" encoding="utf-8"?>
 <p:sld xmlns:a="http://schemas.openxmlformats.org/drawingml/2006/main" xmlns:r="http://schemas.openxmlformats.org/officeDocument/2006/relationships" xmlns:p="http://schemas.openxmlformats.org/presentationml/2006/main">
   <p:cSld>
     <p:spTree>
@@ -18792,11 +22102,7 @@
           <a:p>
             <a:r>
               <a:rPr lang="en-IN" dirty="0" smtClean="0"/>
-              <a:t>My Courses – </a:t>
-            </a:r>
-            <a:r>
-              <a:rPr lang="en-IN" dirty="0" smtClean="0"/>
-              <a:t>select any course – upload from csv</a:t>
+              <a:t>My Courses – select any course – upload from csv</a:t>
             </a:r>
             <a:endParaRPr lang="en-IN" dirty="0"/>
           </a:p>
@@ -19515,7 +22821,7 @@
 </p:sld>
 </file>
 
-<file path=ppt/slides/slide29.xml><?xml version="1.0" encoding="utf-8"?>
+<file path=ppt/slides/slide33.xml><?xml version="1.0" encoding="utf-8"?>
 <p:sld xmlns:a="http://schemas.openxmlformats.org/drawingml/2006/main" xmlns:r="http://schemas.openxmlformats.org/officeDocument/2006/relationships" xmlns:p="http://schemas.openxmlformats.org/presentationml/2006/main">
   <p:cSld>
     <p:spTree>
@@ -20153,643 +23459,7 @@
 </p:sld>
 </file>
 
-<file path=ppt/slides/slide3.xml><?xml version="1.0" encoding="utf-8"?>
-<p:sld xmlns:a="http://schemas.openxmlformats.org/drawingml/2006/main" xmlns:r="http://schemas.openxmlformats.org/officeDocument/2006/relationships" xmlns:p="http://schemas.openxmlformats.org/presentationml/2006/main">
-  <p:cSld>
-    <p:spTree>
-      <p:nvGrpSpPr>
-        <p:cNvPr id="1" name=""/>
-        <p:cNvGrpSpPr/>
-        <p:nvPr/>
-      </p:nvGrpSpPr>
-      <p:grpSpPr>
-        <a:xfrm>
-          <a:off x="0" y="0"/>
-          <a:ext cx="0" cy="0"/>
-          <a:chOff x="0" y="0"/>
-          <a:chExt cx="0" cy="0"/>
-        </a:xfrm>
-      </p:grpSpPr>
-      <p:sp>
-        <p:nvSpPr>
-          <p:cNvPr id="2" name="Title 1"/>
-          <p:cNvSpPr>
-            <a:spLocks noGrp="1"/>
-          </p:cNvSpPr>
-          <p:nvPr>
-            <p:ph type="title"/>
-          </p:nvPr>
-        </p:nvSpPr>
-        <p:spPr>
-          <a:xfrm>
-            <a:off x="0" y="0"/>
-            <a:ext cx="10353762" cy="970450"/>
-          </a:xfrm>
-        </p:spPr>
-        <p:txBody>
-          <a:bodyPr/>
-          <a:lstStyle/>
-          <a:p>
-            <a:r>
-              <a:rPr lang="en-IN" dirty="0" smtClean="0"/>
-              <a:t>: Menu</a:t>
-            </a:r>
-            <a:endParaRPr lang="en-IN" dirty="0"/>
-          </a:p>
-        </p:txBody>
-      </p:sp>
-      <p:grpSp>
-        <p:nvGrpSpPr>
-          <p:cNvPr id="14" name="Group 13"/>
-          <p:cNvGrpSpPr/>
-          <p:nvPr/>
-        </p:nvGrpSpPr>
-        <p:grpSpPr>
-          <a:xfrm>
-            <a:off x="4121237" y="794441"/>
-            <a:ext cx="3966693" cy="5902573"/>
-            <a:chOff x="4121237" y="794441"/>
-            <a:chExt cx="3966693" cy="5902573"/>
-          </a:xfrm>
-        </p:grpSpPr>
-        <p:sp>
-          <p:nvSpPr>
-            <p:cNvPr id="4" name="Rectangle 3"/>
-            <p:cNvSpPr/>
-            <p:nvPr/>
-          </p:nvSpPr>
-          <p:spPr>
-            <a:xfrm>
-              <a:off x="4121237" y="794441"/>
-              <a:ext cx="3966693" cy="5902573"/>
-            </a:xfrm>
-            <a:prstGeom prst="rect">
-              <a:avLst/>
-            </a:prstGeom>
-          </p:spPr>
-          <p:style>
-            <a:lnRef idx="2">
-              <a:schemeClr val="accent6"/>
-            </a:lnRef>
-            <a:fillRef idx="1">
-              <a:schemeClr val="lt1"/>
-            </a:fillRef>
-            <a:effectRef idx="0">
-              <a:schemeClr val="accent6"/>
-            </a:effectRef>
-            <a:fontRef idx="minor">
-              <a:schemeClr val="dk1"/>
-            </a:fontRef>
-          </p:style>
-          <p:txBody>
-            <a:bodyPr rtlCol="0" anchor="ctr"/>
-            <a:lstStyle/>
-            <a:p>
-              <a:pPr algn="ctr"/>
-              <a:endParaRPr lang="en-IN">
-                <a:latin typeface="Calibri" panose="020F0502020204030204" pitchFamily="34" charset="0"/>
-              </a:endParaRPr>
-            </a:p>
-          </p:txBody>
-        </p:sp>
-        <p:sp>
-          <p:nvSpPr>
-            <p:cNvPr id="7" name="Rectangle 6"/>
-            <p:cNvSpPr/>
-            <p:nvPr/>
-          </p:nvSpPr>
-          <p:spPr>
-            <a:xfrm>
-              <a:off x="4121237" y="794441"/>
-              <a:ext cx="3966693" cy="441931"/>
-            </a:xfrm>
-            <a:prstGeom prst="rect">
-              <a:avLst/>
-            </a:prstGeom>
-            <a:ln>
-              <a:noFill/>
-            </a:ln>
-          </p:spPr>
-          <p:style>
-            <a:lnRef idx="3">
-              <a:schemeClr val="lt1"/>
-            </a:lnRef>
-            <a:fillRef idx="1">
-              <a:schemeClr val="accent4"/>
-            </a:fillRef>
-            <a:effectRef idx="1">
-              <a:schemeClr val="accent4"/>
-            </a:effectRef>
-            <a:fontRef idx="minor">
-              <a:schemeClr val="lt1"/>
-            </a:fontRef>
-          </p:style>
-          <p:txBody>
-            <a:bodyPr rtlCol="0" anchor="ctr"/>
-            <a:lstStyle/>
-            <a:p>
-              <a:pPr algn="ctr"/>
-              <a:r>
-                <a:rPr lang="en-IN" dirty="0" smtClean="0">
-                  <a:solidFill>
-                    <a:schemeClr val="bg1"/>
-                  </a:solidFill>
-                  <a:latin typeface="Calibri" panose="020F0502020204030204" pitchFamily="34" charset="0"/>
-                </a:rPr>
-                <a:t>Attendance</a:t>
-              </a:r>
-              <a:r>
-                <a:rPr lang="en-IN" dirty="0" smtClean="0">
-                  <a:latin typeface="Calibri" panose="020F0502020204030204" pitchFamily="34" charset="0"/>
-                </a:rPr>
-                <a:t>		</a:t>
-              </a:r>
-              <a:r>
-                <a:rPr lang="en-IN" dirty="0">
-                  <a:latin typeface="Calibri" panose="020F0502020204030204" pitchFamily="34" charset="0"/>
-                </a:rPr>
-                <a:t> </a:t>
-              </a:r>
-              <a:r>
-                <a:rPr lang="en-IN" dirty="0" smtClean="0">
-                  <a:latin typeface="Calibri" panose="020F0502020204030204" pitchFamily="34" charset="0"/>
-                </a:rPr>
-                <a:t>             </a:t>
-              </a:r>
-              <a:r>
-                <a:rPr lang="en-IN" dirty="0" smtClean="0">
-                  <a:solidFill>
-                    <a:schemeClr val="bg1"/>
-                  </a:solidFill>
-                  <a:latin typeface="Calibri" panose="020F0502020204030204" pitchFamily="34" charset="0"/>
-                </a:rPr>
-                <a:t>:	</a:t>
-              </a:r>
-              <a:endParaRPr lang="en-IN" dirty="0">
-                <a:solidFill>
-                  <a:schemeClr val="bg1"/>
-                </a:solidFill>
-                <a:latin typeface="Calibri" panose="020F0502020204030204" pitchFamily="34" charset="0"/>
-              </a:endParaRPr>
-            </a:p>
-          </p:txBody>
-        </p:sp>
-      </p:grpSp>
-      <p:sp>
-        <p:nvSpPr>
-          <p:cNvPr id="5" name="Rectangle 4"/>
-          <p:cNvSpPr/>
-          <p:nvPr/>
-        </p:nvSpPr>
-        <p:spPr>
-          <a:xfrm>
-            <a:off x="5658201" y="1236374"/>
-            <a:ext cx="2375097" cy="3141345"/>
-          </a:xfrm>
-          <a:prstGeom prst="rect">
-            <a:avLst/>
-          </a:prstGeom>
-        </p:spPr>
-        <p:style>
-          <a:lnRef idx="2">
-            <a:schemeClr val="accent6"/>
-          </a:lnRef>
-          <a:fillRef idx="1">
-            <a:schemeClr val="lt1"/>
-          </a:fillRef>
-          <a:effectRef idx="0">
-            <a:schemeClr val="accent6"/>
-          </a:effectRef>
-          <a:fontRef idx="minor">
-            <a:schemeClr val="dk1"/>
-          </a:fontRef>
-        </p:style>
-        <p:txBody>
-          <a:bodyPr rtlCol="0" anchor="t"/>
-          <a:lstStyle/>
-          <a:p>
-            <a:r>
-              <a:rPr lang="en-IN" dirty="0" smtClean="0"/>
-              <a:t>       Home</a:t>
-            </a:r>
-          </a:p>
-          <a:p>
-            <a:endParaRPr lang="en-IN" dirty="0"/>
-          </a:p>
-          <a:p>
-            <a:r>
-              <a:rPr lang="en-IN" dirty="0" smtClean="0"/>
-              <a:t>         Share</a:t>
-            </a:r>
-          </a:p>
-          <a:p>
-            <a:endParaRPr lang="en-IN" dirty="0" smtClean="0"/>
-          </a:p>
-          <a:p>
-            <a:r>
-              <a:rPr lang="en-IN" dirty="0" smtClean="0"/>
-              <a:t>        Rate</a:t>
-            </a:r>
-          </a:p>
-          <a:p>
-            <a:endParaRPr lang="en-IN" dirty="0" smtClean="0"/>
-          </a:p>
-          <a:p>
-            <a:r>
-              <a:rPr lang="en-IN" dirty="0" smtClean="0"/>
-              <a:t>        About</a:t>
-            </a:r>
-          </a:p>
-          <a:p>
-            <a:endParaRPr lang="en-IN" dirty="0" smtClean="0"/>
-          </a:p>
-          <a:p>
-            <a:r>
-              <a:rPr lang="en-IN" dirty="0" smtClean="0"/>
-              <a:t>        Help</a:t>
-            </a:r>
-          </a:p>
-          <a:p>
-            <a:endParaRPr lang="en-IN" dirty="0" smtClean="0"/>
-          </a:p>
-          <a:p>
-            <a:r>
-              <a:rPr lang="en-IN" dirty="0" smtClean="0"/>
-              <a:t>        Sign out</a:t>
-            </a:r>
-          </a:p>
-          <a:p>
-            <a:endParaRPr lang="en-IN" dirty="0" smtClean="0"/>
-          </a:p>
-          <a:p>
-            <a:endParaRPr lang="en-IN" dirty="0" smtClean="0"/>
-          </a:p>
-        </p:txBody>
-      </p:sp>
-      <p:pic>
-        <p:nvPicPr>
-          <p:cNvPr id="10" name="Picture 9"/>
-          <p:cNvPicPr>
-            <a:picLocks noChangeAspect="1"/>
-          </p:cNvPicPr>
-          <p:nvPr/>
-        </p:nvPicPr>
-        <p:blipFill>
-          <a:blip r:embed="rId2" cstate="print">
-            <a:duotone>
-              <a:schemeClr val="accent4">
-                <a:shade val="45000"/>
-                <a:satMod val="135000"/>
-              </a:schemeClr>
-              <a:prstClr val="white"/>
-            </a:duotone>
-            <a:extLst>
-              <a:ext uri="{28A0092B-C50C-407E-A947-70E740481C1C}">
-                <a14:useLocalDpi xmlns:a14="http://schemas.microsoft.com/office/drawing/2010/main" val="0"/>
-              </a:ext>
-            </a:extLst>
-          </a:blip>
-          <a:stretch>
-            <a:fillRect/>
-          </a:stretch>
-        </p:blipFill>
-        <p:spPr>
-          <a:xfrm>
-            <a:off x="5711762" y="1328252"/>
-            <a:ext cx="355229" cy="328633"/>
-          </a:xfrm>
-          <a:prstGeom prst="rect">
-            <a:avLst/>
-          </a:prstGeom>
-        </p:spPr>
-      </p:pic>
-      <p:pic>
-        <p:nvPicPr>
-          <p:cNvPr id="11" name="Picture 10"/>
-          <p:cNvPicPr>
-            <a:picLocks noChangeAspect="1"/>
-          </p:cNvPicPr>
-          <p:nvPr/>
-        </p:nvPicPr>
-        <p:blipFill rotWithShape="1">
-          <a:blip r:embed="rId3">
-            <a:duotone>
-              <a:schemeClr val="accent4">
-                <a:shade val="45000"/>
-                <a:satMod val="135000"/>
-              </a:schemeClr>
-              <a:prstClr val="white"/>
-            </a:duotone>
-            <a:extLst>
-              <a:ext uri="{28A0092B-C50C-407E-A947-70E740481C1C}">
-                <a14:useLocalDpi xmlns:a14="http://schemas.microsoft.com/office/drawing/2010/main" val="0"/>
-              </a:ext>
-            </a:extLst>
-          </a:blip>
-          <a:srcRect l="11455" t="13881" r="10618" b="15671"/>
-          <a:stretch/>
-        </p:blipFill>
-        <p:spPr>
-          <a:xfrm>
-            <a:off x="5697463" y="1817409"/>
-            <a:ext cx="430252" cy="405293"/>
-          </a:xfrm>
-          <a:prstGeom prst="rect">
-            <a:avLst/>
-          </a:prstGeom>
-        </p:spPr>
-      </p:pic>
-      <p:cxnSp>
-        <p:nvCxnSpPr>
-          <p:cNvPr id="23" name="Straight Connector 22"/>
-          <p:cNvCxnSpPr/>
-          <p:nvPr/>
-        </p:nvCxnSpPr>
-        <p:spPr>
-          <a:xfrm>
-            <a:off x="5712793" y="1740013"/>
-            <a:ext cx="2237695" cy="0"/>
-          </a:xfrm>
-          <a:prstGeom prst="line">
-            <a:avLst/>
-          </a:prstGeom>
-          <a:ln>
-            <a:solidFill>
-              <a:srgbClr val="C1BBBB"/>
-            </a:solidFill>
-          </a:ln>
-        </p:spPr>
-        <p:style>
-          <a:lnRef idx="1">
-            <a:schemeClr val="accent6"/>
-          </a:lnRef>
-          <a:fillRef idx="0">
-            <a:schemeClr val="accent6"/>
-          </a:fillRef>
-          <a:effectRef idx="0">
-            <a:schemeClr val="accent6"/>
-          </a:effectRef>
-          <a:fontRef idx="minor">
-            <a:schemeClr val="tx1"/>
-          </a:fontRef>
-        </p:style>
-      </p:cxnSp>
-      <p:cxnSp>
-        <p:nvCxnSpPr>
-          <p:cNvPr id="26" name="Straight Connector 25"/>
-          <p:cNvCxnSpPr/>
-          <p:nvPr/>
-        </p:nvCxnSpPr>
-        <p:spPr>
-          <a:xfrm>
-            <a:off x="5729103" y="2240482"/>
-            <a:ext cx="2237695" cy="0"/>
-          </a:xfrm>
-          <a:prstGeom prst="line">
-            <a:avLst/>
-          </a:prstGeom>
-          <a:ln>
-            <a:solidFill>
-              <a:srgbClr val="C1BBBB"/>
-            </a:solidFill>
-          </a:ln>
-        </p:spPr>
-        <p:style>
-          <a:lnRef idx="1">
-            <a:schemeClr val="accent6"/>
-          </a:lnRef>
-          <a:fillRef idx="0">
-            <a:schemeClr val="accent6"/>
-          </a:fillRef>
-          <a:effectRef idx="0">
-            <a:schemeClr val="accent6"/>
-          </a:effectRef>
-          <a:fontRef idx="minor">
-            <a:schemeClr val="tx1"/>
-          </a:fontRef>
-        </p:style>
-      </p:cxnSp>
-      <p:cxnSp>
-        <p:nvCxnSpPr>
-          <p:cNvPr id="27" name="Straight Connector 26"/>
-          <p:cNvCxnSpPr/>
-          <p:nvPr/>
-        </p:nvCxnSpPr>
-        <p:spPr>
-          <a:xfrm>
-            <a:off x="5727363" y="2837984"/>
-            <a:ext cx="2237695" cy="0"/>
-          </a:xfrm>
-          <a:prstGeom prst="line">
-            <a:avLst/>
-          </a:prstGeom>
-          <a:ln>
-            <a:solidFill>
-              <a:srgbClr val="C1BBBB"/>
-            </a:solidFill>
-          </a:ln>
-        </p:spPr>
-        <p:style>
-          <a:lnRef idx="1">
-            <a:schemeClr val="accent6"/>
-          </a:lnRef>
-          <a:fillRef idx="0">
-            <a:schemeClr val="accent6"/>
-          </a:fillRef>
-          <a:effectRef idx="0">
-            <a:schemeClr val="accent6"/>
-          </a:effectRef>
-          <a:fontRef idx="minor">
-            <a:schemeClr val="tx1"/>
-          </a:fontRef>
-        </p:style>
-      </p:cxnSp>
-      <p:cxnSp>
-        <p:nvCxnSpPr>
-          <p:cNvPr id="28" name="Straight Connector 27"/>
-          <p:cNvCxnSpPr/>
-          <p:nvPr/>
-        </p:nvCxnSpPr>
-        <p:spPr>
-          <a:xfrm>
-            <a:off x="5712793" y="3355019"/>
-            <a:ext cx="2237695" cy="0"/>
-          </a:xfrm>
-          <a:prstGeom prst="line">
-            <a:avLst/>
-          </a:prstGeom>
-          <a:ln>
-            <a:solidFill>
-              <a:srgbClr val="C1BBBB"/>
-            </a:solidFill>
-          </a:ln>
-        </p:spPr>
-        <p:style>
-          <a:lnRef idx="1">
-            <a:schemeClr val="accent6"/>
-          </a:lnRef>
-          <a:fillRef idx="0">
-            <a:schemeClr val="accent6"/>
-          </a:fillRef>
-          <a:effectRef idx="0">
-            <a:schemeClr val="accent6"/>
-          </a:effectRef>
-          <a:fontRef idx="minor">
-            <a:schemeClr val="tx1"/>
-          </a:fontRef>
-        </p:style>
-      </p:cxnSp>
-      <p:cxnSp>
-        <p:nvCxnSpPr>
-          <p:cNvPr id="29" name="Straight Connector 28"/>
-          <p:cNvCxnSpPr/>
-          <p:nvPr/>
-        </p:nvCxnSpPr>
-        <p:spPr>
-          <a:xfrm>
-            <a:off x="5692362" y="3860055"/>
-            <a:ext cx="2237695" cy="0"/>
-          </a:xfrm>
-          <a:prstGeom prst="line">
-            <a:avLst/>
-          </a:prstGeom>
-          <a:ln>
-            <a:solidFill>
-              <a:srgbClr val="C1BBBB"/>
-            </a:solidFill>
-          </a:ln>
-        </p:spPr>
-        <p:style>
-          <a:lnRef idx="1">
-            <a:schemeClr val="accent6"/>
-          </a:lnRef>
-          <a:fillRef idx="0">
-            <a:schemeClr val="accent6"/>
-          </a:fillRef>
-          <a:effectRef idx="0">
-            <a:schemeClr val="accent6"/>
-          </a:effectRef>
-          <a:fontRef idx="minor">
-            <a:schemeClr val="tx1"/>
-          </a:fontRef>
-        </p:style>
-      </p:cxnSp>
-      <p:cxnSp>
-        <p:nvCxnSpPr>
-          <p:cNvPr id="30" name="Straight Connector 29"/>
-          <p:cNvCxnSpPr/>
-          <p:nvPr/>
-        </p:nvCxnSpPr>
-        <p:spPr>
-          <a:xfrm>
-            <a:off x="5692362" y="4377719"/>
-            <a:ext cx="2237695" cy="0"/>
-          </a:xfrm>
-          <a:prstGeom prst="line">
-            <a:avLst/>
-          </a:prstGeom>
-          <a:ln>
-            <a:solidFill>
-              <a:srgbClr val="C1BBBB"/>
-            </a:solidFill>
-          </a:ln>
-        </p:spPr>
-        <p:style>
-          <a:lnRef idx="1">
-            <a:schemeClr val="accent6"/>
-          </a:lnRef>
-          <a:fillRef idx="0">
-            <a:schemeClr val="accent6"/>
-          </a:fillRef>
-          <a:effectRef idx="0">
-            <a:schemeClr val="accent6"/>
-          </a:effectRef>
-          <a:fontRef idx="minor">
-            <a:schemeClr val="tx1"/>
-          </a:fontRef>
-        </p:style>
-      </p:cxnSp>
-      <p:pic>
-        <p:nvPicPr>
-          <p:cNvPr id="3" name="Picture 2"/>
-          <p:cNvPicPr>
-            <a:picLocks noChangeAspect="1"/>
-          </p:cNvPicPr>
-          <p:nvPr/>
-        </p:nvPicPr>
-        <p:blipFill>
-          <a:blip r:embed="rId4">
-            <a:extLst>
-              <a:ext uri="{28A0092B-C50C-407E-A947-70E740481C1C}">
-                <a14:useLocalDpi xmlns:a14="http://schemas.microsoft.com/office/drawing/2010/main" val="0"/>
-              </a:ext>
-            </a:extLst>
-          </a:blip>
-          <a:stretch>
-            <a:fillRect/>
-          </a:stretch>
-        </p:blipFill>
-        <p:spPr>
-          <a:xfrm>
-            <a:off x="5711762" y="2282536"/>
-            <a:ext cx="457200" cy="457200"/>
-          </a:xfrm>
-          <a:prstGeom prst="rect">
-            <a:avLst/>
-          </a:prstGeom>
-        </p:spPr>
-      </p:pic>
-      <p:pic>
-        <p:nvPicPr>
-          <p:cNvPr id="9" name="Picture 8"/>
-          <p:cNvPicPr>
-            <a:picLocks noChangeAspect="1"/>
-          </p:cNvPicPr>
-          <p:nvPr/>
-        </p:nvPicPr>
-        <p:blipFill>
-          <a:blip r:embed="rId5">
-            <a:extLst>
-              <a:ext uri="{28A0092B-C50C-407E-A947-70E740481C1C}">
-                <a14:useLocalDpi xmlns:a14="http://schemas.microsoft.com/office/drawing/2010/main" val="0"/>
-              </a:ext>
-            </a:extLst>
-          </a:blip>
-          <a:stretch>
-            <a:fillRect/>
-          </a:stretch>
-        </p:blipFill>
-        <p:spPr>
-          <a:xfrm>
-            <a:off x="5674465" y="3381394"/>
-            <a:ext cx="457200" cy="457200"/>
-          </a:xfrm>
-          <a:prstGeom prst="rect">
-            <a:avLst/>
-          </a:prstGeom>
-        </p:spPr>
-      </p:pic>
-    </p:spTree>
-    <p:extLst>
-      <p:ext uri="{BB962C8B-B14F-4D97-AF65-F5344CB8AC3E}">
-        <p14:creationId xmlns:p14="http://schemas.microsoft.com/office/powerpoint/2010/main" val="2983364293"/>
-      </p:ext>
-    </p:extLst>
-  </p:cSld>
-  <p:clrMapOvr>
-    <a:masterClrMapping/>
-  </p:clrMapOvr>
-  <p:timing>
-    <p:tnLst>
-      <p:par>
-        <p:cTn id="1" dur="indefinite" restart="never" nodeType="tmRoot"/>
-      </p:par>
-    </p:tnLst>
-  </p:timing>
-</p:sld>
-</file>
-
-<file path=ppt/slides/slide30.xml><?xml version="1.0" encoding="utf-8"?>
+<file path=ppt/slides/slide34.xml><?xml version="1.0" encoding="utf-8"?>
 <p:sld xmlns:a="http://schemas.openxmlformats.org/drawingml/2006/main" xmlns:r="http://schemas.openxmlformats.org/officeDocument/2006/relationships" xmlns:p="http://schemas.openxmlformats.org/presentationml/2006/main">
   <p:cSld>
     <p:spTree>
@@ -21477,7 +24147,7 @@
 </p:sld>
 </file>
 
-<file path=ppt/slides/slide31.xml><?xml version="1.0" encoding="utf-8"?>
+<file path=ppt/slides/slide35.xml><?xml version="1.0" encoding="utf-8"?>
 <p:sld xmlns:a="http://schemas.openxmlformats.org/drawingml/2006/main" xmlns:r="http://schemas.openxmlformats.org/officeDocument/2006/relationships" xmlns:p="http://schemas.openxmlformats.org/presentationml/2006/main">
   <p:cSld>
     <p:spTree>
@@ -22000,7 +24670,7 @@
 </p:sld>
 </file>
 
-<file path=ppt/slides/slide32.xml><?xml version="1.0" encoding="utf-8"?>
+<file path=ppt/slides/slide36.xml><?xml version="1.0" encoding="utf-8"?>
 <p:sld xmlns:a="http://schemas.openxmlformats.org/drawingml/2006/main" xmlns:r="http://schemas.openxmlformats.org/officeDocument/2006/relationships" xmlns:p="http://schemas.openxmlformats.org/presentationml/2006/main">
   <p:cSld>
     <p:spTree>
@@ -22053,7 +24723,7 @@
 </p:sld>
 </file>
 
-<file path=ppt/slides/slide33.xml><?xml version="1.0" encoding="utf-8"?>
+<file path=ppt/slides/slide37.xml><?xml version="1.0" encoding="utf-8"?>
 <p:sld xmlns:a="http://schemas.openxmlformats.org/drawingml/2006/main" xmlns:r="http://schemas.openxmlformats.org/officeDocument/2006/relationships" xmlns:p="http://schemas.openxmlformats.org/presentationml/2006/main">
   <p:cSld>
     <p:spTree>
@@ -22399,7 +25069,7 @@
 </p:sld>
 </file>
 
-<file path=ppt/slides/slide34.xml><?xml version="1.0" encoding="utf-8"?>
+<file path=ppt/slides/slide38.xml><?xml version="1.0" encoding="utf-8"?>
 <p:sld xmlns:a="http://schemas.openxmlformats.org/drawingml/2006/main" xmlns:r="http://schemas.openxmlformats.org/officeDocument/2006/relationships" xmlns:p="http://schemas.openxmlformats.org/presentationml/2006/main">
   <p:cSld>
     <p:spTree>
@@ -22856,7 +25526,7 @@
 </p:sld>
 </file>
 
-<file path=ppt/slides/slide35.xml><?xml version="1.0" encoding="utf-8"?>
+<file path=ppt/slides/slide39.xml><?xml version="1.0" encoding="utf-8"?>
 <p:sld xmlns:a="http://schemas.openxmlformats.org/drawingml/2006/main" xmlns:r="http://schemas.openxmlformats.org/officeDocument/2006/relationships" xmlns:p="http://schemas.openxmlformats.org/presentationml/2006/main">
   <p:cSld>
     <p:spTree>
@@ -23338,7 +26008,1017 @@
 </p:sld>
 </file>
 
-<file path=ppt/slides/slide36.xml><?xml version="1.0" encoding="utf-8"?>
+<file path=ppt/slides/slide4.xml><?xml version="1.0" encoding="utf-8"?>
+<p:sld xmlns:a="http://schemas.openxmlformats.org/drawingml/2006/main" xmlns:r="http://schemas.openxmlformats.org/officeDocument/2006/relationships" xmlns:p="http://schemas.openxmlformats.org/presentationml/2006/main">
+  <p:cSld>
+    <p:spTree>
+      <p:nvGrpSpPr>
+        <p:cNvPr id="1" name=""/>
+        <p:cNvGrpSpPr/>
+        <p:nvPr/>
+      </p:nvGrpSpPr>
+      <p:grpSpPr>
+        <a:xfrm>
+          <a:off x="0" y="0"/>
+          <a:ext cx="0" cy="0"/>
+          <a:chOff x="0" y="0"/>
+          <a:chExt cx="0" cy="0"/>
+        </a:xfrm>
+      </p:grpSpPr>
+      <p:sp>
+        <p:nvSpPr>
+          <p:cNvPr id="2" name="Title 1"/>
+          <p:cNvSpPr>
+            <a:spLocks noGrp="1"/>
+          </p:cNvSpPr>
+          <p:nvPr>
+            <p:ph type="title"/>
+          </p:nvPr>
+        </p:nvSpPr>
+        <p:spPr/>
+        <p:txBody>
+          <a:bodyPr/>
+          <a:lstStyle/>
+          <a:p>
+            <a:r>
+              <a:rPr lang="en-IN" dirty="0" smtClean="0"/>
+              <a:t>New </a:t>
+            </a:r>
+            <a:r>
+              <a:rPr lang="en-IN" dirty="0" smtClean="0"/>
+              <a:t>user registration</a:t>
+            </a:r>
+            <a:endParaRPr lang="en-IN" dirty="0"/>
+          </a:p>
+        </p:txBody>
+      </p:sp>
+      <p:sp>
+        <p:nvSpPr>
+          <p:cNvPr id="14" name="Rectangle 13"/>
+          <p:cNvSpPr/>
+          <p:nvPr/>
+        </p:nvSpPr>
+        <p:spPr>
+          <a:xfrm>
+            <a:off x="4121237" y="794441"/>
+            <a:ext cx="3966693" cy="5902573"/>
+          </a:xfrm>
+          <a:prstGeom prst="rect">
+            <a:avLst/>
+          </a:prstGeom>
+        </p:spPr>
+        <p:style>
+          <a:lnRef idx="2">
+            <a:schemeClr val="accent6"/>
+          </a:lnRef>
+          <a:fillRef idx="1">
+            <a:schemeClr val="lt1"/>
+          </a:fillRef>
+          <a:effectRef idx="0">
+            <a:schemeClr val="accent6"/>
+          </a:effectRef>
+          <a:fontRef idx="minor">
+            <a:schemeClr val="dk1"/>
+          </a:fontRef>
+        </p:style>
+        <p:txBody>
+          <a:bodyPr rtlCol="0" anchor="ctr"/>
+          <a:lstStyle/>
+          <a:p>
+            <a:pPr algn="ctr"/>
+            <a:endParaRPr lang="en-IN" dirty="0">
+              <a:latin typeface="Calibri" panose="020F0502020204030204" pitchFamily="34" charset="0"/>
+            </a:endParaRPr>
+          </a:p>
+        </p:txBody>
+      </p:sp>
+      <p:sp>
+        <p:nvSpPr>
+          <p:cNvPr id="15" name="Rectangle 14"/>
+          <p:cNvSpPr/>
+          <p:nvPr/>
+        </p:nvSpPr>
+        <p:spPr>
+          <a:xfrm>
+            <a:off x="4346617" y="2581853"/>
+            <a:ext cx="3367828" cy="309093"/>
+          </a:xfrm>
+          <a:prstGeom prst="rect">
+            <a:avLst/>
+          </a:prstGeom>
+        </p:spPr>
+        <p:style>
+          <a:lnRef idx="2">
+            <a:schemeClr val="accent6"/>
+          </a:lnRef>
+          <a:fillRef idx="1">
+            <a:schemeClr val="lt1"/>
+          </a:fillRef>
+          <a:effectRef idx="0">
+            <a:schemeClr val="accent6"/>
+          </a:effectRef>
+          <a:fontRef idx="minor">
+            <a:schemeClr val="dk1"/>
+          </a:fontRef>
+        </p:style>
+        <p:txBody>
+          <a:bodyPr rtlCol="0" anchor="ctr"/>
+          <a:lstStyle/>
+          <a:p>
+            <a:r>
+              <a:rPr lang="en-IN" smtClean="0">
+                <a:latin typeface="Calibri" panose="020F0502020204030204" pitchFamily="34" charset="0"/>
+              </a:rPr>
+              <a:t>abc@gmail.com</a:t>
+            </a:r>
+            <a:endParaRPr lang="en-IN">
+              <a:latin typeface="Calibri" panose="020F0502020204030204" pitchFamily="34" charset="0"/>
+            </a:endParaRPr>
+          </a:p>
+        </p:txBody>
+      </p:sp>
+      <p:sp>
+        <p:nvSpPr>
+          <p:cNvPr id="16" name="Rectangle 15"/>
+          <p:cNvSpPr/>
+          <p:nvPr/>
+        </p:nvSpPr>
+        <p:spPr>
+          <a:xfrm>
+            <a:off x="4254322" y="2208636"/>
+            <a:ext cx="1970468" cy="309093"/>
+          </a:xfrm>
+          <a:prstGeom prst="rect">
+            <a:avLst/>
+          </a:prstGeom>
+          <a:noFill/>
+          <a:ln>
+            <a:noFill/>
+          </a:ln>
+        </p:spPr>
+        <p:style>
+          <a:lnRef idx="2">
+            <a:schemeClr val="dk1"/>
+          </a:lnRef>
+          <a:fillRef idx="1">
+            <a:schemeClr val="lt1"/>
+          </a:fillRef>
+          <a:effectRef idx="0">
+            <a:schemeClr val="dk1"/>
+          </a:effectRef>
+          <a:fontRef idx="minor">
+            <a:schemeClr val="dk1"/>
+          </a:fontRef>
+        </p:style>
+        <p:txBody>
+          <a:bodyPr rtlCol="0" anchor="ctr"/>
+          <a:lstStyle/>
+          <a:p>
+            <a:r>
+              <a:rPr lang="en-IN" smtClean="0">
+                <a:latin typeface="Calibri" panose="020F0502020204030204" pitchFamily="34" charset="0"/>
+              </a:rPr>
+              <a:t>Email id: </a:t>
+            </a:r>
+            <a:r>
+              <a:rPr lang="en-IN" smtClean="0">
+                <a:solidFill>
+                  <a:srgbClr val="FF0000"/>
+                </a:solidFill>
+                <a:latin typeface="Calibri" panose="020F0502020204030204" pitchFamily="34" charset="0"/>
+              </a:rPr>
+              <a:t>*</a:t>
+            </a:r>
+            <a:endParaRPr lang="en-IN">
+              <a:latin typeface="Calibri" panose="020F0502020204030204" pitchFamily="34" charset="0"/>
+            </a:endParaRPr>
+          </a:p>
+        </p:txBody>
+      </p:sp>
+      <p:sp>
+        <p:nvSpPr>
+          <p:cNvPr id="17" name="Rectangle 16"/>
+          <p:cNvSpPr/>
+          <p:nvPr/>
+        </p:nvSpPr>
+        <p:spPr>
+          <a:xfrm>
+            <a:off x="4121237" y="794441"/>
+            <a:ext cx="3966693" cy="441931"/>
+          </a:xfrm>
+          <a:prstGeom prst="rect">
+            <a:avLst/>
+          </a:prstGeom>
+          <a:ln/>
+        </p:spPr>
+        <p:style>
+          <a:lnRef idx="2">
+            <a:schemeClr val="accent4">
+              <a:shade val="50000"/>
+            </a:schemeClr>
+          </a:lnRef>
+          <a:fillRef idx="1">
+            <a:schemeClr val="accent4"/>
+          </a:fillRef>
+          <a:effectRef idx="0">
+            <a:schemeClr val="accent4"/>
+          </a:effectRef>
+          <a:fontRef idx="minor">
+            <a:schemeClr val="lt1"/>
+          </a:fontRef>
+        </p:style>
+        <p:txBody>
+          <a:bodyPr rtlCol="0" anchor="ctr"/>
+          <a:lstStyle/>
+          <a:p>
+            <a:pPr algn="ctr"/>
+            <a:r>
+              <a:rPr lang="en-IN" dirty="0" smtClean="0">
+                <a:solidFill>
+                  <a:schemeClr val="bg1"/>
+                </a:solidFill>
+                <a:latin typeface="Calibri" panose="020F0502020204030204" pitchFamily="34" charset="0"/>
+              </a:rPr>
+              <a:t>Attendance: Register		:</a:t>
+            </a:r>
+            <a:endParaRPr lang="en-IN" dirty="0">
+              <a:solidFill>
+                <a:schemeClr val="bg1"/>
+              </a:solidFill>
+              <a:latin typeface="Calibri" panose="020F0502020204030204" pitchFamily="34" charset="0"/>
+            </a:endParaRPr>
+          </a:p>
+        </p:txBody>
+      </p:sp>
+      <p:sp>
+        <p:nvSpPr>
+          <p:cNvPr id="18" name="Rounded Rectangle 17"/>
+          <p:cNvSpPr/>
+          <p:nvPr/>
+        </p:nvSpPr>
+        <p:spPr>
+          <a:xfrm>
+            <a:off x="6943302" y="5863494"/>
+            <a:ext cx="811366" cy="425487"/>
+          </a:xfrm>
+          <a:prstGeom prst="roundRect">
+            <a:avLst/>
+          </a:prstGeom>
+          <a:ln/>
+        </p:spPr>
+        <p:style>
+          <a:lnRef idx="2">
+            <a:schemeClr val="accent4">
+              <a:shade val="50000"/>
+            </a:schemeClr>
+          </a:lnRef>
+          <a:fillRef idx="1">
+            <a:schemeClr val="accent4"/>
+          </a:fillRef>
+          <a:effectRef idx="0">
+            <a:schemeClr val="accent4"/>
+          </a:effectRef>
+          <a:fontRef idx="minor">
+            <a:schemeClr val="lt1"/>
+          </a:fontRef>
+        </p:style>
+        <p:txBody>
+          <a:bodyPr rtlCol="0" anchor="ctr"/>
+          <a:lstStyle/>
+          <a:p>
+            <a:pPr algn="ctr"/>
+            <a:r>
+              <a:rPr lang="en-IN" sz="1500" smtClean="0">
+                <a:latin typeface="Calibri" panose="020F0502020204030204" pitchFamily="34" charset="0"/>
+              </a:rPr>
+              <a:t>Ok</a:t>
+            </a:r>
+            <a:endParaRPr lang="en-IN" sz="1500">
+              <a:latin typeface="Calibri" panose="020F0502020204030204" pitchFamily="34" charset="0"/>
+            </a:endParaRPr>
+          </a:p>
+        </p:txBody>
+      </p:sp>
+      <p:sp>
+        <p:nvSpPr>
+          <p:cNvPr id="19" name="Rectangle 18"/>
+          <p:cNvSpPr/>
+          <p:nvPr/>
+        </p:nvSpPr>
+        <p:spPr>
+          <a:xfrm>
+            <a:off x="4346616" y="3334619"/>
+            <a:ext cx="3367829" cy="309093"/>
+          </a:xfrm>
+          <a:prstGeom prst="rect">
+            <a:avLst/>
+          </a:prstGeom>
+        </p:spPr>
+        <p:style>
+          <a:lnRef idx="2">
+            <a:schemeClr val="accent6"/>
+          </a:lnRef>
+          <a:fillRef idx="1">
+            <a:schemeClr val="lt1"/>
+          </a:fillRef>
+          <a:effectRef idx="0">
+            <a:schemeClr val="accent6"/>
+          </a:effectRef>
+          <a:fontRef idx="minor">
+            <a:schemeClr val="dk1"/>
+          </a:fontRef>
+        </p:style>
+        <p:txBody>
+          <a:bodyPr rtlCol="0" anchor="ctr"/>
+          <a:lstStyle/>
+          <a:p>
+            <a:r>
+              <a:rPr lang="en-IN" smtClean="0">
+                <a:latin typeface="Calibri" panose="020F0502020204030204" pitchFamily="34" charset="0"/>
+              </a:rPr>
+              <a:t>*******</a:t>
+            </a:r>
+            <a:endParaRPr lang="en-IN">
+              <a:latin typeface="Calibri" panose="020F0502020204030204" pitchFamily="34" charset="0"/>
+            </a:endParaRPr>
+          </a:p>
+        </p:txBody>
+      </p:sp>
+      <p:sp>
+        <p:nvSpPr>
+          <p:cNvPr id="20" name="Rectangle 19"/>
+          <p:cNvSpPr/>
+          <p:nvPr/>
+        </p:nvSpPr>
+        <p:spPr>
+          <a:xfrm>
+            <a:off x="4254322" y="2955070"/>
+            <a:ext cx="1970468" cy="309093"/>
+          </a:xfrm>
+          <a:prstGeom prst="rect">
+            <a:avLst/>
+          </a:prstGeom>
+          <a:noFill/>
+          <a:ln>
+            <a:noFill/>
+          </a:ln>
+        </p:spPr>
+        <p:style>
+          <a:lnRef idx="2">
+            <a:schemeClr val="dk1"/>
+          </a:lnRef>
+          <a:fillRef idx="1">
+            <a:schemeClr val="lt1"/>
+          </a:fillRef>
+          <a:effectRef idx="0">
+            <a:schemeClr val="dk1"/>
+          </a:effectRef>
+          <a:fontRef idx="minor">
+            <a:schemeClr val="dk1"/>
+          </a:fontRef>
+        </p:style>
+        <p:txBody>
+          <a:bodyPr rtlCol="0" anchor="ctr"/>
+          <a:lstStyle/>
+          <a:p>
+            <a:r>
+              <a:rPr lang="en-IN" smtClean="0">
+                <a:latin typeface="Calibri" panose="020F0502020204030204" pitchFamily="34" charset="0"/>
+              </a:rPr>
+              <a:t>Password: </a:t>
+            </a:r>
+            <a:r>
+              <a:rPr lang="en-IN" smtClean="0">
+                <a:solidFill>
+                  <a:srgbClr val="FF0000"/>
+                </a:solidFill>
+                <a:latin typeface="Calibri" panose="020F0502020204030204" pitchFamily="34" charset="0"/>
+              </a:rPr>
+              <a:t>*</a:t>
+            </a:r>
+            <a:endParaRPr lang="en-IN">
+              <a:latin typeface="Calibri" panose="020F0502020204030204" pitchFamily="34" charset="0"/>
+            </a:endParaRPr>
+          </a:p>
+        </p:txBody>
+      </p:sp>
+      <p:sp>
+        <p:nvSpPr>
+          <p:cNvPr id="23" name="Rectangle 22"/>
+          <p:cNvSpPr/>
+          <p:nvPr/>
+        </p:nvSpPr>
+        <p:spPr>
+          <a:xfrm>
+            <a:off x="4370226" y="4066572"/>
+            <a:ext cx="3344219" cy="309093"/>
+          </a:xfrm>
+          <a:prstGeom prst="rect">
+            <a:avLst/>
+          </a:prstGeom>
+        </p:spPr>
+        <p:style>
+          <a:lnRef idx="2">
+            <a:schemeClr val="accent6"/>
+          </a:lnRef>
+          <a:fillRef idx="1">
+            <a:schemeClr val="lt1"/>
+          </a:fillRef>
+          <a:effectRef idx="0">
+            <a:schemeClr val="accent6"/>
+          </a:effectRef>
+          <a:fontRef idx="minor">
+            <a:schemeClr val="dk1"/>
+          </a:fontRef>
+        </p:style>
+        <p:txBody>
+          <a:bodyPr rtlCol="0" anchor="ctr"/>
+          <a:lstStyle/>
+          <a:p>
+            <a:r>
+              <a:rPr lang="en-IN" smtClean="0">
+                <a:latin typeface="Calibri" panose="020F0502020204030204" pitchFamily="34" charset="0"/>
+              </a:rPr>
+              <a:t>*******</a:t>
+            </a:r>
+            <a:endParaRPr lang="en-IN">
+              <a:latin typeface="Calibri" panose="020F0502020204030204" pitchFamily="34" charset="0"/>
+            </a:endParaRPr>
+          </a:p>
+        </p:txBody>
+      </p:sp>
+      <p:sp>
+        <p:nvSpPr>
+          <p:cNvPr id="24" name="Rectangle 23"/>
+          <p:cNvSpPr/>
+          <p:nvPr/>
+        </p:nvSpPr>
+        <p:spPr>
+          <a:xfrm>
+            <a:off x="4277931" y="3687023"/>
+            <a:ext cx="2161505" cy="309093"/>
+          </a:xfrm>
+          <a:prstGeom prst="rect">
+            <a:avLst/>
+          </a:prstGeom>
+          <a:noFill/>
+          <a:ln>
+            <a:noFill/>
+          </a:ln>
+        </p:spPr>
+        <p:style>
+          <a:lnRef idx="2">
+            <a:schemeClr val="dk1"/>
+          </a:lnRef>
+          <a:fillRef idx="1">
+            <a:schemeClr val="lt1"/>
+          </a:fillRef>
+          <a:effectRef idx="0">
+            <a:schemeClr val="dk1"/>
+          </a:effectRef>
+          <a:fontRef idx="minor">
+            <a:schemeClr val="dk1"/>
+          </a:fontRef>
+        </p:style>
+        <p:txBody>
+          <a:bodyPr rtlCol="0" anchor="ctr"/>
+          <a:lstStyle/>
+          <a:p>
+            <a:r>
+              <a:rPr lang="en-IN" dirty="0" smtClean="0">
+                <a:latin typeface="Calibri" panose="020F0502020204030204" pitchFamily="34" charset="0"/>
+              </a:rPr>
+              <a:t>Confirm Password: </a:t>
+            </a:r>
+            <a:r>
+              <a:rPr lang="en-IN" dirty="0" smtClean="0">
+                <a:solidFill>
+                  <a:srgbClr val="FF0000"/>
+                </a:solidFill>
+                <a:latin typeface="Calibri" panose="020F0502020204030204" pitchFamily="34" charset="0"/>
+              </a:rPr>
+              <a:t>*</a:t>
+            </a:r>
+            <a:endParaRPr lang="en-IN" dirty="0">
+              <a:latin typeface="Calibri" panose="020F0502020204030204" pitchFamily="34" charset="0"/>
+            </a:endParaRPr>
+          </a:p>
+        </p:txBody>
+      </p:sp>
+      <p:sp>
+        <p:nvSpPr>
+          <p:cNvPr id="25" name="Rectangle 24"/>
+          <p:cNvSpPr/>
+          <p:nvPr/>
+        </p:nvSpPr>
+        <p:spPr>
+          <a:xfrm>
+            <a:off x="4344469" y="1877322"/>
+            <a:ext cx="3367828" cy="309093"/>
+          </a:xfrm>
+          <a:prstGeom prst="rect">
+            <a:avLst/>
+          </a:prstGeom>
+        </p:spPr>
+        <p:style>
+          <a:lnRef idx="2">
+            <a:schemeClr val="accent6"/>
+          </a:lnRef>
+          <a:fillRef idx="1">
+            <a:schemeClr val="lt1"/>
+          </a:fillRef>
+          <a:effectRef idx="0">
+            <a:schemeClr val="accent6"/>
+          </a:effectRef>
+          <a:fontRef idx="minor">
+            <a:schemeClr val="dk1"/>
+          </a:fontRef>
+        </p:style>
+        <p:txBody>
+          <a:bodyPr rtlCol="0" anchor="ctr"/>
+          <a:lstStyle/>
+          <a:p>
+            <a:r>
+              <a:rPr lang="en-IN" smtClean="0">
+                <a:latin typeface="Calibri" panose="020F0502020204030204" pitchFamily="34" charset="0"/>
+              </a:rPr>
+              <a:t>abc</a:t>
+            </a:r>
+            <a:endParaRPr lang="en-IN">
+              <a:latin typeface="Calibri" panose="020F0502020204030204" pitchFamily="34" charset="0"/>
+            </a:endParaRPr>
+          </a:p>
+        </p:txBody>
+      </p:sp>
+      <p:sp>
+        <p:nvSpPr>
+          <p:cNvPr id="26" name="Rectangle 25"/>
+          <p:cNvSpPr/>
+          <p:nvPr/>
+        </p:nvSpPr>
+        <p:spPr>
+          <a:xfrm>
+            <a:off x="4239295" y="1504105"/>
+            <a:ext cx="1970468" cy="309093"/>
+          </a:xfrm>
+          <a:prstGeom prst="rect">
+            <a:avLst/>
+          </a:prstGeom>
+          <a:noFill/>
+          <a:ln>
+            <a:noFill/>
+          </a:ln>
+        </p:spPr>
+        <p:style>
+          <a:lnRef idx="2">
+            <a:schemeClr val="dk1"/>
+          </a:lnRef>
+          <a:fillRef idx="1">
+            <a:schemeClr val="lt1"/>
+          </a:fillRef>
+          <a:effectRef idx="0">
+            <a:schemeClr val="dk1"/>
+          </a:effectRef>
+          <a:fontRef idx="minor">
+            <a:schemeClr val="dk1"/>
+          </a:fontRef>
+        </p:style>
+        <p:txBody>
+          <a:bodyPr rtlCol="0" anchor="ctr"/>
+          <a:lstStyle/>
+          <a:p>
+            <a:r>
+              <a:rPr lang="en-IN" dirty="0" smtClean="0">
+                <a:latin typeface="Calibri" panose="020F0502020204030204" pitchFamily="34" charset="0"/>
+              </a:rPr>
+              <a:t>Name: </a:t>
+            </a:r>
+            <a:r>
+              <a:rPr lang="en-IN" dirty="0" smtClean="0">
+                <a:solidFill>
+                  <a:srgbClr val="FF0000"/>
+                </a:solidFill>
+                <a:latin typeface="Calibri" panose="020F0502020204030204" pitchFamily="34" charset="0"/>
+              </a:rPr>
+              <a:t>*</a:t>
+            </a:r>
+            <a:endParaRPr lang="en-IN" dirty="0">
+              <a:solidFill>
+                <a:srgbClr val="FF0000"/>
+              </a:solidFill>
+              <a:latin typeface="Calibri" panose="020F0502020204030204" pitchFamily="34" charset="0"/>
+            </a:endParaRPr>
+          </a:p>
+        </p:txBody>
+      </p:sp>
+      <p:cxnSp>
+        <p:nvCxnSpPr>
+          <p:cNvPr id="37" name="Straight Arrow Connector 36"/>
+          <p:cNvCxnSpPr/>
+          <p:nvPr/>
+        </p:nvCxnSpPr>
+        <p:spPr>
+          <a:xfrm flipH="1" flipV="1">
+            <a:off x="3535151" y="5047215"/>
+            <a:ext cx="1132117" cy="157721"/>
+          </a:xfrm>
+          <a:prstGeom prst="straightConnector1">
+            <a:avLst/>
+          </a:prstGeom>
+          <a:ln>
+            <a:tailEnd type="triangle"/>
+          </a:ln>
+        </p:spPr>
+        <p:style>
+          <a:lnRef idx="1">
+            <a:schemeClr val="dk1"/>
+          </a:lnRef>
+          <a:fillRef idx="0">
+            <a:schemeClr val="dk1"/>
+          </a:fillRef>
+          <a:effectRef idx="0">
+            <a:schemeClr val="dk1"/>
+          </a:effectRef>
+          <a:fontRef idx="minor">
+            <a:schemeClr val="tx1"/>
+          </a:fontRef>
+        </p:style>
+      </p:cxnSp>
+      <p:sp>
+        <p:nvSpPr>
+          <p:cNvPr id="38" name="TextBox 37"/>
+          <p:cNvSpPr txBox="1"/>
+          <p:nvPr/>
+        </p:nvSpPr>
+        <p:spPr>
+          <a:xfrm>
+            <a:off x="2659993" y="4673998"/>
+            <a:ext cx="1311494" cy="646331"/>
+          </a:xfrm>
+          <a:prstGeom prst="rect">
+            <a:avLst/>
+          </a:prstGeom>
+          <a:noFill/>
+        </p:spPr>
+        <p:txBody>
+          <a:bodyPr wrap="square" rtlCol="0">
+            <a:spAutoFit/>
+          </a:bodyPr>
+          <a:lstStyle/>
+          <a:p>
+            <a:r>
+              <a:rPr lang="en-IN" dirty="0" smtClean="0">
+                <a:solidFill>
+                  <a:schemeClr val="bg1"/>
+                </a:solidFill>
+              </a:rPr>
+              <a:t>Radio button</a:t>
+            </a:r>
+            <a:endParaRPr lang="en-IN" dirty="0">
+              <a:solidFill>
+                <a:schemeClr val="bg1"/>
+              </a:solidFill>
+            </a:endParaRPr>
+          </a:p>
+        </p:txBody>
+      </p:sp>
+      <p:cxnSp>
+        <p:nvCxnSpPr>
+          <p:cNvPr id="44" name="Straight Arrow Connector 43"/>
+          <p:cNvCxnSpPr/>
+          <p:nvPr/>
+        </p:nvCxnSpPr>
+        <p:spPr>
+          <a:xfrm flipH="1">
+            <a:off x="3953810" y="6124963"/>
+            <a:ext cx="2989493" cy="59706"/>
+          </a:xfrm>
+          <a:prstGeom prst="straightConnector1">
+            <a:avLst/>
+          </a:prstGeom>
+          <a:ln>
+            <a:tailEnd type="triangle"/>
+          </a:ln>
+        </p:spPr>
+        <p:style>
+          <a:lnRef idx="1">
+            <a:schemeClr val="dk1"/>
+          </a:lnRef>
+          <a:fillRef idx="0">
+            <a:schemeClr val="dk1"/>
+          </a:fillRef>
+          <a:effectRef idx="0">
+            <a:schemeClr val="dk1"/>
+          </a:effectRef>
+          <a:fontRef idx="minor">
+            <a:schemeClr val="tx1"/>
+          </a:fontRef>
+        </p:style>
+      </p:cxnSp>
+      <p:sp>
+        <p:nvSpPr>
+          <p:cNvPr id="45" name="TextBox 44"/>
+          <p:cNvSpPr txBox="1"/>
+          <p:nvPr/>
+        </p:nvSpPr>
+        <p:spPr>
+          <a:xfrm>
+            <a:off x="45077" y="5647163"/>
+            <a:ext cx="3825020" cy="1200329"/>
+          </a:xfrm>
+          <a:prstGeom prst="rect">
+            <a:avLst/>
+          </a:prstGeom>
+          <a:noFill/>
+        </p:spPr>
+        <p:txBody>
+          <a:bodyPr wrap="square" rtlCol="0">
+            <a:spAutoFit/>
+          </a:bodyPr>
+          <a:lstStyle/>
+          <a:p>
+            <a:r>
+              <a:rPr lang="en-IN" dirty="0" smtClean="0">
+                <a:solidFill>
+                  <a:schemeClr val="bg1"/>
+                </a:solidFill>
+              </a:rPr>
+              <a:t>If all </a:t>
+            </a:r>
+            <a:r>
+              <a:rPr lang="en-IN" dirty="0" smtClean="0">
+                <a:solidFill>
+                  <a:schemeClr val="bg1"/>
+                </a:solidFill>
+              </a:rPr>
+              <a:t>fields are valid</a:t>
+            </a:r>
+            <a:r>
+              <a:rPr lang="en-IN" dirty="0" smtClean="0">
+                <a:solidFill>
+                  <a:schemeClr val="bg1"/>
+                </a:solidFill>
+              </a:rPr>
+              <a:t>, new login is created after user’s email id is confirmed and user is directed back to login screen</a:t>
+            </a:r>
+            <a:endParaRPr lang="en-IN" dirty="0">
+              <a:solidFill>
+                <a:schemeClr val="bg1"/>
+              </a:solidFill>
+            </a:endParaRPr>
+          </a:p>
+        </p:txBody>
+      </p:sp>
+      <p:sp>
+        <p:nvSpPr>
+          <p:cNvPr id="46" name="Rectangle 45"/>
+          <p:cNvSpPr/>
+          <p:nvPr/>
+        </p:nvSpPr>
+        <p:spPr>
+          <a:xfrm>
+            <a:off x="4308566" y="4549342"/>
+            <a:ext cx="1970468" cy="309093"/>
+          </a:xfrm>
+          <a:prstGeom prst="rect">
+            <a:avLst/>
+          </a:prstGeom>
+          <a:noFill/>
+          <a:ln>
+            <a:noFill/>
+          </a:ln>
+        </p:spPr>
+        <p:style>
+          <a:lnRef idx="2">
+            <a:schemeClr val="dk1"/>
+          </a:lnRef>
+          <a:fillRef idx="1">
+            <a:schemeClr val="lt1"/>
+          </a:fillRef>
+          <a:effectRef idx="0">
+            <a:schemeClr val="dk1"/>
+          </a:effectRef>
+          <a:fontRef idx="minor">
+            <a:schemeClr val="dk1"/>
+          </a:fontRef>
+        </p:style>
+        <p:txBody>
+          <a:bodyPr rtlCol="0" anchor="ctr"/>
+          <a:lstStyle/>
+          <a:p>
+            <a:r>
+              <a:rPr lang="en-IN" dirty="0" smtClean="0">
+                <a:latin typeface="Calibri" panose="020F0502020204030204" pitchFamily="34" charset="0"/>
+              </a:rPr>
+              <a:t>Login as: </a:t>
+            </a:r>
+            <a:r>
+              <a:rPr lang="en-IN" dirty="0" smtClean="0">
+                <a:solidFill>
+                  <a:srgbClr val="FF0000"/>
+                </a:solidFill>
+                <a:latin typeface="Calibri" panose="020F0502020204030204" pitchFamily="34" charset="0"/>
+              </a:rPr>
+              <a:t>*</a:t>
+            </a:r>
+            <a:endParaRPr lang="en-IN" dirty="0">
+              <a:solidFill>
+                <a:srgbClr val="FF0000"/>
+              </a:solidFill>
+              <a:latin typeface="Calibri" panose="020F0502020204030204" pitchFamily="34" charset="0"/>
+            </a:endParaRPr>
+          </a:p>
+        </p:txBody>
+      </p:sp>
+      <p:sp>
+        <p:nvSpPr>
+          <p:cNvPr id="4" name="Oval 3"/>
+          <p:cNvSpPr/>
+          <p:nvPr/>
+        </p:nvSpPr>
+        <p:spPr>
+          <a:xfrm>
+            <a:off x="4572003" y="5070764"/>
+            <a:ext cx="249382" cy="254651"/>
+          </a:xfrm>
+          <a:prstGeom prst="ellipse">
+            <a:avLst/>
+          </a:prstGeom>
+        </p:spPr>
+        <p:style>
+          <a:lnRef idx="2">
+            <a:schemeClr val="accent6"/>
+          </a:lnRef>
+          <a:fillRef idx="1">
+            <a:schemeClr val="lt1"/>
+          </a:fillRef>
+          <a:effectRef idx="0">
+            <a:schemeClr val="accent6"/>
+          </a:effectRef>
+          <a:fontRef idx="minor">
+            <a:schemeClr val="dk1"/>
+          </a:fontRef>
+        </p:style>
+        <p:txBody>
+          <a:bodyPr rtlCol="0" anchor="ctr"/>
+          <a:lstStyle/>
+          <a:p>
+            <a:pPr algn="ctr"/>
+            <a:endParaRPr lang="en-IN"/>
+          </a:p>
+        </p:txBody>
+      </p:sp>
+      <p:sp>
+        <p:nvSpPr>
+          <p:cNvPr id="47" name="Oval 46"/>
+          <p:cNvSpPr/>
+          <p:nvPr/>
+        </p:nvSpPr>
+        <p:spPr>
+          <a:xfrm>
+            <a:off x="6237319" y="5090164"/>
+            <a:ext cx="249382" cy="254651"/>
+          </a:xfrm>
+          <a:prstGeom prst="ellipse">
+            <a:avLst/>
+          </a:prstGeom>
+        </p:spPr>
+        <p:style>
+          <a:lnRef idx="2">
+            <a:schemeClr val="accent6"/>
+          </a:lnRef>
+          <a:fillRef idx="1">
+            <a:schemeClr val="lt1"/>
+          </a:fillRef>
+          <a:effectRef idx="0">
+            <a:schemeClr val="accent6"/>
+          </a:effectRef>
+          <a:fontRef idx="minor">
+            <a:schemeClr val="dk1"/>
+          </a:fontRef>
+        </p:style>
+        <p:txBody>
+          <a:bodyPr rtlCol="0" anchor="ctr"/>
+          <a:lstStyle/>
+          <a:p>
+            <a:pPr algn="ctr"/>
+            <a:endParaRPr lang="en-IN"/>
+          </a:p>
+        </p:txBody>
+      </p:sp>
+      <p:sp>
+        <p:nvSpPr>
+          <p:cNvPr id="5" name="Rectangle 4"/>
+          <p:cNvSpPr/>
+          <p:nvPr/>
+        </p:nvSpPr>
+        <p:spPr>
+          <a:xfrm>
+            <a:off x="4931637" y="5032112"/>
+            <a:ext cx="1111876" cy="312703"/>
+          </a:xfrm>
+          <a:prstGeom prst="rect">
+            <a:avLst/>
+          </a:prstGeom>
+          <a:noFill/>
+          <a:ln>
+            <a:noFill/>
+          </a:ln>
+        </p:spPr>
+        <p:style>
+          <a:lnRef idx="2">
+            <a:schemeClr val="dk1"/>
+          </a:lnRef>
+          <a:fillRef idx="1">
+            <a:schemeClr val="lt1"/>
+          </a:fillRef>
+          <a:effectRef idx="0">
+            <a:schemeClr val="dk1"/>
+          </a:effectRef>
+          <a:fontRef idx="minor">
+            <a:schemeClr val="dk1"/>
+          </a:fontRef>
+        </p:style>
+        <p:txBody>
+          <a:bodyPr rtlCol="0" anchor="ctr"/>
+          <a:lstStyle/>
+          <a:p>
+            <a:pPr algn="ctr"/>
+            <a:r>
+              <a:rPr lang="en-IN" dirty="0" smtClean="0"/>
+              <a:t>Facilitator/teacher</a:t>
+            </a:r>
+            <a:endParaRPr lang="en-IN" dirty="0"/>
+          </a:p>
+        </p:txBody>
+      </p:sp>
+      <p:sp>
+        <p:nvSpPr>
+          <p:cNvPr id="48" name="Rectangle 47"/>
+          <p:cNvSpPr/>
+          <p:nvPr/>
+        </p:nvSpPr>
+        <p:spPr>
+          <a:xfrm>
+            <a:off x="6497200" y="5034887"/>
+            <a:ext cx="1111876" cy="312703"/>
+          </a:xfrm>
+          <a:prstGeom prst="rect">
+            <a:avLst/>
+          </a:prstGeom>
+          <a:noFill/>
+          <a:ln>
+            <a:noFill/>
+          </a:ln>
+        </p:spPr>
+        <p:style>
+          <a:lnRef idx="2">
+            <a:schemeClr val="dk1"/>
+          </a:lnRef>
+          <a:fillRef idx="1">
+            <a:schemeClr val="lt1"/>
+          </a:fillRef>
+          <a:effectRef idx="0">
+            <a:schemeClr val="dk1"/>
+          </a:effectRef>
+          <a:fontRef idx="minor">
+            <a:schemeClr val="dk1"/>
+          </a:fontRef>
+        </p:style>
+        <p:txBody>
+          <a:bodyPr rtlCol="0" anchor="ctr"/>
+          <a:lstStyle/>
+          <a:p>
+            <a:pPr algn="ctr"/>
+            <a:r>
+              <a:rPr lang="en-IN" dirty="0" smtClean="0"/>
+              <a:t>Attendee/student</a:t>
+            </a:r>
+            <a:endParaRPr lang="en-IN" dirty="0"/>
+          </a:p>
+        </p:txBody>
+      </p:sp>
+    </p:spTree>
+    <p:extLst>
+      <p:ext uri="{BB962C8B-B14F-4D97-AF65-F5344CB8AC3E}">
+        <p14:creationId xmlns:p14="http://schemas.microsoft.com/office/powerpoint/2010/main" val="3030402000"/>
+      </p:ext>
+    </p:extLst>
+  </p:cSld>
+  <p:clrMapOvr>
+    <a:masterClrMapping/>
+  </p:clrMapOvr>
+  <p:timing>
+    <p:tnLst>
+      <p:par>
+        <p:cTn id="1" dur="indefinite" restart="never" nodeType="tmRoot"/>
+      </p:par>
+    </p:tnLst>
+  </p:timing>
+</p:sld>
+</file>
+
+<file path=ppt/slides/slide40.xml><?xml version="1.0" encoding="utf-8"?>
 <p:sld xmlns:a="http://schemas.openxmlformats.org/drawingml/2006/main" xmlns:r="http://schemas.openxmlformats.org/officeDocument/2006/relationships" xmlns:p="http://schemas.openxmlformats.org/presentationml/2006/main">
   <p:cSld>
     <p:spTree>
@@ -23843,7 +27523,7 @@
 </p:sld>
 </file>
 
-<file path=ppt/slides/slide37.xml><?xml version="1.0" encoding="utf-8"?>
+<file path=ppt/slides/slide41.xml><?xml version="1.0" encoding="utf-8"?>
 <p:sld xmlns:a="http://schemas.openxmlformats.org/drawingml/2006/main" xmlns:r="http://schemas.openxmlformats.org/officeDocument/2006/relationships" xmlns:p="http://schemas.openxmlformats.org/presentationml/2006/main">
   <p:cSld>
     <p:spTree>
@@ -24166,11 +27846,6 @@
                         </a:rPr>
                         <a:t>Software </a:t>
                       </a:r>
-                      <a:endParaRPr lang="en-IN" dirty="0" smtClean="0">
-                        <a:solidFill>
-                          <a:schemeClr val="bg1"/>
-                        </a:solidFill>
-                      </a:endParaRPr>
                     </a:p>
                     <a:p>
                       <a:r>
@@ -24181,11 +27856,6 @@
                         </a:rPr>
                         <a:t>Engineering</a:t>
                       </a:r>
-                      <a:endParaRPr lang="en-IN" dirty="0" smtClean="0">
-                        <a:solidFill>
-                          <a:schemeClr val="bg1"/>
-                        </a:solidFill>
-                      </a:endParaRPr>
                     </a:p>
                     <a:p>
                       <a:r>
@@ -24286,7 +27956,7 @@
 </p:sld>
 </file>
 
-<file path=ppt/slides/slide38.xml><?xml version="1.0" encoding="utf-8"?>
+<file path=ppt/slides/slide42.xml><?xml version="1.0" encoding="utf-8"?>
 <p:sld xmlns:a="http://schemas.openxmlformats.org/drawingml/2006/main" xmlns:r="http://schemas.openxmlformats.org/officeDocument/2006/relationships" xmlns:p="http://schemas.openxmlformats.org/presentationml/2006/main">
   <p:cSld>
     <p:spTree>
@@ -24320,11 +27990,7 @@
           <a:p>
             <a:r>
               <a:rPr lang="en-IN" dirty="0" smtClean="0"/>
-              <a:t>My </a:t>
-            </a:r>
-            <a:r>
-              <a:rPr lang="en-IN" dirty="0" smtClean="0"/>
-              <a:t>Courses – add course</a:t>
+              <a:t>My Courses – add course</a:t>
             </a:r>
             <a:endParaRPr lang="en-IN" dirty="0"/>
           </a:p>
@@ -24619,11 +28285,6 @@
                         </a:rPr>
                         <a:t>Software </a:t>
                       </a:r>
-                      <a:endParaRPr lang="en-IN" dirty="0" smtClean="0">
-                        <a:solidFill>
-                          <a:schemeClr val="bg1"/>
-                        </a:solidFill>
-                      </a:endParaRPr>
                     </a:p>
                     <a:p>
                       <a:r>
@@ -24634,11 +28295,6 @@
                         </a:rPr>
                         <a:t>Engineering</a:t>
                       </a:r>
-                      <a:endParaRPr lang="en-IN" dirty="0" smtClean="0">
-                        <a:solidFill>
-                          <a:schemeClr val="bg1"/>
-                        </a:solidFill>
-                      </a:endParaRPr>
                     </a:p>
                     <a:p>
                       <a:r>
@@ -24764,11 +28420,7 @@
           <a:p>
             <a:r>
               <a:rPr lang="en-IN" dirty="0" smtClean="0"/>
-              <a:t>Course code</a:t>
-            </a:r>
-            <a:r>
-              <a:rPr lang="en-IN" dirty="0" smtClean="0"/>
-              <a:t>:</a:t>
+              <a:t>Course code:</a:t>
             </a:r>
           </a:p>
           <a:p>
@@ -24928,7 +28580,7 @@
 </p:sld>
 </file>
 
-<file path=ppt/slides/slide39.xml><?xml version="1.0" encoding="utf-8"?>
+<file path=ppt/slides/slide43.xml><?xml version="1.0" encoding="utf-8"?>
 <p:sld xmlns:a="http://schemas.openxmlformats.org/drawingml/2006/main" xmlns:r="http://schemas.openxmlformats.org/officeDocument/2006/relationships" xmlns:p="http://schemas.openxmlformats.org/presentationml/2006/main">
   <p:cSld>
     <p:spTree>
@@ -25569,763 +29221,6 @@
 </p:sld>
 </file>
 
-<file path=ppt/slides/slide4.xml><?xml version="1.0" encoding="utf-8"?>
-<p:sld xmlns:a="http://schemas.openxmlformats.org/drawingml/2006/main" xmlns:r="http://schemas.openxmlformats.org/officeDocument/2006/relationships" xmlns:p="http://schemas.openxmlformats.org/presentationml/2006/main">
-  <p:cSld>
-    <p:spTree>
-      <p:nvGrpSpPr>
-        <p:cNvPr id="1" name=""/>
-        <p:cNvGrpSpPr/>
-        <p:nvPr/>
-      </p:nvGrpSpPr>
-      <p:grpSpPr>
-        <a:xfrm>
-          <a:off x="0" y="0"/>
-          <a:ext cx="0" cy="0"/>
-          <a:chOff x="0" y="0"/>
-          <a:chExt cx="0" cy="0"/>
-        </a:xfrm>
-      </p:grpSpPr>
-      <p:sp>
-        <p:nvSpPr>
-          <p:cNvPr id="2" name="Title 1"/>
-          <p:cNvSpPr>
-            <a:spLocks noGrp="1"/>
-          </p:cNvSpPr>
-          <p:nvPr>
-            <p:ph type="title"/>
-          </p:nvPr>
-        </p:nvSpPr>
-        <p:spPr/>
-        <p:txBody>
-          <a:bodyPr/>
-          <a:lstStyle/>
-          <a:p>
-            <a:r>
-              <a:rPr lang="en-IN" dirty="0" smtClean="0"/>
-              <a:t>Login prompt – home page without login</a:t>
-            </a:r>
-            <a:endParaRPr lang="en-IN" dirty="0"/>
-          </a:p>
-        </p:txBody>
-      </p:sp>
-      <p:sp>
-        <p:nvSpPr>
-          <p:cNvPr id="4" name="Rectangle 3"/>
-          <p:cNvSpPr/>
-          <p:nvPr/>
-        </p:nvSpPr>
-        <p:spPr>
-          <a:xfrm>
-            <a:off x="4121237" y="794441"/>
-            <a:ext cx="3966693" cy="5902573"/>
-          </a:xfrm>
-          <a:prstGeom prst="rect">
-            <a:avLst/>
-          </a:prstGeom>
-        </p:spPr>
-        <p:style>
-          <a:lnRef idx="2">
-            <a:schemeClr val="accent6"/>
-          </a:lnRef>
-          <a:fillRef idx="1">
-            <a:schemeClr val="lt1"/>
-          </a:fillRef>
-          <a:effectRef idx="0">
-            <a:schemeClr val="accent6"/>
-          </a:effectRef>
-          <a:fontRef idx="minor">
-            <a:schemeClr val="dk1"/>
-          </a:fontRef>
-        </p:style>
-        <p:txBody>
-          <a:bodyPr rtlCol="0" anchor="ctr"/>
-          <a:lstStyle/>
-          <a:p>
-            <a:pPr algn="ctr"/>
-            <a:endParaRPr lang="en-IN">
-              <a:latin typeface="Calibri" panose="020F0502020204030204" pitchFamily="34" charset="0"/>
-            </a:endParaRPr>
-          </a:p>
-        </p:txBody>
-      </p:sp>
-      <p:sp>
-        <p:nvSpPr>
-          <p:cNvPr id="5" name="Rectangle 4"/>
-          <p:cNvSpPr/>
-          <p:nvPr/>
-        </p:nvSpPr>
-        <p:spPr>
-          <a:xfrm>
-            <a:off x="4752300" y="2544903"/>
-            <a:ext cx="2730325" cy="309093"/>
-          </a:xfrm>
-          <a:prstGeom prst="rect">
-            <a:avLst/>
-          </a:prstGeom>
-        </p:spPr>
-        <p:style>
-          <a:lnRef idx="2">
-            <a:schemeClr val="accent6"/>
-          </a:lnRef>
-          <a:fillRef idx="1">
-            <a:schemeClr val="lt1"/>
-          </a:fillRef>
-          <a:effectRef idx="0">
-            <a:schemeClr val="accent6"/>
-          </a:effectRef>
-          <a:fontRef idx="minor">
-            <a:schemeClr val="dk1"/>
-          </a:fontRef>
-        </p:style>
-        <p:txBody>
-          <a:bodyPr rtlCol="0" anchor="ctr"/>
-          <a:lstStyle/>
-          <a:p>
-            <a:r>
-              <a:rPr lang="en-IN" smtClean="0">
-                <a:latin typeface="Calibri" panose="020F0502020204030204" pitchFamily="34" charset="0"/>
-              </a:rPr>
-              <a:t>abc@gmail.com</a:t>
-            </a:r>
-            <a:endParaRPr lang="en-IN">
-              <a:latin typeface="Calibri" panose="020F0502020204030204" pitchFamily="34" charset="0"/>
-            </a:endParaRPr>
-          </a:p>
-        </p:txBody>
-      </p:sp>
-      <p:sp>
-        <p:nvSpPr>
-          <p:cNvPr id="6" name="Rectangle 5"/>
-          <p:cNvSpPr/>
-          <p:nvPr/>
-        </p:nvSpPr>
-        <p:spPr>
-          <a:xfrm>
-            <a:off x="4711505" y="2223301"/>
-            <a:ext cx="1970468" cy="309093"/>
-          </a:xfrm>
-          <a:prstGeom prst="rect">
-            <a:avLst/>
-          </a:prstGeom>
-          <a:noFill/>
-          <a:ln>
-            <a:noFill/>
-          </a:ln>
-        </p:spPr>
-        <p:style>
-          <a:lnRef idx="2">
-            <a:schemeClr val="dk1"/>
-          </a:lnRef>
-          <a:fillRef idx="1">
-            <a:schemeClr val="lt1"/>
-          </a:fillRef>
-          <a:effectRef idx="0">
-            <a:schemeClr val="dk1"/>
-          </a:effectRef>
-          <a:fontRef idx="minor">
-            <a:schemeClr val="dk1"/>
-          </a:fontRef>
-        </p:style>
-        <p:txBody>
-          <a:bodyPr rtlCol="0" anchor="ctr"/>
-          <a:lstStyle/>
-          <a:p>
-            <a:r>
-              <a:rPr lang="en-IN" smtClean="0">
-                <a:latin typeface="Calibri" panose="020F0502020204030204" pitchFamily="34" charset="0"/>
-              </a:rPr>
-              <a:t>Email id:</a:t>
-            </a:r>
-            <a:endParaRPr lang="en-IN">
-              <a:latin typeface="Calibri" panose="020F0502020204030204" pitchFamily="34" charset="0"/>
-            </a:endParaRPr>
-          </a:p>
-        </p:txBody>
-      </p:sp>
-      <p:sp>
-        <p:nvSpPr>
-          <p:cNvPr id="7" name="Rectangle 6"/>
-          <p:cNvSpPr/>
-          <p:nvPr/>
-        </p:nvSpPr>
-        <p:spPr>
-          <a:xfrm>
-            <a:off x="4121237" y="794441"/>
-            <a:ext cx="3966693" cy="441931"/>
-          </a:xfrm>
-          <a:prstGeom prst="rect">
-            <a:avLst/>
-          </a:prstGeom>
-          <a:ln/>
-        </p:spPr>
-        <p:style>
-          <a:lnRef idx="2">
-            <a:schemeClr val="accent4">
-              <a:shade val="50000"/>
-            </a:schemeClr>
-          </a:lnRef>
-          <a:fillRef idx="1">
-            <a:schemeClr val="accent4"/>
-          </a:fillRef>
-          <a:effectRef idx="0">
-            <a:schemeClr val="accent4"/>
-          </a:effectRef>
-          <a:fontRef idx="minor">
-            <a:schemeClr val="lt1"/>
-          </a:fontRef>
-        </p:style>
-        <p:txBody>
-          <a:bodyPr rtlCol="0" anchor="ctr"/>
-          <a:lstStyle/>
-          <a:p>
-            <a:r>
-              <a:rPr lang="en-IN" dirty="0" smtClean="0">
-                <a:solidFill>
-                  <a:schemeClr val="bg1"/>
-                </a:solidFill>
-                <a:latin typeface="Calibri" panose="020F0502020204030204" pitchFamily="34" charset="0"/>
-              </a:rPr>
-              <a:t>Attendance: Login			:</a:t>
-            </a:r>
-            <a:endParaRPr lang="en-IN" dirty="0">
-              <a:solidFill>
-                <a:schemeClr val="bg1"/>
-              </a:solidFill>
-              <a:latin typeface="Calibri" panose="020F0502020204030204" pitchFamily="34" charset="0"/>
-            </a:endParaRPr>
-          </a:p>
-        </p:txBody>
-      </p:sp>
-      <p:sp>
-        <p:nvSpPr>
-          <p:cNvPr id="8" name="Rounded Rectangle 7"/>
-          <p:cNvSpPr/>
-          <p:nvPr/>
-        </p:nvSpPr>
-        <p:spPr>
-          <a:xfrm>
-            <a:off x="5097887" y="4035871"/>
-            <a:ext cx="811366" cy="425487"/>
-          </a:xfrm>
-          <a:prstGeom prst="roundRect">
-            <a:avLst/>
-          </a:prstGeom>
-        </p:spPr>
-        <p:style>
-          <a:lnRef idx="2">
-            <a:schemeClr val="accent4">
-              <a:shade val="50000"/>
-            </a:schemeClr>
-          </a:lnRef>
-          <a:fillRef idx="1">
-            <a:schemeClr val="accent4"/>
-          </a:fillRef>
-          <a:effectRef idx="0">
-            <a:schemeClr val="accent4"/>
-          </a:effectRef>
-          <a:fontRef idx="minor">
-            <a:schemeClr val="lt1"/>
-          </a:fontRef>
-        </p:style>
-        <p:txBody>
-          <a:bodyPr rtlCol="0" anchor="ctr"/>
-          <a:lstStyle/>
-          <a:p>
-            <a:pPr algn="ctr"/>
-            <a:r>
-              <a:rPr lang="en-IN" sz="1500" smtClean="0">
-                <a:latin typeface="Calibri" panose="020F0502020204030204" pitchFamily="34" charset="0"/>
-              </a:rPr>
-              <a:t>Login</a:t>
-            </a:r>
-            <a:endParaRPr lang="en-IN" sz="1500">
-              <a:latin typeface="Calibri" panose="020F0502020204030204" pitchFamily="34" charset="0"/>
-            </a:endParaRPr>
-          </a:p>
-        </p:txBody>
-      </p:sp>
-      <p:sp>
-        <p:nvSpPr>
-          <p:cNvPr id="9" name="Rectangle 8"/>
-          <p:cNvSpPr/>
-          <p:nvPr/>
-        </p:nvSpPr>
-        <p:spPr>
-          <a:xfrm>
-            <a:off x="4797374" y="3318924"/>
-            <a:ext cx="2685251" cy="309093"/>
-          </a:xfrm>
-          <a:prstGeom prst="rect">
-            <a:avLst/>
-          </a:prstGeom>
-        </p:spPr>
-        <p:style>
-          <a:lnRef idx="2">
-            <a:schemeClr val="accent6"/>
-          </a:lnRef>
-          <a:fillRef idx="1">
-            <a:schemeClr val="lt1"/>
-          </a:fillRef>
-          <a:effectRef idx="0">
-            <a:schemeClr val="accent6"/>
-          </a:effectRef>
-          <a:fontRef idx="minor">
-            <a:schemeClr val="dk1"/>
-          </a:fontRef>
-        </p:style>
-        <p:txBody>
-          <a:bodyPr rtlCol="0" anchor="ctr"/>
-          <a:lstStyle/>
-          <a:p>
-            <a:r>
-              <a:rPr lang="en-IN" smtClean="0">
-                <a:latin typeface="Calibri" panose="020F0502020204030204" pitchFamily="34" charset="0"/>
-              </a:rPr>
-              <a:t>*******</a:t>
-            </a:r>
-            <a:endParaRPr lang="en-IN">
-              <a:latin typeface="Calibri" panose="020F0502020204030204" pitchFamily="34" charset="0"/>
-            </a:endParaRPr>
-          </a:p>
-        </p:txBody>
-      </p:sp>
-      <p:sp>
-        <p:nvSpPr>
-          <p:cNvPr id="10" name="Rectangle 9"/>
-          <p:cNvSpPr/>
-          <p:nvPr/>
-        </p:nvSpPr>
-        <p:spPr>
-          <a:xfrm>
-            <a:off x="4730830" y="3009831"/>
-            <a:ext cx="1970468" cy="309093"/>
-          </a:xfrm>
-          <a:prstGeom prst="rect">
-            <a:avLst/>
-          </a:prstGeom>
-          <a:noFill/>
-          <a:ln>
-            <a:noFill/>
-          </a:ln>
-        </p:spPr>
-        <p:style>
-          <a:lnRef idx="2">
-            <a:schemeClr val="dk1"/>
-          </a:lnRef>
-          <a:fillRef idx="1">
-            <a:schemeClr val="lt1"/>
-          </a:fillRef>
-          <a:effectRef idx="0">
-            <a:schemeClr val="dk1"/>
-          </a:effectRef>
-          <a:fontRef idx="minor">
-            <a:schemeClr val="dk1"/>
-          </a:fontRef>
-        </p:style>
-        <p:txBody>
-          <a:bodyPr rtlCol="0" anchor="ctr"/>
-          <a:lstStyle/>
-          <a:p>
-            <a:r>
-              <a:rPr lang="en-IN" smtClean="0">
-                <a:latin typeface="Calibri" panose="020F0502020204030204" pitchFamily="34" charset="0"/>
-              </a:rPr>
-              <a:t>Password:</a:t>
-            </a:r>
-            <a:endParaRPr lang="en-IN">
-              <a:latin typeface="Calibri" panose="020F0502020204030204" pitchFamily="34" charset="0"/>
-            </a:endParaRPr>
-          </a:p>
-        </p:txBody>
-      </p:sp>
-      <p:sp>
-        <p:nvSpPr>
-          <p:cNvPr id="11" name="Rounded Rectangle 10"/>
-          <p:cNvSpPr/>
-          <p:nvPr/>
-        </p:nvSpPr>
-        <p:spPr>
-          <a:xfrm>
-            <a:off x="6129270" y="4035871"/>
-            <a:ext cx="811366" cy="425487"/>
-          </a:xfrm>
-          <a:prstGeom prst="roundRect">
-            <a:avLst/>
-          </a:prstGeom>
-        </p:spPr>
-        <p:style>
-          <a:lnRef idx="2">
-            <a:schemeClr val="accent4">
-              <a:shade val="50000"/>
-            </a:schemeClr>
-          </a:lnRef>
-          <a:fillRef idx="1">
-            <a:schemeClr val="accent4"/>
-          </a:fillRef>
-          <a:effectRef idx="0">
-            <a:schemeClr val="accent4"/>
-          </a:effectRef>
-          <a:fontRef idx="minor">
-            <a:schemeClr val="lt1"/>
-          </a:fontRef>
-        </p:style>
-        <p:txBody>
-          <a:bodyPr rtlCol="0" anchor="ctr"/>
-          <a:lstStyle/>
-          <a:p>
-            <a:pPr algn="ctr"/>
-            <a:r>
-              <a:rPr lang="en-IN" sz="1500" smtClean="0">
-                <a:latin typeface="Calibri" panose="020F0502020204030204" pitchFamily="34" charset="0"/>
-              </a:rPr>
-              <a:t>Cancel</a:t>
-            </a:r>
-            <a:endParaRPr lang="en-IN" sz="1500">
-              <a:latin typeface="Calibri" panose="020F0502020204030204" pitchFamily="34" charset="0"/>
-            </a:endParaRPr>
-          </a:p>
-        </p:txBody>
-      </p:sp>
-      <p:sp>
-        <p:nvSpPr>
-          <p:cNvPr id="12" name="TextBox 11"/>
-          <p:cNvSpPr txBox="1"/>
-          <p:nvPr/>
-        </p:nvSpPr>
-        <p:spPr>
-          <a:xfrm>
-            <a:off x="5213798" y="4546242"/>
-            <a:ext cx="2268827" cy="1077218"/>
-          </a:xfrm>
-          <a:prstGeom prst="rect">
-            <a:avLst/>
-          </a:prstGeom>
-          <a:noFill/>
-        </p:spPr>
-        <p:txBody>
-          <a:bodyPr wrap="square" rtlCol="0">
-            <a:spAutoFit/>
-          </a:bodyPr>
-          <a:lstStyle/>
-          <a:p>
-            <a:endParaRPr lang="en-IN" sz="1600" u="sng" dirty="0" smtClean="0">
-              <a:solidFill>
-                <a:srgbClr val="0070C0"/>
-              </a:solidFill>
-              <a:latin typeface="Calibri" panose="020F0502020204030204" pitchFamily="34" charset="0"/>
-            </a:endParaRPr>
-          </a:p>
-          <a:p>
-            <a:r>
-              <a:rPr lang="en-IN" sz="1600" u="sng" dirty="0" smtClean="0">
-                <a:solidFill>
-                  <a:srgbClr val="0070C0"/>
-                </a:solidFill>
-                <a:latin typeface="Calibri" panose="020F0502020204030204" pitchFamily="34" charset="0"/>
-              </a:rPr>
-              <a:t>Forgot Password?</a:t>
-            </a:r>
-          </a:p>
-          <a:p>
-            <a:endParaRPr lang="en-IN" sz="1600" u="sng" dirty="0" smtClean="0">
-              <a:solidFill>
-                <a:srgbClr val="0070C0"/>
-              </a:solidFill>
-              <a:latin typeface="Calibri" panose="020F0502020204030204" pitchFamily="34" charset="0"/>
-            </a:endParaRPr>
-          </a:p>
-          <a:p>
-            <a:r>
-              <a:rPr lang="en-IN" sz="1600" u="sng" dirty="0" smtClean="0">
-                <a:solidFill>
-                  <a:srgbClr val="0070C0"/>
-                </a:solidFill>
-                <a:latin typeface="Calibri" panose="020F0502020204030204" pitchFamily="34" charset="0"/>
-              </a:rPr>
-              <a:t>New User?</a:t>
-            </a:r>
-            <a:endParaRPr lang="en-IN" sz="1600" u="sng" dirty="0">
-              <a:solidFill>
-                <a:srgbClr val="0070C0"/>
-              </a:solidFill>
-              <a:latin typeface="Calibri" panose="020F0502020204030204" pitchFamily="34" charset="0"/>
-            </a:endParaRPr>
-          </a:p>
-        </p:txBody>
-      </p:sp>
-      <p:cxnSp>
-        <p:nvCxnSpPr>
-          <p:cNvPr id="14" name="Straight Arrow Connector 13"/>
-          <p:cNvCxnSpPr/>
-          <p:nvPr/>
-        </p:nvCxnSpPr>
-        <p:spPr>
-          <a:xfrm>
-            <a:off x="7482625" y="2544903"/>
-            <a:ext cx="1493950" cy="0"/>
-          </a:xfrm>
-          <a:prstGeom prst="straightConnector1">
-            <a:avLst/>
-          </a:prstGeom>
-          <a:ln>
-            <a:tailEnd type="triangle"/>
-          </a:ln>
-        </p:spPr>
-        <p:style>
-          <a:lnRef idx="1">
-            <a:schemeClr val="dk1"/>
-          </a:lnRef>
-          <a:fillRef idx="0">
-            <a:schemeClr val="dk1"/>
-          </a:fillRef>
-          <a:effectRef idx="0">
-            <a:schemeClr val="dk1"/>
-          </a:effectRef>
-          <a:fontRef idx="minor">
-            <a:schemeClr val="tx1"/>
-          </a:fontRef>
-        </p:style>
-      </p:cxnSp>
-      <p:sp>
-        <p:nvSpPr>
-          <p:cNvPr id="15" name="TextBox 14"/>
-          <p:cNvSpPr txBox="1"/>
-          <p:nvPr/>
-        </p:nvSpPr>
-        <p:spPr>
-          <a:xfrm>
-            <a:off x="9131122" y="2244315"/>
-            <a:ext cx="2717442" cy="646331"/>
-          </a:xfrm>
-          <a:prstGeom prst="rect">
-            <a:avLst/>
-          </a:prstGeom>
-          <a:noFill/>
-        </p:spPr>
-        <p:txBody>
-          <a:bodyPr wrap="square" rtlCol="0">
-            <a:spAutoFit/>
-          </a:bodyPr>
-          <a:lstStyle/>
-          <a:p>
-            <a:r>
-              <a:rPr lang="en-IN" smtClean="0"/>
-              <a:t>Required field, email id format validation</a:t>
-            </a:r>
-            <a:endParaRPr lang="en-IN"/>
-          </a:p>
-        </p:txBody>
-      </p:sp>
-      <p:cxnSp>
-        <p:nvCxnSpPr>
-          <p:cNvPr id="16" name="Straight Arrow Connector 15"/>
-          <p:cNvCxnSpPr/>
-          <p:nvPr/>
-        </p:nvCxnSpPr>
-        <p:spPr>
-          <a:xfrm>
-            <a:off x="7482625" y="3427573"/>
-            <a:ext cx="1493950" cy="0"/>
-          </a:xfrm>
-          <a:prstGeom prst="straightConnector1">
-            <a:avLst/>
-          </a:prstGeom>
-          <a:ln>
-            <a:tailEnd type="triangle"/>
-          </a:ln>
-        </p:spPr>
-        <p:style>
-          <a:lnRef idx="1">
-            <a:schemeClr val="dk1"/>
-          </a:lnRef>
-          <a:fillRef idx="0">
-            <a:schemeClr val="dk1"/>
-          </a:fillRef>
-          <a:effectRef idx="0">
-            <a:schemeClr val="dk1"/>
-          </a:effectRef>
-          <a:fontRef idx="minor">
-            <a:schemeClr val="tx1"/>
-          </a:fontRef>
-        </p:style>
-      </p:cxnSp>
-      <p:sp>
-        <p:nvSpPr>
-          <p:cNvPr id="17" name="TextBox 16"/>
-          <p:cNvSpPr txBox="1"/>
-          <p:nvPr/>
-        </p:nvSpPr>
-        <p:spPr>
-          <a:xfrm>
-            <a:off x="9131122" y="3164377"/>
-            <a:ext cx="2717442" cy="369332"/>
-          </a:xfrm>
-          <a:prstGeom prst="rect">
-            <a:avLst/>
-          </a:prstGeom>
-          <a:noFill/>
-        </p:spPr>
-        <p:txBody>
-          <a:bodyPr wrap="square" rtlCol="0">
-            <a:spAutoFit/>
-          </a:bodyPr>
-          <a:lstStyle/>
-          <a:p>
-            <a:r>
-              <a:rPr lang="en-IN" smtClean="0"/>
-              <a:t>Required field</a:t>
-            </a:r>
-            <a:endParaRPr lang="en-IN"/>
-          </a:p>
-        </p:txBody>
-      </p:sp>
-      <p:cxnSp>
-        <p:nvCxnSpPr>
-          <p:cNvPr id="18" name="Straight Arrow Connector 17"/>
-          <p:cNvCxnSpPr/>
-          <p:nvPr/>
-        </p:nvCxnSpPr>
-        <p:spPr>
-          <a:xfrm>
-            <a:off x="6940636" y="4289382"/>
-            <a:ext cx="1493950" cy="0"/>
-          </a:xfrm>
-          <a:prstGeom prst="straightConnector1">
-            <a:avLst/>
-          </a:prstGeom>
-          <a:ln>
-            <a:tailEnd type="triangle"/>
-          </a:ln>
-        </p:spPr>
-        <p:style>
-          <a:lnRef idx="1">
-            <a:schemeClr val="dk1"/>
-          </a:lnRef>
-          <a:fillRef idx="0">
-            <a:schemeClr val="dk1"/>
-          </a:fillRef>
-          <a:effectRef idx="0">
-            <a:schemeClr val="dk1"/>
-          </a:effectRef>
-          <a:fontRef idx="minor">
-            <a:schemeClr val="tx1"/>
-          </a:fontRef>
-        </p:style>
-      </p:cxnSp>
-      <p:sp>
-        <p:nvSpPr>
-          <p:cNvPr id="19" name="TextBox 18"/>
-          <p:cNvSpPr txBox="1"/>
-          <p:nvPr/>
-        </p:nvSpPr>
-        <p:spPr>
-          <a:xfrm>
-            <a:off x="8589133" y="4026186"/>
-            <a:ext cx="2717442" cy="646331"/>
-          </a:xfrm>
-          <a:prstGeom prst="rect">
-            <a:avLst/>
-          </a:prstGeom>
-          <a:noFill/>
-        </p:spPr>
-        <p:txBody>
-          <a:bodyPr wrap="square" rtlCol="0">
-            <a:spAutoFit/>
-          </a:bodyPr>
-          <a:lstStyle/>
-          <a:p>
-            <a:r>
-              <a:rPr lang="en-IN" smtClean="0"/>
-              <a:t>Goes back to screen from which it came</a:t>
-            </a:r>
-            <a:endParaRPr lang="en-IN"/>
-          </a:p>
-        </p:txBody>
-      </p:sp>
-      <p:cxnSp>
-        <p:nvCxnSpPr>
-          <p:cNvPr id="21" name="Straight Arrow Connector 20"/>
-          <p:cNvCxnSpPr/>
-          <p:nvPr/>
-        </p:nvCxnSpPr>
-        <p:spPr>
-          <a:xfrm flipH="1">
-            <a:off x="3620034" y="4289382"/>
-            <a:ext cx="1698941" cy="428835"/>
-          </a:xfrm>
-          <a:prstGeom prst="straightConnector1">
-            <a:avLst/>
-          </a:prstGeom>
-          <a:ln>
-            <a:tailEnd type="triangle"/>
-          </a:ln>
-        </p:spPr>
-        <p:style>
-          <a:lnRef idx="1">
-            <a:schemeClr val="dk1"/>
-          </a:lnRef>
-          <a:fillRef idx="0">
-            <a:schemeClr val="dk1"/>
-          </a:fillRef>
-          <a:effectRef idx="0">
-            <a:schemeClr val="dk1"/>
-          </a:effectRef>
-          <a:fontRef idx="minor">
-            <a:schemeClr val="tx1"/>
-          </a:fontRef>
-        </p:style>
-      </p:cxnSp>
-      <p:sp>
-        <p:nvSpPr>
-          <p:cNvPr id="22" name="TextBox 21"/>
-          <p:cNvSpPr txBox="1"/>
-          <p:nvPr/>
-        </p:nvSpPr>
-        <p:spPr>
-          <a:xfrm>
-            <a:off x="1183778" y="4461358"/>
-            <a:ext cx="2717442" cy="923330"/>
-          </a:xfrm>
-          <a:prstGeom prst="rect">
-            <a:avLst/>
-          </a:prstGeom>
-          <a:noFill/>
-        </p:spPr>
-        <p:txBody>
-          <a:bodyPr wrap="square" rtlCol="0">
-            <a:spAutoFit/>
-          </a:bodyPr>
-          <a:lstStyle/>
-          <a:p>
-            <a:r>
-              <a:rPr lang="en-IN" smtClean="0"/>
-              <a:t>After login, it goes back to the screen from which it came here</a:t>
-            </a:r>
-            <a:endParaRPr lang="en-IN"/>
-          </a:p>
-        </p:txBody>
-      </p:sp>
-    </p:spTree>
-    <p:extLst>
-      <p:ext uri="{BB962C8B-B14F-4D97-AF65-F5344CB8AC3E}">
-        <p14:creationId xmlns:p14="http://schemas.microsoft.com/office/powerpoint/2010/main" val="4171248633"/>
-      </p:ext>
-    </p:extLst>
-  </p:cSld>
-  <p:clrMapOvr>
-    <a:masterClrMapping/>
-  </p:clrMapOvr>
-  <p:timing>
-    <p:tnLst>
-      <p:par>
-        <p:cTn id="1" dur="indefinite" restart="never" nodeType="tmRoot"/>
-      </p:par>
-    </p:tnLst>
-  </p:timing>
-</p:sld>
-</file>
-
 <file path=ppt/slides/slide5.xml><?xml version="1.0" encoding="utf-8"?>
 <p:sld xmlns:a="http://schemas.openxmlformats.org/drawingml/2006/main" xmlns:r="http://schemas.openxmlformats.org/officeDocument/2006/relationships" xmlns:p="http://schemas.openxmlformats.org/presentationml/2006/main">
   <p:cSld>
@@ -26492,13 +29387,7 @@
               <a:rPr lang="en-IN" dirty="0" smtClean="0">
                 <a:latin typeface="Calibri" panose="020F0502020204030204" pitchFamily="34" charset="0"/>
               </a:rPr>
-              <a:t>Email id to send </a:t>
-            </a:r>
-            <a:r>
-              <a:rPr lang="en-IN" dirty="0" smtClean="0">
-                <a:latin typeface="Calibri" panose="020F0502020204030204" pitchFamily="34" charset="0"/>
-              </a:rPr>
-              <a:t>code of to reset password:</a:t>
+              <a:t>Email id to send code of to reset password:</a:t>
             </a:r>
             <a:endParaRPr lang="en-IN" dirty="0">
               <a:latin typeface="Calibri" panose="020F0502020204030204" pitchFamily="34" charset="0"/>
@@ -26703,7 +29592,12 @@
             <p:ph type="title"/>
           </p:nvPr>
         </p:nvSpPr>
-        <p:spPr/>
+        <p:spPr>
+          <a:xfrm>
+            <a:off x="0" y="-88488"/>
+            <a:ext cx="11267768" cy="970450"/>
+          </a:xfrm>
+        </p:spPr>
         <p:txBody>
           <a:bodyPr>
             <a:normAutofit fontScale="90000"/>
@@ -26712,11 +29606,7 @@
           <a:p>
             <a:r>
               <a:rPr lang="en-IN" dirty="0" smtClean="0"/>
-              <a:t>Forgot password-recovery, after </a:t>
-            </a:r>
-            <a:r>
-              <a:rPr lang="en-IN" dirty="0" smtClean="0"/>
-              <a:t>checking email code</a:t>
+              <a:t>Forgot password-recovery, after checking email code</a:t>
             </a:r>
             <a:endParaRPr lang="en-IN" dirty="0"/>
           </a:p>
@@ -27340,11 +30230,7 @@
           <a:p>
             <a:r>
               <a:rPr lang="en-IN" dirty="0" smtClean="0"/>
-              <a:t>Forgot password-recovery, after </a:t>
-            </a:r>
-            <a:r>
-              <a:rPr lang="en-IN" dirty="0" smtClean="0"/>
-              <a:t>giving correct code</a:t>
+              <a:t>Forgot password-recovery, after giving correct code</a:t>
             </a:r>
             <a:endParaRPr lang="en-IN" dirty="0"/>
           </a:p>
@@ -27358,7 +30244,7 @@
         </p:nvSpPr>
         <p:spPr>
           <a:xfrm>
-            <a:off x="4121237" y="794441"/>
+            <a:off x="4121237" y="897677"/>
             <a:ext cx="3966693" cy="5902573"/>
           </a:xfrm>
           <a:prstGeom prst="rect">
@@ -27492,7 +30378,7 @@
         </p:nvSpPr>
         <p:spPr>
           <a:xfrm>
-            <a:off x="4121237" y="794441"/>
+            <a:off x="4121237" y="897677"/>
             <a:ext cx="3966693" cy="441931"/>
           </a:xfrm>
           <a:prstGeom prst="rect">
@@ -27777,12 +30663,14 @@
         </p:nvSpPr>
         <p:spPr/>
         <p:txBody>
-          <a:bodyPr/>
+          <a:bodyPr>
+            <a:normAutofit/>
+          </a:bodyPr>
           <a:lstStyle/>
           <a:p>
             <a:r>
               <a:rPr lang="en-IN" dirty="0" smtClean="0"/>
-              <a:t>New user?</a:t>
+              <a:t>Change password</a:t>
             </a:r>
             <a:endParaRPr lang="en-IN" dirty="0"/>
           </a:p>
@@ -27790,7 +30678,7 @@
       </p:sp>
       <p:sp>
         <p:nvSpPr>
-          <p:cNvPr id="14" name="Rectangle 13"/>
+          <p:cNvPr id="4" name="Rectangle 3"/>
           <p:cNvSpPr/>
           <p:nvPr/>
         </p:nvSpPr>
@@ -27822,7 +30710,7 @@
           <a:lstStyle/>
           <a:p>
             <a:pPr algn="ctr"/>
-            <a:endParaRPr lang="en-IN" dirty="0">
+            <a:endParaRPr lang="en-IN">
               <a:latin typeface="Calibri" panose="020F0502020204030204" pitchFamily="34" charset="0"/>
             </a:endParaRPr>
           </a:p>
@@ -27830,14 +30718,14 @@
       </p:sp>
       <p:sp>
         <p:nvSpPr>
-          <p:cNvPr id="15" name="Rectangle 14"/>
+          <p:cNvPr id="5" name="Rectangle 4"/>
           <p:cNvSpPr/>
           <p:nvPr/>
         </p:nvSpPr>
         <p:spPr>
           <a:xfrm>
-            <a:off x="4346617" y="2581853"/>
-            <a:ext cx="3367828" cy="309093"/>
+            <a:off x="4752300" y="2644839"/>
+            <a:ext cx="2730325" cy="309093"/>
           </a:xfrm>
           <a:prstGeom prst="rect">
             <a:avLst/>
@@ -27865,7 +30753,7 @@
               <a:rPr lang="en-IN" smtClean="0">
                 <a:latin typeface="Calibri" panose="020F0502020204030204" pitchFamily="34" charset="0"/>
               </a:rPr>
-              <a:t>abc@gmail.com</a:t>
+              <a:t>******</a:t>
             </a:r>
             <a:endParaRPr lang="en-IN">
               <a:latin typeface="Calibri" panose="020F0502020204030204" pitchFamily="34" charset="0"/>
@@ -27875,14 +30763,14 @@
       </p:sp>
       <p:sp>
         <p:nvSpPr>
-          <p:cNvPr id="16" name="Rectangle 15"/>
+          <p:cNvPr id="6" name="Rectangle 5"/>
           <p:cNvSpPr/>
           <p:nvPr/>
         </p:nvSpPr>
         <p:spPr>
           <a:xfrm>
-            <a:off x="4254322" y="2208636"/>
-            <a:ext cx="1970468" cy="309093"/>
+            <a:off x="4711504" y="2134049"/>
+            <a:ext cx="3149605" cy="501581"/>
           </a:xfrm>
           <a:prstGeom prst="rect">
             <a:avLst/>
@@ -27911,21 +30799,12 @@
           <a:lstStyle/>
           <a:p>
             <a:r>
-              <a:rPr lang="en-IN" smtClean="0">
+              <a:rPr lang="en-IN" dirty="0" smtClean="0">
                 <a:latin typeface="Calibri" panose="020F0502020204030204" pitchFamily="34" charset="0"/>
               </a:rPr>
-              <a:t>Email id: </a:t>
-            </a:r>
-            <a:r>
-              <a:rPr lang="en-IN" smtClean="0">
-                <a:solidFill>
-                  <a:srgbClr val="FF0000"/>
-                </a:solidFill>
-                <a:latin typeface="Calibri" panose="020F0502020204030204" pitchFamily="34" charset="0"/>
-              </a:rPr>
-              <a:t>*</a:t>
-            </a:r>
-            <a:endParaRPr lang="en-IN">
+              <a:t>New password:</a:t>
+            </a:r>
+            <a:endParaRPr lang="en-IN" dirty="0">
               <a:latin typeface="Calibri" panose="020F0502020204030204" pitchFamily="34" charset="0"/>
             </a:endParaRPr>
           </a:p>
@@ -27933,7 +30812,7 @@
       </p:sp>
       <p:sp>
         <p:nvSpPr>
-          <p:cNvPr id="17" name="Rectangle 16"/>
+          <p:cNvPr id="7" name="Rectangle 6"/>
           <p:cNvSpPr/>
           <p:nvPr/>
         </p:nvSpPr>
@@ -27967,7 +30846,6 @@
           <a:bodyPr rtlCol="0" anchor="ctr"/>
           <a:lstStyle/>
           <a:p>
-            <a:pPr algn="ctr"/>
             <a:r>
               <a:rPr lang="en-IN" dirty="0" smtClean="0">
                 <a:solidFill>
@@ -27975,7 +30853,7 @@
                 </a:solidFill>
                 <a:latin typeface="Calibri" panose="020F0502020204030204" pitchFamily="34" charset="0"/>
               </a:rPr>
-              <a:t>Attendance: Register		:</a:t>
+              <a:t> Attendance: Password recovery</a:t>
             </a:r>
             <a:endParaRPr lang="en-IN" dirty="0">
               <a:solidFill>
@@ -27988,19 +30866,18 @@
       </p:sp>
       <p:sp>
         <p:nvSpPr>
-          <p:cNvPr id="18" name="Rounded Rectangle 17"/>
+          <p:cNvPr id="8" name="Rounded Rectangle 7"/>
           <p:cNvSpPr/>
           <p:nvPr/>
         </p:nvSpPr>
         <p:spPr>
           <a:xfrm>
-            <a:off x="6943302" y="5863494"/>
+            <a:off x="4976797" y="4616084"/>
             <a:ext cx="811366" cy="425487"/>
           </a:xfrm>
           <a:prstGeom prst="roundRect">
             <a:avLst/>
           </a:prstGeom>
-          <a:ln/>
         </p:spPr>
         <p:style>
           <a:lnRef idx="2">
@@ -28024,12 +30901,12 @@
           <a:p>
             <a:pPr algn="ctr"/>
             <a:r>
-              <a:rPr lang="en-IN" sz="1500" smtClean="0">
+              <a:rPr lang="en-IN" smtClean="0">
                 <a:latin typeface="Calibri" panose="020F0502020204030204" pitchFamily="34" charset="0"/>
               </a:rPr>
               <a:t>Ok</a:t>
             </a:r>
-            <a:endParaRPr lang="en-IN" sz="1500">
+            <a:endParaRPr lang="en-IN">
               <a:latin typeface="Calibri" panose="020F0502020204030204" pitchFamily="34" charset="0"/>
             </a:endParaRPr>
           </a:p>
@@ -28037,14 +30914,62 @@
       </p:sp>
       <p:sp>
         <p:nvSpPr>
-          <p:cNvPr id="19" name="Rectangle 18"/>
+          <p:cNvPr id="11" name="Rounded Rectangle 10"/>
           <p:cNvSpPr/>
           <p:nvPr/>
         </p:nvSpPr>
         <p:spPr>
           <a:xfrm>
-            <a:off x="4346616" y="3334619"/>
-            <a:ext cx="3367829" cy="309093"/>
+            <a:off x="6329522" y="4605622"/>
+            <a:ext cx="911936" cy="425487"/>
+          </a:xfrm>
+          <a:prstGeom prst="roundRect">
+            <a:avLst/>
+          </a:prstGeom>
+        </p:spPr>
+        <p:style>
+          <a:lnRef idx="2">
+            <a:schemeClr val="accent4">
+              <a:shade val="50000"/>
+            </a:schemeClr>
+          </a:lnRef>
+          <a:fillRef idx="1">
+            <a:schemeClr val="accent4"/>
+          </a:fillRef>
+          <a:effectRef idx="0">
+            <a:schemeClr val="accent4"/>
+          </a:effectRef>
+          <a:fontRef idx="minor">
+            <a:schemeClr val="lt1"/>
+          </a:fontRef>
+        </p:style>
+        <p:txBody>
+          <a:bodyPr rtlCol="0" anchor="ctr"/>
+          <a:lstStyle/>
+          <a:p>
+            <a:pPr algn="ctr"/>
+            <a:r>
+              <a:rPr lang="en-IN" dirty="0" smtClean="0">
+                <a:latin typeface="Calibri" panose="020F0502020204030204" pitchFamily="34" charset="0"/>
+              </a:rPr>
+              <a:t>Cancel</a:t>
+            </a:r>
+            <a:endParaRPr lang="en-IN" dirty="0">
+              <a:latin typeface="Calibri" panose="020F0502020204030204" pitchFamily="34" charset="0"/>
+            </a:endParaRPr>
+          </a:p>
+        </p:txBody>
+      </p:sp>
+      <p:sp>
+        <p:nvSpPr>
+          <p:cNvPr id="16" name="Rectangle 15"/>
+          <p:cNvSpPr/>
+          <p:nvPr/>
+        </p:nvSpPr>
+        <p:spPr>
+          <a:xfrm>
+            <a:off x="4795516" y="3502523"/>
+            <a:ext cx="2730325" cy="309093"/>
           </a:xfrm>
           <a:prstGeom prst="rect">
             <a:avLst/>
@@ -28072,7 +30997,7 @@
               <a:rPr lang="en-IN" smtClean="0">
                 <a:latin typeface="Calibri" panose="020F0502020204030204" pitchFamily="34" charset="0"/>
               </a:rPr>
-              <a:t>*******</a:t>
+              <a:t>******</a:t>
             </a:r>
             <a:endParaRPr lang="en-IN">
               <a:latin typeface="Calibri" panose="020F0502020204030204" pitchFamily="34" charset="0"/>
@@ -28082,14 +31007,14 @@
       </p:sp>
       <p:sp>
         <p:nvSpPr>
-          <p:cNvPr id="20" name="Rectangle 19"/>
+          <p:cNvPr id="17" name="Rectangle 16"/>
           <p:cNvSpPr/>
           <p:nvPr/>
         </p:nvSpPr>
         <p:spPr>
           <a:xfrm>
-            <a:off x="4254322" y="2955070"/>
-            <a:ext cx="1970468" cy="309093"/>
+            <a:off x="4754720" y="3006481"/>
+            <a:ext cx="3149605" cy="501581"/>
           </a:xfrm>
           <a:prstGeom prst="rect">
             <a:avLst/>
@@ -28121,16 +31046,7 @@
               <a:rPr lang="en-IN" smtClean="0">
                 <a:latin typeface="Calibri" panose="020F0502020204030204" pitchFamily="34" charset="0"/>
               </a:rPr>
-              <a:t>Password: </a:t>
-            </a:r>
-            <a:r>
-              <a:rPr lang="en-IN" smtClean="0">
-                <a:solidFill>
-                  <a:srgbClr val="FF0000"/>
-                </a:solidFill>
-                <a:latin typeface="Calibri" panose="020F0502020204030204" pitchFamily="34" charset="0"/>
-              </a:rPr>
-              <a:t>*</a:t>
+              <a:t>Confirm password:</a:t>
             </a:r>
             <a:endParaRPr lang="en-IN">
               <a:latin typeface="Calibri" panose="020F0502020204030204" pitchFamily="34" charset="0"/>
@@ -28140,14 +31056,14 @@
       </p:sp>
       <p:sp>
         <p:nvSpPr>
-          <p:cNvPr id="23" name="Rectangle 22"/>
+          <p:cNvPr id="12" name="Rectangle 11"/>
           <p:cNvSpPr/>
           <p:nvPr/>
         </p:nvSpPr>
         <p:spPr>
           <a:xfrm>
-            <a:off x="4370226" y="4066572"/>
-            <a:ext cx="3344219" cy="309093"/>
+            <a:off x="4752300" y="1843955"/>
+            <a:ext cx="2730325" cy="309093"/>
           </a:xfrm>
           <a:prstGeom prst="rect">
             <a:avLst/>
@@ -28175,7 +31091,7 @@
               <a:rPr lang="en-IN" smtClean="0">
                 <a:latin typeface="Calibri" panose="020F0502020204030204" pitchFamily="34" charset="0"/>
               </a:rPr>
-              <a:t>*******</a:t>
+              <a:t>******</a:t>
             </a:r>
             <a:endParaRPr lang="en-IN">
               <a:latin typeface="Calibri" panose="020F0502020204030204" pitchFamily="34" charset="0"/>
@@ -28185,14 +31101,14 @@
       </p:sp>
       <p:sp>
         <p:nvSpPr>
-          <p:cNvPr id="24" name="Rectangle 23"/>
+          <p:cNvPr id="13" name="Rectangle 12"/>
           <p:cNvSpPr/>
           <p:nvPr/>
         </p:nvSpPr>
         <p:spPr>
           <a:xfrm>
-            <a:off x="4277931" y="3687023"/>
-            <a:ext cx="2161505" cy="309093"/>
+            <a:off x="4711504" y="1288921"/>
+            <a:ext cx="3149605" cy="501581"/>
           </a:xfrm>
           <a:prstGeom prst="rect">
             <a:avLst/>
@@ -28224,16 +31140,13 @@
               <a:rPr lang="en-IN" dirty="0" smtClean="0">
                 <a:latin typeface="Calibri" panose="020F0502020204030204" pitchFamily="34" charset="0"/>
               </a:rPr>
-              <a:t>Confirm Password: </a:t>
+              <a:t>Old password</a:t>
             </a:r>
             <a:r>
               <a:rPr lang="en-IN" dirty="0" smtClean="0">
-                <a:solidFill>
-                  <a:srgbClr val="FF0000"/>
-                </a:solidFill>
                 <a:latin typeface="Calibri" panose="020F0502020204030204" pitchFamily="34" charset="0"/>
               </a:rPr>
-              <a:t>*</a:t>
+              <a:t>:</a:t>
             </a:r>
             <a:endParaRPr lang="en-IN" dirty="0">
               <a:latin typeface="Calibri" panose="020F0502020204030204" pitchFamily="34" charset="0"/>
@@ -28241,471 +31154,10 @@
           </a:p>
         </p:txBody>
       </p:sp>
-      <p:sp>
-        <p:nvSpPr>
-          <p:cNvPr id="25" name="Rectangle 24"/>
-          <p:cNvSpPr/>
-          <p:nvPr/>
-        </p:nvSpPr>
-        <p:spPr>
-          <a:xfrm>
-            <a:off x="4344469" y="1877322"/>
-            <a:ext cx="3367828" cy="309093"/>
-          </a:xfrm>
-          <a:prstGeom prst="rect">
-            <a:avLst/>
-          </a:prstGeom>
-        </p:spPr>
-        <p:style>
-          <a:lnRef idx="2">
-            <a:schemeClr val="accent6"/>
-          </a:lnRef>
-          <a:fillRef idx="1">
-            <a:schemeClr val="lt1"/>
-          </a:fillRef>
-          <a:effectRef idx="0">
-            <a:schemeClr val="accent6"/>
-          </a:effectRef>
-          <a:fontRef idx="minor">
-            <a:schemeClr val="dk1"/>
-          </a:fontRef>
-        </p:style>
-        <p:txBody>
-          <a:bodyPr rtlCol="0" anchor="ctr"/>
-          <a:lstStyle/>
-          <a:p>
-            <a:r>
-              <a:rPr lang="en-IN" smtClean="0">
-                <a:latin typeface="Calibri" panose="020F0502020204030204" pitchFamily="34" charset="0"/>
-              </a:rPr>
-              <a:t>abc</a:t>
-            </a:r>
-            <a:endParaRPr lang="en-IN">
-              <a:latin typeface="Calibri" panose="020F0502020204030204" pitchFamily="34" charset="0"/>
-            </a:endParaRPr>
-          </a:p>
-        </p:txBody>
-      </p:sp>
-      <p:sp>
-        <p:nvSpPr>
-          <p:cNvPr id="26" name="Rectangle 25"/>
-          <p:cNvSpPr/>
-          <p:nvPr/>
-        </p:nvSpPr>
-        <p:spPr>
-          <a:xfrm>
-            <a:off x="4239295" y="1504105"/>
-            <a:ext cx="1970468" cy="309093"/>
-          </a:xfrm>
-          <a:prstGeom prst="rect">
-            <a:avLst/>
-          </a:prstGeom>
-          <a:noFill/>
-          <a:ln>
-            <a:noFill/>
-          </a:ln>
-        </p:spPr>
-        <p:style>
-          <a:lnRef idx="2">
-            <a:schemeClr val="dk1"/>
-          </a:lnRef>
-          <a:fillRef idx="1">
-            <a:schemeClr val="lt1"/>
-          </a:fillRef>
-          <a:effectRef idx="0">
-            <a:schemeClr val="dk1"/>
-          </a:effectRef>
-          <a:fontRef idx="minor">
-            <a:schemeClr val="dk1"/>
-          </a:fontRef>
-        </p:style>
-        <p:txBody>
-          <a:bodyPr rtlCol="0" anchor="ctr"/>
-          <a:lstStyle/>
-          <a:p>
-            <a:r>
-              <a:rPr lang="en-IN" dirty="0" smtClean="0">
-                <a:latin typeface="Calibri" panose="020F0502020204030204" pitchFamily="34" charset="0"/>
-              </a:rPr>
-              <a:t>Name: </a:t>
-            </a:r>
-            <a:r>
-              <a:rPr lang="en-IN" dirty="0" smtClean="0">
-                <a:solidFill>
-                  <a:srgbClr val="FF0000"/>
-                </a:solidFill>
-                <a:latin typeface="Calibri" panose="020F0502020204030204" pitchFamily="34" charset="0"/>
-              </a:rPr>
-              <a:t>*</a:t>
-            </a:r>
-            <a:endParaRPr lang="en-IN" dirty="0">
-              <a:solidFill>
-                <a:srgbClr val="FF0000"/>
-              </a:solidFill>
-              <a:latin typeface="Calibri" panose="020F0502020204030204" pitchFamily="34" charset="0"/>
-            </a:endParaRPr>
-          </a:p>
-        </p:txBody>
-      </p:sp>
-      <p:cxnSp>
-        <p:nvCxnSpPr>
-          <p:cNvPr id="37" name="Straight Arrow Connector 36"/>
-          <p:cNvCxnSpPr/>
-          <p:nvPr/>
-        </p:nvCxnSpPr>
-        <p:spPr>
-          <a:xfrm flipH="1">
-            <a:off x="3552419" y="5325415"/>
-            <a:ext cx="942308" cy="195466"/>
-          </a:xfrm>
-          <a:prstGeom prst="straightConnector1">
-            <a:avLst/>
-          </a:prstGeom>
-          <a:ln>
-            <a:tailEnd type="triangle"/>
-          </a:ln>
-        </p:spPr>
-        <p:style>
-          <a:lnRef idx="1">
-            <a:schemeClr val="dk1"/>
-          </a:lnRef>
-          <a:fillRef idx="0">
-            <a:schemeClr val="dk1"/>
-          </a:fillRef>
-          <a:effectRef idx="0">
-            <a:schemeClr val="dk1"/>
-          </a:effectRef>
-          <a:fontRef idx="minor">
-            <a:schemeClr val="tx1"/>
-          </a:fontRef>
-        </p:style>
-      </p:cxnSp>
-      <p:sp>
-        <p:nvSpPr>
-          <p:cNvPr id="38" name="TextBox 37"/>
-          <p:cNvSpPr txBox="1"/>
-          <p:nvPr/>
-        </p:nvSpPr>
-        <p:spPr>
-          <a:xfrm>
-            <a:off x="2801504" y="5000832"/>
-            <a:ext cx="1311494" cy="646331"/>
-          </a:xfrm>
-          <a:prstGeom prst="rect">
-            <a:avLst/>
-          </a:prstGeom>
-          <a:noFill/>
-        </p:spPr>
-        <p:txBody>
-          <a:bodyPr wrap="square" rtlCol="0">
-            <a:spAutoFit/>
-          </a:bodyPr>
-          <a:lstStyle/>
-          <a:p>
-            <a:r>
-              <a:rPr lang="en-IN" dirty="0" smtClean="0"/>
-              <a:t>Radio button</a:t>
-            </a:r>
-            <a:endParaRPr lang="en-IN" dirty="0"/>
-          </a:p>
-        </p:txBody>
-      </p:sp>
-      <p:cxnSp>
-        <p:nvCxnSpPr>
-          <p:cNvPr id="44" name="Straight Arrow Connector 43"/>
-          <p:cNvCxnSpPr/>
-          <p:nvPr/>
-        </p:nvCxnSpPr>
-        <p:spPr>
-          <a:xfrm flipH="1">
-            <a:off x="3953810" y="6124963"/>
-            <a:ext cx="2989493" cy="59706"/>
-          </a:xfrm>
-          <a:prstGeom prst="straightConnector1">
-            <a:avLst/>
-          </a:prstGeom>
-          <a:ln>
-            <a:tailEnd type="triangle"/>
-          </a:ln>
-        </p:spPr>
-        <p:style>
-          <a:lnRef idx="1">
-            <a:schemeClr val="dk1"/>
-          </a:lnRef>
-          <a:fillRef idx="0">
-            <a:schemeClr val="dk1"/>
-          </a:fillRef>
-          <a:effectRef idx="0">
-            <a:schemeClr val="dk1"/>
-          </a:effectRef>
-          <a:fontRef idx="minor">
-            <a:schemeClr val="tx1"/>
-          </a:fontRef>
-        </p:style>
-      </p:cxnSp>
-      <p:sp>
-        <p:nvSpPr>
-          <p:cNvPr id="45" name="TextBox 44"/>
-          <p:cNvSpPr txBox="1"/>
-          <p:nvPr/>
-        </p:nvSpPr>
-        <p:spPr>
-          <a:xfrm>
-            <a:off x="128790" y="5863832"/>
-            <a:ext cx="3825020" cy="923330"/>
-          </a:xfrm>
-          <a:prstGeom prst="rect">
-            <a:avLst/>
-          </a:prstGeom>
-          <a:noFill/>
-        </p:spPr>
-        <p:txBody>
-          <a:bodyPr wrap="square" rtlCol="0">
-            <a:spAutoFit/>
-          </a:bodyPr>
-          <a:lstStyle/>
-          <a:p>
-            <a:r>
-              <a:rPr lang="en-IN" smtClean="0"/>
-              <a:t>If all is valid, new login is created after user’s email id is confirmed and user is directed back to login screen</a:t>
-            </a:r>
-            <a:endParaRPr lang="en-IN"/>
-          </a:p>
-        </p:txBody>
-      </p:sp>
-      <p:sp>
-        <p:nvSpPr>
-          <p:cNvPr id="46" name="Rectangle 45"/>
-          <p:cNvSpPr/>
-          <p:nvPr/>
-        </p:nvSpPr>
-        <p:spPr>
-          <a:xfrm>
-            <a:off x="4308566" y="4549342"/>
-            <a:ext cx="1970468" cy="309093"/>
-          </a:xfrm>
-          <a:prstGeom prst="rect">
-            <a:avLst/>
-          </a:prstGeom>
-          <a:noFill/>
-          <a:ln>
-            <a:noFill/>
-          </a:ln>
-        </p:spPr>
-        <p:style>
-          <a:lnRef idx="2">
-            <a:schemeClr val="dk1"/>
-          </a:lnRef>
-          <a:fillRef idx="1">
-            <a:schemeClr val="lt1"/>
-          </a:fillRef>
-          <a:effectRef idx="0">
-            <a:schemeClr val="dk1"/>
-          </a:effectRef>
-          <a:fontRef idx="minor">
-            <a:schemeClr val="dk1"/>
-          </a:fontRef>
-        </p:style>
-        <p:txBody>
-          <a:bodyPr rtlCol="0" anchor="ctr"/>
-          <a:lstStyle/>
-          <a:p>
-            <a:r>
-              <a:rPr lang="en-IN" dirty="0" smtClean="0">
-                <a:latin typeface="Calibri" panose="020F0502020204030204" pitchFamily="34" charset="0"/>
-              </a:rPr>
-              <a:t>Login as: </a:t>
-            </a:r>
-            <a:r>
-              <a:rPr lang="en-IN" dirty="0" smtClean="0">
-                <a:solidFill>
-                  <a:srgbClr val="FF0000"/>
-                </a:solidFill>
-                <a:latin typeface="Calibri" panose="020F0502020204030204" pitchFamily="34" charset="0"/>
-              </a:rPr>
-              <a:t>*</a:t>
-            </a:r>
-            <a:endParaRPr lang="en-IN" dirty="0">
-              <a:solidFill>
-                <a:srgbClr val="FF0000"/>
-              </a:solidFill>
-              <a:latin typeface="Calibri" panose="020F0502020204030204" pitchFamily="34" charset="0"/>
-            </a:endParaRPr>
-          </a:p>
-        </p:txBody>
-      </p:sp>
-      <p:sp>
-        <p:nvSpPr>
-          <p:cNvPr id="4" name="Oval 3"/>
-          <p:cNvSpPr/>
-          <p:nvPr/>
-        </p:nvSpPr>
-        <p:spPr>
-          <a:xfrm>
-            <a:off x="4572003" y="5070764"/>
-            <a:ext cx="249382" cy="254651"/>
-          </a:xfrm>
-          <a:prstGeom prst="ellipse">
-            <a:avLst/>
-          </a:prstGeom>
-        </p:spPr>
-        <p:style>
-          <a:lnRef idx="2">
-            <a:schemeClr val="accent6"/>
-          </a:lnRef>
-          <a:fillRef idx="1">
-            <a:schemeClr val="lt1"/>
-          </a:fillRef>
-          <a:effectRef idx="0">
-            <a:schemeClr val="accent6"/>
-          </a:effectRef>
-          <a:fontRef idx="minor">
-            <a:schemeClr val="dk1"/>
-          </a:fontRef>
-        </p:style>
-        <p:txBody>
-          <a:bodyPr rtlCol="0" anchor="ctr"/>
-          <a:lstStyle/>
-          <a:p>
-            <a:pPr algn="ctr"/>
-            <a:endParaRPr lang="en-IN"/>
-          </a:p>
-        </p:txBody>
-      </p:sp>
-      <p:sp>
-        <p:nvSpPr>
-          <p:cNvPr id="47" name="Oval 46"/>
-          <p:cNvSpPr/>
-          <p:nvPr/>
-        </p:nvSpPr>
-        <p:spPr>
-          <a:xfrm>
-            <a:off x="6237319" y="5090164"/>
-            <a:ext cx="249382" cy="254651"/>
-          </a:xfrm>
-          <a:prstGeom prst="ellipse">
-            <a:avLst/>
-          </a:prstGeom>
-        </p:spPr>
-        <p:style>
-          <a:lnRef idx="2">
-            <a:schemeClr val="accent6"/>
-          </a:lnRef>
-          <a:fillRef idx="1">
-            <a:schemeClr val="lt1"/>
-          </a:fillRef>
-          <a:effectRef idx="0">
-            <a:schemeClr val="accent6"/>
-          </a:effectRef>
-          <a:fontRef idx="minor">
-            <a:schemeClr val="dk1"/>
-          </a:fontRef>
-        </p:style>
-        <p:txBody>
-          <a:bodyPr rtlCol="0" anchor="ctr"/>
-          <a:lstStyle/>
-          <a:p>
-            <a:pPr algn="ctr"/>
-            <a:endParaRPr lang="en-IN"/>
-          </a:p>
-        </p:txBody>
-      </p:sp>
-      <p:sp>
-        <p:nvSpPr>
-          <p:cNvPr id="5" name="Rectangle 4"/>
-          <p:cNvSpPr/>
-          <p:nvPr/>
-        </p:nvSpPr>
-        <p:spPr>
-          <a:xfrm>
-            <a:off x="4931637" y="5032112"/>
-            <a:ext cx="1111876" cy="312703"/>
-          </a:xfrm>
-          <a:prstGeom prst="rect">
-            <a:avLst/>
-          </a:prstGeom>
-          <a:noFill/>
-          <a:ln>
-            <a:noFill/>
-          </a:ln>
-        </p:spPr>
-        <p:style>
-          <a:lnRef idx="2">
-            <a:schemeClr val="dk1"/>
-          </a:lnRef>
-          <a:fillRef idx="1">
-            <a:schemeClr val="lt1"/>
-          </a:fillRef>
-          <a:effectRef idx="0">
-            <a:schemeClr val="dk1"/>
-          </a:effectRef>
-          <a:fontRef idx="minor">
-            <a:schemeClr val="dk1"/>
-          </a:fontRef>
-        </p:style>
-        <p:txBody>
-          <a:bodyPr rtlCol="0" anchor="ctr"/>
-          <a:lstStyle/>
-          <a:p>
-            <a:pPr algn="ctr"/>
-            <a:r>
-              <a:rPr lang="en-IN" dirty="0" smtClean="0"/>
-              <a:t>Facilitator/teacher</a:t>
-            </a:r>
-            <a:endParaRPr lang="en-IN" dirty="0"/>
-          </a:p>
-        </p:txBody>
-      </p:sp>
-      <p:sp>
-        <p:nvSpPr>
-          <p:cNvPr id="48" name="Rectangle 47"/>
-          <p:cNvSpPr/>
-          <p:nvPr/>
-        </p:nvSpPr>
-        <p:spPr>
-          <a:xfrm>
-            <a:off x="6497200" y="5034887"/>
-            <a:ext cx="1111876" cy="312703"/>
-          </a:xfrm>
-          <a:prstGeom prst="rect">
-            <a:avLst/>
-          </a:prstGeom>
-          <a:noFill/>
-          <a:ln>
-            <a:noFill/>
-          </a:ln>
-        </p:spPr>
-        <p:style>
-          <a:lnRef idx="2">
-            <a:schemeClr val="dk1"/>
-          </a:lnRef>
-          <a:fillRef idx="1">
-            <a:schemeClr val="lt1"/>
-          </a:fillRef>
-          <a:effectRef idx="0">
-            <a:schemeClr val="dk1"/>
-          </a:effectRef>
-          <a:fontRef idx="minor">
-            <a:schemeClr val="dk1"/>
-          </a:fontRef>
-        </p:style>
-        <p:txBody>
-          <a:bodyPr rtlCol="0" anchor="ctr"/>
-          <a:lstStyle/>
-          <a:p>
-            <a:pPr algn="ctr"/>
-            <a:r>
-              <a:rPr lang="en-IN" dirty="0" smtClean="0"/>
-              <a:t>Attendee/student</a:t>
-            </a:r>
-            <a:endParaRPr lang="en-IN" dirty="0"/>
-          </a:p>
-        </p:txBody>
-      </p:sp>
     </p:spTree>
     <p:extLst>
       <p:ext uri="{BB962C8B-B14F-4D97-AF65-F5344CB8AC3E}">
-        <p14:creationId xmlns:p14="http://schemas.microsoft.com/office/powerpoint/2010/main" val="3030402000"/>
+        <p14:creationId xmlns:p14="http://schemas.microsoft.com/office/powerpoint/2010/main" val="1999604158"/>
       </p:ext>
     </p:extLst>
   </p:cSld>
@@ -28756,7 +31208,7 @@
           <a:p>
             <a:r>
               <a:rPr lang="en-IN" dirty="0" smtClean="0"/>
-              <a:t>On click of About/Help</a:t>
+              <a:t>Settings menu related user stories</a:t>
             </a:r>
             <a:endParaRPr lang="en-IN" dirty="0"/>
           </a:p>
@@ -28764,306 +31216,404 @@
       </p:sp>
       <p:sp>
         <p:nvSpPr>
-          <p:cNvPr id="4" name="Rectangle 3"/>
-          <p:cNvSpPr/>
-          <p:nvPr/>
-        </p:nvSpPr>
-        <p:spPr>
-          <a:xfrm>
-            <a:off x="4121237" y="794441"/>
-            <a:ext cx="3966693" cy="5902573"/>
+          <p:cNvPr id="4" name="Content Placeholder 2"/>
+          <p:cNvSpPr txBox="1">
+            <a:spLocks/>
+          </p:cNvSpPr>
+          <p:nvPr/>
+        </p:nvSpPr>
+        <p:spPr>
+          <a:xfrm>
+            <a:off x="457199" y="1600200"/>
+            <a:ext cx="10795819" cy="4525963"/>
           </a:xfrm>
           <a:prstGeom prst="rect">
             <a:avLst/>
           </a:prstGeom>
-        </p:spPr>
-        <p:style>
-          <a:lnRef idx="2">
-            <a:schemeClr val="accent6"/>
-          </a:lnRef>
-          <a:fillRef idx="1">
-            <a:schemeClr val="lt1"/>
-          </a:fillRef>
-          <a:effectRef idx="0">
-            <a:schemeClr val="accent6"/>
-          </a:effectRef>
-          <a:fontRef idx="minor">
-            <a:schemeClr val="dk1"/>
-          </a:fontRef>
-        </p:style>
-        <p:txBody>
-          <a:bodyPr rtlCol="0" anchor="ctr"/>
-          <a:lstStyle/>
-          <a:p>
-            <a:pPr algn="ctr"/>
-            <a:endParaRPr lang="en-IN" dirty="0">
-              <a:latin typeface="Calibri" panose="020F0502020204030204" pitchFamily="34" charset="0"/>
-            </a:endParaRPr>
-          </a:p>
-        </p:txBody>
-      </p:sp>
-      <p:sp>
-        <p:nvSpPr>
-          <p:cNvPr id="5" name="Rectangle 4"/>
-          <p:cNvSpPr/>
-          <p:nvPr/>
-        </p:nvSpPr>
-        <p:spPr>
-          <a:xfrm>
-            <a:off x="4250027" y="1803525"/>
-            <a:ext cx="3734871" cy="4404091"/>
-          </a:xfrm>
-          <a:prstGeom prst="rect">
-            <a:avLst/>
-          </a:prstGeom>
-        </p:spPr>
-        <p:style>
-          <a:lnRef idx="2">
-            <a:schemeClr val="accent6"/>
-          </a:lnRef>
-          <a:fillRef idx="1">
-            <a:schemeClr val="lt1"/>
-          </a:fillRef>
-          <a:effectRef idx="0">
-            <a:schemeClr val="accent6"/>
-          </a:effectRef>
-          <a:fontRef idx="minor">
-            <a:schemeClr val="dk1"/>
-          </a:fontRef>
-        </p:style>
-        <p:txBody>
-          <a:bodyPr rtlCol="0" anchor="ctr"/>
-          <a:lstStyle/>
-          <a:p>
-            <a:r>
-              <a:rPr lang="en-IN" smtClean="0">
-                <a:latin typeface="Calibri" panose="020F0502020204030204" pitchFamily="34" charset="0"/>
+          <a:effectLst>
+            <a:outerShdw blurRad="25400" dir="17880000">
+              <a:srgbClr val="000000">
+                <a:alpha val="46000"/>
+              </a:srgbClr>
+            </a:outerShdw>
+          </a:effectLst>
+        </p:spPr>
+        <p:txBody>
+          <a:bodyPr vert="horz" lIns="91440" tIns="45720" rIns="91440" bIns="45720" rtlCol="0" anchor="t">
+            <a:normAutofit/>
+          </a:bodyPr>
+          <a:lstStyle>
+            <a:lvl1pPr marL="342900" indent="-306000" algn="l" defTabSz="457200" rtl="0" eaLnBrk="1" latinLnBrk="0" hangingPunct="1">
+              <a:spcBef>
+                <a:spcPct val="20000"/>
+              </a:spcBef>
+              <a:spcAft>
+                <a:spcPts val="600"/>
+              </a:spcAft>
+              <a:buClr>
+                <a:schemeClr val="tx2"/>
+              </a:buClr>
+              <a:buSzPct val="70000"/>
+              <a:buFont typeface="Wingdings 2" charset="2"/>
+              <a:buChar char=""/>
+              <a:defRPr sz="2000" b="1" kern="1200" cap="none" spc="50">
+                <a:ln w="0"/>
+                <a:solidFill>
+                  <a:schemeClr val="bg2"/>
+                </a:solidFill>
+                <a:effectLst>
+                  <a:innerShdw blurRad="63500" dist="50800" dir="13500000">
+                    <a:srgbClr val="000000">
+                      <a:alpha val="50000"/>
+                    </a:srgbClr>
+                  </a:innerShdw>
+                </a:effectLst>
+                <a:latin typeface="+mn-lt"/>
+                <a:ea typeface="+mn-ea"/>
+                <a:cs typeface="+mn-cs"/>
+              </a:defRPr>
+            </a:lvl1pPr>
+            <a:lvl2pPr marL="720000" indent="-270000" algn="l" defTabSz="457200" rtl="0" eaLnBrk="1" latinLnBrk="0" hangingPunct="1">
+              <a:spcBef>
+                <a:spcPct val="20000"/>
+              </a:spcBef>
+              <a:spcAft>
+                <a:spcPts val="600"/>
+              </a:spcAft>
+              <a:buClr>
+                <a:schemeClr val="tx2"/>
+              </a:buClr>
+              <a:buSzPct val="70000"/>
+              <a:buFont typeface="Wingdings 2" charset="2"/>
+              <a:buChar char=""/>
+              <a:defRPr sz="1800" b="1" kern="1200" cap="none" spc="50">
+                <a:ln w="0"/>
+                <a:solidFill>
+                  <a:schemeClr val="bg2"/>
+                </a:solidFill>
+                <a:effectLst>
+                  <a:innerShdw blurRad="63500" dist="50800" dir="13500000">
+                    <a:srgbClr val="000000">
+                      <a:alpha val="50000"/>
+                    </a:srgbClr>
+                  </a:innerShdw>
+                </a:effectLst>
+                <a:latin typeface="+mn-lt"/>
+                <a:ea typeface="+mn-ea"/>
+                <a:cs typeface="+mn-cs"/>
+              </a:defRPr>
+            </a:lvl2pPr>
+            <a:lvl3pPr marL="1026000" indent="-216000" algn="l" defTabSz="457200" rtl="0" eaLnBrk="1" latinLnBrk="0" hangingPunct="1">
+              <a:spcBef>
+                <a:spcPct val="20000"/>
+              </a:spcBef>
+              <a:spcAft>
+                <a:spcPts val="600"/>
+              </a:spcAft>
+              <a:buClr>
+                <a:schemeClr val="tx2"/>
+              </a:buClr>
+              <a:buSzPct val="70000"/>
+              <a:buFont typeface="Wingdings 2" charset="2"/>
+              <a:buChar char=""/>
+              <a:defRPr sz="1600" b="1" kern="1200" cap="none" spc="50">
+                <a:ln w="0"/>
+                <a:solidFill>
+                  <a:schemeClr val="bg2"/>
+                </a:solidFill>
+                <a:effectLst>
+                  <a:innerShdw blurRad="63500" dist="50800" dir="13500000">
+                    <a:srgbClr val="000000">
+                      <a:alpha val="50000"/>
+                    </a:srgbClr>
+                  </a:innerShdw>
+                </a:effectLst>
+                <a:latin typeface="+mn-lt"/>
+                <a:ea typeface="+mn-ea"/>
+                <a:cs typeface="+mn-cs"/>
+              </a:defRPr>
+            </a:lvl3pPr>
+            <a:lvl4pPr marL="1386000" indent="-216000" algn="l" defTabSz="457200" rtl="0" eaLnBrk="1" latinLnBrk="0" hangingPunct="1">
+              <a:spcBef>
+                <a:spcPct val="20000"/>
+              </a:spcBef>
+              <a:spcAft>
+                <a:spcPts val="600"/>
+              </a:spcAft>
+              <a:buClr>
+                <a:schemeClr val="tx2"/>
+              </a:buClr>
+              <a:buSzPct val="70000"/>
+              <a:buFont typeface="Wingdings 2" charset="2"/>
+              <a:buChar char=""/>
+              <a:defRPr sz="1400" b="1" kern="1200" cap="none" spc="50">
+                <a:ln w="0"/>
+                <a:solidFill>
+                  <a:schemeClr val="bg2"/>
+                </a:solidFill>
+                <a:effectLst>
+                  <a:innerShdw blurRad="63500" dist="50800" dir="13500000">
+                    <a:srgbClr val="000000">
+                      <a:alpha val="50000"/>
+                    </a:srgbClr>
+                  </a:innerShdw>
+                </a:effectLst>
+                <a:latin typeface="+mn-lt"/>
+                <a:ea typeface="+mn-ea"/>
+                <a:cs typeface="+mn-cs"/>
+              </a:defRPr>
+            </a:lvl4pPr>
+            <a:lvl5pPr marL="1674000" indent="-216000" algn="l" defTabSz="457200" rtl="0" eaLnBrk="1" latinLnBrk="0" hangingPunct="1">
+              <a:spcBef>
+                <a:spcPct val="20000"/>
+              </a:spcBef>
+              <a:spcAft>
+                <a:spcPts val="600"/>
+              </a:spcAft>
+              <a:buClr>
+                <a:schemeClr val="tx2"/>
+              </a:buClr>
+              <a:buSzPct val="70000"/>
+              <a:buFont typeface="Wingdings 2" charset="2"/>
+              <a:buChar char=""/>
+              <a:defRPr sz="1400" b="1" kern="1200" cap="none" spc="50">
+                <a:ln w="0"/>
+                <a:solidFill>
+                  <a:schemeClr val="bg2"/>
+                </a:solidFill>
+                <a:effectLst>
+                  <a:innerShdw blurRad="63500" dist="50800" dir="13500000">
+                    <a:srgbClr val="000000">
+                      <a:alpha val="50000"/>
+                    </a:srgbClr>
+                  </a:innerShdw>
+                </a:effectLst>
+                <a:latin typeface="+mn-lt"/>
+                <a:ea typeface="+mn-ea"/>
+                <a:cs typeface="+mn-cs"/>
+              </a:defRPr>
+            </a:lvl5pPr>
+            <a:lvl6pPr marL="2014600" indent="-228600" algn="l" defTabSz="457200" rtl="0" eaLnBrk="1" latinLnBrk="0" hangingPunct="1">
+              <a:spcBef>
+                <a:spcPct val="20000"/>
+              </a:spcBef>
+              <a:spcAft>
+                <a:spcPts val="600"/>
+              </a:spcAft>
+              <a:buClr>
+                <a:schemeClr val="tx2"/>
+              </a:buClr>
+              <a:buSzPct val="70000"/>
+              <a:buFont typeface="Wingdings 2" charset="2"/>
+              <a:buChar char=""/>
+              <a:defRPr sz="1400" kern="1200">
+                <a:ln>
+                  <a:solidFill>
+                    <a:schemeClr val="bg1">
+                      <a:lumMod val="75000"/>
+                      <a:lumOff val="25000"/>
+                      <a:alpha val="10000"/>
+                    </a:schemeClr>
+                  </a:solidFill>
+                </a:ln>
+                <a:solidFill>
+                  <a:schemeClr val="tx2"/>
+                </a:solidFill>
+                <a:effectLst>
+                  <a:outerShdw blurRad="9525" dist="25400" dir="14640000" algn="tl" rotWithShape="0">
+                    <a:schemeClr val="bg1">
+                      <a:alpha val="30000"/>
+                    </a:schemeClr>
+                  </a:outerShdw>
+                </a:effectLst>
+                <a:latin typeface="+mn-lt"/>
+                <a:ea typeface="+mn-ea"/>
+                <a:cs typeface="+mn-cs"/>
+              </a:defRPr>
+            </a:lvl6pPr>
+            <a:lvl7pPr marL="2401800" indent="-228600" algn="l" defTabSz="457200" rtl="0" eaLnBrk="1" latinLnBrk="0" hangingPunct="1">
+              <a:spcBef>
+                <a:spcPct val="20000"/>
+              </a:spcBef>
+              <a:spcAft>
+                <a:spcPts val="600"/>
+              </a:spcAft>
+              <a:buClr>
+                <a:schemeClr val="tx2"/>
+              </a:buClr>
+              <a:buSzPct val="70000"/>
+              <a:buFont typeface="Wingdings 2" charset="2"/>
+              <a:buChar char=""/>
+              <a:defRPr sz="1400" kern="1200">
+                <a:ln>
+                  <a:solidFill>
+                    <a:schemeClr val="bg1">
+                      <a:lumMod val="75000"/>
+                      <a:lumOff val="25000"/>
+                      <a:alpha val="10000"/>
+                    </a:schemeClr>
+                  </a:solidFill>
+                </a:ln>
+                <a:solidFill>
+                  <a:schemeClr val="tx2"/>
+                </a:solidFill>
+                <a:effectLst>
+                  <a:outerShdw blurRad="9525" dist="25400" dir="14640000" algn="tl" rotWithShape="0">
+                    <a:schemeClr val="bg1">
+                      <a:alpha val="30000"/>
+                    </a:schemeClr>
+                  </a:outerShdw>
+                </a:effectLst>
+                <a:latin typeface="+mn-lt"/>
+                <a:ea typeface="+mn-ea"/>
+                <a:cs typeface="+mn-cs"/>
+              </a:defRPr>
+            </a:lvl7pPr>
+            <a:lvl8pPr marL="2789000" indent="-228600" algn="l" defTabSz="457200" rtl="0" eaLnBrk="1" latinLnBrk="0" hangingPunct="1">
+              <a:spcBef>
+                <a:spcPct val="20000"/>
+              </a:spcBef>
+              <a:spcAft>
+                <a:spcPts val="600"/>
+              </a:spcAft>
+              <a:buClr>
+                <a:schemeClr val="tx2"/>
+              </a:buClr>
+              <a:buSzPct val="70000"/>
+              <a:buFont typeface="Wingdings 2" charset="2"/>
+              <a:buChar char=""/>
+              <a:defRPr sz="1400" kern="1200">
+                <a:ln>
+                  <a:solidFill>
+                    <a:schemeClr val="bg1">
+                      <a:lumMod val="75000"/>
+                      <a:lumOff val="25000"/>
+                      <a:alpha val="10000"/>
+                    </a:schemeClr>
+                  </a:solidFill>
+                </a:ln>
+                <a:solidFill>
+                  <a:schemeClr val="tx2"/>
+                </a:solidFill>
+                <a:effectLst>
+                  <a:outerShdw blurRad="9525" dist="25400" dir="14640000" algn="tl" rotWithShape="0">
+                    <a:schemeClr val="bg1">
+                      <a:alpha val="30000"/>
+                    </a:schemeClr>
+                  </a:outerShdw>
+                </a:effectLst>
+                <a:latin typeface="+mn-lt"/>
+                <a:ea typeface="+mn-ea"/>
+                <a:cs typeface="+mn-cs"/>
+              </a:defRPr>
+            </a:lvl8pPr>
+            <a:lvl9pPr marL="3106200" indent="-228600" algn="l" defTabSz="457200" rtl="0" eaLnBrk="1" latinLnBrk="0" hangingPunct="1">
+              <a:spcBef>
+                <a:spcPct val="20000"/>
+              </a:spcBef>
+              <a:spcAft>
+                <a:spcPts val="600"/>
+              </a:spcAft>
+              <a:buClr>
+                <a:schemeClr val="tx2"/>
+              </a:buClr>
+              <a:buSzPct val="70000"/>
+              <a:buFont typeface="Wingdings 2" charset="2"/>
+              <a:buChar char=""/>
+              <a:defRPr sz="1400" kern="1200">
+                <a:ln>
+                  <a:solidFill>
+                    <a:schemeClr val="bg1">
+                      <a:lumMod val="75000"/>
+                      <a:lumOff val="25000"/>
+                      <a:alpha val="10000"/>
+                    </a:schemeClr>
+                  </a:solidFill>
+                </a:ln>
+                <a:solidFill>
+                  <a:schemeClr val="tx2"/>
+                </a:solidFill>
+                <a:effectLst>
+                  <a:outerShdw blurRad="9525" dist="25400" dir="14640000" algn="tl" rotWithShape="0">
+                    <a:schemeClr val="bg1">
+                      <a:alpha val="30000"/>
+                    </a:schemeClr>
+                  </a:outerShdw>
+                </a:effectLst>
+                <a:latin typeface="+mn-lt"/>
+                <a:ea typeface="+mn-ea"/>
+                <a:cs typeface="+mn-cs"/>
+              </a:defRPr>
+            </a:lvl9pPr>
+          </a:lstStyle>
+          <a:p>
+            <a:r>
+              <a:rPr lang="en-US" sz="2800" b="0" spc="0" dirty="0" smtClean="0">
+                <a:ln>
+                  <a:noFill/>
+                </a:ln>
+                <a:solidFill>
+                  <a:srgbClr val="363636"/>
+                </a:solidFill>
+                <a:effectLst/>
+                <a:latin typeface="+mj-lt"/>
               </a:rPr>
-              <a:t>Lorem ipsum Lorem ipsum </a:t>
-            </a:r>
-          </a:p>
-          <a:p>
-            <a:r>
-              <a:rPr lang="en-IN" smtClean="0">
-                <a:latin typeface="Calibri" panose="020F0502020204030204" pitchFamily="34" charset="0"/>
+              <a:t>As a user, I should be able to go back to home from any screen.</a:t>
+            </a:r>
+          </a:p>
+          <a:p>
+            <a:r>
+              <a:rPr lang="en-US" sz="2800" b="0" spc="0" dirty="0" smtClean="0">
+                <a:ln>
+                  <a:noFill/>
+                </a:ln>
+                <a:solidFill>
+                  <a:srgbClr val="363636"/>
+                </a:solidFill>
+                <a:effectLst/>
+                <a:latin typeface="+mj-lt"/>
               </a:rPr>
-              <a:t>Lorem ipsum Lorem ipsum </a:t>
-            </a:r>
-          </a:p>
-          <a:p>
-            <a:r>
-              <a:rPr lang="en-IN" smtClean="0">
-                <a:latin typeface="Calibri" panose="020F0502020204030204" pitchFamily="34" charset="0"/>
+              <a:t>As a user, I should be able to sign out from any screen</a:t>
+            </a:r>
+          </a:p>
+          <a:p>
+            <a:r>
+              <a:rPr lang="en-US" sz="2800" b="0" spc="0" dirty="0" smtClean="0">
+                <a:ln>
+                  <a:noFill/>
+                </a:ln>
+                <a:solidFill>
+                  <a:srgbClr val="363636"/>
+                </a:solidFill>
+                <a:effectLst/>
+                <a:latin typeface="+mj-lt"/>
               </a:rPr>
-              <a:t>Lorem ipsum Lorem ipsum </a:t>
-            </a:r>
-          </a:p>
-          <a:p>
-            <a:r>
-              <a:rPr lang="en-IN" smtClean="0">
-                <a:latin typeface="Calibri" panose="020F0502020204030204" pitchFamily="34" charset="0"/>
+              <a:t>As a user, I should be able to read help and about page from any screen. </a:t>
+            </a:r>
+          </a:p>
+          <a:p>
+            <a:r>
+              <a:rPr lang="en-US" sz="2800" b="0" spc="0" dirty="0" smtClean="0">
+                <a:ln>
+                  <a:noFill/>
+                </a:ln>
+                <a:solidFill>
+                  <a:srgbClr val="363636"/>
+                </a:solidFill>
+                <a:effectLst/>
+                <a:latin typeface="+mj-lt"/>
               </a:rPr>
-              <a:t>Lorem ipsum Lorem ipsum </a:t>
-            </a:r>
-          </a:p>
-          <a:p>
-            <a:r>
-              <a:rPr lang="en-IN" smtClean="0">
-                <a:latin typeface="Calibri" panose="020F0502020204030204" pitchFamily="34" charset="0"/>
-              </a:rPr>
-              <a:t>Lorem ipsum Lorem ipsum </a:t>
-            </a:r>
-          </a:p>
-          <a:p>
-            <a:r>
-              <a:rPr lang="en-IN" smtClean="0">
-                <a:latin typeface="Calibri" panose="020F0502020204030204" pitchFamily="34" charset="0"/>
-              </a:rPr>
-              <a:t>Lorem ipsum Lorem ipsum </a:t>
-            </a:r>
-          </a:p>
-          <a:p>
-            <a:r>
-              <a:rPr lang="en-IN" smtClean="0">
-                <a:latin typeface="Calibri" panose="020F0502020204030204" pitchFamily="34" charset="0"/>
-              </a:rPr>
-              <a:t>Lorem ipsum Lorem ipsum </a:t>
-            </a:r>
-          </a:p>
-          <a:p>
-            <a:r>
-              <a:rPr lang="en-IN" smtClean="0">
-                <a:latin typeface="Calibri" panose="020F0502020204030204" pitchFamily="34" charset="0"/>
-              </a:rPr>
-              <a:t>Lorem ipsum Lorem ipsum </a:t>
-            </a:r>
-          </a:p>
-          <a:p>
-            <a:r>
-              <a:rPr lang="en-IN" smtClean="0">
-                <a:latin typeface="Calibri" panose="020F0502020204030204" pitchFamily="34" charset="0"/>
-              </a:rPr>
-              <a:t>Lorem ipsum Lorem ipsum </a:t>
-            </a:r>
-          </a:p>
-          <a:p>
-            <a:r>
-              <a:rPr lang="en-IN" smtClean="0">
-                <a:latin typeface="Calibri" panose="020F0502020204030204" pitchFamily="34" charset="0"/>
-              </a:rPr>
-              <a:t>Lorem ipsum Lorem ipsum </a:t>
-            </a:r>
-          </a:p>
-          <a:p>
-            <a:r>
-              <a:rPr lang="en-IN" smtClean="0">
-                <a:latin typeface="Calibri" panose="020F0502020204030204" pitchFamily="34" charset="0"/>
-              </a:rPr>
-              <a:t>Lorem ipsum Lorem ipsum </a:t>
-            </a:r>
-          </a:p>
-          <a:p>
-            <a:r>
-              <a:rPr lang="en-IN" smtClean="0">
-                <a:latin typeface="Calibri" panose="020F0502020204030204" pitchFamily="34" charset="0"/>
-              </a:rPr>
-              <a:t>Lorem ipsum Lorem ipsum </a:t>
-            </a:r>
-          </a:p>
-          <a:p>
-            <a:r>
-              <a:rPr lang="en-IN" smtClean="0">
-                <a:latin typeface="Calibri" panose="020F0502020204030204" pitchFamily="34" charset="0"/>
-              </a:rPr>
-              <a:t>Lorem ipsum Lorem ipsum </a:t>
-            </a:r>
-          </a:p>
-          <a:p>
-            <a:r>
-              <a:rPr lang="en-IN" smtClean="0">
-                <a:latin typeface="Calibri" panose="020F0502020204030204" pitchFamily="34" charset="0"/>
-              </a:rPr>
-              <a:t>Lorem ipsum Lorem ipsum </a:t>
-            </a:r>
-          </a:p>
-          <a:p>
-            <a:r>
-              <a:rPr lang="en-IN" smtClean="0">
-                <a:latin typeface="Calibri" panose="020F0502020204030204" pitchFamily="34" charset="0"/>
-              </a:rPr>
-              <a:t>Lorem ipsum Lorem ipsum </a:t>
-            </a:r>
-          </a:p>
-          <a:p>
-            <a:r>
-              <a:rPr lang="en-IN" smtClean="0">
-                <a:latin typeface="Calibri" panose="020F0502020204030204" pitchFamily="34" charset="0"/>
-              </a:rPr>
-              <a:t>Lorem ipsum Lorem ipsum </a:t>
-            </a:r>
-          </a:p>
-        </p:txBody>
-      </p:sp>
-      <p:sp>
-        <p:nvSpPr>
-          <p:cNvPr id="6" name="Rectangle 5"/>
-          <p:cNvSpPr/>
-          <p:nvPr/>
-        </p:nvSpPr>
-        <p:spPr>
-          <a:xfrm>
-            <a:off x="4185634" y="1397600"/>
-            <a:ext cx="1970468" cy="309093"/>
-          </a:xfrm>
-          <a:prstGeom prst="rect">
-            <a:avLst/>
-          </a:prstGeom>
-          <a:noFill/>
-          <a:ln>
-            <a:noFill/>
-          </a:ln>
-        </p:spPr>
-        <p:style>
-          <a:lnRef idx="2">
-            <a:schemeClr val="dk1"/>
-          </a:lnRef>
-          <a:fillRef idx="1">
-            <a:schemeClr val="lt1"/>
-          </a:fillRef>
-          <a:effectRef idx="0">
-            <a:schemeClr val="dk1"/>
-          </a:effectRef>
-          <a:fontRef idx="minor">
-            <a:schemeClr val="dk1"/>
-          </a:fontRef>
-        </p:style>
-        <p:txBody>
-          <a:bodyPr rtlCol="0" anchor="ctr"/>
-          <a:lstStyle/>
-          <a:p>
-            <a:r>
-              <a:rPr lang="en-IN" dirty="0" smtClean="0">
-                <a:latin typeface="Calibri" panose="020F0502020204030204" pitchFamily="34" charset="0"/>
-              </a:rPr>
-              <a:t>About/Help</a:t>
-            </a:r>
-            <a:endParaRPr lang="en-IN" dirty="0">
-              <a:latin typeface="Calibri" panose="020F0502020204030204" pitchFamily="34" charset="0"/>
-            </a:endParaRPr>
-          </a:p>
-        </p:txBody>
-      </p:sp>
-      <p:sp>
-        <p:nvSpPr>
-          <p:cNvPr id="7" name="Rectangle 6"/>
-          <p:cNvSpPr/>
-          <p:nvPr/>
-        </p:nvSpPr>
-        <p:spPr>
-          <a:xfrm>
-            <a:off x="4121237" y="794441"/>
-            <a:ext cx="3966693" cy="441931"/>
-          </a:xfrm>
-          <a:prstGeom prst="rect">
-            <a:avLst/>
-          </a:prstGeom>
-          <a:ln/>
-        </p:spPr>
-        <p:style>
-          <a:lnRef idx="2">
-            <a:schemeClr val="accent4">
-              <a:shade val="50000"/>
-            </a:schemeClr>
-          </a:lnRef>
-          <a:fillRef idx="1">
-            <a:schemeClr val="accent4"/>
-          </a:fillRef>
-          <a:effectRef idx="0">
-            <a:schemeClr val="accent4"/>
-          </a:effectRef>
-          <a:fontRef idx="minor">
-            <a:schemeClr val="lt1"/>
-          </a:fontRef>
-        </p:style>
-        <p:txBody>
-          <a:bodyPr rtlCol="0" anchor="ctr"/>
-          <a:lstStyle/>
-          <a:p>
-            <a:pPr algn="ctr"/>
-            <a:r>
-              <a:rPr lang="en-IN" dirty="0" smtClean="0">
-                <a:solidFill>
-                  <a:schemeClr val="bg1"/>
-                </a:solidFill>
-                <a:latin typeface="Calibri" panose="020F0502020204030204" pitchFamily="34" charset="0"/>
-              </a:rPr>
-              <a:t>Attendance: About/Help 	                :	</a:t>
-            </a:r>
-            <a:endParaRPr lang="en-IN" dirty="0">
+              <a:t>As a user, I should be able to share this app with anyone.</a:t>
+            </a:r>
+            <a:endParaRPr lang="en-US" sz="2800" b="0" spc="0" dirty="0" smtClean="0">
+              <a:ln>
+                <a:noFill/>
+              </a:ln>
               <a:solidFill>
-                <a:schemeClr val="bg1"/>
+                <a:srgbClr val="363636"/>
               </a:solidFill>
-              <a:latin typeface="Calibri" panose="020F0502020204030204" pitchFamily="34" charset="0"/>
+              <a:effectLst/>
+              <a:latin typeface="+mj-lt"/>
             </a:endParaRPr>
           </a:p>
         </p:txBody>
@@ -29071,7 +31621,7 @@
     </p:spTree>
     <p:extLst>
       <p:ext uri="{BB962C8B-B14F-4D97-AF65-F5344CB8AC3E}">
-        <p14:creationId xmlns:p14="http://schemas.microsoft.com/office/powerpoint/2010/main" val="2609894188"/>
+        <p14:creationId xmlns:p14="http://schemas.microsoft.com/office/powerpoint/2010/main" val="3851206951"/>
       </p:ext>
     </p:extLst>
   </p:cSld>

--- a/Attendance Wireframes.pptx
+++ b/Attendance Wireframes.pptx
@@ -11,8 +11,8 @@
     <p:sldId id="256" r:id="rId2"/>
     <p:sldId id="354" r:id="rId3"/>
     <p:sldId id="335" r:id="rId4"/>
-    <p:sldId id="259" r:id="rId5"/>
-    <p:sldId id="260" r:id="rId6"/>
+    <p:sldId id="260" r:id="rId5"/>
+    <p:sldId id="259" r:id="rId6"/>
     <p:sldId id="291" r:id="rId7"/>
     <p:sldId id="292" r:id="rId8"/>
     <p:sldId id="334" r:id="rId9"/>
@@ -7212,11 +7212,7 @@
           <a:p>
             <a:r>
               <a:rPr lang="en-IN" dirty="0" smtClean="0"/>
-              <a:t>Menu </a:t>
-            </a:r>
-            <a:r>
-              <a:rPr lang="en-IN" dirty="0" smtClean="0"/>
-              <a:t>related user stories</a:t>
+              <a:t>Menu related user stories</a:t>
             </a:r>
             <a:endParaRPr lang="en-IN" dirty="0"/>
           </a:p>
@@ -7581,31 +7577,8 @@
                 <a:effectLst/>
                 <a:latin typeface="+mj-lt"/>
               </a:rPr>
-              <a:t>As a user, I should be able to sign out from any </a:t>
-            </a:r>
-            <a:r>
-              <a:rPr lang="en-US" sz="2800" b="0" spc="0" dirty="0" smtClean="0">
-                <a:ln>
-                  <a:noFill/>
-                </a:ln>
-                <a:solidFill>
-                  <a:srgbClr val="363636"/>
-                </a:solidFill>
-                <a:effectLst/>
-                <a:latin typeface="+mj-lt"/>
-              </a:rPr>
-              <a:t>screen.</a:t>
-            </a:r>
-            <a:endParaRPr lang="en-US" sz="2800" b="0" spc="0" dirty="0" smtClean="0">
-              <a:ln>
-                <a:noFill/>
-              </a:ln>
-              <a:solidFill>
-                <a:srgbClr val="363636"/>
-              </a:solidFill>
-              <a:effectLst/>
-              <a:latin typeface="+mj-lt"/>
-            </a:endParaRPr>
+              <a:t>As a user, I should be able to sign out from any screen.</a:t>
+            </a:r>
           </a:p>
           <a:p>
             <a:r>
@@ -7634,20 +7607,7 @@
                 <a:effectLst/>
                 <a:latin typeface="+mj-lt"/>
               </a:rPr>
-              <a:t>As a user, I should be able to share this app with anyone</a:t>
-            </a:r>
-            <a:r>
-              <a:rPr lang="en-US" sz="2800" b="0" spc="0" dirty="0" smtClean="0">
-                <a:ln>
-                  <a:noFill/>
-                </a:ln>
-                <a:solidFill>
-                  <a:srgbClr val="363636"/>
-                </a:solidFill>
-                <a:effectLst/>
-                <a:latin typeface="+mj-lt"/>
-              </a:rPr>
-              <a:t>.</a:t>
+              <a:t>As a user, I should be able to share this app with anyone.</a:t>
             </a:r>
           </a:p>
         </p:txBody>
@@ -7866,7 +7826,7 @@
         <p:spPr>
           <a:xfrm>
             <a:off x="5658201" y="1236374"/>
-            <a:ext cx="2375097" cy="3141345"/>
+            <a:ext cx="2375097" cy="3689587"/>
           </a:xfrm>
           <a:prstGeom prst="rect">
             <a:avLst/>
@@ -7928,8 +7888,26 @@
           <a:p>
             <a:r>
               <a:rPr lang="en-IN" dirty="0" smtClean="0"/>
-              <a:t>        Help</a:t>
-            </a:r>
+              <a:t>        </a:t>
+            </a:r>
+            <a:r>
+              <a:rPr lang="en-IN" dirty="0" smtClean="0"/>
+              <a:t>Help</a:t>
+            </a:r>
+          </a:p>
+          <a:p>
+            <a:endParaRPr lang="en-IN" dirty="0"/>
+          </a:p>
+          <a:p>
+            <a:r>
+              <a:rPr lang="en-IN" dirty="0"/>
+              <a:t> </a:t>
+            </a:r>
+            <a:r>
+              <a:rPr lang="en-IN" dirty="0" smtClean="0"/>
+              <a:t>        Change password</a:t>
+            </a:r>
+            <a:endParaRPr lang="en-IN" dirty="0" smtClean="0"/>
           </a:p>
           <a:p>
             <a:endParaRPr lang="en-IN" dirty="0" smtClean="0"/>
@@ -8343,7 +8321,37 @@
         </p:blipFill>
         <p:spPr>
           <a:xfrm>
-            <a:off x="5690667" y="3895830"/>
+            <a:off x="5670515" y="4425897"/>
+            <a:ext cx="457200" cy="457200"/>
+          </a:xfrm>
+          <a:prstGeom prst="rect">
+            <a:avLst/>
+          </a:prstGeom>
+        </p:spPr>
+      </p:pic>
+      <p:pic>
+        <p:nvPicPr>
+          <p:cNvPr id="12" name="Picture 11"/>
+          <p:cNvPicPr>
+            <a:picLocks noChangeAspect="1"/>
+          </p:cNvPicPr>
+          <p:nvPr/>
+        </p:nvPicPr>
+        <p:blipFill>
+          <a:blip r:embed="rId8">
+            <a:extLst>
+              <a:ext uri="{28A0092B-C50C-407E-A947-70E740481C1C}">
+                <a14:useLocalDpi xmlns:a14="http://schemas.microsoft.com/office/drawing/2010/main" val="0"/>
+              </a:ext>
+            </a:extLst>
+          </a:blip>
+          <a:stretch>
+            <a:fillRect/>
+          </a:stretch>
+        </p:blipFill>
+        <p:spPr>
+          <a:xfrm>
+            <a:off x="5705416" y="3895886"/>
             <a:ext cx="457200" cy="457200"/>
           </a:xfrm>
           <a:prstGeom prst="rect">
@@ -8787,6 +8795,13 @@
   <p:clrMapOvr>
     <a:masterClrMapping/>
   </p:clrMapOvr>
+  <p:timing>
+    <p:tnLst>
+      <p:par>
+        <p:cTn id="1" dur="indefinite" restart="never" nodeType="tmRoot"/>
+      </p:par>
+    </p:tnLst>
+  </p:timing>
 </p:sld>
 </file>
 
@@ -8824,11 +8839,7 @@
           <a:p>
             <a:r>
               <a:rPr lang="en-IN" dirty="0" smtClean="0"/>
-              <a:t>Facilitator </a:t>
-            </a:r>
-            <a:r>
-              <a:rPr lang="en-IN" dirty="0" smtClean="0"/>
-              <a:t>Home Screen</a:t>
+              <a:t>Facilitator Home Screen</a:t>
             </a:r>
             <a:endParaRPr lang="en-IN" dirty="0"/>
           </a:p>
@@ -8853,7 +8864,15 @@
           <a:p>
             <a:r>
               <a:rPr lang="en-IN" sz="2400" dirty="0" smtClean="0"/>
-              <a:t>As a facilitator, I should be able to login in app and get a home screen with options to manage attendance, timetable, courses and reports.</a:t>
+              <a:t>As a facilitator, I should be able to login in app and get a home screen with options to manage attendance, timetable, </a:t>
+            </a:r>
+            <a:r>
+              <a:rPr lang="en-IN" sz="2400" dirty="0" smtClean="0"/>
+              <a:t>courses, holidays </a:t>
+            </a:r>
+            <a:r>
+              <a:rPr lang="en-IN" sz="2400" dirty="0" smtClean="0"/>
+              <a:t>and reports.</a:t>
             </a:r>
             <a:endParaRPr lang="en-IN" sz="2400" dirty="0"/>
           </a:p>
@@ -9111,13 +9130,7 @@
                 <a:rPr lang="en-IN" dirty="0" smtClean="0">
                   <a:latin typeface="Calibri" panose="020F0502020204030204" pitchFamily="34" charset="0"/>
                 </a:rPr>
-                <a:t>Start taking attendance </a:t>
-              </a:r>
-              <a:r>
-                <a:rPr lang="en-IN" dirty="0" smtClean="0">
-                  <a:latin typeface="Calibri" panose="020F0502020204030204" pitchFamily="34" charset="0"/>
-                </a:rPr>
-                <a:t>now</a:t>
+                <a:t>Start taking attendance now</a:t>
               </a:r>
               <a:endParaRPr lang="en-IN" dirty="0">
                 <a:latin typeface="Calibri" panose="020F0502020204030204" pitchFamily="34" charset="0"/>
@@ -9163,13 +9176,7 @@
                 <a:rPr lang="en-IN" dirty="0" smtClean="0">
                   <a:latin typeface="Calibri" panose="020F0502020204030204" pitchFamily="34" charset="0"/>
                 </a:rPr>
-                <a:t>Fill attendance </a:t>
-              </a:r>
-              <a:r>
-                <a:rPr lang="en-IN" dirty="0" smtClean="0">
-                  <a:latin typeface="Calibri" panose="020F0502020204030204" pitchFamily="34" charset="0"/>
-                </a:rPr>
-                <a:t>manually</a:t>
+                <a:t>Fill attendance manually</a:t>
               </a:r>
               <a:endParaRPr lang="en-IN" dirty="0">
                 <a:latin typeface="Calibri" panose="020F0502020204030204" pitchFamily="34" charset="0"/>
@@ -9354,19 +9361,7 @@
               <a:rPr lang="en-IN" dirty="0" smtClean="0">
                 <a:latin typeface="Calibri" panose="020F0502020204030204" pitchFamily="34" charset="0"/>
               </a:rPr>
-              <a:t>Add </a:t>
-            </a:r>
-            <a:r>
-              <a:rPr lang="en-IN" dirty="0" smtClean="0">
-                <a:latin typeface="Calibri" panose="020F0502020204030204" pitchFamily="34" charset="0"/>
-              </a:rPr>
-              <a:t>attendees </a:t>
-            </a:r>
-            <a:r>
-              <a:rPr lang="en-IN" dirty="0" smtClean="0">
-                <a:latin typeface="Calibri" panose="020F0502020204030204" pitchFamily="34" charset="0"/>
-              </a:rPr>
-              <a:t>to a course</a:t>
+              <a:t>Manage holidays</a:t>
             </a:r>
             <a:endParaRPr lang="en-IN" dirty="0">
               <a:latin typeface="Calibri" panose="020F0502020204030204" pitchFamily="34" charset="0"/>
@@ -9453,27 +9448,14 @@
           <a:p>
             <a:r>
               <a:rPr lang="en-IN" sz="2400" dirty="0" smtClean="0"/>
-              <a:t>As a facilitator, I should be able to login in app to take attendance from </a:t>
-            </a:r>
+              <a:t>As a facilitator, I should be able to login in app to take attendance from attendees by giving them randomly generated code.</a:t>
+            </a:r>
+          </a:p>
+          <a:p>
             <a:r>
               <a:rPr lang="en-IN" sz="2400" dirty="0" smtClean="0"/>
-              <a:t>attendees </a:t>
-            </a:r>
-            <a:r>
-              <a:rPr lang="en-IN" sz="2400" dirty="0" smtClean="0"/>
-              <a:t>by giving them randomly generated code.</a:t>
-            </a:r>
-          </a:p>
-          <a:p>
-            <a:r>
-              <a:rPr lang="en-IN" sz="2400" dirty="0" smtClean="0"/>
-              <a:t>As a facilitator, I should be able to manually add or change the attendance supplied by </a:t>
-            </a:r>
-            <a:r>
-              <a:rPr lang="en-IN" sz="2400" dirty="0" smtClean="0"/>
-              <a:t>attendees.</a:t>
-            </a:r>
-            <a:endParaRPr lang="en-IN" sz="2400" dirty="0" smtClean="0"/>
+              <a:t>As a facilitator, I should be able to manually add or change the attendance supplied by attendees.</a:t>
+            </a:r>
           </a:p>
           <a:p>
             <a:r>
@@ -9641,7 +9623,6 @@
                 <a:rPr lang="en-IN" dirty="0" smtClean="0"/>
                 <a:t> Take attendance for this class</a:t>
               </a:r>
-              <a:endParaRPr lang="en-IN" dirty="0" smtClean="0"/>
             </a:p>
           </p:txBody>
         </p:sp>
@@ -9773,11 +9754,7 @@
           <a:p>
             <a:r>
               <a:rPr lang="en-IN" dirty="0" smtClean="0"/>
-              <a:t>Start taking attendance </a:t>
-            </a:r>
-            <a:r>
-              <a:rPr lang="en-IN" dirty="0" smtClean="0"/>
-              <a:t>now</a:t>
+              <a:t>Start taking attendance now</a:t>
             </a:r>
             <a:endParaRPr lang="en-IN" dirty="0"/>
           </a:p>
@@ -9989,13 +9966,7 @@
                 <a:rPr lang="en-IN" dirty="0" smtClean="0">
                   <a:latin typeface="Calibri" panose="020F0502020204030204" pitchFamily="34" charset="0"/>
                 </a:rPr>
-                <a:t>Start taking attendance </a:t>
-              </a:r>
-              <a:r>
-                <a:rPr lang="en-IN" dirty="0" smtClean="0">
-                  <a:latin typeface="Calibri" panose="020F0502020204030204" pitchFamily="34" charset="0"/>
-                </a:rPr>
-                <a:t>now</a:t>
+                <a:t>Start taking attendance now</a:t>
               </a:r>
               <a:endParaRPr lang="en-IN" dirty="0">
                 <a:latin typeface="Calibri" panose="020F0502020204030204" pitchFamily="34" charset="0"/>
@@ -10042,13 +10013,7 @@
                 <a:rPr lang="en-IN" dirty="0" smtClean="0">
                   <a:latin typeface="Calibri" panose="020F0502020204030204" pitchFamily="34" charset="0"/>
                 </a:rPr>
-                <a:t>Fill attendance </a:t>
-              </a:r>
-              <a:r>
-                <a:rPr lang="en-IN" dirty="0" smtClean="0">
-                  <a:latin typeface="Calibri" panose="020F0502020204030204" pitchFamily="34" charset="0"/>
-                </a:rPr>
-                <a:t>manually</a:t>
+                <a:t>Fill attendance manually</a:t>
               </a:r>
               <a:endParaRPr lang="en-IN" dirty="0">
                 <a:latin typeface="Calibri" panose="020F0502020204030204" pitchFamily="34" charset="0"/>
@@ -10242,19 +10207,7 @@
               <a:rPr lang="en-IN" dirty="0" smtClean="0">
                 <a:latin typeface="Calibri" panose="020F0502020204030204" pitchFamily="34" charset="0"/>
               </a:rPr>
-              <a:t>Add </a:t>
-            </a:r>
-            <a:r>
-              <a:rPr lang="en-IN" dirty="0" smtClean="0">
-                <a:latin typeface="Calibri" panose="020F0502020204030204" pitchFamily="34" charset="0"/>
-              </a:rPr>
-              <a:t>attendees </a:t>
-            </a:r>
-            <a:r>
-              <a:rPr lang="en-IN" dirty="0" smtClean="0">
-                <a:latin typeface="Calibri" panose="020F0502020204030204" pitchFamily="34" charset="0"/>
-              </a:rPr>
-              <a:t>to a course</a:t>
+              <a:t>Add attendees to a course</a:t>
             </a:r>
             <a:endParaRPr lang="en-IN" dirty="0">
               <a:latin typeface="Calibri" panose="020F0502020204030204" pitchFamily="34" charset="0"/>
@@ -10346,19 +10299,7 @@
               <a:rPr lang="en-IN" dirty="0" smtClean="0">
                 <a:latin typeface="Calibri" panose="020F0502020204030204" pitchFamily="34" charset="0"/>
               </a:rPr>
-              <a:t>Let </a:t>
-            </a:r>
-            <a:r>
-              <a:rPr lang="en-IN" dirty="0" smtClean="0">
-                <a:latin typeface="Calibri" panose="020F0502020204030204" pitchFamily="34" charset="0"/>
-              </a:rPr>
-              <a:t>attendees </a:t>
-            </a:r>
-            <a:r>
-              <a:rPr lang="en-IN" dirty="0" smtClean="0">
-                <a:latin typeface="Calibri" panose="020F0502020204030204" pitchFamily="34" charset="0"/>
-              </a:rPr>
-              <a:t>start</a:t>
+              <a:t>Let attendees start</a:t>
             </a:r>
             <a:endParaRPr lang="en-IN" dirty="0">
               <a:latin typeface="Calibri" panose="020F0502020204030204" pitchFamily="34" charset="0"/>
@@ -10427,11 +10368,7 @@
           <a:p>
             <a:r>
               <a:rPr lang="en-IN" sz="3400" dirty="0" smtClean="0"/>
-              <a:t>Fill attendance manually </a:t>
-            </a:r>
-            <a:r>
-              <a:rPr lang="en-IN" sz="3400" dirty="0" smtClean="0"/>
-              <a:t>or after attendees have submitted their attendance</a:t>
+              <a:t>Fill attendance manually or after attendees have submitted their attendance</a:t>
             </a:r>
             <a:endParaRPr lang="en-IN" sz="3400" dirty="0"/>
           </a:p>
@@ -10611,14 +10548,14 @@
           <p:nvPr>
             <p:extLst>
               <p:ext uri="{D42A27DB-BD31-4B8C-83A1-F6EECF244321}">
-                <p14:modId xmlns:p14="http://schemas.microsoft.com/office/powerpoint/2010/main" val="3332900110"/>
+                <p14:modId xmlns:p14="http://schemas.microsoft.com/office/powerpoint/2010/main" val="1796661237"/>
               </p:ext>
             </p:extLst>
           </p:nvPr>
         </p:nvGraphicFramePr>
         <p:xfrm>
-          <a:off x="4121237" y="2669080"/>
-          <a:ext cx="3966693" cy="3335935"/>
+          <a:off x="4121237" y="2580592"/>
+          <a:ext cx="3966693" cy="3463614"/>
         </p:xfrm>
         <a:graphic>
           <a:graphicData uri="http://schemas.openxmlformats.org/drawingml/2006/table">
@@ -10629,7 +10566,7 @@
               <a:tblGrid>
                 <a:gridCol w="3966693"/>
               </a:tblGrid>
-              <a:tr h="797451">
+              <a:tr h="883505">
                 <a:tc>
                   <a:txBody>
                     <a:bodyPr/>
@@ -10641,8 +10578,23 @@
                             <a:schemeClr val="bg1"/>
                           </a:solidFill>
                         </a:rPr>
-                        <a:t>         915717457</a:t>
+                        <a:t>915717457</a:t>
                       </a:r>
+                    </a:p>
+                    <a:p>
+                      <a:r>
+                        <a:rPr lang="en-IN" baseline="0" dirty="0" smtClean="0">
+                          <a:solidFill>
+                            <a:schemeClr val="bg1"/>
+                          </a:solidFill>
+                        </a:rPr>
+                        <a:t>rshah1@mail.sfsu.edu </a:t>
+                      </a:r>
+                      <a:endParaRPr lang="en-IN" dirty="0" smtClean="0">
+                        <a:solidFill>
+                          <a:schemeClr val="bg1"/>
+                        </a:solidFill>
+                      </a:endParaRPr>
                     </a:p>
                     <a:p>
                       <a:r>
@@ -10651,7 +10603,7 @@
                             <a:schemeClr val="bg1"/>
                           </a:solidFill>
                         </a:rPr>
-                        <a:t>         Rujoota</a:t>
+                        <a:t>Rujoota</a:t>
                       </a:r>
                       <a:r>
                         <a:rPr lang="en-IN" b="0" baseline="0" dirty="0" smtClean="0">
@@ -10659,7 +10611,15 @@
                             <a:schemeClr val="bg1"/>
                           </a:solidFill>
                         </a:rPr>
-                        <a:t> Shah</a:t>
+                        <a:t> </a:t>
+                      </a:r>
+                      <a:r>
+                        <a:rPr lang="en-IN" b="0" baseline="0" dirty="0" smtClean="0">
+                          <a:solidFill>
+                            <a:schemeClr val="bg1"/>
+                          </a:solidFill>
+                        </a:rPr>
+                        <a:t>Shah</a:t>
                       </a:r>
                       <a:endParaRPr lang="en-IN" b="0" dirty="0">
                         <a:solidFill>
@@ -10671,7 +10631,7 @@
                   <a:tcPr/>
                 </a:tc>
               </a:tr>
-              <a:tr h="764275">
+              <a:tr h="883505">
                 <a:tc>
                   <a:txBody>
                     <a:bodyPr/>
@@ -10683,7 +10643,22 @@
                             <a:schemeClr val="bg1"/>
                           </a:solidFill>
                         </a:rPr>
-                        <a:t>         915717458</a:t>
+                        <a:t>915717458</a:t>
+                      </a:r>
+                      <a:endParaRPr lang="en-IN" dirty="0" smtClean="0">
+                        <a:solidFill>
+                          <a:schemeClr val="bg1"/>
+                        </a:solidFill>
+                      </a:endParaRPr>
+                    </a:p>
+                    <a:p>
+                      <a:r>
+                        <a:rPr lang="en-IN" dirty="0" smtClean="0">
+                          <a:solidFill>
+                            <a:schemeClr val="bg1"/>
+                          </a:solidFill>
+                        </a:rPr>
+                        <a:t>rajan@mail.sfsu.edu</a:t>
                       </a:r>
                     </a:p>
                     <a:p>
@@ -10693,7 +10668,15 @@
                             <a:schemeClr val="bg1"/>
                           </a:solidFill>
                         </a:rPr>
-                        <a:t>         Rajan Jethva</a:t>
+                        <a:t>Rajan </a:t>
+                      </a:r>
+                      <a:r>
+                        <a:rPr lang="en-IN" dirty="0" smtClean="0">
+                          <a:solidFill>
+                            <a:schemeClr val="bg1"/>
+                          </a:solidFill>
+                        </a:rPr>
+                        <a:t>Jethva</a:t>
                       </a:r>
                       <a:endParaRPr lang="en-IN" dirty="0">
                         <a:solidFill>
@@ -10705,7 +10688,7 @@
                   <a:tcPr/>
                 </a:tc>
               </a:tr>
-              <a:tr h="900752">
+              <a:tr h="829982">
                 <a:tc>
                   <a:txBody>
                     <a:bodyPr/>
@@ -10721,7 +10704,7 @@
                   <a:tcPr/>
                 </a:tc>
               </a:tr>
-              <a:tr h="873457">
+              <a:tr h="804832">
                 <a:tc>
                   <a:txBody>
                     <a:bodyPr/>
@@ -10877,7 +10860,7 @@
         </p:nvGrpSpPr>
         <p:grpSpPr>
           <a:xfrm>
-            <a:off x="6812507" y="3618937"/>
+            <a:off x="6812507" y="3677929"/>
             <a:ext cx="272955" cy="232012"/>
             <a:chOff x="5977719" y="2893325"/>
             <a:chExt cx="272955" cy="232012"/>
@@ -10988,7 +10971,7 @@
         </p:nvSpPr>
         <p:spPr>
           <a:xfrm>
-            <a:off x="7180995" y="3550697"/>
+            <a:off x="7180995" y="3609689"/>
             <a:ext cx="409433" cy="407267"/>
           </a:xfrm>
           <a:prstGeom prst="mathMultiply">
@@ -11122,23 +11105,7 @@
                   <a:schemeClr val="bg1"/>
                 </a:solidFill>
               </a:rPr>
-              <a:t>Add special notes for this class like </a:t>
-            </a:r>
-            <a:r>
-              <a:rPr lang="en-IN" dirty="0" smtClean="0">
-                <a:solidFill>
-                  <a:schemeClr val="bg1"/>
-                </a:solidFill>
-              </a:rPr>
-              <a:t>class </a:t>
-            </a:r>
-            <a:r>
-              <a:rPr lang="en-IN" dirty="0" smtClean="0">
-                <a:solidFill>
-                  <a:schemeClr val="bg1"/>
-                </a:solidFill>
-              </a:rPr>
-              <a:t>topic etc.</a:t>
+              <a:t>Add special notes for this class like class topic etc.</a:t>
             </a:r>
             <a:endParaRPr lang="en-IN" dirty="0">
               <a:solidFill>
@@ -11356,7 +11323,7 @@
         </p:blipFill>
         <p:spPr>
           <a:xfrm>
-            <a:off x="7616566" y="3539829"/>
+            <a:off x="7616566" y="3598821"/>
             <a:ext cx="457200" cy="457200"/>
           </a:xfrm>
           <a:prstGeom prst="rect">
@@ -11435,13 +11402,7 @@
               <a:rPr lang="en-IN" dirty="0" smtClean="0">
                 <a:latin typeface="Calibri" panose="020F0502020204030204" pitchFamily="34" charset="0"/>
               </a:rPr>
-              <a:t>All </a:t>
-            </a:r>
-            <a:r>
-              <a:rPr lang="en-IN" dirty="0" smtClean="0">
-                <a:latin typeface="Calibri" panose="020F0502020204030204" pitchFamily="34" charset="0"/>
-              </a:rPr>
-              <a:t>absent</a:t>
+              <a:t>All absent</a:t>
             </a:r>
             <a:endParaRPr lang="en-IN" dirty="0">
               <a:latin typeface="Calibri" panose="020F0502020204030204" pitchFamily="34" charset="0"/>
@@ -11645,38 +11606,58 @@
         </p:nvSpPr>
         <p:spPr/>
         <p:txBody>
-          <a:bodyPr/>
-          <a:lstStyle/>
-          <a:p>
-            <a:r>
-              <a:rPr lang="en-IN" dirty="0" smtClean="0"/>
-              <a:t>Student – can be a attendee attending courses at university or any attendee of a seminar. In either cases, id number and email id should be assigned.</a:t>
-            </a:r>
-          </a:p>
-          <a:p>
-            <a:r>
-              <a:rPr lang="en-IN" dirty="0" smtClean="0"/>
+          <a:bodyPr>
+            <a:normAutofit/>
+          </a:bodyPr>
+          <a:lstStyle/>
+          <a:p>
+            <a:r>
+              <a:rPr lang="en-IN" sz="2400" dirty="0" smtClean="0"/>
+              <a:t>Student – can be a attendee attending courses at university or any attendee of a seminar. In either cases, id number </a:t>
+            </a:r>
+            <a:r>
+              <a:rPr lang="en-IN" sz="2400" dirty="0" smtClean="0"/>
+              <a:t>should be assigned and </a:t>
+            </a:r>
+            <a:r>
+              <a:rPr lang="en-IN" sz="2400" dirty="0" smtClean="0"/>
+              <a:t>email id </a:t>
+            </a:r>
+            <a:r>
+              <a:rPr lang="en-IN" sz="2400" dirty="0" smtClean="0"/>
+              <a:t>can be used for registration.</a:t>
+            </a:r>
+            <a:endParaRPr lang="en-IN" sz="2400" dirty="0" smtClean="0"/>
+          </a:p>
+          <a:p>
+            <a:r>
+              <a:rPr lang="en-IN" sz="2400" dirty="0" smtClean="0"/>
               <a:t>Facilitator – can be a teacher at university or person managing attendance of an event. Need to signup as facilitator with email id.</a:t>
             </a:r>
           </a:p>
           <a:p>
             <a:r>
-              <a:rPr lang="en-IN" dirty="0" smtClean="0"/>
+              <a:rPr lang="en-IN" sz="2400" dirty="0" smtClean="0"/>
               <a:t>Course – can be a course at university or any other event/seminar.</a:t>
             </a:r>
           </a:p>
           <a:p>
             <a:r>
-              <a:rPr lang="en-IN" dirty="0" smtClean="0"/>
-              <a:t>Class – course occurring at a specific time.</a:t>
-            </a:r>
-          </a:p>
-          <a:p>
-            <a:r>
-              <a:rPr lang="en-IN" dirty="0" smtClean="0"/>
+              <a:rPr lang="en-IN" sz="2400" dirty="0" smtClean="0"/>
+              <a:t>Class – </a:t>
+            </a:r>
+            <a:r>
+              <a:rPr lang="en-IN" sz="2400" dirty="0" smtClean="0"/>
+              <a:t>Specific occurrence of course.</a:t>
+            </a:r>
+            <a:endParaRPr lang="en-IN" sz="2400" dirty="0" smtClean="0"/>
+          </a:p>
+          <a:p>
+            <a:r>
+              <a:rPr lang="en-IN" sz="2400" dirty="0" smtClean="0"/>
               <a:t>Time table – calendar entries of when a course is occurring. </a:t>
             </a:r>
-            <a:endParaRPr lang="en-IN" dirty="0"/>
+            <a:endParaRPr lang="en-IN" sz="2400" dirty="0"/>
           </a:p>
         </p:txBody>
       </p:sp>
@@ -11713,6 +11694,13 @@
   <p:clrMapOvr>
     <a:masterClrMapping/>
   </p:clrMapOvr>
+  <p:timing>
+    <p:tnLst>
+      <p:par>
+        <p:cTn id="1" dur="indefinite" restart="never" nodeType="tmRoot"/>
+      </p:par>
+    </p:tnLst>
+  </p:timing>
 </p:sld>
 </file>
 
@@ -11795,11 +11783,7 @@
           <a:p>
             <a:r>
               <a:rPr lang="en-IN" sz="2400" dirty="0" smtClean="0"/>
-              <a:t>As a facilitator, I should be able to view holidays when I do not need to take attendance</a:t>
-            </a:r>
-            <a:r>
-              <a:rPr lang="en-IN" sz="2400" dirty="0" smtClean="0"/>
-              <a:t>.</a:t>
+              <a:t>As a facilitator, I should be able to view holidays when I do not need to take attendance.</a:t>
             </a:r>
           </a:p>
         </p:txBody>
@@ -13221,15 +13205,7 @@
           <a:p>
             <a:r>
               <a:rPr lang="en-IN" dirty="0" smtClean="0"/>
-              <a:t>My </a:t>
-            </a:r>
-            <a:r>
-              <a:rPr lang="en-IN" dirty="0" smtClean="0"/>
-              <a:t>timetable - Add </a:t>
-            </a:r>
-            <a:r>
-              <a:rPr lang="en-IN" dirty="0" smtClean="0"/>
-              <a:t>course to my timetable</a:t>
+              <a:t>My timetable - Add course to my timetable</a:t>
             </a:r>
             <a:endParaRPr lang="en-IN" dirty="0"/>
           </a:p>
@@ -14373,15 +14349,7 @@
                   <a:schemeClr val="bg1"/>
                 </a:solidFill>
               </a:rPr>
-              <a:t>Courses as defined by </a:t>
-            </a:r>
-            <a:r>
-              <a:rPr lang="en-IN" dirty="0" smtClean="0">
-                <a:solidFill>
-                  <a:schemeClr val="bg1"/>
-                </a:solidFill>
-              </a:rPr>
-              <a:t>facilitator</a:t>
+              <a:t>Courses as defined by facilitator</a:t>
             </a:r>
             <a:endParaRPr lang="en-IN" dirty="0">
               <a:solidFill>
@@ -14601,11 +14569,7 @@
           <a:p>
             <a:r>
               <a:rPr lang="en-IN" dirty="0" smtClean="0"/>
-              <a:t>My timetable- select any date </a:t>
-            </a:r>
-            <a:r>
-              <a:rPr lang="en-IN" dirty="0" smtClean="0"/>
-              <a:t>– edit course occurrence</a:t>
+              <a:t>My timetable- select any date – edit course occurrence</a:t>
             </a:r>
             <a:endParaRPr lang="en-IN" dirty="0"/>
           </a:p>
@@ -15429,7 +15393,7 @@
               <a:rPr lang="en-IN" dirty="0" smtClean="0">
                 <a:latin typeface="Calibri" panose="020F0502020204030204" pitchFamily="34" charset="0"/>
               </a:rPr>
-              <a:t>Done</a:t>
+              <a:t>Ok</a:t>
             </a:r>
             <a:endParaRPr lang="en-IN" dirty="0">
               <a:latin typeface="Calibri" panose="020F0502020204030204" pitchFamily="34" charset="0"/>
@@ -15730,11 +15694,7 @@
           <a:p>
             <a:r>
               <a:rPr lang="en-IN" dirty="0" smtClean="0"/>
-              <a:t>My time table – </a:t>
-            </a:r>
-            <a:r>
-              <a:rPr lang="en-IN" dirty="0" smtClean="0"/>
-              <a:t>select any date – delete course occurrence</a:t>
+              <a:t>My time table – select any date – delete course occurrence</a:t>
             </a:r>
             <a:endParaRPr lang="en-IN" dirty="0"/>
           </a:p>
@@ -16556,38 +16516,21 @@
           <a:p>
             <a:r>
               <a:rPr lang="en-IN" sz="2400" dirty="0" smtClean="0"/>
-              <a:t>As a facilitator, I should be able to view my </a:t>
-            </a:r>
-            <a:r>
-              <a:rPr lang="en-IN" sz="2400" dirty="0" smtClean="0"/>
-              <a:t>courses </a:t>
-            </a:r>
-            <a:r>
-              <a:rPr lang="en-IN" sz="2400" dirty="0" smtClean="0"/>
-              <a:t>and make changes to it.</a:t>
+              <a:t>As a facilitator, I should be able to view my courses and make changes to it.</a:t>
             </a:r>
           </a:p>
           <a:p>
             <a:pPr lvl="1"/>
             <a:r>
               <a:rPr lang="en-IN" sz="2200" dirty="0" smtClean="0"/>
-              <a:t>I should be able to add </a:t>
-            </a:r>
+              <a:t>I should be able to add new courses’ information.</a:t>
+            </a:r>
+          </a:p>
+          <a:p>
+            <a:pPr lvl="1"/>
             <a:r>
               <a:rPr lang="en-IN" sz="2200" dirty="0" smtClean="0"/>
-              <a:t>new courses’ information.</a:t>
-            </a:r>
-            <a:endParaRPr lang="en-IN" sz="2200" dirty="0" smtClean="0"/>
-          </a:p>
-          <a:p>
-            <a:pPr lvl="1"/>
-            <a:r>
-              <a:rPr lang="en-IN" sz="2200" dirty="0" smtClean="0"/>
-              <a:t>I should be able to delete or update already added </a:t>
-            </a:r>
-            <a:r>
-              <a:rPr lang="en-IN" sz="2200" dirty="0" smtClean="0"/>
-              <a:t>courses.</a:t>
+              <a:t>I should be able to delete or update already added courses.</a:t>
             </a:r>
           </a:p>
         </p:txBody>
@@ -17061,20 +17004,274 @@
           </a:graphicData>
         </a:graphic>
       </p:graphicFrame>
-      <p:sp>
-        <p:nvSpPr>
-          <p:cNvPr id="17" name="Oval 16"/>
+      <p:pic>
+        <p:nvPicPr>
+          <p:cNvPr id="12" name="Picture 11"/>
+          <p:cNvPicPr>
+            <a:picLocks noChangeAspect="1"/>
+          </p:cNvPicPr>
+          <p:nvPr/>
+        </p:nvPicPr>
+        <p:blipFill>
+          <a:blip r:embed="rId2">
+            <a:extLst>
+              <a:ext uri="{28A0092B-C50C-407E-A947-70E740481C1C}">
+                <a14:useLocalDpi xmlns:a14="http://schemas.microsoft.com/office/drawing/2010/main" val="0"/>
+              </a:ext>
+            </a:extLst>
+          </a:blip>
+          <a:stretch>
+            <a:fillRect/>
+          </a:stretch>
+        </p:blipFill>
+        <p:spPr>
+          <a:xfrm>
+            <a:off x="7586485" y="1768826"/>
+            <a:ext cx="457200" cy="457200"/>
+          </a:xfrm>
+          <a:prstGeom prst="rect">
+            <a:avLst/>
+          </a:prstGeom>
+        </p:spPr>
+      </p:pic>
+      <p:pic>
+        <p:nvPicPr>
+          <p:cNvPr id="14" name="Picture 13"/>
+          <p:cNvPicPr>
+            <a:picLocks noChangeAspect="1"/>
+          </p:cNvPicPr>
+          <p:nvPr/>
+        </p:nvPicPr>
+        <p:blipFill>
+          <a:blip r:embed="rId2">
+            <a:extLst>
+              <a:ext uri="{28A0092B-C50C-407E-A947-70E740481C1C}">
+                <a14:useLocalDpi xmlns:a14="http://schemas.microsoft.com/office/drawing/2010/main" val="0"/>
+              </a:ext>
+            </a:extLst>
+          </a:blip>
+          <a:stretch>
+            <a:fillRect/>
+          </a:stretch>
+        </p:blipFill>
+        <p:spPr>
+          <a:xfrm>
+            <a:off x="7591400" y="2835622"/>
+            <a:ext cx="457200" cy="457200"/>
+          </a:xfrm>
+          <a:prstGeom prst="rect">
+            <a:avLst/>
+          </a:prstGeom>
+        </p:spPr>
+      </p:pic>
+      <p:pic>
+        <p:nvPicPr>
+          <p:cNvPr id="16" name="Picture 15"/>
+          <p:cNvPicPr>
+            <a:picLocks noChangeAspect="1"/>
+          </p:cNvPicPr>
+          <p:nvPr/>
+        </p:nvPicPr>
+        <p:blipFill>
+          <a:blip r:embed="rId2">
+            <a:extLst>
+              <a:ext uri="{28A0092B-C50C-407E-A947-70E740481C1C}">
+                <a14:useLocalDpi xmlns:a14="http://schemas.microsoft.com/office/drawing/2010/main" val="0"/>
+              </a:ext>
+            </a:extLst>
+          </a:blip>
+          <a:stretch>
+            <a:fillRect/>
+          </a:stretch>
+        </p:blipFill>
+        <p:spPr>
+          <a:xfrm>
+            <a:off x="7606150" y="3528800"/>
+            <a:ext cx="457200" cy="457200"/>
+          </a:xfrm>
+          <a:prstGeom prst="rect">
+            <a:avLst/>
+          </a:prstGeom>
+        </p:spPr>
+      </p:pic>
+      <p:cxnSp>
+        <p:nvCxnSpPr>
+          <p:cNvPr id="18" name="Straight Arrow Connector 17"/>
+          <p:cNvCxnSpPr>
+            <a:endCxn id="19" idx="3"/>
+          </p:cNvCxnSpPr>
+          <p:nvPr/>
+        </p:nvCxnSpPr>
+        <p:spPr>
+          <a:xfrm flipH="1" flipV="1">
+            <a:off x="3451124" y="2342116"/>
+            <a:ext cx="1047134" cy="268345"/>
+          </a:xfrm>
+          <a:prstGeom prst="straightConnector1">
+            <a:avLst/>
+          </a:prstGeom>
+          <a:ln>
+            <a:tailEnd type="triangle"/>
+          </a:ln>
+        </p:spPr>
+        <p:style>
+          <a:lnRef idx="1">
+            <a:schemeClr val="dk1"/>
+          </a:lnRef>
+          <a:fillRef idx="0">
+            <a:schemeClr val="dk1"/>
+          </a:fillRef>
+          <a:effectRef idx="0">
+            <a:schemeClr val="dk1"/>
+          </a:effectRef>
+          <a:fontRef idx="minor">
+            <a:schemeClr val="tx1"/>
+          </a:fontRef>
+        </p:style>
+      </p:cxnSp>
+      <p:sp>
+        <p:nvSpPr>
+          <p:cNvPr id="19" name="TextBox 18"/>
+          <p:cNvSpPr txBox="1"/>
+          <p:nvPr/>
+        </p:nvSpPr>
+        <p:spPr>
+          <a:xfrm>
+            <a:off x="603846" y="1880451"/>
+            <a:ext cx="2847278" cy="923330"/>
+          </a:xfrm>
+          <a:prstGeom prst="rect">
+            <a:avLst/>
+          </a:prstGeom>
+          <a:noFill/>
+        </p:spPr>
+        <p:txBody>
+          <a:bodyPr wrap="square" rtlCol="0">
+            <a:spAutoFit/>
+          </a:bodyPr>
+          <a:lstStyle/>
+          <a:p>
+            <a:r>
+              <a:rPr lang="en-IN" dirty="0" smtClean="0">
+                <a:solidFill>
+                  <a:srgbClr val="363636"/>
+                </a:solidFill>
+              </a:rPr>
+              <a:t>Clickable, on click of this, it will go to add attendees screen</a:t>
+            </a:r>
+            <a:endParaRPr lang="en-IN" dirty="0">
+              <a:solidFill>
+                <a:srgbClr val="363636"/>
+              </a:solidFill>
+            </a:endParaRPr>
+          </a:p>
+        </p:txBody>
+      </p:sp>
+      <p:pic>
+        <p:nvPicPr>
+          <p:cNvPr id="23" name="Picture 22"/>
+          <p:cNvPicPr>
+            <a:picLocks noChangeAspect="1"/>
+          </p:cNvPicPr>
+          <p:nvPr/>
+        </p:nvPicPr>
+        <p:blipFill>
+          <a:blip r:embed="rId3">
+            <a:extLst>
+              <a:ext uri="{28A0092B-C50C-407E-A947-70E740481C1C}">
+                <a14:useLocalDpi xmlns:a14="http://schemas.microsoft.com/office/drawing/2010/main" val="0"/>
+              </a:ext>
+            </a:extLst>
+          </a:blip>
+          <a:stretch>
+            <a:fillRect/>
+          </a:stretch>
+        </p:blipFill>
+        <p:spPr>
+          <a:xfrm>
+            <a:off x="7085041" y="1835463"/>
+            <a:ext cx="457200" cy="457200"/>
+          </a:xfrm>
+          <a:prstGeom prst="rect">
+            <a:avLst/>
+          </a:prstGeom>
+        </p:spPr>
+      </p:pic>
+      <p:pic>
+        <p:nvPicPr>
+          <p:cNvPr id="24" name="Picture 23"/>
+          <p:cNvPicPr>
+            <a:picLocks noChangeAspect="1"/>
+          </p:cNvPicPr>
+          <p:nvPr/>
+        </p:nvPicPr>
+        <p:blipFill>
+          <a:blip r:embed="rId3">
+            <a:extLst>
+              <a:ext uri="{28A0092B-C50C-407E-A947-70E740481C1C}">
+                <a14:useLocalDpi xmlns:a14="http://schemas.microsoft.com/office/drawing/2010/main" val="0"/>
+              </a:ext>
+            </a:extLst>
+          </a:blip>
+          <a:stretch>
+            <a:fillRect/>
+          </a:stretch>
+        </p:blipFill>
+        <p:spPr>
+          <a:xfrm>
+            <a:off x="7068732" y="2844147"/>
+            <a:ext cx="457200" cy="457200"/>
+          </a:xfrm>
+          <a:prstGeom prst="rect">
+            <a:avLst/>
+          </a:prstGeom>
+        </p:spPr>
+      </p:pic>
+      <p:pic>
+        <p:nvPicPr>
+          <p:cNvPr id="25" name="Picture 24"/>
+          <p:cNvPicPr>
+            <a:picLocks noChangeAspect="1"/>
+          </p:cNvPicPr>
+          <p:nvPr/>
+        </p:nvPicPr>
+        <p:blipFill>
+          <a:blip r:embed="rId3">
+            <a:extLst>
+              <a:ext uri="{28A0092B-C50C-407E-A947-70E740481C1C}">
+                <a14:useLocalDpi xmlns:a14="http://schemas.microsoft.com/office/drawing/2010/main" val="0"/>
+              </a:ext>
+            </a:extLst>
+          </a:blip>
+          <a:stretch>
+            <a:fillRect/>
+          </a:stretch>
+        </p:blipFill>
+        <p:spPr>
+          <a:xfrm>
+            <a:off x="7068732" y="3597177"/>
+            <a:ext cx="457200" cy="457200"/>
+          </a:xfrm>
+          <a:prstGeom prst="rect">
+            <a:avLst/>
+          </a:prstGeom>
+        </p:spPr>
+      </p:pic>
+      <p:sp>
+        <p:nvSpPr>
+          <p:cNvPr id="22" name="Rounded Rectangle 21"/>
           <p:cNvSpPr/>
           <p:nvPr/>
         </p:nvSpPr>
         <p:spPr>
           <a:xfrm>
-            <a:off x="5855988" y="5937851"/>
-            <a:ext cx="648052" cy="619886"/>
-          </a:xfrm>
-          <a:prstGeom prst="ellipse">
-            <a:avLst/>
-          </a:prstGeom>
+            <a:off x="5250426" y="6055229"/>
+            <a:ext cx="1721533" cy="425487"/>
+          </a:xfrm>
+          <a:prstGeom prst="roundRect">
+            <a:avLst/>
+          </a:prstGeom>
+          <a:ln/>
         </p:spPr>
         <p:style>
           <a:lnRef idx="2">
@@ -17098,368 +17295,13 @@
           <a:p>
             <a:pPr algn="ctr"/>
             <a:r>
-              <a:rPr lang="en-IN" sz="5400" dirty="0" smtClean="0"/>
-              <a:t>+</a:t>
-            </a:r>
-            <a:endParaRPr lang="en-IN" sz="5400" dirty="0"/>
-          </a:p>
-        </p:txBody>
-      </p:sp>
-      <p:pic>
-        <p:nvPicPr>
-          <p:cNvPr id="12" name="Picture 11"/>
-          <p:cNvPicPr>
-            <a:picLocks noChangeAspect="1"/>
-          </p:cNvPicPr>
-          <p:nvPr/>
-        </p:nvPicPr>
-        <p:blipFill>
-          <a:blip r:embed="rId2">
-            <a:extLst>
-              <a:ext uri="{28A0092B-C50C-407E-A947-70E740481C1C}">
-                <a14:useLocalDpi xmlns:a14="http://schemas.microsoft.com/office/drawing/2010/main" val="0"/>
-              </a:ext>
-            </a:extLst>
-          </a:blip>
-          <a:stretch>
-            <a:fillRect/>
-          </a:stretch>
-        </p:blipFill>
-        <p:spPr>
-          <a:xfrm>
-            <a:off x="7586485" y="1768826"/>
-            <a:ext cx="457200" cy="457200"/>
-          </a:xfrm>
-          <a:prstGeom prst="rect">
-            <a:avLst/>
-          </a:prstGeom>
-        </p:spPr>
-      </p:pic>
-      <p:pic>
-        <p:nvPicPr>
-          <p:cNvPr id="14" name="Picture 13"/>
-          <p:cNvPicPr>
-            <a:picLocks noChangeAspect="1"/>
-          </p:cNvPicPr>
-          <p:nvPr/>
-        </p:nvPicPr>
-        <p:blipFill>
-          <a:blip r:embed="rId2">
-            <a:extLst>
-              <a:ext uri="{28A0092B-C50C-407E-A947-70E740481C1C}">
-                <a14:useLocalDpi xmlns:a14="http://schemas.microsoft.com/office/drawing/2010/main" val="0"/>
-              </a:ext>
-            </a:extLst>
-          </a:blip>
-          <a:stretch>
-            <a:fillRect/>
-          </a:stretch>
-        </p:blipFill>
-        <p:spPr>
-          <a:xfrm>
-            <a:off x="7591400" y="2835622"/>
-            <a:ext cx="457200" cy="457200"/>
-          </a:xfrm>
-          <a:prstGeom prst="rect">
-            <a:avLst/>
-          </a:prstGeom>
-        </p:spPr>
-      </p:pic>
-      <p:pic>
-        <p:nvPicPr>
-          <p:cNvPr id="16" name="Picture 15"/>
-          <p:cNvPicPr>
-            <a:picLocks noChangeAspect="1"/>
-          </p:cNvPicPr>
-          <p:nvPr/>
-        </p:nvPicPr>
-        <p:blipFill>
-          <a:blip r:embed="rId2">
-            <a:extLst>
-              <a:ext uri="{28A0092B-C50C-407E-A947-70E740481C1C}">
-                <a14:useLocalDpi xmlns:a14="http://schemas.microsoft.com/office/drawing/2010/main" val="0"/>
-              </a:ext>
-            </a:extLst>
-          </a:blip>
-          <a:stretch>
-            <a:fillRect/>
-          </a:stretch>
-        </p:blipFill>
-        <p:spPr>
-          <a:xfrm>
-            <a:off x="7606150" y="3528800"/>
-            <a:ext cx="457200" cy="457200"/>
-          </a:xfrm>
-          <a:prstGeom prst="rect">
-            <a:avLst/>
-          </a:prstGeom>
-        </p:spPr>
-      </p:pic>
-      <p:cxnSp>
-        <p:nvCxnSpPr>
-          <p:cNvPr id="18" name="Straight Arrow Connector 17"/>
-          <p:cNvCxnSpPr>
-            <a:endCxn id="19" idx="3"/>
-          </p:cNvCxnSpPr>
-          <p:nvPr/>
-        </p:nvCxnSpPr>
-        <p:spPr>
-          <a:xfrm flipH="1" flipV="1">
-            <a:off x="3451124" y="2342116"/>
-            <a:ext cx="1047134" cy="268345"/>
-          </a:xfrm>
-          <a:prstGeom prst="straightConnector1">
-            <a:avLst/>
-          </a:prstGeom>
-          <a:ln>
-            <a:tailEnd type="triangle"/>
-          </a:ln>
-        </p:spPr>
-        <p:style>
-          <a:lnRef idx="1">
-            <a:schemeClr val="dk1"/>
-          </a:lnRef>
-          <a:fillRef idx="0">
-            <a:schemeClr val="dk1"/>
-          </a:fillRef>
-          <a:effectRef idx="0">
-            <a:schemeClr val="dk1"/>
-          </a:effectRef>
-          <a:fontRef idx="minor">
-            <a:schemeClr val="tx1"/>
-          </a:fontRef>
-        </p:style>
-      </p:cxnSp>
-      <p:sp>
-        <p:nvSpPr>
-          <p:cNvPr id="19" name="TextBox 18"/>
-          <p:cNvSpPr txBox="1"/>
-          <p:nvPr/>
-        </p:nvSpPr>
-        <p:spPr>
-          <a:xfrm>
-            <a:off x="603846" y="1880451"/>
-            <a:ext cx="2847278" cy="923330"/>
-          </a:xfrm>
-          <a:prstGeom prst="rect">
-            <a:avLst/>
-          </a:prstGeom>
-          <a:noFill/>
-        </p:spPr>
-        <p:txBody>
-          <a:bodyPr wrap="square" rtlCol="0">
-            <a:spAutoFit/>
-          </a:bodyPr>
-          <a:lstStyle/>
-          <a:p>
-            <a:r>
               <a:rPr lang="en-IN" dirty="0" smtClean="0">
-                <a:solidFill>
-                  <a:srgbClr val="363636"/>
-                </a:solidFill>
+                <a:latin typeface="Calibri" panose="020F0502020204030204" pitchFamily="34" charset="0"/>
               </a:rPr>
-              <a:t>Clickable, on click of this, it will </a:t>
-            </a:r>
-            <a:r>
-              <a:rPr lang="en-IN" dirty="0" smtClean="0">
-                <a:solidFill>
-                  <a:srgbClr val="363636"/>
-                </a:solidFill>
-              </a:rPr>
-              <a:t>go to </a:t>
-            </a:r>
-            <a:r>
-              <a:rPr lang="en-IN" dirty="0" smtClean="0">
-                <a:solidFill>
-                  <a:srgbClr val="363636"/>
-                </a:solidFill>
-              </a:rPr>
-              <a:t>add </a:t>
-            </a:r>
-            <a:r>
-              <a:rPr lang="en-IN" dirty="0" smtClean="0">
-                <a:solidFill>
-                  <a:srgbClr val="363636"/>
-                </a:solidFill>
-              </a:rPr>
-              <a:t>attendees </a:t>
-            </a:r>
-            <a:r>
-              <a:rPr lang="en-IN" dirty="0" smtClean="0">
-                <a:solidFill>
-                  <a:srgbClr val="363636"/>
-                </a:solidFill>
-              </a:rPr>
-              <a:t>screen</a:t>
+              <a:t>Add new course</a:t>
             </a:r>
             <a:endParaRPr lang="en-IN" dirty="0">
-              <a:solidFill>
-                <a:srgbClr val="363636"/>
-              </a:solidFill>
-            </a:endParaRPr>
-          </a:p>
-        </p:txBody>
-      </p:sp>
-      <p:pic>
-        <p:nvPicPr>
-          <p:cNvPr id="23" name="Picture 22"/>
-          <p:cNvPicPr>
-            <a:picLocks noChangeAspect="1"/>
-          </p:cNvPicPr>
-          <p:nvPr/>
-        </p:nvPicPr>
-        <p:blipFill>
-          <a:blip r:embed="rId3">
-            <a:extLst>
-              <a:ext uri="{28A0092B-C50C-407E-A947-70E740481C1C}">
-                <a14:useLocalDpi xmlns:a14="http://schemas.microsoft.com/office/drawing/2010/main" val="0"/>
-              </a:ext>
-            </a:extLst>
-          </a:blip>
-          <a:stretch>
-            <a:fillRect/>
-          </a:stretch>
-        </p:blipFill>
-        <p:spPr>
-          <a:xfrm>
-            <a:off x="7085041" y="1835463"/>
-            <a:ext cx="457200" cy="457200"/>
-          </a:xfrm>
-          <a:prstGeom prst="rect">
-            <a:avLst/>
-          </a:prstGeom>
-        </p:spPr>
-      </p:pic>
-      <p:pic>
-        <p:nvPicPr>
-          <p:cNvPr id="24" name="Picture 23"/>
-          <p:cNvPicPr>
-            <a:picLocks noChangeAspect="1"/>
-          </p:cNvPicPr>
-          <p:nvPr/>
-        </p:nvPicPr>
-        <p:blipFill>
-          <a:blip r:embed="rId3">
-            <a:extLst>
-              <a:ext uri="{28A0092B-C50C-407E-A947-70E740481C1C}">
-                <a14:useLocalDpi xmlns:a14="http://schemas.microsoft.com/office/drawing/2010/main" val="0"/>
-              </a:ext>
-            </a:extLst>
-          </a:blip>
-          <a:stretch>
-            <a:fillRect/>
-          </a:stretch>
-        </p:blipFill>
-        <p:spPr>
-          <a:xfrm>
-            <a:off x="7068732" y="2844147"/>
-            <a:ext cx="457200" cy="457200"/>
-          </a:xfrm>
-          <a:prstGeom prst="rect">
-            <a:avLst/>
-          </a:prstGeom>
-        </p:spPr>
-      </p:pic>
-      <p:pic>
-        <p:nvPicPr>
-          <p:cNvPr id="25" name="Picture 24"/>
-          <p:cNvPicPr>
-            <a:picLocks noChangeAspect="1"/>
-          </p:cNvPicPr>
-          <p:nvPr/>
-        </p:nvPicPr>
-        <p:blipFill>
-          <a:blip r:embed="rId3">
-            <a:extLst>
-              <a:ext uri="{28A0092B-C50C-407E-A947-70E740481C1C}">
-                <a14:useLocalDpi xmlns:a14="http://schemas.microsoft.com/office/drawing/2010/main" val="0"/>
-              </a:ext>
-            </a:extLst>
-          </a:blip>
-          <a:stretch>
-            <a:fillRect/>
-          </a:stretch>
-        </p:blipFill>
-        <p:spPr>
-          <a:xfrm>
-            <a:off x="7068732" y="3597177"/>
-            <a:ext cx="457200" cy="457200"/>
-          </a:xfrm>
-          <a:prstGeom prst="rect">
-            <a:avLst/>
-          </a:prstGeom>
-        </p:spPr>
-      </p:pic>
-      <p:cxnSp>
-        <p:nvCxnSpPr>
-          <p:cNvPr id="20" name="Straight Arrow Connector 19"/>
-          <p:cNvCxnSpPr>
-            <a:stCxn id="17" idx="2"/>
-            <a:endCxn id="21" idx="3"/>
-          </p:cNvCxnSpPr>
-          <p:nvPr/>
-        </p:nvCxnSpPr>
-        <p:spPr>
-          <a:xfrm flipH="1" flipV="1">
-            <a:off x="3908781" y="5609970"/>
-            <a:ext cx="1947207" cy="637824"/>
-          </a:xfrm>
-          <a:prstGeom prst="straightConnector1">
-            <a:avLst/>
-          </a:prstGeom>
-          <a:ln>
-            <a:tailEnd type="triangle"/>
-          </a:ln>
-        </p:spPr>
-        <p:style>
-          <a:lnRef idx="1">
-            <a:schemeClr val="dk1"/>
-          </a:lnRef>
-          <a:fillRef idx="0">
-            <a:schemeClr val="dk1"/>
-          </a:fillRef>
-          <a:effectRef idx="0">
-            <a:schemeClr val="dk1"/>
-          </a:effectRef>
-          <a:fontRef idx="minor">
-            <a:schemeClr val="tx1"/>
-          </a:fontRef>
-        </p:style>
-      </p:cxnSp>
-      <p:sp>
-        <p:nvSpPr>
-          <p:cNvPr id="21" name="TextBox 20"/>
-          <p:cNvSpPr txBox="1"/>
-          <p:nvPr/>
-        </p:nvSpPr>
-        <p:spPr>
-          <a:xfrm>
-            <a:off x="1855404" y="5425304"/>
-            <a:ext cx="2053377" cy="369332"/>
-          </a:xfrm>
-          <a:prstGeom prst="rect">
-            <a:avLst/>
-          </a:prstGeom>
-          <a:noFill/>
-        </p:spPr>
-        <p:txBody>
-          <a:bodyPr wrap="square" rtlCol="0">
-            <a:spAutoFit/>
-          </a:bodyPr>
-          <a:lstStyle/>
-          <a:p>
-            <a:r>
-              <a:rPr lang="en-IN" dirty="0" smtClean="0">
-                <a:solidFill>
-                  <a:srgbClr val="363636"/>
-                </a:solidFill>
-              </a:rPr>
-              <a:t>To add new course</a:t>
-            </a:r>
-            <a:endParaRPr lang="en-IN" dirty="0">
-              <a:solidFill>
-                <a:srgbClr val="363636"/>
-              </a:solidFill>
+              <a:latin typeface="Calibri" panose="020F0502020204030204" pitchFamily="34" charset="0"/>
             </a:endParaRPr>
           </a:p>
         </p:txBody>
@@ -17757,7 +17599,7 @@
               <a:rPr lang="en-IN" sz="1500" dirty="0" smtClean="0">
                 <a:latin typeface="Calibri" panose="020F0502020204030204" pitchFamily="34" charset="0"/>
               </a:rPr>
-              <a:t>Add</a:t>
+              <a:t>Ok</a:t>
             </a:r>
             <a:endParaRPr lang="en-IN" sz="1500" dirty="0">
               <a:latin typeface="Calibri" panose="020F0502020204030204" pitchFamily="34" charset="0"/>
@@ -18007,11 +17849,7 @@
           <a:p>
             <a:r>
               <a:rPr lang="en-IN" dirty="0" smtClean="0"/>
-              <a:t>My courses – </a:t>
-            </a:r>
-            <a:r>
-              <a:rPr lang="en-IN" dirty="0" smtClean="0"/>
-              <a:t>Delete course</a:t>
+              <a:t>My courses – Delete course</a:t>
             </a:r>
             <a:endParaRPr lang="en-IN" dirty="0"/>
           </a:p>
@@ -18748,6 +18586,13 @@
   <p:clrMapOvr>
     <a:masterClrMapping/>
   </p:clrMapOvr>
+  <p:timing>
+    <p:tnLst>
+      <p:par>
+        <p:cTn id="1" dur="indefinite" restart="never" nodeType="tmRoot"/>
+      </p:par>
+    </p:tnLst>
+  </p:timing>
 </p:sld>
 </file>
 
@@ -19142,7 +18987,7 @@
                 <a:effectLst/>
                 <a:latin typeface="+mj-lt"/>
               </a:rPr>
-              <a:t>As a user, I should be able to create login in app as </a:t>
+              <a:t>As a user, I should be able to </a:t>
             </a:r>
             <a:r>
               <a:rPr lang="en-US" sz="2800" b="0" spc="0" dirty="0" smtClean="0">
@@ -19155,7 +19000,7 @@
                 <a:effectLst/>
                 <a:latin typeface="+mj-lt"/>
               </a:rPr>
-              <a:t>facilitator </a:t>
+              <a:t>register </a:t>
             </a:r>
             <a:r>
               <a:rPr lang="en-US" sz="2800" b="0" spc="0" dirty="0" smtClean="0">
@@ -19168,8 +19013,10 @@
                 <a:effectLst/>
                 <a:latin typeface="+mj-lt"/>
               </a:rPr>
-              <a:t>or as </a:t>
-            </a:r>
+              <a:t>in app as facilitator or as attendee.</a:t>
+            </a:r>
+          </a:p>
+          <a:p>
             <a:r>
               <a:rPr lang="en-US" sz="2800" b="0" spc="0" dirty="0" smtClean="0">
                 <a:ln>
@@ -19181,82 +19028,8 @@
                 <a:effectLst/>
                 <a:latin typeface="+mj-lt"/>
               </a:rPr>
-              <a:t>attendee.</a:t>
-            </a:r>
-            <a:endParaRPr lang="en-US" sz="2800" b="0" spc="0" dirty="0" smtClean="0">
-              <a:ln>
-                <a:noFill/>
-              </a:ln>
-              <a:solidFill>
-                <a:srgbClr val="363636"/>
-              </a:solidFill>
-              <a:effectLst/>
-              <a:latin typeface="+mj-lt"/>
-            </a:endParaRPr>
-          </a:p>
-          <a:p>
-            <a:r>
-              <a:rPr lang="en-US" sz="2800" b="0" spc="0" dirty="0" smtClean="0">
-                <a:ln>
-                  <a:noFill/>
-                </a:ln>
-                <a:solidFill>
-                  <a:srgbClr val="363636"/>
-                </a:solidFill>
-                <a:effectLst/>
-                <a:latin typeface="+mj-lt"/>
-              </a:rPr>
-              <a:t>As a user, I should be able to login in the app as either </a:t>
-            </a:r>
-            <a:r>
-              <a:rPr lang="en-US" sz="2800" b="0" spc="0" dirty="0" smtClean="0">
-                <a:ln>
-                  <a:noFill/>
-                </a:ln>
-                <a:solidFill>
-                  <a:srgbClr val="363636"/>
-                </a:solidFill>
-                <a:effectLst/>
-                <a:latin typeface="+mj-lt"/>
-              </a:rPr>
-              <a:t>facilitator </a:t>
-            </a:r>
-            <a:r>
-              <a:rPr lang="en-US" sz="2800" b="0" spc="0" dirty="0" smtClean="0">
-                <a:ln>
-                  <a:noFill/>
-                </a:ln>
-                <a:solidFill>
-                  <a:srgbClr val="363636"/>
-                </a:solidFill>
-                <a:effectLst/>
-                <a:latin typeface="+mj-lt"/>
-              </a:rPr>
-              <a:t>or as </a:t>
-            </a:r>
-            <a:r>
-              <a:rPr lang="en-US" sz="2800" b="0" spc="0" dirty="0" smtClean="0">
-                <a:ln>
-                  <a:noFill/>
-                </a:ln>
-                <a:solidFill>
-                  <a:srgbClr val="363636"/>
-                </a:solidFill>
-                <a:effectLst/>
-                <a:latin typeface="+mj-lt"/>
-              </a:rPr>
-              <a:t>attendee.</a:t>
-            </a:r>
-            <a:endParaRPr lang="en-US" sz="2800" b="0" spc="0" dirty="0" smtClean="0">
-              <a:ln>
-                <a:noFill/>
-              </a:ln>
-              <a:solidFill>
-                <a:srgbClr val="363636"/>
-              </a:solidFill>
-              <a:effectLst/>
-              <a:latin typeface="+mj-lt"/>
-            </a:endParaRPr>
+              <a:t>As a user, I should be able to login in the app as either facilitator or as attendee.</a:t>
+            </a:r>
           </a:p>
           <a:p>
             <a:r>
@@ -19893,7 +19666,6 @@
               <a:rPr lang="en-IN" sz="2200" dirty="0" smtClean="0"/>
               <a:t>I should be able to view attendees who have registered for a course by using this app.</a:t>
             </a:r>
-            <a:endParaRPr lang="en-IN" sz="2200" dirty="0" smtClean="0"/>
           </a:p>
         </p:txBody>
       </p:sp>
@@ -19953,19 +19725,7 @@
           <a:p>
             <a:r>
               <a:rPr lang="en-IN" dirty="0" smtClean="0"/>
-              <a:t>My </a:t>
-            </a:r>
-            <a:r>
-              <a:rPr lang="en-IN" dirty="0" smtClean="0"/>
-              <a:t>Course - Click </a:t>
-            </a:r>
-            <a:r>
-              <a:rPr lang="en-IN" dirty="0" smtClean="0"/>
-              <a:t>on any </a:t>
-            </a:r>
-            <a:r>
-              <a:rPr lang="en-IN" dirty="0" smtClean="0"/>
-              <a:t>course</a:t>
+              <a:t>My Course - Click on any course</a:t>
             </a:r>
             <a:endParaRPr lang="en-IN" dirty="0"/>
           </a:p>
@@ -20055,34 +19815,7 @@
                 </a:solidFill>
                 <a:latin typeface="Calibri" panose="020F0502020204030204" pitchFamily="34" charset="0"/>
               </a:rPr>
-              <a:t>Course: CSC413</a:t>
-            </a:r>
-            <a:r>
-              <a:rPr lang="en-IN" dirty="0" smtClean="0">
-                <a:latin typeface="Calibri" panose="020F0502020204030204" pitchFamily="34" charset="0"/>
-              </a:rPr>
-              <a:t>		</a:t>
-            </a:r>
-            <a:r>
-              <a:rPr lang="en-IN" dirty="0">
-                <a:latin typeface="Calibri" panose="020F0502020204030204" pitchFamily="34" charset="0"/>
-              </a:rPr>
-              <a:t> </a:t>
-            </a:r>
-            <a:r>
-              <a:rPr lang="en-IN" dirty="0" smtClean="0">
-                <a:latin typeface="Calibri" panose="020F0502020204030204" pitchFamily="34" charset="0"/>
-              </a:rPr>
-              <a:t>             </a:t>
-            </a:r>
-            <a:r>
-              <a:rPr lang="en-IN" dirty="0" smtClean="0">
-                <a:solidFill>
-                  <a:schemeClr val="bg1"/>
-                </a:solidFill>
-                <a:latin typeface="Calibri" panose="020F0502020204030204" pitchFamily="34" charset="0"/>
-              </a:rPr>
-              <a:t>:</a:t>
+              <a:t>Attendees		                :</a:t>
             </a:r>
             <a:r>
               <a:rPr lang="en-IN" dirty="0" smtClean="0">
@@ -20105,20 +19838,20 @@
           <p:nvPr>
             <p:extLst>
               <p:ext uri="{D42A27DB-BD31-4B8C-83A1-F6EECF244321}">
-                <p14:modId xmlns:p14="http://schemas.microsoft.com/office/powerpoint/2010/main" val="2596781940"/>
+                <p14:modId xmlns:p14="http://schemas.microsoft.com/office/powerpoint/2010/main" val="2948318053"/>
               </p:ext>
             </p:extLst>
           </p:nvPr>
         </p:nvGraphicFramePr>
         <p:xfrm>
-          <a:off x="4121236" y="1693222"/>
+          <a:off x="4121236" y="1859331"/>
           <a:ext cx="3966693" cy="1987440"/>
         </p:xfrm>
         <a:graphic>
           <a:graphicData uri="http://schemas.openxmlformats.org/drawingml/2006/table">
             <a:tbl>
               <a:tblPr bandRow="1">
-                <a:tableStyleId>{ED083AE6-46FA-4A59-8FB0-9F97EB10719F}</a:tableStyleId>
+                <a:tableStyleId>{17292A2E-F333-43FB-9621-5CBBE7FDCDCB}</a:tableStyleId>
               </a:tblPr>
               <a:tblGrid>
                 <a:gridCol w="1261925"/>
@@ -20485,6 +20218,67 @@
           </a:p>
         </p:txBody>
       </p:sp>
+      <p:sp>
+        <p:nvSpPr>
+          <p:cNvPr id="18" name="Rectangle 17"/>
+          <p:cNvSpPr/>
+          <p:nvPr/>
+        </p:nvSpPr>
+        <p:spPr>
+          <a:xfrm>
+            <a:off x="4121236" y="1326737"/>
+            <a:ext cx="2898925" cy="379550"/>
+          </a:xfrm>
+          <a:prstGeom prst="rect">
+            <a:avLst/>
+          </a:prstGeom>
+          <a:noFill/>
+          <a:ln>
+            <a:noFill/>
+          </a:ln>
+        </p:spPr>
+        <p:style>
+          <a:lnRef idx="2">
+            <a:schemeClr val="dk1"/>
+          </a:lnRef>
+          <a:fillRef idx="1">
+            <a:schemeClr val="lt1"/>
+          </a:fillRef>
+          <a:effectRef idx="0">
+            <a:schemeClr val="dk1"/>
+          </a:effectRef>
+          <a:fontRef idx="minor">
+            <a:schemeClr val="dk1"/>
+          </a:fontRef>
+        </p:style>
+        <p:txBody>
+          <a:bodyPr rtlCol="0" anchor="ctr"/>
+          <a:lstStyle/>
+          <a:p>
+            <a:r>
+              <a:rPr lang="en-IN" dirty="0" smtClean="0">
+                <a:latin typeface="Calibri" panose="020F0502020204030204" pitchFamily="34" charset="0"/>
+              </a:rPr>
+              <a:t>Course code: </a:t>
+            </a:r>
+            <a:r>
+              <a:rPr lang="en-IN" dirty="0" smtClean="0">
+                <a:solidFill>
+                  <a:schemeClr val="bg1"/>
+                </a:solidFill>
+                <a:latin typeface="Calibri" panose="020F0502020204030204" pitchFamily="34" charset="0"/>
+              </a:rPr>
+              <a:t>CSC413</a:t>
+            </a:r>
+            <a:endParaRPr lang="en-IN" dirty="0">
+              <a:solidFill>
+                <a:srgbClr val="FF0000"/>
+              </a:solidFill>
+              <a:latin typeface="Calibri" panose="020F0502020204030204" pitchFamily="34" charset="0"/>
+            </a:endParaRPr>
+          </a:p>
+        </p:txBody>
+      </p:sp>
     </p:spTree>
     <p:extLst>
       <p:ext uri="{BB962C8B-B14F-4D97-AF65-F5344CB8AC3E}">
@@ -20495,6 +20289,13 @@
   <p:clrMapOvr>
     <a:masterClrMapping/>
   </p:clrMapOvr>
+  <p:timing>
+    <p:tnLst>
+      <p:par>
+        <p:cTn id="1" dur="indefinite" restart="never" nodeType="tmRoot"/>
+      </p:par>
+    </p:tnLst>
+  </p:timing>
 </p:sld>
 </file>
 
@@ -20517,204 +20318,64 @@
       </p:grpSpPr>
       <p:sp>
         <p:nvSpPr>
-          <p:cNvPr id="2" name="Title 1"/>
-          <p:cNvSpPr>
-            <a:spLocks noGrp="1"/>
-          </p:cNvSpPr>
-          <p:nvPr>
-            <p:ph type="title"/>
-          </p:nvPr>
-        </p:nvSpPr>
-        <p:spPr/>
-        <p:txBody>
-          <a:bodyPr>
-            <a:normAutofit/>
-          </a:bodyPr>
-          <a:lstStyle/>
-          <a:p>
-            <a:r>
-              <a:rPr lang="en-IN" dirty="0" smtClean="0"/>
-              <a:t>My Courses – </a:t>
-            </a:r>
-            <a:r>
-              <a:rPr lang="en-IN" dirty="0" smtClean="0"/>
-              <a:t>click any </a:t>
-            </a:r>
-            <a:r>
-              <a:rPr lang="en-IN" dirty="0" smtClean="0"/>
-              <a:t>course – </a:t>
-            </a:r>
-            <a:r>
-              <a:rPr lang="en-IN" dirty="0" smtClean="0"/>
-              <a:t>upload</a:t>
-            </a:r>
-            <a:endParaRPr lang="en-IN" dirty="0"/>
-          </a:p>
-        </p:txBody>
-      </p:sp>
-      <p:grpSp>
-        <p:nvGrpSpPr>
-          <p:cNvPr id="3" name="Group 2"/>
-          <p:cNvGrpSpPr/>
-          <p:nvPr/>
-        </p:nvGrpSpPr>
-        <p:grpSpPr>
+          <p:cNvPr id="18" name="Rectangle 17"/>
+          <p:cNvSpPr/>
+          <p:nvPr/>
+        </p:nvSpPr>
+        <p:spPr>
           <a:xfrm>
             <a:off x="4121237" y="811066"/>
             <a:ext cx="3966693" cy="5902573"/>
-            <a:chOff x="4121237" y="794441"/>
-            <a:chExt cx="3966693" cy="5902573"/>
-          </a:xfrm>
+          </a:xfrm>
+          <a:prstGeom prst="rect">
+            <a:avLst/>
+          </a:prstGeom>
           <a:solidFill>
-            <a:schemeClr val="tx1">
-              <a:lumMod val="85000"/>
-            </a:schemeClr>
+            <a:srgbClr val="F0F0F0"/>
           </a:solidFill>
-        </p:grpSpPr>
-        <p:sp>
-          <p:nvSpPr>
-            <p:cNvPr id="4" name="Rectangle 3"/>
-            <p:cNvSpPr/>
-            <p:nvPr/>
-          </p:nvSpPr>
-          <p:spPr>
-            <a:xfrm>
-              <a:off x="4121237" y="794441"/>
-              <a:ext cx="3966693" cy="5902573"/>
-            </a:xfrm>
-            <a:prstGeom prst="rect">
-              <a:avLst/>
-            </a:prstGeom>
-            <a:grpFill/>
-          </p:spPr>
-          <p:style>
-            <a:lnRef idx="2">
-              <a:schemeClr val="accent6"/>
-            </a:lnRef>
-            <a:fillRef idx="1">
-              <a:schemeClr val="lt1"/>
-            </a:fillRef>
-            <a:effectRef idx="0">
-              <a:schemeClr val="accent6"/>
-            </a:effectRef>
-            <a:fontRef idx="minor">
-              <a:schemeClr val="dk1"/>
-            </a:fontRef>
-          </p:style>
-          <p:txBody>
-            <a:bodyPr rtlCol="0" anchor="ctr"/>
-            <a:lstStyle/>
-            <a:p>
-              <a:pPr algn="ctr"/>
-              <a:endParaRPr lang="en-IN">
-                <a:latin typeface="Calibri" panose="020F0502020204030204" pitchFamily="34" charset="0"/>
-              </a:endParaRPr>
-            </a:p>
-          </p:txBody>
-        </p:sp>
-        <p:sp>
-          <p:nvSpPr>
-            <p:cNvPr id="5" name="Rectangle 4"/>
-            <p:cNvSpPr/>
-            <p:nvPr/>
-          </p:nvSpPr>
-          <p:spPr>
-            <a:xfrm>
-              <a:off x="4121237" y="794441"/>
-              <a:ext cx="3966693" cy="441931"/>
-            </a:xfrm>
-            <a:prstGeom prst="rect">
-              <a:avLst/>
-            </a:prstGeom>
-            <a:ln/>
-          </p:spPr>
-          <p:style>
-            <a:lnRef idx="2">
-              <a:schemeClr val="accent4">
-                <a:shade val="50000"/>
-              </a:schemeClr>
-            </a:lnRef>
-            <a:fillRef idx="1">
-              <a:schemeClr val="accent4"/>
-            </a:fillRef>
-            <a:effectRef idx="0">
-              <a:schemeClr val="accent4"/>
-            </a:effectRef>
-            <a:fontRef idx="minor">
-              <a:schemeClr val="lt1"/>
-            </a:fontRef>
-          </p:style>
-          <p:txBody>
-            <a:bodyPr rtlCol="0" anchor="ctr"/>
-            <a:lstStyle/>
-            <a:p>
-              <a:pPr algn="ctr"/>
-              <a:r>
-                <a:rPr lang="en-IN" dirty="0" smtClean="0">
-                  <a:solidFill>
-                    <a:schemeClr val="bg1"/>
-                  </a:solidFill>
-                  <a:latin typeface="Calibri" panose="020F0502020204030204" pitchFamily="34" charset="0"/>
-                </a:rPr>
-                <a:t>My Courses</a:t>
-              </a:r>
-              <a:r>
-                <a:rPr lang="en-IN" dirty="0" smtClean="0">
-                  <a:latin typeface="Calibri" panose="020F0502020204030204" pitchFamily="34" charset="0"/>
-                </a:rPr>
-                <a:t>		</a:t>
-              </a:r>
-              <a:r>
-                <a:rPr lang="en-IN" dirty="0">
-                  <a:latin typeface="Calibri" panose="020F0502020204030204" pitchFamily="34" charset="0"/>
-                </a:rPr>
-                <a:t> </a:t>
-              </a:r>
-              <a:r>
-                <a:rPr lang="en-IN" dirty="0" smtClean="0">
-                  <a:latin typeface="Calibri" panose="020F0502020204030204" pitchFamily="34" charset="0"/>
-                </a:rPr>
-                <a:t>             </a:t>
-              </a:r>
-              <a:r>
-                <a:rPr lang="en-IN" dirty="0" smtClean="0">
-                  <a:solidFill>
-                    <a:schemeClr val="bg1"/>
-                  </a:solidFill>
-                  <a:latin typeface="Calibri" panose="020F0502020204030204" pitchFamily="34" charset="0"/>
-                </a:rPr>
-                <a:t>:</a:t>
-              </a:r>
-              <a:r>
-                <a:rPr lang="en-IN" dirty="0" smtClean="0">
-                  <a:latin typeface="Calibri" panose="020F0502020204030204" pitchFamily="34" charset="0"/>
-                </a:rPr>
-                <a:t>	</a:t>
-              </a:r>
-              <a:endParaRPr lang="en-IN" dirty="0">
-                <a:latin typeface="Calibri" panose="020F0502020204030204" pitchFamily="34" charset="0"/>
-              </a:endParaRPr>
-            </a:p>
-          </p:txBody>
-        </p:sp>
-      </p:grpSp>
+        </p:spPr>
+        <p:style>
+          <a:lnRef idx="2">
+            <a:schemeClr val="accent6"/>
+          </a:lnRef>
+          <a:fillRef idx="1">
+            <a:schemeClr val="lt1"/>
+          </a:fillRef>
+          <a:effectRef idx="0">
+            <a:schemeClr val="accent6"/>
+          </a:effectRef>
+          <a:fontRef idx="minor">
+            <a:schemeClr val="dk1"/>
+          </a:fontRef>
+        </p:style>
+        <p:txBody>
+          <a:bodyPr rtlCol="0" anchor="ctr"/>
+          <a:lstStyle/>
+          <a:p>
+            <a:pPr algn="ctr"/>
+            <a:endParaRPr lang="en-IN">
+              <a:latin typeface="Calibri" panose="020F0502020204030204" pitchFamily="34" charset="0"/>
+            </a:endParaRPr>
+          </a:p>
+        </p:txBody>
+      </p:sp>
       <p:graphicFrame>
         <p:nvGraphicFramePr>
-          <p:cNvPr id="6" name="Table 5"/>
+          <p:cNvPr id="19" name="Table 18"/>
           <p:cNvGraphicFramePr>
             <a:graphicFrameLocks noGrp="1"/>
           </p:cNvGraphicFramePr>
           <p:nvPr>
             <p:extLst>
               <p:ext uri="{D42A27DB-BD31-4B8C-83A1-F6EECF244321}">
-                <p14:modId xmlns:p14="http://schemas.microsoft.com/office/powerpoint/2010/main" val="1258993809"/>
+                <p14:modId xmlns:p14="http://schemas.microsoft.com/office/powerpoint/2010/main" val="1132295432"/>
               </p:ext>
             </p:extLst>
           </p:nvPr>
         </p:nvGraphicFramePr>
         <p:xfrm>
-          <a:off x="4121236" y="1693222"/>
-          <a:ext cx="3966693" cy="2965296"/>
+          <a:off x="4121236" y="1793874"/>
+          <a:ext cx="3966693" cy="1987440"/>
         </p:xfrm>
         <a:graphic>
           <a:graphicData uri="http://schemas.openxmlformats.org/drawingml/2006/table">
@@ -20723,9 +20384,9 @@
                 <a:tableStyleId>{17292A2E-F333-43FB-9621-5CBBE7FDCDCB}</a:tableStyleId>
               </a:tblPr>
               <a:tblGrid>
-                <a:gridCol w="893216"/>
-                <a:gridCol w="2227006"/>
-                <a:gridCol w="846471"/>
+                <a:gridCol w="1261925"/>
+                <a:gridCol w="870155"/>
+                <a:gridCol w="1834613"/>
               </a:tblGrid>
               <a:tr h="1073040">
                 <a:tc>
@@ -20739,7 +20400,7 @@
                             <a:schemeClr val="bg1"/>
                           </a:solidFill>
                         </a:rPr>
-                        <a:t>CSC413</a:t>
+                        <a:t>915717457</a:t>
                       </a:r>
                       <a:endParaRPr lang="en-IN" dirty="0">
                         <a:solidFill>
@@ -20761,35 +20422,8 @@
                             <a:schemeClr val="bg1"/>
                           </a:solidFill>
                         </a:rPr>
-                        <a:t>Software</a:t>
+                        <a:t>Rujoota Shah</a:t>
                       </a:r>
-                      <a:r>
-                        <a:rPr lang="en-IN" baseline="0" dirty="0" smtClean="0">
-                          <a:solidFill>
-                            <a:schemeClr val="bg1"/>
-                          </a:solidFill>
-                        </a:rPr>
-                        <a:t> Development, </a:t>
-                      </a:r>
-                    </a:p>
-                    <a:p>
-                      <a:r>
-                        <a:rPr lang="en-IN" baseline="0" dirty="0" smtClean="0">
-                          <a:solidFill>
-                            <a:schemeClr val="bg1"/>
-                          </a:solidFill>
-                        </a:rPr>
-                        <a:t>Fri-5:00pm-7:00pm</a:t>
-                      </a:r>
-                    </a:p>
-                    <a:p>
-                      <a:endParaRPr lang="en-IN" baseline="0" dirty="0" smtClean="0">
-                        <a:solidFill>
-                          <a:schemeClr val="bg1"/>
-                        </a:solidFill>
-                      </a:endParaRPr>
-                    </a:p>
-                    <a:p>
                       <a:endParaRPr lang="en-IN" dirty="0">
                         <a:solidFill>
                           <a:schemeClr val="bg1"/>
@@ -20804,6 +20438,14 @@
                     <a:bodyPr/>
                     <a:lstStyle/>
                     <a:p>
+                      <a:r>
+                        <a:rPr lang="en-IN" dirty="0" smtClean="0">
+                          <a:solidFill>
+                            <a:schemeClr val="bg1"/>
+                          </a:solidFill>
+                        </a:rPr>
+                        <a:t>rujoota@gmail.com</a:t>
+                      </a:r>
                       <a:endParaRPr lang="en-IN" dirty="0">
                         <a:solidFill>
                           <a:schemeClr val="bg1"/>
@@ -20826,85 +20468,7 @@
                             <a:schemeClr val="bg1"/>
                           </a:solidFill>
                         </a:rPr>
-                        <a:t>CSC867</a:t>
-                      </a:r>
-                      <a:endParaRPr lang="en-IN" dirty="0">
-                        <a:solidFill>
-                          <a:schemeClr val="bg1"/>
-                        </a:solidFill>
-                      </a:endParaRPr>
-                    </a:p>
-                  </a:txBody>
-                  <a:tcPr/>
-                </a:tc>
-                <a:tc>
-                  <a:txBody>
-                    <a:bodyPr/>
-                    <a:lstStyle/>
-                    <a:p>
-                      <a:r>
-                        <a:rPr lang="en-IN" dirty="0" err="1" smtClean="0">
-                          <a:solidFill>
-                            <a:schemeClr val="bg1"/>
-                          </a:solidFill>
-                        </a:rPr>
-                        <a:t>Adv</a:t>
-                      </a:r>
-                      <a:r>
-                        <a:rPr lang="en-IN" baseline="0" dirty="0" smtClean="0">
-                          <a:solidFill>
-                            <a:schemeClr val="bg1"/>
-                          </a:solidFill>
-                        </a:rPr>
-                        <a:t> Internet App, </a:t>
-                      </a:r>
-                    </a:p>
-                    <a:p>
-                      <a:r>
-                        <a:rPr lang="en-IN" baseline="0" dirty="0" smtClean="0">
-                          <a:solidFill>
-                            <a:schemeClr val="bg1"/>
-                          </a:solidFill>
-                        </a:rPr>
-                        <a:t>Fri-2:00pm-5:00pm</a:t>
-                      </a:r>
-                      <a:endParaRPr lang="en-IN" dirty="0">
-                        <a:solidFill>
-                          <a:schemeClr val="bg1"/>
-                        </a:solidFill>
-                      </a:endParaRPr>
-                    </a:p>
-                  </a:txBody>
-                  <a:tcPr/>
-                </a:tc>
-                <a:tc>
-                  <a:txBody>
-                    <a:bodyPr/>
-                    <a:lstStyle/>
-                    <a:p>
-                      <a:endParaRPr lang="en-IN" dirty="0">
-                        <a:solidFill>
-                          <a:schemeClr val="bg1"/>
-                        </a:solidFill>
-                      </a:endParaRPr>
-                    </a:p>
-                  </a:txBody>
-                  <a:tcPr/>
-                </a:tc>
-              </a:tr>
-              <a:tr h="751128">
-                <a:tc>
-                  <a:txBody>
-                    <a:bodyPr/>
-                    <a:lstStyle/>
-                    <a:p>
-                      <a:r>
-                        <a:rPr lang="en-IN" dirty="0" smtClean="0">
-                          <a:solidFill>
-                            <a:schemeClr val="bg1"/>
-                          </a:solidFill>
-                        </a:rPr>
-                        <a:t>CSC848</a:t>
+                        <a:t>915717458</a:t>
                       </a:r>
                       <a:endParaRPr lang="en-IN" dirty="0">
                         <a:solidFill>
@@ -20926,17 +20490,7 @@
                             <a:schemeClr val="bg1"/>
                           </a:solidFill>
                         </a:rPr>
-                        <a:t>Software Engineering</a:t>
-                      </a:r>
-                    </a:p>
-                    <a:p>
-                      <a:r>
-                        <a:rPr lang="en-IN" dirty="0" smtClean="0">
-                          <a:solidFill>
-                            <a:schemeClr val="bg1"/>
-                          </a:solidFill>
-                        </a:rPr>
-                        <a:t>Mon-3:00pm-7:00pm</a:t>
+                        <a:t>Rajan Jethva</a:t>
                       </a:r>
                       <a:endParaRPr lang="en-IN" dirty="0">
                         <a:solidFill>
@@ -20952,6 +20506,16 @@
                     <a:bodyPr/>
                     <a:lstStyle/>
                     <a:p>
+                      <a:r>
+                        <a:rPr lang="en-IN" dirty="0" smtClean="0">
+                          <a:solidFill>
+                            <a:schemeClr val="bg1"/>
+                          </a:solidFill>
+                        </a:rPr>
+                        <a:t>rajan@mail.sfsu.edu</a:t>
+                      </a:r>
+                    </a:p>
+                    <a:p>
                       <a:endParaRPr lang="en-IN" dirty="0">
                         <a:solidFill>
                           <a:schemeClr val="bg1"/>
@@ -20966,20 +20530,237 @@
           </a:graphicData>
         </a:graphic>
       </p:graphicFrame>
-      <p:sp>
-        <p:nvSpPr>
-          <p:cNvPr id="17" name="Oval 16"/>
+      <p:pic>
+        <p:nvPicPr>
+          <p:cNvPr id="20" name="Picture 19"/>
+          <p:cNvPicPr>
+            <a:picLocks noChangeAspect="1"/>
+          </p:cNvPicPr>
+          <p:nvPr/>
+        </p:nvPicPr>
+        <p:blipFill>
+          <a:blip r:embed="rId2">
+            <a:extLst>
+              <a:ext uri="{28A0092B-C50C-407E-A947-70E740481C1C}">
+                <a14:useLocalDpi xmlns:a14="http://schemas.microsoft.com/office/drawing/2010/main" val="0"/>
+              </a:ext>
+            </a:extLst>
+          </a:blip>
+          <a:stretch>
+            <a:fillRect/>
+          </a:stretch>
+        </p:blipFill>
+        <p:spPr>
+          <a:xfrm>
+            <a:off x="7050220" y="2236180"/>
+            <a:ext cx="457200" cy="457200"/>
+          </a:xfrm>
+          <a:prstGeom prst="rect">
+            <a:avLst/>
+          </a:prstGeom>
+        </p:spPr>
+      </p:pic>
+      <p:pic>
+        <p:nvPicPr>
+          <p:cNvPr id="21" name="Picture 20"/>
+          <p:cNvPicPr>
+            <a:picLocks noChangeAspect="1"/>
+          </p:cNvPicPr>
+          <p:nvPr/>
+        </p:nvPicPr>
+        <p:blipFill>
+          <a:blip r:embed="rId3">
+            <a:extLst>
+              <a:ext uri="{28A0092B-C50C-407E-A947-70E740481C1C}">
+                <a14:useLocalDpi xmlns:a14="http://schemas.microsoft.com/office/drawing/2010/main" val="0"/>
+              </a:ext>
+            </a:extLst>
+          </a:blip>
+          <a:stretch>
+            <a:fillRect/>
+          </a:stretch>
+        </p:blipFill>
+        <p:spPr>
+          <a:xfrm>
+            <a:off x="7468498" y="2233074"/>
+            <a:ext cx="457200" cy="457200"/>
+          </a:xfrm>
+          <a:prstGeom prst="rect">
+            <a:avLst/>
+          </a:prstGeom>
+        </p:spPr>
+      </p:pic>
+      <p:pic>
+        <p:nvPicPr>
+          <p:cNvPr id="22" name="Picture 21"/>
+          <p:cNvPicPr>
+            <a:picLocks noChangeAspect="1"/>
+          </p:cNvPicPr>
+          <p:nvPr/>
+        </p:nvPicPr>
+        <p:blipFill>
+          <a:blip r:embed="rId2">
+            <a:extLst>
+              <a:ext uri="{28A0092B-C50C-407E-A947-70E740481C1C}">
+                <a14:useLocalDpi xmlns:a14="http://schemas.microsoft.com/office/drawing/2010/main" val="0"/>
+              </a:ext>
+            </a:extLst>
+          </a:blip>
+          <a:stretch>
+            <a:fillRect/>
+          </a:stretch>
+        </p:blipFill>
+        <p:spPr>
+          <a:xfrm>
+            <a:off x="7085531" y="3230126"/>
+            <a:ext cx="457200" cy="457200"/>
+          </a:xfrm>
+          <a:prstGeom prst="rect">
+            <a:avLst/>
+          </a:prstGeom>
+        </p:spPr>
+      </p:pic>
+      <p:pic>
+        <p:nvPicPr>
+          <p:cNvPr id="23" name="Picture 22"/>
+          <p:cNvPicPr>
+            <a:picLocks noChangeAspect="1"/>
+          </p:cNvPicPr>
+          <p:nvPr/>
+        </p:nvPicPr>
+        <p:blipFill>
+          <a:blip r:embed="rId3">
+            <a:extLst>
+              <a:ext uri="{28A0092B-C50C-407E-A947-70E740481C1C}">
+                <a14:useLocalDpi xmlns:a14="http://schemas.microsoft.com/office/drawing/2010/main" val="0"/>
+              </a:ext>
+            </a:extLst>
+          </a:blip>
+          <a:stretch>
+            <a:fillRect/>
+          </a:stretch>
+        </p:blipFill>
+        <p:spPr>
+          <a:xfrm>
+            <a:off x="7503809" y="3227020"/>
+            <a:ext cx="457200" cy="457200"/>
+          </a:xfrm>
+          <a:prstGeom prst="rect">
+            <a:avLst/>
+          </a:prstGeom>
+        </p:spPr>
+      </p:pic>
+      <p:sp>
+        <p:nvSpPr>
+          <p:cNvPr id="2" name="Title 1"/>
+          <p:cNvSpPr>
+            <a:spLocks noGrp="1"/>
+          </p:cNvSpPr>
+          <p:nvPr>
+            <p:ph type="title"/>
+          </p:nvPr>
+        </p:nvSpPr>
+        <p:spPr/>
+        <p:txBody>
+          <a:bodyPr>
+            <a:normAutofit/>
+          </a:bodyPr>
+          <a:lstStyle/>
+          <a:p>
+            <a:r>
+              <a:rPr lang="en-IN" dirty="0" smtClean="0"/>
+              <a:t>My Courses – click any course – upload</a:t>
+            </a:r>
+            <a:endParaRPr lang="en-IN" dirty="0"/>
+          </a:p>
+        </p:txBody>
+      </p:sp>
+      <p:sp>
+        <p:nvSpPr>
+          <p:cNvPr id="14" name="TextBox 13"/>
+          <p:cNvSpPr txBox="1"/>
+          <p:nvPr/>
+        </p:nvSpPr>
+        <p:spPr>
+          <a:xfrm>
+            <a:off x="4837471" y="2934929"/>
+            <a:ext cx="2920668" cy="1692771"/>
+          </a:xfrm>
+          <a:prstGeom prst="rect">
+            <a:avLst/>
+          </a:prstGeom>
+          <a:ln/>
+        </p:spPr>
+        <p:style>
+          <a:lnRef idx="2">
+            <a:schemeClr val="accent4"/>
+          </a:lnRef>
+          <a:fillRef idx="1">
+            <a:schemeClr val="lt1"/>
+          </a:fillRef>
+          <a:effectRef idx="0">
+            <a:schemeClr val="accent4"/>
+          </a:effectRef>
+          <a:fontRef idx="minor">
+            <a:schemeClr val="dk1"/>
+          </a:fontRef>
+        </p:style>
+        <p:txBody>
+          <a:bodyPr wrap="square" rtlCol="0">
+            <a:spAutoFit/>
+          </a:bodyPr>
+          <a:lstStyle/>
+          <a:p>
+            <a:r>
+              <a:rPr lang="en-IN" dirty="0" smtClean="0">
+                <a:solidFill>
+                  <a:schemeClr val="bg1"/>
+                </a:solidFill>
+              </a:rPr>
+              <a:t>Upload the csv file which contains comma separated attendee list</a:t>
+            </a:r>
+          </a:p>
+          <a:p>
+            <a:r>
+              <a:rPr lang="en-IN" sz="1400" dirty="0" smtClean="0">
+                <a:solidFill>
+                  <a:schemeClr val="bg1"/>
+                </a:solidFill>
+              </a:rPr>
+              <a:t>Format: attendee id,name,email</a:t>
+            </a:r>
+          </a:p>
+          <a:p>
+            <a:endParaRPr lang="en-IN" dirty="0">
+              <a:solidFill>
+                <a:schemeClr val="bg1"/>
+              </a:solidFill>
+            </a:endParaRPr>
+          </a:p>
+          <a:p>
+            <a:endParaRPr lang="en-IN" dirty="0">
+              <a:solidFill>
+                <a:schemeClr val="bg1"/>
+              </a:solidFill>
+            </a:endParaRPr>
+          </a:p>
+        </p:txBody>
+      </p:sp>
+      <p:sp>
+        <p:nvSpPr>
+          <p:cNvPr id="15" name="Rounded Rectangle 14"/>
           <p:cNvSpPr/>
           <p:nvPr/>
         </p:nvSpPr>
         <p:spPr>
           <a:xfrm>
-            <a:off x="5855988" y="5937851"/>
-            <a:ext cx="648052" cy="619886"/>
-          </a:xfrm>
-          <a:prstGeom prst="ellipse">
-            <a:avLst/>
-          </a:prstGeom>
+            <a:off x="5063001" y="4105123"/>
+            <a:ext cx="1116572" cy="425487"/>
+          </a:xfrm>
+          <a:prstGeom prst="roundRect">
+            <a:avLst/>
+          </a:prstGeom>
+          <a:ln/>
         </p:spPr>
         <p:style>
           <a:lnRef idx="2">
@@ -21003,185 +20784,26 @@
           <a:p>
             <a:pPr algn="ctr"/>
             <a:r>
-              <a:rPr lang="en-IN" sz="5400" dirty="0" smtClean="0"/>
-              <a:t>+</a:t>
-            </a:r>
-            <a:endParaRPr lang="en-IN" sz="5400" dirty="0"/>
-          </a:p>
-        </p:txBody>
-      </p:sp>
-      <p:pic>
-        <p:nvPicPr>
-          <p:cNvPr id="8" name="Picture 7"/>
-          <p:cNvPicPr>
-            <a:picLocks noChangeAspect="1"/>
-          </p:cNvPicPr>
-          <p:nvPr/>
-        </p:nvPicPr>
-        <p:blipFill>
-          <a:blip r:embed="rId2">
-            <a:extLst>
-              <a:ext uri="{28A0092B-C50C-407E-A947-70E740481C1C}">
-                <a14:useLocalDpi xmlns:a14="http://schemas.microsoft.com/office/drawing/2010/main" val="0"/>
-              </a:ext>
-            </a:extLst>
-          </a:blip>
-          <a:stretch>
-            <a:fillRect/>
-          </a:stretch>
-        </p:blipFill>
-        <p:spPr>
-          <a:xfrm>
-            <a:off x="7054646" y="1769410"/>
-            <a:ext cx="457200" cy="457200"/>
-          </a:xfrm>
-          <a:prstGeom prst="rect">
-            <a:avLst/>
-          </a:prstGeom>
-        </p:spPr>
-      </p:pic>
-      <p:pic>
-        <p:nvPicPr>
-          <p:cNvPr id="9" name="Picture 8"/>
-          <p:cNvPicPr>
-            <a:picLocks noChangeAspect="1"/>
-          </p:cNvPicPr>
-          <p:nvPr/>
-        </p:nvPicPr>
-        <p:blipFill>
-          <a:blip r:embed="rId3">
-            <a:extLst>
-              <a:ext uri="{28A0092B-C50C-407E-A947-70E740481C1C}">
-                <a14:useLocalDpi xmlns:a14="http://schemas.microsoft.com/office/drawing/2010/main" val="0"/>
-              </a:ext>
-            </a:extLst>
-          </a:blip>
-          <a:stretch>
-            <a:fillRect/>
-          </a:stretch>
-        </p:blipFill>
-        <p:spPr>
-          <a:xfrm>
-            <a:off x="7620896" y="1769410"/>
-            <a:ext cx="457200" cy="457200"/>
-          </a:xfrm>
-          <a:prstGeom prst="rect">
-            <a:avLst/>
-          </a:prstGeom>
-        </p:spPr>
-      </p:pic>
-      <p:sp>
-        <p:nvSpPr>
-          <p:cNvPr id="14" name="TextBox 13"/>
-          <p:cNvSpPr txBox="1"/>
-          <p:nvPr/>
-        </p:nvSpPr>
-        <p:spPr>
-          <a:xfrm>
-            <a:off x="4837471" y="2934929"/>
-            <a:ext cx="2920668" cy="1692771"/>
-          </a:xfrm>
-          <a:prstGeom prst="rect">
-            <a:avLst/>
-          </a:prstGeom>
-          <a:ln/>
-        </p:spPr>
-        <p:style>
-          <a:lnRef idx="2">
-            <a:schemeClr val="accent4"/>
-          </a:lnRef>
-          <a:fillRef idx="1">
-            <a:schemeClr val="lt1"/>
-          </a:fillRef>
-          <a:effectRef idx="0">
-            <a:schemeClr val="accent4"/>
-          </a:effectRef>
-          <a:fontRef idx="minor">
-            <a:schemeClr val="dk1"/>
-          </a:fontRef>
-        </p:style>
-        <p:txBody>
-          <a:bodyPr wrap="square" rtlCol="0">
-            <a:spAutoFit/>
-          </a:bodyPr>
-          <a:lstStyle/>
-          <a:p>
-            <a:r>
               <a:rPr lang="en-IN" dirty="0" smtClean="0">
-                <a:solidFill>
-                  <a:schemeClr val="bg1"/>
-                </a:solidFill>
+                <a:latin typeface="Calibri" panose="020F0502020204030204" pitchFamily="34" charset="0"/>
               </a:rPr>
-              <a:t>Upload the csv file which contains comma separated </a:t>
-            </a:r>
-            <a:r>
-              <a:rPr lang="en-IN" dirty="0" smtClean="0">
-                <a:solidFill>
-                  <a:schemeClr val="bg1"/>
-                </a:solidFill>
-              </a:rPr>
-              <a:t>attendee </a:t>
-            </a:r>
-            <a:r>
-              <a:rPr lang="en-IN" dirty="0" smtClean="0">
-                <a:solidFill>
-                  <a:schemeClr val="bg1"/>
-                </a:solidFill>
-              </a:rPr>
-              <a:t>list</a:t>
-            </a:r>
-          </a:p>
-          <a:p>
-            <a:r>
-              <a:rPr lang="en-IN" sz="1400" dirty="0" smtClean="0">
-                <a:solidFill>
-                  <a:schemeClr val="bg1"/>
-                </a:solidFill>
-              </a:rPr>
-              <a:t>Format: </a:t>
-            </a:r>
-            <a:r>
-              <a:rPr lang="en-IN" sz="1400" dirty="0" smtClean="0">
-                <a:solidFill>
-                  <a:schemeClr val="bg1"/>
-                </a:solidFill>
-              </a:rPr>
-              <a:t>attendee </a:t>
-            </a:r>
-            <a:r>
-              <a:rPr lang="en-IN" sz="1400" dirty="0" smtClean="0">
-                <a:solidFill>
-                  <a:schemeClr val="bg1"/>
-                </a:solidFill>
-              </a:rPr>
-              <a:t>id,name,email</a:t>
-            </a:r>
-          </a:p>
-          <a:p>
+              <a:t>Browse</a:t>
+            </a:r>
             <a:endParaRPr lang="en-IN" dirty="0">
-              <a:solidFill>
-                <a:schemeClr val="bg1"/>
-              </a:solidFill>
+              <a:latin typeface="Calibri" panose="020F0502020204030204" pitchFamily="34" charset="0"/>
             </a:endParaRPr>
           </a:p>
-          <a:p>
-            <a:endParaRPr lang="en-IN" dirty="0">
-              <a:solidFill>
-                <a:schemeClr val="bg1"/>
-              </a:solidFill>
-            </a:endParaRPr>
-          </a:p>
-        </p:txBody>
-      </p:sp>
-      <p:sp>
-        <p:nvSpPr>
-          <p:cNvPr id="15" name="Rounded Rectangle 14"/>
+        </p:txBody>
+      </p:sp>
+      <p:sp>
+        <p:nvSpPr>
+          <p:cNvPr id="16" name="Rounded Rectangle 15"/>
           <p:cNvSpPr/>
           <p:nvPr/>
         </p:nvSpPr>
         <p:spPr>
           <a:xfrm>
-            <a:off x="5063001" y="4105123"/>
+            <a:off x="6395274" y="4124784"/>
             <a:ext cx="1116572" cy="425487"/>
           </a:xfrm>
           <a:prstGeom prst="roundRect">
@@ -21214,7 +20836,7 @@
               <a:rPr lang="en-IN" dirty="0" smtClean="0">
                 <a:latin typeface="Calibri" panose="020F0502020204030204" pitchFamily="34" charset="0"/>
               </a:rPr>
-              <a:t>Browse</a:t>
+              <a:t>Cancel</a:t>
             </a:r>
             <a:endParaRPr lang="en-IN" dirty="0">
               <a:latin typeface="Calibri" panose="020F0502020204030204" pitchFamily="34" charset="0"/>
@@ -21224,14 +20846,14 @@
       </p:sp>
       <p:sp>
         <p:nvSpPr>
-          <p:cNvPr id="16" name="Rounded Rectangle 15"/>
+          <p:cNvPr id="13" name="Rounded Rectangle 12"/>
           <p:cNvSpPr/>
           <p:nvPr/>
         </p:nvSpPr>
         <p:spPr>
           <a:xfrm>
-            <a:off x="6395274" y="4124784"/>
-            <a:ext cx="1116572" cy="425487"/>
+            <a:off x="5250426" y="6055229"/>
+            <a:ext cx="1721533" cy="425487"/>
           </a:xfrm>
           <a:prstGeom prst="roundRect">
             <a:avLst/>
@@ -21263,9 +20885,128 @@
               <a:rPr lang="en-IN" dirty="0" smtClean="0">
                 <a:latin typeface="Calibri" panose="020F0502020204030204" pitchFamily="34" charset="0"/>
               </a:rPr>
-              <a:t>Cancel</a:t>
+              <a:t>Add new course</a:t>
             </a:r>
             <a:endParaRPr lang="en-IN" dirty="0">
+              <a:latin typeface="Calibri" panose="020F0502020204030204" pitchFamily="34" charset="0"/>
+            </a:endParaRPr>
+          </a:p>
+        </p:txBody>
+      </p:sp>
+      <p:sp>
+        <p:nvSpPr>
+          <p:cNvPr id="24" name="Rectangle 23"/>
+          <p:cNvSpPr/>
+          <p:nvPr/>
+        </p:nvSpPr>
+        <p:spPr>
+          <a:xfrm>
+            <a:off x="4121237" y="811066"/>
+            <a:ext cx="3966693" cy="441931"/>
+          </a:xfrm>
+          <a:prstGeom prst="rect">
+            <a:avLst/>
+          </a:prstGeom>
+          <a:ln>
+            <a:noFill/>
+          </a:ln>
+        </p:spPr>
+        <p:style>
+          <a:lnRef idx="3">
+            <a:schemeClr val="lt1"/>
+          </a:lnRef>
+          <a:fillRef idx="1">
+            <a:schemeClr val="accent4"/>
+          </a:fillRef>
+          <a:effectRef idx="1">
+            <a:schemeClr val="accent4"/>
+          </a:effectRef>
+          <a:fontRef idx="minor">
+            <a:schemeClr val="lt1"/>
+          </a:fontRef>
+        </p:style>
+        <p:txBody>
+          <a:bodyPr rtlCol="0" anchor="ctr"/>
+          <a:lstStyle/>
+          <a:p>
+            <a:pPr algn="ctr"/>
+            <a:r>
+              <a:rPr lang="en-IN" dirty="0" smtClean="0">
+                <a:solidFill>
+                  <a:schemeClr val="bg1"/>
+                </a:solidFill>
+                <a:latin typeface="Calibri" panose="020F0502020204030204" pitchFamily="34" charset="0"/>
+              </a:rPr>
+              <a:t>Attendees 		                :</a:t>
+            </a:r>
+            <a:r>
+              <a:rPr lang="en-IN" dirty="0" smtClean="0">
+                <a:latin typeface="Calibri" panose="020F0502020204030204" pitchFamily="34" charset="0"/>
+              </a:rPr>
+              <a:t>	</a:t>
+            </a:r>
+            <a:endParaRPr lang="en-IN" dirty="0">
+              <a:latin typeface="Calibri" panose="020F0502020204030204" pitchFamily="34" charset="0"/>
+            </a:endParaRPr>
+          </a:p>
+        </p:txBody>
+      </p:sp>
+      <p:sp>
+        <p:nvSpPr>
+          <p:cNvPr id="26" name="Rectangle 25"/>
+          <p:cNvSpPr/>
+          <p:nvPr/>
+        </p:nvSpPr>
+        <p:spPr>
+          <a:xfrm>
+            <a:off x="4121235" y="1317625"/>
+            <a:ext cx="2898925" cy="379550"/>
+          </a:xfrm>
+          <a:prstGeom prst="rect">
+            <a:avLst/>
+          </a:prstGeom>
+          <a:noFill/>
+          <a:ln>
+            <a:noFill/>
+          </a:ln>
+        </p:spPr>
+        <p:style>
+          <a:lnRef idx="2">
+            <a:schemeClr val="dk1"/>
+          </a:lnRef>
+          <a:fillRef idx="1">
+            <a:schemeClr val="lt1"/>
+          </a:fillRef>
+          <a:effectRef idx="0">
+            <a:schemeClr val="dk1"/>
+          </a:effectRef>
+          <a:fontRef idx="minor">
+            <a:schemeClr val="dk1"/>
+          </a:fontRef>
+        </p:style>
+        <p:txBody>
+          <a:bodyPr rtlCol="0" anchor="ctr"/>
+          <a:lstStyle/>
+          <a:p>
+            <a:r>
+              <a:rPr lang="en-IN" dirty="0" smtClean="0">
+                <a:latin typeface="Calibri" panose="020F0502020204030204" pitchFamily="34" charset="0"/>
+              </a:rPr>
+              <a:t>Course code: </a:t>
+            </a:r>
+            <a:r>
+              <a:rPr lang="en-IN" dirty="0" smtClean="0">
+                <a:solidFill>
+                  <a:schemeClr val="bg1"/>
+                </a:solidFill>
+                <a:latin typeface="Calibri" panose="020F0502020204030204" pitchFamily="34" charset="0"/>
+              </a:rPr>
+              <a:t>CSC413</a:t>
+            </a:r>
+            <a:endParaRPr lang="en-IN" dirty="0">
+              <a:solidFill>
+                <a:srgbClr val="FF0000"/>
+              </a:solidFill>
               <a:latin typeface="Calibri" panose="020F0502020204030204" pitchFamily="34" charset="0"/>
             </a:endParaRPr>
           </a:p>
@@ -21281,6 +21022,13 @@
   <p:clrMapOvr>
     <a:masterClrMapping/>
   </p:clrMapOvr>
+  <p:timing>
+    <p:tnLst>
+      <p:par>
+        <p:cTn id="1" dur="indefinite" restart="never" nodeType="tmRoot"/>
+      </p:par>
+    </p:tnLst>
+  </p:timing>
 </p:sld>
 </file>
 
@@ -21320,11 +21068,7 @@
           <a:p>
             <a:r>
               <a:rPr lang="en-IN" dirty="0" smtClean="0"/>
-              <a:t>My courses – </a:t>
-            </a:r>
-            <a:r>
-              <a:rPr lang="en-IN" dirty="0" smtClean="0"/>
-              <a:t>click on any course - Add manually</a:t>
+              <a:t>My courses – click on any course - Add manually</a:t>
             </a:r>
             <a:endParaRPr lang="en-IN" dirty="0"/>
           </a:p>
@@ -21511,25 +21255,7 @@
                 </a:solidFill>
                 <a:latin typeface="Calibri" panose="020F0502020204030204" pitchFamily="34" charset="0"/>
               </a:rPr>
-              <a:t>Add new </a:t>
-            </a:r>
-            <a:r>
-              <a:rPr lang="en-IN" dirty="0" smtClean="0">
-                <a:solidFill>
-                  <a:schemeClr val="bg1"/>
-                </a:solidFill>
-                <a:latin typeface="Calibri" panose="020F0502020204030204" pitchFamily="34" charset="0"/>
-              </a:rPr>
-              <a:t>attendee</a:t>
-            </a:r>
-            <a:r>
-              <a:rPr lang="en-IN" dirty="0" smtClean="0">
-                <a:solidFill>
-                  <a:schemeClr val="bg1"/>
-                </a:solidFill>
-                <a:latin typeface="Calibri" panose="020F0502020204030204" pitchFamily="34" charset="0"/>
-              </a:rPr>
-              <a:t>			:</a:t>
+              <a:t>Add new attendee			:</a:t>
             </a:r>
             <a:endParaRPr lang="en-IN" dirty="0">
               <a:solidFill>
@@ -21906,11 +21632,7 @@
           <a:p>
             <a:r>
               <a:rPr lang="en-IN" dirty="0" smtClean="0"/>
-              <a:t>My </a:t>
-            </a:r>
-            <a:r>
-              <a:rPr lang="en-IN" dirty="0" smtClean="0"/>
-              <a:t>Course- click on any course - </a:t>
+              <a:t>My Course- click on any course - </a:t>
             </a:r>
             <a:r>
               <a:rPr lang="en-IN" dirty="0"/>
@@ -21918,11 +21640,7 @@
             </a:r>
             <a:r>
               <a:rPr lang="en-IN" dirty="0" smtClean="0"/>
-              <a:t>elete attendee </a:t>
-            </a:r>
-            <a:r>
-              <a:rPr lang="en-IN" dirty="0" smtClean="0"/>
-              <a:t>from a course</a:t>
+              <a:t>elete attendee from a course</a:t>
             </a:r>
             <a:endParaRPr lang="en-IN" dirty="0"/>
           </a:p>
@@ -22017,7 +21735,7 @@
                 </a:solidFill>
                 <a:latin typeface="Calibri" panose="020F0502020204030204" pitchFamily="34" charset="0"/>
               </a:rPr>
-              <a:t>Course: CSC413</a:t>
+              <a:t>Attendees</a:t>
             </a:r>
             <a:r>
               <a:rPr lang="en-IN" dirty="0" smtClean="0">
@@ -22067,20 +21785,20 @@
           <p:nvPr>
             <p:extLst>
               <p:ext uri="{D42A27DB-BD31-4B8C-83A1-F6EECF244321}">
-                <p14:modId xmlns:p14="http://schemas.microsoft.com/office/powerpoint/2010/main" val="1582794509"/>
+                <p14:modId xmlns:p14="http://schemas.microsoft.com/office/powerpoint/2010/main" val="1612101576"/>
               </p:ext>
             </p:extLst>
           </p:nvPr>
         </p:nvGraphicFramePr>
         <p:xfrm>
-          <a:off x="4121236" y="1693222"/>
+          <a:off x="4121236" y="1722718"/>
           <a:ext cx="3966693" cy="1987440"/>
         </p:xfrm>
         <a:graphic>
           <a:graphicData uri="http://schemas.openxmlformats.org/drawingml/2006/table">
             <a:tbl>
               <a:tblPr bandRow="1">
-                <a:tableStyleId>{ED083AE6-46FA-4A59-8FB0-9F97EB10719F}</a:tableStyleId>
+                <a:tableStyleId>{17292A2E-F333-43FB-9621-5CBBE7FDCDCB}</a:tableStyleId>
               </a:tblPr>
               <a:tblGrid>
                 <a:gridCol w="1261925"/>
@@ -22495,21 +22213,8 @@
                   <a:schemeClr val="bg1"/>
                 </a:solidFill>
               </a:rPr>
-              <a:t>Are you sure you want to delete this </a:t>
-            </a:r>
-            <a:r>
-              <a:rPr lang="en-IN" dirty="0" smtClean="0">
-                <a:solidFill>
-                  <a:schemeClr val="bg1"/>
-                </a:solidFill>
-              </a:rPr>
-              <a:t>attendee?</a:t>
-            </a:r>
-            <a:endParaRPr lang="en-IN" dirty="0" smtClean="0">
-              <a:solidFill>
-                <a:schemeClr val="bg1"/>
-              </a:solidFill>
-            </a:endParaRPr>
+              <a:t>Are you sure you want to delete this attendee?</a:t>
+            </a:r>
           </a:p>
           <a:p>
             <a:endParaRPr lang="en-IN" dirty="0" smtClean="0">
@@ -22632,6 +22337,67 @@
           </a:p>
         </p:txBody>
       </p:sp>
+      <p:sp>
+        <p:nvSpPr>
+          <p:cNvPr id="21" name="Rectangle 20"/>
+          <p:cNvSpPr/>
+          <p:nvPr/>
+        </p:nvSpPr>
+        <p:spPr>
+          <a:xfrm>
+            <a:off x="4121235" y="1317625"/>
+            <a:ext cx="2898925" cy="379550"/>
+          </a:xfrm>
+          <a:prstGeom prst="rect">
+            <a:avLst/>
+          </a:prstGeom>
+          <a:noFill/>
+          <a:ln>
+            <a:noFill/>
+          </a:ln>
+        </p:spPr>
+        <p:style>
+          <a:lnRef idx="2">
+            <a:schemeClr val="dk1"/>
+          </a:lnRef>
+          <a:fillRef idx="1">
+            <a:schemeClr val="lt1"/>
+          </a:fillRef>
+          <a:effectRef idx="0">
+            <a:schemeClr val="dk1"/>
+          </a:effectRef>
+          <a:fontRef idx="minor">
+            <a:schemeClr val="dk1"/>
+          </a:fontRef>
+        </p:style>
+        <p:txBody>
+          <a:bodyPr rtlCol="0" anchor="ctr"/>
+          <a:lstStyle/>
+          <a:p>
+            <a:r>
+              <a:rPr lang="en-IN" dirty="0" smtClean="0">
+                <a:latin typeface="Calibri" panose="020F0502020204030204" pitchFamily="34" charset="0"/>
+              </a:rPr>
+              <a:t>Course code: </a:t>
+            </a:r>
+            <a:r>
+              <a:rPr lang="en-IN" dirty="0" smtClean="0">
+                <a:solidFill>
+                  <a:schemeClr val="bg1"/>
+                </a:solidFill>
+                <a:latin typeface="Calibri" panose="020F0502020204030204" pitchFamily="34" charset="0"/>
+              </a:rPr>
+              <a:t>CSC413</a:t>
+            </a:r>
+            <a:endParaRPr lang="en-IN" dirty="0">
+              <a:solidFill>
+                <a:srgbClr val="FF0000"/>
+              </a:solidFill>
+              <a:latin typeface="Calibri" panose="020F0502020204030204" pitchFamily="34" charset="0"/>
+            </a:endParaRPr>
+          </a:p>
+        </p:txBody>
+      </p:sp>
     </p:spTree>
     <p:extLst>
       <p:ext uri="{BB962C8B-B14F-4D97-AF65-F5344CB8AC3E}">
@@ -22642,6 +22408,13 @@
   <p:clrMapOvr>
     <a:masterClrMapping/>
   </p:clrMapOvr>
+  <p:timing>
+    <p:tnLst>
+      <p:par>
+        <p:cTn id="1" dur="indefinite" restart="never" nodeType="tmRoot"/>
+      </p:par>
+    </p:tnLst>
+  </p:timing>
 </p:sld>
 </file>
 
@@ -22681,11 +22454,7 @@
           <a:p>
             <a:r>
               <a:rPr lang="en-IN" dirty="0" smtClean="0"/>
-              <a:t>My courses – </a:t>
-            </a:r>
-            <a:r>
-              <a:rPr lang="en-IN" dirty="0" smtClean="0"/>
-              <a:t>click on any course - Edit attendee</a:t>
+              <a:t>My courses – click on any course - Edit attendee</a:t>
             </a:r>
             <a:endParaRPr lang="en-IN" dirty="0"/>
           </a:p>
@@ -22878,25 +22647,7 @@
                 </a:solidFill>
                 <a:latin typeface="Calibri" panose="020F0502020204030204" pitchFamily="34" charset="0"/>
               </a:rPr>
-              <a:t>Edit </a:t>
-            </a:r>
-            <a:r>
-              <a:rPr lang="en-IN" dirty="0" smtClean="0">
-                <a:solidFill>
-                  <a:schemeClr val="bg1"/>
-                </a:solidFill>
-                <a:latin typeface="Calibri" panose="020F0502020204030204" pitchFamily="34" charset="0"/>
-              </a:rPr>
-              <a:t>attendee</a:t>
-            </a:r>
-            <a:r>
-              <a:rPr lang="en-IN" dirty="0" smtClean="0">
-                <a:solidFill>
-                  <a:schemeClr val="bg1"/>
-                </a:solidFill>
-                <a:latin typeface="Calibri" panose="020F0502020204030204" pitchFamily="34" charset="0"/>
-              </a:rPr>
-              <a:t>			:</a:t>
+              <a:t>Edit attendee			:</a:t>
             </a:r>
             <a:endParaRPr lang="en-IN" dirty="0">
               <a:solidFill>
@@ -23871,7 +23622,7 @@
         </p:nvSpPr>
         <p:spPr>
           <a:xfrm>
-            <a:off x="5688748" y="3812963"/>
+            <a:off x="5727532" y="5479531"/>
             <a:ext cx="857140" cy="457200"/>
           </a:xfrm>
           <a:prstGeom prst="roundRect">
@@ -24037,11 +23788,7 @@
           <a:p>
             <a:r>
               <a:rPr lang="en-IN" dirty="0" smtClean="0"/>
-              <a:t>Show report- </a:t>
-            </a:r>
-            <a:r>
-              <a:rPr lang="en-IN" dirty="0" smtClean="0"/>
-              <a:t>select a course - click on show</a:t>
+              <a:t>Show report- select a course - click on show</a:t>
             </a:r>
             <a:endParaRPr lang="en-IN" dirty="0"/>
           </a:p>
@@ -24151,14 +23898,14 @@
           <p:nvPr>
             <p:extLst>
               <p:ext uri="{D42A27DB-BD31-4B8C-83A1-F6EECF244321}">
-                <p14:modId xmlns:p14="http://schemas.microsoft.com/office/powerpoint/2010/main" val="3958248621"/>
+                <p14:modId xmlns:p14="http://schemas.microsoft.com/office/powerpoint/2010/main" val="165401137"/>
               </p:ext>
             </p:extLst>
           </p:nvPr>
         </p:nvGraphicFramePr>
         <p:xfrm>
-          <a:off x="4666927" y="1854009"/>
-          <a:ext cx="3061228" cy="3513136"/>
+          <a:off x="4232788" y="1764889"/>
+          <a:ext cx="3855142" cy="3370499"/>
         </p:xfrm>
         <a:graphic>
           <a:graphicData uri="http://schemas.openxmlformats.org/drawingml/2006/table">
@@ -24167,10 +23914,10 @@
                 <a:tableStyleId>{ED083AE6-46FA-4A59-8FB0-9F97EB10719F}</a:tableStyleId>
               </a:tblPr>
               <a:tblGrid>
-                <a:gridCol w="1509128"/>
-                <a:gridCol w="1552100"/>
+                <a:gridCol w="2477728"/>
+                <a:gridCol w="1377414"/>
               </a:tblGrid>
-              <a:tr h="701764">
+              <a:tr h="717561">
                 <a:tc>
                   <a:txBody>
                     <a:bodyPr/>
@@ -24182,7 +23929,7 @@
                             <a:schemeClr val="bg1"/>
                           </a:solidFill>
                         </a:rPr>
-                        <a:t>Student</a:t>
+                        <a:t>Attendee</a:t>
                       </a:r>
                       <a:endParaRPr lang="en-IN" dirty="0">
                         <a:solidFill>
@@ -24226,7 +23973,7 @@
                   <a:tcPr/>
                 </a:tc>
               </a:tr>
-              <a:tr h="468562">
+              <a:tr h="732698">
                 <a:tc>
                   <a:txBody>
                     <a:bodyPr/>
@@ -24258,6 +24005,38 @@
                         <a:t>915717457</a:t>
                       </a:r>
                     </a:p>
+                    <a:p>
+                      <a:pPr marL="0" marR="0" indent="0" algn="l" defTabSz="457200" rtl="0" eaLnBrk="1" fontAlgn="auto" latinLnBrk="0" hangingPunct="1">
+                        <a:lnSpc>
+                          <a:spcPct val="100000"/>
+                        </a:lnSpc>
+                        <a:spcBef>
+                          <a:spcPts val="0"/>
+                        </a:spcBef>
+                        <a:spcAft>
+                          <a:spcPts val="0"/>
+                        </a:spcAft>
+                        <a:buClrTx/>
+                        <a:buSzTx/>
+                        <a:buFontTx/>
+                        <a:buNone/>
+                        <a:tabLst/>
+                        <a:defRPr/>
+                      </a:pPr>
+                      <a:r>
+                        <a:rPr lang="en-IN" dirty="0" smtClean="0">
+                          <a:solidFill>
+                            <a:schemeClr val="bg1"/>
+                          </a:solidFill>
+                        </a:rPr>
+                        <a:t>rshah1@mail.sfsu.edu</a:t>
+                      </a:r>
+                      <a:endParaRPr lang="en-IN" dirty="0" smtClean="0">
+                        <a:solidFill>
+                          <a:schemeClr val="bg1"/>
+                        </a:solidFill>
+                      </a:endParaRPr>
+                    </a:p>
                   </a:txBody>
                   <a:tcPr/>
                 </a:tc>
@@ -24272,7 +24051,7 @@
                             <a:schemeClr val="bg1"/>
                           </a:solidFill>
                         </a:rPr>
-                        <a:t>5%</a:t>
+                        <a:t>100%</a:t>
                       </a:r>
                       <a:endParaRPr lang="en-IN" dirty="0">
                         <a:solidFill>
@@ -24284,7 +24063,7 @@
                   <a:tcPr/>
                 </a:tc>
               </a:tr>
-              <a:tr h="468562">
+              <a:tr h="479110">
                 <a:tc>
                   <a:txBody>
                     <a:bodyPr/>
@@ -24313,8 +24092,40 @@
                             <a:schemeClr val="bg1"/>
                           </a:solidFill>
                         </a:rPr>
-                        <a:t>915717458</a:t>
+                        <a:t>111111111</a:t>
                       </a:r>
+                    </a:p>
+                    <a:p>
+                      <a:pPr marL="0" marR="0" indent="0" algn="l" defTabSz="457200" rtl="0" eaLnBrk="1" fontAlgn="auto" latinLnBrk="0" hangingPunct="1">
+                        <a:lnSpc>
+                          <a:spcPct val="100000"/>
+                        </a:lnSpc>
+                        <a:spcBef>
+                          <a:spcPts val="0"/>
+                        </a:spcBef>
+                        <a:spcAft>
+                          <a:spcPts val="0"/>
+                        </a:spcAft>
+                        <a:buClrTx/>
+                        <a:buSzTx/>
+                        <a:buFontTx/>
+                        <a:buNone/>
+                        <a:tabLst/>
+                        <a:defRPr/>
+                      </a:pPr>
+                      <a:r>
+                        <a:rPr lang="en-IN" dirty="0" smtClean="0">
+                          <a:solidFill>
+                            <a:schemeClr val="bg1"/>
+                          </a:solidFill>
+                        </a:rPr>
+                        <a:t>rajan@mail.sfsu.edu</a:t>
+                      </a:r>
+                      <a:endParaRPr lang="en-IN" dirty="0" smtClean="0">
+                        <a:solidFill>
+                          <a:schemeClr val="bg1"/>
+                        </a:solidFill>
+                      </a:endParaRPr>
                     </a:p>
                   </a:txBody>
                   <a:tcPr/>
@@ -24342,7 +24153,7 @@
                   <a:tcPr/>
                 </a:tc>
               </a:tr>
-              <a:tr h="468562">
+              <a:tr h="479110">
                 <a:tc>
                   <a:txBody>
                     <a:bodyPr/>
@@ -24371,8 +24182,40 @@
                             <a:schemeClr val="bg1"/>
                           </a:solidFill>
                         </a:rPr>
-                        <a:t>915717459</a:t>
+                        <a:t>222222222</a:t>
                       </a:r>
+                    </a:p>
+                    <a:p>
+                      <a:pPr marL="0" marR="0" indent="0" algn="l" defTabSz="457200" rtl="0" eaLnBrk="1" fontAlgn="auto" latinLnBrk="0" hangingPunct="1">
+                        <a:lnSpc>
+                          <a:spcPct val="100000"/>
+                        </a:lnSpc>
+                        <a:spcBef>
+                          <a:spcPts val="0"/>
+                        </a:spcBef>
+                        <a:spcAft>
+                          <a:spcPts val="0"/>
+                        </a:spcAft>
+                        <a:buClrTx/>
+                        <a:buSzTx/>
+                        <a:buFontTx/>
+                        <a:buNone/>
+                        <a:tabLst/>
+                        <a:defRPr/>
+                      </a:pPr>
+                      <a:r>
+                        <a:rPr lang="en-IN" dirty="0" smtClean="0">
+                          <a:solidFill>
+                            <a:schemeClr val="bg1"/>
+                          </a:solidFill>
+                        </a:rPr>
+                        <a:t>payal@gmail.com</a:t>
+                      </a:r>
+                      <a:endParaRPr lang="en-IN" dirty="0" smtClean="0">
+                        <a:solidFill>
+                          <a:schemeClr val="bg1"/>
+                        </a:solidFill>
+                      </a:endParaRPr>
                     </a:p>
                   </a:txBody>
                   <a:tcPr/>
@@ -24400,7 +24243,7 @@
                   <a:tcPr/>
                 </a:tc>
               </a:tr>
-              <a:tr h="468562">
+              <a:tr h="479110">
                 <a:tc>
                   <a:txBody>
                     <a:bodyPr/>
@@ -24429,8 +24272,40 @@
                             <a:schemeClr val="bg1"/>
                           </a:solidFill>
                         </a:rPr>
-                        <a:t>915717410</a:t>
+                        <a:t>333333333</a:t>
                       </a:r>
+                    </a:p>
+                    <a:p>
+                      <a:pPr marL="0" marR="0" indent="0" algn="l" defTabSz="457200" rtl="0" eaLnBrk="1" fontAlgn="auto" latinLnBrk="0" hangingPunct="1">
+                        <a:lnSpc>
+                          <a:spcPct val="100000"/>
+                        </a:lnSpc>
+                        <a:spcBef>
+                          <a:spcPts val="0"/>
+                        </a:spcBef>
+                        <a:spcAft>
+                          <a:spcPts val="0"/>
+                        </a:spcAft>
+                        <a:buClrTx/>
+                        <a:buSzTx/>
+                        <a:buFontTx/>
+                        <a:buNone/>
+                        <a:tabLst/>
+                        <a:defRPr/>
+                      </a:pPr>
+                      <a:r>
+                        <a:rPr lang="en-IN" dirty="0" smtClean="0">
+                          <a:solidFill>
+                            <a:schemeClr val="bg1"/>
+                          </a:solidFill>
+                        </a:rPr>
+                        <a:t>amity@yahoo.co.in</a:t>
+                      </a:r>
+                      <a:endParaRPr lang="en-IN" dirty="0" smtClean="0">
+                        <a:solidFill>
+                          <a:schemeClr val="bg1"/>
+                        </a:solidFill>
+                      </a:endParaRPr>
                     </a:p>
                   </a:txBody>
                   <a:tcPr/>
@@ -24458,122 +24333,6 @@
                   <a:tcPr/>
                 </a:tc>
               </a:tr>
-              <a:tr h="468562">
-                <a:tc>
-                  <a:txBody>
-                    <a:bodyPr/>
-                    <a:lstStyle/>
-                    <a:p>
-                      <a:pPr marL="0" marR="0" indent="0" algn="l" defTabSz="457200" rtl="0" eaLnBrk="1" fontAlgn="auto" latinLnBrk="0" hangingPunct="1">
-                        <a:lnSpc>
-                          <a:spcPct val="100000"/>
-                        </a:lnSpc>
-                        <a:spcBef>
-                          <a:spcPts val="0"/>
-                        </a:spcBef>
-                        <a:spcAft>
-                          <a:spcPts val="0"/>
-                        </a:spcAft>
-                        <a:buClrTx/>
-                        <a:buSzTx/>
-                        <a:buFontTx/>
-                        <a:buNone/>
-                        <a:tabLst/>
-                        <a:defRPr/>
-                      </a:pPr>
-                      <a:r>
-                        <a:rPr lang="en-IN" dirty="0" smtClean="0">
-                          <a:solidFill>
-                            <a:schemeClr val="bg1"/>
-                          </a:solidFill>
-                        </a:rPr>
-                        <a:t>915717454</a:t>
-                      </a:r>
-                    </a:p>
-                  </a:txBody>
-                  <a:tcPr/>
-                </a:tc>
-                <a:tc>
-                  <a:txBody>
-                    <a:bodyPr/>
-                    <a:lstStyle/>
-                    <a:p>
-                      <a:r>
-                        <a:rPr lang="en-IN" dirty="0" smtClean="0">
-                          <a:solidFill>
-                            <a:schemeClr val="bg1"/>
-                          </a:solidFill>
-                        </a:rPr>
-                        <a:t>100%</a:t>
-                      </a:r>
-                      <a:endParaRPr lang="en-IN" dirty="0">
-                        <a:solidFill>
-                          <a:schemeClr val="bg1"/>
-                        </a:solidFill>
-                      </a:endParaRPr>
-                    </a:p>
-                  </a:txBody>
-                  <a:tcPr/>
-                </a:tc>
-              </a:tr>
-              <a:tr h="468562">
-                <a:tc>
-                  <a:txBody>
-                    <a:bodyPr/>
-                    <a:lstStyle/>
-                    <a:p>
-                      <a:pPr marL="0" marR="0" indent="0" algn="l" defTabSz="457200" rtl="0" eaLnBrk="1" fontAlgn="auto" latinLnBrk="0" hangingPunct="1">
-                        <a:lnSpc>
-                          <a:spcPct val="100000"/>
-                        </a:lnSpc>
-                        <a:spcBef>
-                          <a:spcPts val="0"/>
-                        </a:spcBef>
-                        <a:spcAft>
-                          <a:spcPts val="0"/>
-                        </a:spcAft>
-                        <a:buClrTx/>
-                        <a:buSzTx/>
-                        <a:buFontTx/>
-                        <a:buNone/>
-                        <a:tabLst/>
-                        <a:defRPr/>
-                      </a:pPr>
-                      <a:r>
-                        <a:rPr lang="en-IN" dirty="0" smtClean="0">
-                          <a:solidFill>
-                            <a:schemeClr val="bg1"/>
-                          </a:solidFill>
-                        </a:rPr>
-                        <a:t>915717455</a:t>
-                      </a:r>
-                    </a:p>
-                  </a:txBody>
-                  <a:tcPr/>
-                </a:tc>
-                <a:tc>
-                  <a:txBody>
-                    <a:bodyPr/>
-                    <a:lstStyle/>
-                    <a:p>
-                      <a:r>
-                        <a:rPr lang="en-IN" dirty="0" smtClean="0">
-                          <a:solidFill>
-                            <a:schemeClr val="bg1"/>
-                          </a:solidFill>
-                        </a:rPr>
-                        <a:t>100%</a:t>
-                      </a:r>
-                      <a:endParaRPr lang="en-IN" dirty="0">
-                        <a:solidFill>
-                          <a:schemeClr val="bg1"/>
-                        </a:solidFill>
-                      </a:endParaRPr>
-                    </a:p>
-                  </a:txBody>
-                  <a:tcPr/>
-                </a:tc>
-              </a:tr>
             </a:tbl>
           </a:graphicData>
         </a:graphic>
@@ -24692,6 +24451,13 @@
   <p:clrMapOvr>
     <a:masterClrMapping/>
   </p:clrMapOvr>
+  <p:timing>
+    <p:tnLst>
+      <p:par>
+        <p:cTn id="1" dur="indefinite" restart="never" nodeType="tmRoot"/>
+      </p:par>
+    </p:tnLst>
+  </p:timing>
 </p:sld>
 </file>
 
@@ -24724,25 +24490,12 @@
         </p:nvSpPr>
         <p:spPr/>
         <p:txBody>
-          <a:bodyPr>
-            <a:scene3d>
-              <a:camera prst="orthographicFront"/>
-              <a:lightRig rig="harsh" dir="t"/>
-            </a:scene3d>
-            <a:sp3d extrusionH="57150" prstMaterial="matte">
-              <a:bevelT w="63500" h="12700" prst="angle"/>
-              <a:contourClr>
-                <a:schemeClr val="bg1">
-                  <a:lumMod val="65000"/>
-                </a:schemeClr>
-              </a:contourClr>
-            </a:sp3d>
-          </a:bodyPr>
+          <a:bodyPr/>
           <a:lstStyle/>
           <a:p>
             <a:r>
               <a:rPr lang="en-IN" dirty="0" smtClean="0"/>
-              <a:t> Login prompt – home screen without login</a:t>
+              <a:t>New user registration</a:t>
             </a:r>
             <a:endParaRPr lang="en-IN" dirty="0"/>
           </a:p>
@@ -24750,13 +24503,13 @@
       </p:sp>
       <p:sp>
         <p:nvSpPr>
-          <p:cNvPr id="4" name="Rectangle 3"/>
+          <p:cNvPr id="14" name="Rectangle 13"/>
           <p:cNvSpPr/>
           <p:nvPr/>
         </p:nvSpPr>
         <p:spPr>
           <a:xfrm>
-            <a:off x="4121237" y="882929"/>
+            <a:off x="4121237" y="794441"/>
             <a:ext cx="3966693" cy="5902573"/>
           </a:xfrm>
           <a:prstGeom prst="rect">
@@ -24782,7 +24535,7 @@
           <a:lstStyle/>
           <a:p>
             <a:pPr algn="ctr"/>
-            <a:endParaRPr lang="en-IN">
+            <a:endParaRPr lang="en-IN" dirty="0">
               <a:latin typeface="Calibri" panose="020F0502020204030204" pitchFamily="34" charset="0"/>
             </a:endParaRPr>
           </a:p>
@@ -24790,14 +24543,14 @@
       </p:sp>
       <p:sp>
         <p:nvSpPr>
-          <p:cNvPr id="5" name="Rectangle 4"/>
+          <p:cNvPr id="15" name="Rectangle 14"/>
           <p:cNvSpPr/>
           <p:nvPr/>
         </p:nvSpPr>
         <p:spPr>
           <a:xfrm>
-            <a:off x="4752300" y="2544903"/>
-            <a:ext cx="2730325" cy="309093"/>
+            <a:off x="4346617" y="2581853"/>
+            <a:ext cx="3367828" cy="309093"/>
           </a:xfrm>
           <a:prstGeom prst="rect">
             <a:avLst/>
@@ -24835,13 +24588,13 @@
       </p:sp>
       <p:sp>
         <p:nvSpPr>
-          <p:cNvPr id="6" name="Rectangle 5"/>
+          <p:cNvPr id="16" name="Rectangle 15"/>
           <p:cNvSpPr/>
           <p:nvPr/>
         </p:nvSpPr>
         <p:spPr>
           <a:xfrm>
-            <a:off x="4711505" y="2223301"/>
+            <a:off x="4254322" y="2208636"/>
             <a:ext cx="1970468" cy="309093"/>
           </a:xfrm>
           <a:prstGeom prst="rect">
@@ -24874,7 +24627,16 @@
               <a:rPr lang="en-IN" smtClean="0">
                 <a:latin typeface="Calibri" panose="020F0502020204030204" pitchFamily="34" charset="0"/>
               </a:rPr>
-              <a:t>Email id:</a:t>
+              <a:t>Email id: </a:t>
+            </a:r>
+            <a:r>
+              <a:rPr lang="en-IN" smtClean="0">
+                <a:solidFill>
+                  <a:srgbClr val="FF0000"/>
+                </a:solidFill>
+                <a:latin typeface="Calibri" panose="020F0502020204030204" pitchFamily="34" charset="0"/>
+              </a:rPr>
+              <a:t>*</a:t>
             </a:r>
             <a:endParaRPr lang="en-IN">
               <a:latin typeface="Calibri" panose="020F0502020204030204" pitchFamily="34" charset="0"/>
@@ -24884,13 +24646,13 @@
       </p:sp>
       <p:sp>
         <p:nvSpPr>
-          <p:cNvPr id="7" name="Rectangle 6"/>
+          <p:cNvPr id="17" name="Rectangle 16"/>
           <p:cNvSpPr/>
           <p:nvPr/>
         </p:nvSpPr>
         <p:spPr>
           <a:xfrm>
-            <a:off x="4121237" y="882929"/>
+            <a:off x="4121237" y="794441"/>
             <a:ext cx="3966693" cy="441931"/>
           </a:xfrm>
           <a:prstGeom prst="rect">
@@ -24918,6 +24680,7 @@
           <a:bodyPr rtlCol="0" anchor="ctr"/>
           <a:lstStyle/>
           <a:p>
+            <a:pPr algn="ctr"/>
             <a:r>
               <a:rPr lang="en-IN" dirty="0" smtClean="0">
                 <a:solidFill>
@@ -24925,7 +24688,7 @@
                 </a:solidFill>
                 <a:latin typeface="Calibri" panose="020F0502020204030204" pitchFamily="34" charset="0"/>
               </a:rPr>
-              <a:t>Attendance: Login			:</a:t>
+              <a:t>Attendance: Register		:</a:t>
             </a:r>
             <a:endParaRPr lang="en-IN" dirty="0">
               <a:solidFill>
@@ -24938,18 +24701,19 @@
       </p:sp>
       <p:sp>
         <p:nvSpPr>
-          <p:cNvPr id="8" name="Rounded Rectangle 7"/>
+          <p:cNvPr id="18" name="Rounded Rectangle 17"/>
           <p:cNvSpPr/>
           <p:nvPr/>
         </p:nvSpPr>
         <p:spPr>
           <a:xfrm>
-            <a:off x="5097887" y="4035871"/>
+            <a:off x="5804080" y="5896084"/>
             <a:ext cx="811366" cy="425487"/>
           </a:xfrm>
           <a:prstGeom prst="roundRect">
             <a:avLst/>
           </a:prstGeom>
+          <a:ln/>
         </p:spPr>
         <p:style>
           <a:lnRef idx="2">
@@ -24976,7 +24740,7 @@
               <a:rPr lang="en-IN" sz="1500" smtClean="0">
                 <a:latin typeface="Calibri" panose="020F0502020204030204" pitchFamily="34" charset="0"/>
               </a:rPr>
-              <a:t>Login</a:t>
+              <a:t>Ok</a:t>
             </a:r>
             <a:endParaRPr lang="en-IN" sz="1500">
               <a:latin typeface="Calibri" panose="020F0502020204030204" pitchFamily="34" charset="0"/>
@@ -24986,14 +24750,14 @@
       </p:sp>
       <p:sp>
         <p:nvSpPr>
-          <p:cNvPr id="9" name="Rectangle 8"/>
+          <p:cNvPr id="19" name="Rectangle 18"/>
           <p:cNvSpPr/>
           <p:nvPr/>
         </p:nvSpPr>
         <p:spPr>
           <a:xfrm>
-            <a:off x="4797374" y="3318924"/>
-            <a:ext cx="2685251" cy="309093"/>
+            <a:off x="4346616" y="3334619"/>
+            <a:ext cx="3367829" cy="309093"/>
           </a:xfrm>
           <a:prstGeom prst="rect">
             <a:avLst/>
@@ -25031,13 +24795,13 @@
       </p:sp>
       <p:sp>
         <p:nvSpPr>
-          <p:cNvPr id="10" name="Rectangle 9"/>
+          <p:cNvPr id="20" name="Rectangle 19"/>
           <p:cNvSpPr/>
           <p:nvPr/>
         </p:nvSpPr>
         <p:spPr>
           <a:xfrm>
-            <a:off x="4730830" y="3009831"/>
+            <a:off x="4254322" y="2955070"/>
             <a:ext cx="1970468" cy="309093"/>
           </a:xfrm>
           <a:prstGeom prst="rect">
@@ -25070,7 +24834,16 @@
               <a:rPr lang="en-IN" smtClean="0">
                 <a:latin typeface="Calibri" panose="020F0502020204030204" pitchFamily="34" charset="0"/>
               </a:rPr>
-              <a:t>Password:</a:t>
+              <a:t>Password: </a:t>
+            </a:r>
+            <a:r>
+              <a:rPr lang="en-IN" smtClean="0">
+                <a:solidFill>
+                  <a:srgbClr val="FF0000"/>
+                </a:solidFill>
+                <a:latin typeface="Calibri" panose="020F0502020204030204" pitchFamily="34" charset="0"/>
+              </a:rPr>
+              <a:t>*</a:t>
             </a:r>
             <a:endParaRPr lang="en-IN">
               <a:latin typeface="Calibri" panose="020F0502020204030204" pitchFamily="34" charset="0"/>
@@ -25080,18 +24853,599 @@
       </p:sp>
       <p:sp>
         <p:nvSpPr>
-          <p:cNvPr id="11" name="Rounded Rectangle 10"/>
+          <p:cNvPr id="23" name="Rectangle 22"/>
           <p:cNvSpPr/>
           <p:nvPr/>
         </p:nvSpPr>
         <p:spPr>
           <a:xfrm>
-            <a:off x="6129270" y="4035871"/>
+            <a:off x="4370226" y="4066572"/>
+            <a:ext cx="3344219" cy="309093"/>
+          </a:xfrm>
+          <a:prstGeom prst="rect">
+            <a:avLst/>
+          </a:prstGeom>
+        </p:spPr>
+        <p:style>
+          <a:lnRef idx="2">
+            <a:schemeClr val="accent6"/>
+          </a:lnRef>
+          <a:fillRef idx="1">
+            <a:schemeClr val="lt1"/>
+          </a:fillRef>
+          <a:effectRef idx="0">
+            <a:schemeClr val="accent6"/>
+          </a:effectRef>
+          <a:fontRef idx="minor">
+            <a:schemeClr val="dk1"/>
+          </a:fontRef>
+        </p:style>
+        <p:txBody>
+          <a:bodyPr rtlCol="0" anchor="ctr"/>
+          <a:lstStyle/>
+          <a:p>
+            <a:r>
+              <a:rPr lang="en-IN" smtClean="0">
+                <a:latin typeface="Calibri" panose="020F0502020204030204" pitchFamily="34" charset="0"/>
+              </a:rPr>
+              <a:t>*******</a:t>
+            </a:r>
+            <a:endParaRPr lang="en-IN">
+              <a:latin typeface="Calibri" panose="020F0502020204030204" pitchFamily="34" charset="0"/>
+            </a:endParaRPr>
+          </a:p>
+        </p:txBody>
+      </p:sp>
+      <p:sp>
+        <p:nvSpPr>
+          <p:cNvPr id="24" name="Rectangle 23"/>
+          <p:cNvSpPr/>
+          <p:nvPr/>
+        </p:nvSpPr>
+        <p:spPr>
+          <a:xfrm>
+            <a:off x="4277931" y="3687023"/>
+            <a:ext cx="2161505" cy="309093"/>
+          </a:xfrm>
+          <a:prstGeom prst="rect">
+            <a:avLst/>
+          </a:prstGeom>
+          <a:noFill/>
+          <a:ln>
+            <a:noFill/>
+          </a:ln>
+        </p:spPr>
+        <p:style>
+          <a:lnRef idx="2">
+            <a:schemeClr val="dk1"/>
+          </a:lnRef>
+          <a:fillRef idx="1">
+            <a:schemeClr val="lt1"/>
+          </a:fillRef>
+          <a:effectRef idx="0">
+            <a:schemeClr val="dk1"/>
+          </a:effectRef>
+          <a:fontRef idx="minor">
+            <a:schemeClr val="dk1"/>
+          </a:fontRef>
+        </p:style>
+        <p:txBody>
+          <a:bodyPr rtlCol="0" anchor="ctr"/>
+          <a:lstStyle/>
+          <a:p>
+            <a:r>
+              <a:rPr lang="en-IN" dirty="0" smtClean="0">
+                <a:latin typeface="Calibri" panose="020F0502020204030204" pitchFamily="34" charset="0"/>
+              </a:rPr>
+              <a:t>Confirm Password: </a:t>
+            </a:r>
+            <a:r>
+              <a:rPr lang="en-IN" dirty="0" smtClean="0">
+                <a:solidFill>
+                  <a:srgbClr val="FF0000"/>
+                </a:solidFill>
+                <a:latin typeface="Calibri" panose="020F0502020204030204" pitchFamily="34" charset="0"/>
+              </a:rPr>
+              <a:t>*</a:t>
+            </a:r>
+            <a:endParaRPr lang="en-IN" dirty="0">
+              <a:latin typeface="Calibri" panose="020F0502020204030204" pitchFamily="34" charset="0"/>
+            </a:endParaRPr>
+          </a:p>
+        </p:txBody>
+      </p:sp>
+      <p:sp>
+        <p:nvSpPr>
+          <p:cNvPr id="25" name="Rectangle 24"/>
+          <p:cNvSpPr/>
+          <p:nvPr/>
+        </p:nvSpPr>
+        <p:spPr>
+          <a:xfrm>
+            <a:off x="4344469" y="1877322"/>
+            <a:ext cx="3367828" cy="309093"/>
+          </a:xfrm>
+          <a:prstGeom prst="rect">
+            <a:avLst/>
+          </a:prstGeom>
+        </p:spPr>
+        <p:style>
+          <a:lnRef idx="2">
+            <a:schemeClr val="accent6"/>
+          </a:lnRef>
+          <a:fillRef idx="1">
+            <a:schemeClr val="lt1"/>
+          </a:fillRef>
+          <a:effectRef idx="0">
+            <a:schemeClr val="accent6"/>
+          </a:effectRef>
+          <a:fontRef idx="minor">
+            <a:schemeClr val="dk1"/>
+          </a:fontRef>
+        </p:style>
+        <p:txBody>
+          <a:bodyPr rtlCol="0" anchor="ctr"/>
+          <a:lstStyle/>
+          <a:p>
+            <a:r>
+              <a:rPr lang="en-IN" smtClean="0">
+                <a:latin typeface="Calibri" panose="020F0502020204030204" pitchFamily="34" charset="0"/>
+              </a:rPr>
+              <a:t>abc</a:t>
+            </a:r>
+            <a:endParaRPr lang="en-IN">
+              <a:latin typeface="Calibri" panose="020F0502020204030204" pitchFamily="34" charset="0"/>
+            </a:endParaRPr>
+          </a:p>
+        </p:txBody>
+      </p:sp>
+      <p:sp>
+        <p:nvSpPr>
+          <p:cNvPr id="26" name="Rectangle 25"/>
+          <p:cNvSpPr/>
+          <p:nvPr/>
+        </p:nvSpPr>
+        <p:spPr>
+          <a:xfrm>
+            <a:off x="4239295" y="1504105"/>
+            <a:ext cx="1970468" cy="309093"/>
+          </a:xfrm>
+          <a:prstGeom prst="rect">
+            <a:avLst/>
+          </a:prstGeom>
+          <a:noFill/>
+          <a:ln>
+            <a:noFill/>
+          </a:ln>
+        </p:spPr>
+        <p:style>
+          <a:lnRef idx="2">
+            <a:schemeClr val="dk1"/>
+          </a:lnRef>
+          <a:fillRef idx="1">
+            <a:schemeClr val="lt1"/>
+          </a:fillRef>
+          <a:effectRef idx="0">
+            <a:schemeClr val="dk1"/>
+          </a:effectRef>
+          <a:fontRef idx="minor">
+            <a:schemeClr val="dk1"/>
+          </a:fontRef>
+        </p:style>
+        <p:txBody>
+          <a:bodyPr rtlCol="0" anchor="ctr"/>
+          <a:lstStyle/>
+          <a:p>
+            <a:r>
+              <a:rPr lang="en-IN" dirty="0" smtClean="0">
+                <a:latin typeface="Calibri" panose="020F0502020204030204" pitchFamily="34" charset="0"/>
+              </a:rPr>
+              <a:t>Name: </a:t>
+            </a:r>
+            <a:r>
+              <a:rPr lang="en-IN" dirty="0" smtClean="0">
+                <a:solidFill>
+                  <a:srgbClr val="FF0000"/>
+                </a:solidFill>
+                <a:latin typeface="Calibri" panose="020F0502020204030204" pitchFamily="34" charset="0"/>
+              </a:rPr>
+              <a:t>*</a:t>
+            </a:r>
+            <a:endParaRPr lang="en-IN" dirty="0">
+              <a:solidFill>
+                <a:srgbClr val="FF0000"/>
+              </a:solidFill>
+              <a:latin typeface="Calibri" panose="020F0502020204030204" pitchFamily="34" charset="0"/>
+            </a:endParaRPr>
+          </a:p>
+        </p:txBody>
+      </p:sp>
+      <p:cxnSp>
+        <p:nvCxnSpPr>
+          <p:cNvPr id="37" name="Straight Arrow Connector 36"/>
+          <p:cNvCxnSpPr/>
+          <p:nvPr/>
+        </p:nvCxnSpPr>
+        <p:spPr>
+          <a:xfrm flipH="1" flipV="1">
+            <a:off x="3535151" y="5047215"/>
+            <a:ext cx="1132117" cy="157721"/>
+          </a:xfrm>
+          <a:prstGeom prst="straightConnector1">
+            <a:avLst/>
+          </a:prstGeom>
+          <a:ln>
+            <a:tailEnd type="triangle"/>
+          </a:ln>
+        </p:spPr>
+        <p:style>
+          <a:lnRef idx="1">
+            <a:schemeClr val="dk1"/>
+          </a:lnRef>
+          <a:fillRef idx="0">
+            <a:schemeClr val="dk1"/>
+          </a:fillRef>
+          <a:effectRef idx="0">
+            <a:schemeClr val="dk1"/>
+          </a:effectRef>
+          <a:fontRef idx="minor">
+            <a:schemeClr val="tx1"/>
+          </a:fontRef>
+        </p:style>
+      </p:cxnSp>
+      <p:sp>
+        <p:nvSpPr>
+          <p:cNvPr id="38" name="TextBox 37"/>
+          <p:cNvSpPr txBox="1"/>
+          <p:nvPr/>
+        </p:nvSpPr>
+        <p:spPr>
+          <a:xfrm>
+            <a:off x="2659993" y="4673998"/>
+            <a:ext cx="1311494" cy="646331"/>
+          </a:xfrm>
+          <a:prstGeom prst="rect">
+            <a:avLst/>
+          </a:prstGeom>
+          <a:noFill/>
+        </p:spPr>
+        <p:txBody>
+          <a:bodyPr wrap="square" rtlCol="0">
+            <a:spAutoFit/>
+          </a:bodyPr>
+          <a:lstStyle/>
+          <a:p>
+            <a:r>
+              <a:rPr lang="en-IN" dirty="0" smtClean="0">
+                <a:solidFill>
+                  <a:schemeClr val="bg1"/>
+                </a:solidFill>
+              </a:rPr>
+              <a:t>Radio button</a:t>
+            </a:r>
+            <a:endParaRPr lang="en-IN" dirty="0">
+              <a:solidFill>
+                <a:schemeClr val="bg1"/>
+              </a:solidFill>
+            </a:endParaRPr>
+          </a:p>
+        </p:txBody>
+      </p:sp>
+      <p:cxnSp>
+        <p:nvCxnSpPr>
+          <p:cNvPr id="44" name="Straight Arrow Connector 43"/>
+          <p:cNvCxnSpPr/>
+          <p:nvPr/>
+        </p:nvCxnSpPr>
+        <p:spPr>
+          <a:xfrm flipH="1">
+            <a:off x="3953811" y="6139256"/>
+            <a:ext cx="1807110" cy="45413"/>
+          </a:xfrm>
+          <a:prstGeom prst="straightConnector1">
+            <a:avLst/>
+          </a:prstGeom>
+          <a:ln>
+            <a:tailEnd type="triangle"/>
+          </a:ln>
+        </p:spPr>
+        <p:style>
+          <a:lnRef idx="1">
+            <a:schemeClr val="dk1"/>
+          </a:lnRef>
+          <a:fillRef idx="0">
+            <a:schemeClr val="dk1"/>
+          </a:fillRef>
+          <a:effectRef idx="0">
+            <a:schemeClr val="dk1"/>
+          </a:effectRef>
+          <a:fontRef idx="minor">
+            <a:schemeClr val="tx1"/>
+          </a:fontRef>
+        </p:style>
+      </p:cxnSp>
+      <p:sp>
+        <p:nvSpPr>
+          <p:cNvPr id="45" name="TextBox 44"/>
+          <p:cNvSpPr txBox="1"/>
+          <p:nvPr/>
+        </p:nvSpPr>
+        <p:spPr>
+          <a:xfrm>
+            <a:off x="45077" y="5647163"/>
+            <a:ext cx="3825020" cy="923330"/>
+          </a:xfrm>
+          <a:prstGeom prst="rect">
+            <a:avLst/>
+          </a:prstGeom>
+          <a:noFill/>
+        </p:spPr>
+        <p:txBody>
+          <a:bodyPr wrap="square" rtlCol="0">
+            <a:spAutoFit/>
+          </a:bodyPr>
+          <a:lstStyle/>
+          <a:p>
+            <a:r>
+              <a:rPr lang="en-IN" dirty="0" smtClean="0">
+                <a:solidFill>
+                  <a:schemeClr val="bg1"/>
+                </a:solidFill>
+              </a:rPr>
+              <a:t>If all fields are valid, new login is created after user’s email id and user is directed back to login screen</a:t>
+            </a:r>
+            <a:endParaRPr lang="en-IN" dirty="0">
+              <a:solidFill>
+                <a:schemeClr val="bg1"/>
+              </a:solidFill>
+            </a:endParaRPr>
+          </a:p>
+        </p:txBody>
+      </p:sp>
+      <p:sp>
+        <p:nvSpPr>
+          <p:cNvPr id="46" name="Rectangle 45"/>
+          <p:cNvSpPr/>
+          <p:nvPr/>
+        </p:nvSpPr>
+        <p:spPr>
+          <a:xfrm>
+            <a:off x="4308566" y="4549342"/>
+            <a:ext cx="1970468" cy="309093"/>
+          </a:xfrm>
+          <a:prstGeom prst="rect">
+            <a:avLst/>
+          </a:prstGeom>
+          <a:noFill/>
+          <a:ln>
+            <a:noFill/>
+          </a:ln>
+        </p:spPr>
+        <p:style>
+          <a:lnRef idx="2">
+            <a:schemeClr val="dk1"/>
+          </a:lnRef>
+          <a:fillRef idx="1">
+            <a:schemeClr val="lt1"/>
+          </a:fillRef>
+          <a:effectRef idx="0">
+            <a:schemeClr val="dk1"/>
+          </a:effectRef>
+          <a:fontRef idx="minor">
+            <a:schemeClr val="dk1"/>
+          </a:fontRef>
+        </p:style>
+        <p:txBody>
+          <a:bodyPr rtlCol="0" anchor="ctr"/>
+          <a:lstStyle/>
+          <a:p>
+            <a:r>
+              <a:rPr lang="en-IN" dirty="0" smtClean="0">
+                <a:latin typeface="Calibri" panose="020F0502020204030204" pitchFamily="34" charset="0"/>
+              </a:rPr>
+              <a:t>Login as: </a:t>
+            </a:r>
+            <a:r>
+              <a:rPr lang="en-IN" dirty="0" smtClean="0">
+                <a:solidFill>
+                  <a:srgbClr val="FF0000"/>
+                </a:solidFill>
+                <a:latin typeface="Calibri" panose="020F0502020204030204" pitchFamily="34" charset="0"/>
+              </a:rPr>
+              <a:t>*</a:t>
+            </a:r>
+            <a:endParaRPr lang="en-IN" dirty="0">
+              <a:solidFill>
+                <a:srgbClr val="FF0000"/>
+              </a:solidFill>
+              <a:latin typeface="Calibri" panose="020F0502020204030204" pitchFamily="34" charset="0"/>
+            </a:endParaRPr>
+          </a:p>
+        </p:txBody>
+      </p:sp>
+      <p:sp>
+        <p:nvSpPr>
+          <p:cNvPr id="4" name="Oval 3"/>
+          <p:cNvSpPr/>
+          <p:nvPr/>
+        </p:nvSpPr>
+        <p:spPr>
+          <a:xfrm>
+            <a:off x="4572003" y="5070764"/>
+            <a:ext cx="249382" cy="254651"/>
+          </a:xfrm>
+          <a:prstGeom prst="ellipse">
+            <a:avLst/>
+          </a:prstGeom>
+        </p:spPr>
+        <p:style>
+          <a:lnRef idx="2">
+            <a:schemeClr val="accent6"/>
+          </a:lnRef>
+          <a:fillRef idx="1">
+            <a:schemeClr val="lt1"/>
+          </a:fillRef>
+          <a:effectRef idx="0">
+            <a:schemeClr val="accent6"/>
+          </a:effectRef>
+          <a:fontRef idx="minor">
+            <a:schemeClr val="dk1"/>
+          </a:fontRef>
+        </p:style>
+        <p:txBody>
+          <a:bodyPr rtlCol="0" anchor="ctr"/>
+          <a:lstStyle/>
+          <a:p>
+            <a:pPr algn="ctr"/>
+            <a:endParaRPr lang="en-IN"/>
+          </a:p>
+        </p:txBody>
+      </p:sp>
+      <p:sp>
+        <p:nvSpPr>
+          <p:cNvPr id="47" name="Oval 46"/>
+          <p:cNvSpPr/>
+          <p:nvPr/>
+        </p:nvSpPr>
+        <p:spPr>
+          <a:xfrm>
+            <a:off x="6237319" y="5090164"/>
+            <a:ext cx="249382" cy="254651"/>
+          </a:xfrm>
+          <a:prstGeom prst="ellipse">
+            <a:avLst/>
+          </a:prstGeom>
+        </p:spPr>
+        <p:style>
+          <a:lnRef idx="2">
+            <a:schemeClr val="accent6"/>
+          </a:lnRef>
+          <a:fillRef idx="1">
+            <a:schemeClr val="lt1"/>
+          </a:fillRef>
+          <a:effectRef idx="0">
+            <a:schemeClr val="accent6"/>
+          </a:effectRef>
+          <a:fontRef idx="minor">
+            <a:schemeClr val="dk1"/>
+          </a:fontRef>
+        </p:style>
+        <p:txBody>
+          <a:bodyPr rtlCol="0" anchor="ctr"/>
+          <a:lstStyle/>
+          <a:p>
+            <a:pPr algn="ctr"/>
+            <a:endParaRPr lang="en-IN"/>
+          </a:p>
+        </p:txBody>
+      </p:sp>
+      <p:sp>
+        <p:nvSpPr>
+          <p:cNvPr id="5" name="Rectangle 4"/>
+          <p:cNvSpPr/>
+          <p:nvPr/>
+        </p:nvSpPr>
+        <p:spPr>
+          <a:xfrm>
+            <a:off x="4931637" y="5032112"/>
+            <a:ext cx="1111876" cy="312703"/>
+          </a:xfrm>
+          <a:prstGeom prst="rect">
+            <a:avLst/>
+          </a:prstGeom>
+          <a:noFill/>
+          <a:ln>
+            <a:noFill/>
+          </a:ln>
+        </p:spPr>
+        <p:style>
+          <a:lnRef idx="2">
+            <a:schemeClr val="dk1"/>
+          </a:lnRef>
+          <a:fillRef idx="1">
+            <a:schemeClr val="lt1"/>
+          </a:fillRef>
+          <a:effectRef idx="0">
+            <a:schemeClr val="dk1"/>
+          </a:effectRef>
+          <a:fontRef idx="minor">
+            <a:schemeClr val="dk1"/>
+          </a:fontRef>
+        </p:style>
+        <p:txBody>
+          <a:bodyPr rtlCol="0" anchor="ctr"/>
+          <a:lstStyle/>
+          <a:p>
+            <a:pPr algn="ctr"/>
+            <a:r>
+              <a:rPr lang="en-IN" dirty="0" smtClean="0"/>
+              <a:t>Facilitator/teacher</a:t>
+            </a:r>
+            <a:endParaRPr lang="en-IN" dirty="0"/>
+          </a:p>
+        </p:txBody>
+      </p:sp>
+      <p:sp>
+        <p:nvSpPr>
+          <p:cNvPr id="48" name="Rectangle 47"/>
+          <p:cNvSpPr/>
+          <p:nvPr/>
+        </p:nvSpPr>
+        <p:spPr>
+          <a:xfrm>
+            <a:off x="6497200" y="5034887"/>
+            <a:ext cx="1111876" cy="312703"/>
+          </a:xfrm>
+          <a:prstGeom prst="rect">
+            <a:avLst/>
+          </a:prstGeom>
+          <a:noFill/>
+          <a:ln>
+            <a:noFill/>
+          </a:ln>
+        </p:spPr>
+        <p:style>
+          <a:lnRef idx="2">
+            <a:schemeClr val="dk1"/>
+          </a:lnRef>
+          <a:fillRef idx="1">
+            <a:schemeClr val="lt1"/>
+          </a:fillRef>
+          <a:effectRef idx="0">
+            <a:schemeClr val="dk1"/>
+          </a:effectRef>
+          <a:fontRef idx="minor">
+            <a:schemeClr val="dk1"/>
+          </a:fontRef>
+        </p:style>
+        <p:txBody>
+          <a:bodyPr rtlCol="0" anchor="ctr"/>
+          <a:lstStyle/>
+          <a:p>
+            <a:pPr algn="ctr"/>
+            <a:r>
+              <a:rPr lang="en-IN" dirty="0" smtClean="0"/>
+              <a:t>Attendee/student</a:t>
+            </a:r>
+            <a:endParaRPr lang="en-IN" dirty="0"/>
+          </a:p>
+        </p:txBody>
+      </p:sp>
+      <p:sp>
+        <p:nvSpPr>
+          <p:cNvPr id="27" name="Rounded Rectangle 26"/>
+          <p:cNvSpPr/>
+          <p:nvPr/>
+        </p:nvSpPr>
+        <p:spPr>
+          <a:xfrm>
+            <a:off x="6980968" y="5896083"/>
             <a:ext cx="811366" cy="425487"/>
           </a:xfrm>
           <a:prstGeom prst="roundRect">
             <a:avLst/>
           </a:prstGeom>
+          <a:ln/>
         </p:spPr>
         <p:style>
           <a:lnRef idx="2">
@@ -25115,79 +25469,12 @@
           <a:p>
             <a:pPr algn="ctr"/>
             <a:r>
-              <a:rPr lang="en-IN" sz="1500" smtClean="0">
+              <a:rPr lang="en-IN" sz="1500" dirty="0" smtClean="0">
                 <a:latin typeface="Calibri" panose="020F0502020204030204" pitchFamily="34" charset="0"/>
               </a:rPr>
               <a:t>Cancel</a:t>
             </a:r>
-            <a:endParaRPr lang="en-IN" sz="1500">
-              <a:latin typeface="Calibri" panose="020F0502020204030204" pitchFamily="34" charset="0"/>
-            </a:endParaRPr>
-          </a:p>
-        </p:txBody>
-      </p:sp>
-      <p:sp>
-        <p:nvSpPr>
-          <p:cNvPr id="12" name="TextBox 11"/>
-          <p:cNvSpPr txBox="1"/>
-          <p:nvPr/>
-        </p:nvSpPr>
-        <p:spPr>
-          <a:xfrm>
-            <a:off x="5213798" y="4546242"/>
-            <a:ext cx="2268827" cy="1077218"/>
-          </a:xfrm>
-          <a:prstGeom prst="rect">
-            <a:avLst/>
-          </a:prstGeom>
-          <a:noFill/>
-        </p:spPr>
-        <p:txBody>
-          <a:bodyPr wrap="square" rtlCol="0">
-            <a:spAutoFit/>
-          </a:bodyPr>
-          <a:lstStyle/>
-          <a:p>
-            <a:endParaRPr lang="en-IN" sz="1600" u="sng" dirty="0" smtClean="0">
-              <a:solidFill>
-                <a:srgbClr val="0070C0"/>
-              </a:solidFill>
-              <a:latin typeface="Calibri" panose="020F0502020204030204" pitchFamily="34" charset="0"/>
-            </a:endParaRPr>
-          </a:p>
-          <a:p>
-            <a:r>
-              <a:rPr lang="en-IN" sz="1600" u="sng" dirty="0" smtClean="0">
-                <a:solidFill>
-                  <a:srgbClr val="0070C0"/>
-                </a:solidFill>
-                <a:latin typeface="Calibri" panose="020F0502020204030204" pitchFamily="34" charset="0"/>
-              </a:rPr>
-              <a:t>Forgot Password?</a:t>
-            </a:r>
-          </a:p>
-          <a:p>
-            <a:endParaRPr lang="en-IN" sz="1600" u="sng" dirty="0" smtClean="0">
-              <a:solidFill>
-                <a:srgbClr val="0070C0"/>
-              </a:solidFill>
-              <a:latin typeface="Calibri" panose="020F0502020204030204" pitchFamily="34" charset="0"/>
-            </a:endParaRPr>
-          </a:p>
-          <a:p>
-            <a:r>
-              <a:rPr lang="en-IN" sz="1600" u="sng" dirty="0" smtClean="0">
-                <a:solidFill>
-                  <a:srgbClr val="0070C0"/>
-                </a:solidFill>
-                <a:latin typeface="Calibri" panose="020F0502020204030204" pitchFamily="34" charset="0"/>
-              </a:rPr>
-              <a:t>New User?</a:t>
-            </a:r>
-            <a:endParaRPr lang="en-IN" sz="1600" u="sng" dirty="0">
-              <a:solidFill>
-                <a:srgbClr val="0070C0"/>
-              </a:solidFill>
+            <a:endParaRPr lang="en-IN" sz="1500" dirty="0">
               <a:latin typeface="Calibri" panose="020F0502020204030204" pitchFamily="34" charset="0"/>
             </a:endParaRPr>
           </a:p>
@@ -25196,7 +25483,7 @@
     </p:spTree>
     <p:extLst>
       <p:ext uri="{BB962C8B-B14F-4D97-AF65-F5344CB8AC3E}">
-        <p14:creationId xmlns:p14="http://schemas.microsoft.com/office/powerpoint/2010/main" val="4171248633"/>
+        <p14:creationId xmlns:p14="http://schemas.microsoft.com/office/powerpoint/2010/main" val="3030402000"/>
       </p:ext>
     </p:extLst>
   </p:cSld>
@@ -25247,11 +25534,7 @@
           <a:p>
             <a:r>
               <a:rPr lang="en-IN" dirty="0" smtClean="0"/>
-              <a:t>Show report- </a:t>
-            </a:r>
-            <a:r>
-              <a:rPr lang="en-IN" dirty="0" smtClean="0"/>
-              <a:t>select attendee – click on show</a:t>
+              <a:t>Show report- select attendee – click on show</a:t>
             </a:r>
             <a:endParaRPr lang="en-IN" dirty="0"/>
           </a:p>
@@ -25737,6 +26020,13 @@
   <p:clrMapOvr>
     <a:masterClrMapping/>
   </p:clrMapOvr>
+  <p:timing>
+    <p:tnLst>
+      <p:par>
+        <p:cTn id="1" dur="indefinite" restart="never" nodeType="tmRoot"/>
+      </p:par>
+    </p:tnLst>
+  </p:timing>
 </p:sld>
 </file>
 
@@ -25817,7 +26107,6 @@
               <a:rPr lang="en-IN" sz="2200" dirty="0" smtClean="0"/>
               <a:t>I should be able to delete or update holidays’ information.</a:t>
             </a:r>
-            <a:endParaRPr lang="en-IN" sz="2200" dirty="0" smtClean="0"/>
           </a:p>
         </p:txBody>
       </p:sp>
@@ -25965,16 +26254,7 @@
                 </a:solidFill>
                 <a:latin typeface="Calibri" panose="020F0502020204030204" pitchFamily="34" charset="0"/>
               </a:rPr>
-              <a:t>Holidays</a:t>
-            </a:r>
-            <a:r>
-              <a:rPr lang="en-IN" dirty="0" smtClean="0">
-                <a:solidFill>
-                  <a:schemeClr val="bg1"/>
-                </a:solidFill>
-                <a:latin typeface="Calibri" panose="020F0502020204030204" pitchFamily="34" charset="0"/>
-              </a:rPr>
-              <a:t>			                :	</a:t>
+              <a:t>Holidays			                :	</a:t>
             </a:r>
             <a:endParaRPr lang="en-IN" dirty="0">
               <a:solidFill>
@@ -25994,7 +26274,1228 @@
           <p:nvPr>
             <p:extLst>
               <p:ext uri="{D42A27DB-BD31-4B8C-83A1-F6EECF244321}">
-                <p14:modId xmlns:p14="http://schemas.microsoft.com/office/powerpoint/2010/main" val="2043808662"/>
+                <p14:modId xmlns:p14="http://schemas.microsoft.com/office/powerpoint/2010/main" val="3105990512"/>
+              </p:ext>
+            </p:extLst>
+          </p:nvPr>
+        </p:nvGraphicFramePr>
+        <p:xfrm>
+          <a:off x="4121236" y="1519086"/>
+          <a:ext cx="3966693" cy="2197484"/>
+        </p:xfrm>
+        <a:graphic>
+          <a:graphicData uri="http://schemas.openxmlformats.org/drawingml/2006/table">
+            <a:tbl>
+              <a:tblPr bandRow="1">
+                <a:tableStyleId>{17292A2E-F333-43FB-9621-5CBBE7FDCDCB}</a:tableStyleId>
+              </a:tblPr>
+              <a:tblGrid>
+                <a:gridCol w="1306170"/>
+                <a:gridCol w="2660523"/>
+              </a:tblGrid>
+              <a:tr h="530940">
+                <a:tc>
+                  <a:txBody>
+                    <a:bodyPr/>
+                    <a:lstStyle/>
+                    <a:p>
+                      <a:r>
+                        <a:rPr lang="en-IN" b="1" dirty="0" smtClean="0">
+                          <a:solidFill>
+                            <a:schemeClr val="bg1"/>
+                          </a:solidFill>
+                        </a:rPr>
+                        <a:t>Holiday</a:t>
+                      </a:r>
+                      <a:endParaRPr lang="en-IN" b="1" dirty="0">
+                        <a:solidFill>
+                          <a:schemeClr val="bg1"/>
+                        </a:solidFill>
+                      </a:endParaRPr>
+                    </a:p>
+                  </a:txBody>
+                  <a:tcPr/>
+                </a:tc>
+                <a:tc>
+                  <a:txBody>
+                    <a:bodyPr/>
+                    <a:lstStyle/>
+                    <a:p>
+                      <a:r>
+                        <a:rPr lang="en-IN" b="1" dirty="0" smtClean="0">
+                          <a:solidFill>
+                            <a:schemeClr val="bg1"/>
+                          </a:solidFill>
+                        </a:rPr>
+                        <a:t>Dates</a:t>
+                      </a:r>
+                      <a:endParaRPr lang="en-IN" b="1" dirty="0">
+                        <a:solidFill>
+                          <a:schemeClr val="bg1"/>
+                        </a:solidFill>
+                      </a:endParaRPr>
+                    </a:p>
+                  </a:txBody>
+                  <a:tcPr/>
+                </a:tc>
+              </a:tr>
+              <a:tr h="513232">
+                <a:tc>
+                  <a:txBody>
+                    <a:bodyPr/>
+                    <a:lstStyle/>
+                    <a:p>
+                      <a:pPr marL="0" marR="0" indent="0" algn="l" defTabSz="457200" rtl="0" eaLnBrk="1" fontAlgn="auto" latinLnBrk="0" hangingPunct="1">
+                        <a:lnSpc>
+                          <a:spcPct val="100000"/>
+                        </a:lnSpc>
+                        <a:spcBef>
+                          <a:spcPts val="0"/>
+                        </a:spcBef>
+                        <a:spcAft>
+                          <a:spcPts val="0"/>
+                        </a:spcAft>
+                        <a:buClrTx/>
+                        <a:buSzTx/>
+                        <a:buFontTx/>
+                        <a:buNone/>
+                        <a:tabLst/>
+                        <a:defRPr/>
+                      </a:pPr>
+                      <a:r>
+                        <a:rPr lang="en-IN" dirty="0" smtClean="0">
+                          <a:solidFill>
+                            <a:schemeClr val="bg1"/>
+                          </a:solidFill>
+                        </a:rPr>
+                        <a:t>Labour day</a:t>
+                      </a:r>
+                    </a:p>
+                  </a:txBody>
+                  <a:tcPr/>
+                </a:tc>
+                <a:tc>
+                  <a:txBody>
+                    <a:bodyPr/>
+                    <a:lstStyle/>
+                    <a:p>
+                      <a:r>
+                        <a:rPr lang="en-IN" dirty="0" smtClean="0">
+                          <a:solidFill>
+                            <a:schemeClr val="bg1"/>
+                          </a:solidFill>
+                        </a:rPr>
+                        <a:t>09/07/2015</a:t>
+                      </a:r>
+                      <a:endParaRPr lang="en-IN" dirty="0">
+                        <a:solidFill>
+                          <a:schemeClr val="bg1"/>
+                        </a:solidFill>
+                      </a:endParaRPr>
+                    </a:p>
+                  </a:txBody>
+                  <a:tcPr/>
+                </a:tc>
+              </a:tr>
+              <a:tr h="513232">
+                <a:tc>
+                  <a:txBody>
+                    <a:bodyPr/>
+                    <a:lstStyle/>
+                    <a:p>
+                      <a:pPr marL="0" marR="0" indent="0" algn="l" defTabSz="457200" rtl="0" eaLnBrk="1" fontAlgn="auto" latinLnBrk="0" hangingPunct="1">
+                        <a:lnSpc>
+                          <a:spcPct val="100000"/>
+                        </a:lnSpc>
+                        <a:spcBef>
+                          <a:spcPts val="0"/>
+                        </a:spcBef>
+                        <a:spcAft>
+                          <a:spcPts val="0"/>
+                        </a:spcAft>
+                        <a:buClrTx/>
+                        <a:buSzTx/>
+                        <a:buFontTx/>
+                        <a:buNone/>
+                        <a:tabLst/>
+                        <a:defRPr/>
+                      </a:pPr>
+                      <a:r>
+                        <a:rPr lang="en-IN" dirty="0" smtClean="0">
+                          <a:solidFill>
+                            <a:schemeClr val="bg1"/>
+                          </a:solidFill>
+                        </a:rPr>
+                        <a:t>Fall</a:t>
+                      </a:r>
+                      <a:r>
+                        <a:rPr lang="en-IN" baseline="0" dirty="0" smtClean="0">
+                          <a:solidFill>
+                            <a:schemeClr val="bg1"/>
+                          </a:solidFill>
+                        </a:rPr>
+                        <a:t> break</a:t>
+                      </a:r>
+                      <a:endParaRPr lang="en-IN" dirty="0" smtClean="0">
+                        <a:solidFill>
+                          <a:schemeClr val="bg1"/>
+                        </a:solidFill>
+                      </a:endParaRPr>
+                    </a:p>
+                  </a:txBody>
+                  <a:tcPr/>
+                </a:tc>
+                <a:tc>
+                  <a:txBody>
+                    <a:bodyPr/>
+                    <a:lstStyle/>
+                    <a:p>
+                      <a:r>
+                        <a:rPr lang="en-IN" dirty="0" smtClean="0">
+                          <a:solidFill>
+                            <a:schemeClr val="bg1"/>
+                          </a:solidFill>
+                        </a:rPr>
+                        <a:t>10/15/2015</a:t>
+                      </a:r>
+                      <a:r>
+                        <a:rPr lang="en-IN" baseline="0" dirty="0" smtClean="0">
+                          <a:solidFill>
+                            <a:schemeClr val="bg1"/>
+                          </a:solidFill>
+                        </a:rPr>
+                        <a:t> – </a:t>
+                      </a:r>
+                      <a:endParaRPr lang="en-IN" baseline="0" dirty="0" smtClean="0">
+                        <a:solidFill>
+                          <a:schemeClr val="bg1"/>
+                        </a:solidFill>
+                      </a:endParaRPr>
+                    </a:p>
+                    <a:p>
+                      <a:r>
+                        <a:rPr lang="en-IN" baseline="0" dirty="0" smtClean="0">
+                          <a:solidFill>
+                            <a:schemeClr val="bg1"/>
+                          </a:solidFill>
+                        </a:rPr>
+                        <a:t>10/22/2015</a:t>
+                      </a:r>
+                      <a:endParaRPr lang="en-IN" dirty="0">
+                        <a:solidFill>
+                          <a:schemeClr val="bg1"/>
+                        </a:solidFill>
+                      </a:endParaRPr>
+                    </a:p>
+                  </a:txBody>
+                  <a:tcPr/>
+                </a:tc>
+              </a:tr>
+              <a:tr h="513232">
+                <a:tc>
+                  <a:txBody>
+                    <a:bodyPr/>
+                    <a:lstStyle/>
+                    <a:p>
+                      <a:pPr marL="0" marR="0" indent="0" algn="l" defTabSz="457200" rtl="0" eaLnBrk="1" fontAlgn="auto" latinLnBrk="0" hangingPunct="1">
+                        <a:lnSpc>
+                          <a:spcPct val="100000"/>
+                        </a:lnSpc>
+                        <a:spcBef>
+                          <a:spcPts val="0"/>
+                        </a:spcBef>
+                        <a:spcAft>
+                          <a:spcPts val="0"/>
+                        </a:spcAft>
+                        <a:buClrTx/>
+                        <a:buSzTx/>
+                        <a:buFontTx/>
+                        <a:buNone/>
+                        <a:tabLst/>
+                        <a:defRPr/>
+                      </a:pPr>
+                      <a:r>
+                        <a:rPr lang="en-IN" dirty="0" smtClean="0">
+                          <a:solidFill>
+                            <a:schemeClr val="bg1"/>
+                          </a:solidFill>
+                        </a:rPr>
+                        <a:t>Christmas</a:t>
+                      </a:r>
+                    </a:p>
+                  </a:txBody>
+                  <a:tcPr/>
+                </a:tc>
+                <a:tc>
+                  <a:txBody>
+                    <a:bodyPr/>
+                    <a:lstStyle/>
+                    <a:p>
+                      <a:r>
+                        <a:rPr lang="en-IN" dirty="0" smtClean="0">
+                          <a:solidFill>
+                            <a:schemeClr val="bg1"/>
+                          </a:solidFill>
+                        </a:rPr>
+                        <a:t>12/25/2015</a:t>
+                      </a:r>
+                      <a:endParaRPr lang="en-IN" dirty="0">
+                        <a:solidFill>
+                          <a:schemeClr val="bg1"/>
+                        </a:solidFill>
+                      </a:endParaRPr>
+                    </a:p>
+                  </a:txBody>
+                  <a:tcPr/>
+                </a:tc>
+              </a:tr>
+            </a:tbl>
+          </a:graphicData>
+        </a:graphic>
+      </p:graphicFrame>
+      <p:pic>
+        <p:nvPicPr>
+          <p:cNvPr id="8" name="Picture 7"/>
+          <p:cNvPicPr>
+            <a:picLocks noChangeAspect="1"/>
+          </p:cNvPicPr>
+          <p:nvPr/>
+        </p:nvPicPr>
+        <p:blipFill>
+          <a:blip r:embed="rId2">
+            <a:extLst>
+              <a:ext uri="{28A0092B-C50C-407E-A947-70E740481C1C}">
+                <a14:useLocalDpi xmlns:a14="http://schemas.microsoft.com/office/drawing/2010/main" val="0"/>
+              </a:ext>
+            </a:extLst>
+          </a:blip>
+          <a:stretch>
+            <a:fillRect/>
+          </a:stretch>
+        </p:blipFill>
+        <p:spPr>
+          <a:xfrm>
+            <a:off x="7182952" y="2029703"/>
+            <a:ext cx="457200" cy="457200"/>
+          </a:xfrm>
+          <a:prstGeom prst="rect">
+            <a:avLst/>
+          </a:prstGeom>
+        </p:spPr>
+      </p:pic>
+      <p:pic>
+        <p:nvPicPr>
+          <p:cNvPr id="9" name="Picture 8"/>
+          <p:cNvPicPr>
+            <a:picLocks noChangeAspect="1"/>
+          </p:cNvPicPr>
+          <p:nvPr/>
+        </p:nvPicPr>
+        <p:blipFill>
+          <a:blip r:embed="rId3">
+            <a:extLst>
+              <a:ext uri="{28A0092B-C50C-407E-A947-70E740481C1C}">
+                <a14:useLocalDpi xmlns:a14="http://schemas.microsoft.com/office/drawing/2010/main" val="0"/>
+              </a:ext>
+            </a:extLst>
+          </a:blip>
+          <a:stretch>
+            <a:fillRect/>
+          </a:stretch>
+        </p:blipFill>
+        <p:spPr>
+          <a:xfrm>
+            <a:off x="7601230" y="2026597"/>
+            <a:ext cx="457200" cy="457200"/>
+          </a:xfrm>
+          <a:prstGeom prst="rect">
+            <a:avLst/>
+          </a:prstGeom>
+        </p:spPr>
+      </p:pic>
+      <p:pic>
+        <p:nvPicPr>
+          <p:cNvPr id="10" name="Picture 9"/>
+          <p:cNvPicPr>
+            <a:picLocks noChangeAspect="1"/>
+          </p:cNvPicPr>
+          <p:nvPr/>
+        </p:nvPicPr>
+        <p:blipFill>
+          <a:blip r:embed="rId2">
+            <a:extLst>
+              <a:ext uri="{28A0092B-C50C-407E-A947-70E740481C1C}">
+                <a14:useLocalDpi xmlns:a14="http://schemas.microsoft.com/office/drawing/2010/main" val="0"/>
+              </a:ext>
+            </a:extLst>
+          </a:blip>
+          <a:stretch>
+            <a:fillRect/>
+          </a:stretch>
+        </p:blipFill>
+        <p:spPr>
+          <a:xfrm>
+            <a:off x="7144030" y="2596510"/>
+            <a:ext cx="457200" cy="457200"/>
+          </a:xfrm>
+          <a:prstGeom prst="rect">
+            <a:avLst/>
+          </a:prstGeom>
+        </p:spPr>
+      </p:pic>
+      <p:pic>
+        <p:nvPicPr>
+          <p:cNvPr id="11" name="Picture 10"/>
+          <p:cNvPicPr>
+            <a:picLocks noChangeAspect="1"/>
+          </p:cNvPicPr>
+          <p:nvPr/>
+        </p:nvPicPr>
+        <p:blipFill>
+          <a:blip r:embed="rId3">
+            <a:extLst>
+              <a:ext uri="{28A0092B-C50C-407E-A947-70E740481C1C}">
+                <a14:useLocalDpi xmlns:a14="http://schemas.microsoft.com/office/drawing/2010/main" val="0"/>
+              </a:ext>
+            </a:extLst>
+          </a:blip>
+          <a:stretch>
+            <a:fillRect/>
+          </a:stretch>
+        </p:blipFill>
+        <p:spPr>
+          <a:xfrm>
+            <a:off x="7562308" y="2593404"/>
+            <a:ext cx="457200" cy="457200"/>
+          </a:xfrm>
+          <a:prstGeom prst="rect">
+            <a:avLst/>
+          </a:prstGeom>
+        </p:spPr>
+      </p:pic>
+      <p:pic>
+        <p:nvPicPr>
+          <p:cNvPr id="12" name="Picture 11"/>
+          <p:cNvPicPr>
+            <a:picLocks noChangeAspect="1"/>
+          </p:cNvPicPr>
+          <p:nvPr/>
+        </p:nvPicPr>
+        <p:blipFill>
+          <a:blip r:embed="rId2">
+            <a:extLst>
+              <a:ext uri="{28A0092B-C50C-407E-A947-70E740481C1C}">
+                <a14:useLocalDpi xmlns:a14="http://schemas.microsoft.com/office/drawing/2010/main" val="0"/>
+              </a:ext>
+            </a:extLst>
+          </a:blip>
+          <a:stretch>
+            <a:fillRect/>
+          </a:stretch>
+        </p:blipFill>
+        <p:spPr>
+          <a:xfrm>
+            <a:off x="7144030" y="3201349"/>
+            <a:ext cx="457200" cy="457200"/>
+          </a:xfrm>
+          <a:prstGeom prst="rect">
+            <a:avLst/>
+          </a:prstGeom>
+        </p:spPr>
+      </p:pic>
+      <p:pic>
+        <p:nvPicPr>
+          <p:cNvPr id="13" name="Picture 12"/>
+          <p:cNvPicPr>
+            <a:picLocks noChangeAspect="1"/>
+          </p:cNvPicPr>
+          <p:nvPr/>
+        </p:nvPicPr>
+        <p:blipFill>
+          <a:blip r:embed="rId3">
+            <a:extLst>
+              <a:ext uri="{28A0092B-C50C-407E-A947-70E740481C1C}">
+                <a14:useLocalDpi xmlns:a14="http://schemas.microsoft.com/office/drawing/2010/main" val="0"/>
+              </a:ext>
+            </a:extLst>
+          </a:blip>
+          <a:stretch>
+            <a:fillRect/>
+          </a:stretch>
+        </p:blipFill>
+        <p:spPr>
+          <a:xfrm>
+            <a:off x="7562308" y="3198243"/>
+            <a:ext cx="457200" cy="457200"/>
+          </a:xfrm>
+          <a:prstGeom prst="rect">
+            <a:avLst/>
+          </a:prstGeom>
+        </p:spPr>
+      </p:pic>
+      <p:sp>
+        <p:nvSpPr>
+          <p:cNvPr id="15" name="Rounded Rectangle 14"/>
+          <p:cNvSpPr/>
+          <p:nvPr/>
+        </p:nvSpPr>
+        <p:spPr>
+          <a:xfrm>
+            <a:off x="5257734" y="5862988"/>
+            <a:ext cx="1925218" cy="457200"/>
+          </a:xfrm>
+          <a:prstGeom prst="roundRect">
+            <a:avLst/>
+          </a:prstGeom>
+          <a:ln/>
+        </p:spPr>
+        <p:style>
+          <a:lnRef idx="2">
+            <a:schemeClr val="accent4">
+              <a:shade val="50000"/>
+            </a:schemeClr>
+          </a:lnRef>
+          <a:fillRef idx="1">
+            <a:schemeClr val="accent4"/>
+          </a:fillRef>
+          <a:effectRef idx="0">
+            <a:schemeClr val="accent4"/>
+          </a:effectRef>
+          <a:fontRef idx="minor">
+            <a:schemeClr val="lt1"/>
+          </a:fontRef>
+        </p:style>
+        <p:txBody>
+          <a:bodyPr rtlCol="0" anchor="ctr"/>
+          <a:lstStyle/>
+          <a:p>
+            <a:pPr algn="ctr"/>
+            <a:r>
+              <a:rPr lang="en-IN" dirty="0" smtClean="0">
+                <a:latin typeface="Calibri" panose="020F0502020204030204" pitchFamily="34" charset="0"/>
+              </a:rPr>
+              <a:t>Add new holiday</a:t>
+            </a:r>
+            <a:endParaRPr lang="en-IN" dirty="0">
+              <a:latin typeface="Calibri" panose="020F0502020204030204" pitchFamily="34" charset="0"/>
+            </a:endParaRPr>
+          </a:p>
+        </p:txBody>
+      </p:sp>
+    </p:spTree>
+    <p:extLst>
+      <p:ext uri="{BB962C8B-B14F-4D97-AF65-F5344CB8AC3E}">
+        <p14:creationId xmlns:p14="http://schemas.microsoft.com/office/powerpoint/2010/main" val="4072250017"/>
+      </p:ext>
+    </p:extLst>
+  </p:cSld>
+  <p:clrMapOvr>
+    <a:masterClrMapping/>
+  </p:clrMapOvr>
+  <p:timing>
+    <p:tnLst>
+      <p:par>
+        <p:cTn id="1" dur="indefinite" restart="never" nodeType="tmRoot"/>
+      </p:par>
+    </p:tnLst>
+  </p:timing>
+</p:sld>
+</file>
+
+<file path=ppt/slides/slide43.xml><?xml version="1.0" encoding="utf-8"?>
+<p:sld xmlns:a="http://schemas.openxmlformats.org/drawingml/2006/main" xmlns:r="http://schemas.openxmlformats.org/officeDocument/2006/relationships" xmlns:p="http://schemas.openxmlformats.org/presentationml/2006/main">
+  <p:cSld>
+    <p:spTree>
+      <p:nvGrpSpPr>
+        <p:cNvPr id="1" name=""/>
+        <p:cNvGrpSpPr/>
+        <p:nvPr/>
+      </p:nvGrpSpPr>
+      <p:grpSpPr>
+        <a:xfrm>
+          <a:off x="0" y="0"/>
+          <a:ext cx="0" cy="0"/>
+          <a:chOff x="0" y="0"/>
+          <a:chExt cx="0" cy="0"/>
+        </a:xfrm>
+      </p:grpSpPr>
+      <p:sp>
+        <p:nvSpPr>
+          <p:cNvPr id="2" name="Title 1"/>
+          <p:cNvSpPr>
+            <a:spLocks noGrp="1"/>
+          </p:cNvSpPr>
+          <p:nvPr>
+            <p:ph type="title"/>
+          </p:nvPr>
+        </p:nvSpPr>
+        <p:spPr/>
+        <p:txBody>
+          <a:bodyPr/>
+          <a:lstStyle/>
+          <a:p>
+            <a:r>
+              <a:rPr lang="en-IN" dirty="0" smtClean="0"/>
+              <a:t>On click of Manage holidays – add holiday</a:t>
+            </a:r>
+            <a:endParaRPr lang="en-IN" dirty="0"/>
+          </a:p>
+        </p:txBody>
+      </p:sp>
+      <p:sp>
+        <p:nvSpPr>
+          <p:cNvPr id="4" name="Rectangle 3"/>
+          <p:cNvSpPr/>
+          <p:nvPr/>
+        </p:nvSpPr>
+        <p:spPr>
+          <a:xfrm>
+            <a:off x="4121237" y="794441"/>
+            <a:ext cx="3966693" cy="5902573"/>
+          </a:xfrm>
+          <a:prstGeom prst="rect">
+            <a:avLst/>
+          </a:prstGeom>
+        </p:spPr>
+        <p:style>
+          <a:lnRef idx="2">
+            <a:schemeClr val="accent6"/>
+          </a:lnRef>
+          <a:fillRef idx="1">
+            <a:schemeClr val="lt1"/>
+          </a:fillRef>
+          <a:effectRef idx="0">
+            <a:schemeClr val="accent6"/>
+          </a:effectRef>
+          <a:fontRef idx="minor">
+            <a:schemeClr val="dk1"/>
+          </a:fontRef>
+        </p:style>
+        <p:txBody>
+          <a:bodyPr rtlCol="0" anchor="ctr"/>
+          <a:lstStyle/>
+          <a:p>
+            <a:pPr algn="ctr"/>
+            <a:endParaRPr lang="en-IN" dirty="0">
+              <a:latin typeface="Calibri" panose="020F0502020204030204" pitchFamily="34" charset="0"/>
+            </a:endParaRPr>
+          </a:p>
+        </p:txBody>
+      </p:sp>
+      <p:sp>
+        <p:nvSpPr>
+          <p:cNvPr id="6" name="Rectangle 5"/>
+          <p:cNvSpPr/>
+          <p:nvPr/>
+        </p:nvSpPr>
+        <p:spPr>
+          <a:xfrm>
+            <a:off x="4185634" y="1397600"/>
+            <a:ext cx="1970468" cy="309093"/>
+          </a:xfrm>
+          <a:prstGeom prst="rect">
+            <a:avLst/>
+          </a:prstGeom>
+          <a:noFill/>
+          <a:ln>
+            <a:noFill/>
+          </a:ln>
+        </p:spPr>
+        <p:style>
+          <a:lnRef idx="2">
+            <a:schemeClr val="dk1"/>
+          </a:lnRef>
+          <a:fillRef idx="1">
+            <a:schemeClr val="lt1"/>
+          </a:fillRef>
+          <a:effectRef idx="0">
+            <a:schemeClr val="dk1"/>
+          </a:effectRef>
+          <a:fontRef idx="minor">
+            <a:schemeClr val="dk1"/>
+          </a:fontRef>
+        </p:style>
+        <p:txBody>
+          <a:bodyPr rtlCol="0" anchor="ctr"/>
+          <a:lstStyle/>
+          <a:p>
+            <a:r>
+              <a:rPr lang="en-IN" dirty="0" smtClean="0">
+                <a:latin typeface="Calibri" panose="020F0502020204030204" pitchFamily="34" charset="0"/>
+              </a:rPr>
+              <a:t>Holiday Name:</a:t>
+            </a:r>
+            <a:endParaRPr lang="en-IN" dirty="0">
+              <a:latin typeface="Calibri" panose="020F0502020204030204" pitchFamily="34" charset="0"/>
+            </a:endParaRPr>
+          </a:p>
+        </p:txBody>
+      </p:sp>
+      <p:sp>
+        <p:nvSpPr>
+          <p:cNvPr id="7" name="Rectangle 6"/>
+          <p:cNvSpPr/>
+          <p:nvPr/>
+        </p:nvSpPr>
+        <p:spPr>
+          <a:xfrm>
+            <a:off x="4121237" y="794441"/>
+            <a:ext cx="3966693" cy="441931"/>
+          </a:xfrm>
+          <a:prstGeom prst="rect">
+            <a:avLst/>
+          </a:prstGeom>
+          <a:ln/>
+        </p:spPr>
+        <p:style>
+          <a:lnRef idx="2">
+            <a:schemeClr val="accent4">
+              <a:shade val="50000"/>
+            </a:schemeClr>
+          </a:lnRef>
+          <a:fillRef idx="1">
+            <a:schemeClr val="accent4"/>
+          </a:fillRef>
+          <a:effectRef idx="0">
+            <a:schemeClr val="accent4"/>
+          </a:effectRef>
+          <a:fontRef idx="minor">
+            <a:schemeClr val="lt1"/>
+          </a:fontRef>
+        </p:style>
+        <p:txBody>
+          <a:bodyPr rtlCol="0" anchor="ctr"/>
+          <a:lstStyle/>
+          <a:p>
+            <a:pPr algn="ctr"/>
+            <a:r>
+              <a:rPr lang="en-IN" dirty="0" smtClean="0">
+                <a:solidFill>
+                  <a:schemeClr val="bg1"/>
+                </a:solidFill>
+                <a:latin typeface="Calibri" panose="020F0502020204030204" pitchFamily="34" charset="0"/>
+              </a:rPr>
+              <a:t>Holidays</a:t>
+            </a:r>
+            <a:r>
+              <a:rPr lang="en-IN" dirty="0" smtClean="0">
+                <a:solidFill>
+                  <a:schemeClr val="bg1"/>
+                </a:solidFill>
+                <a:latin typeface="Calibri" panose="020F0502020204030204" pitchFamily="34" charset="0"/>
+              </a:rPr>
+              <a:t>			                :	</a:t>
+            </a:r>
+            <a:endParaRPr lang="en-IN" dirty="0">
+              <a:solidFill>
+                <a:schemeClr val="bg1"/>
+              </a:solidFill>
+              <a:latin typeface="Calibri" panose="020F0502020204030204" pitchFamily="34" charset="0"/>
+            </a:endParaRPr>
+          </a:p>
+        </p:txBody>
+      </p:sp>
+      <p:sp>
+        <p:nvSpPr>
+          <p:cNvPr id="9" name="Rectangle 8"/>
+          <p:cNvSpPr/>
+          <p:nvPr/>
+        </p:nvSpPr>
+        <p:spPr>
+          <a:xfrm>
+            <a:off x="4185634" y="2499266"/>
+            <a:ext cx="873063" cy="493323"/>
+          </a:xfrm>
+          <a:prstGeom prst="rect">
+            <a:avLst/>
+          </a:prstGeom>
+          <a:noFill/>
+          <a:ln>
+            <a:noFill/>
+          </a:ln>
+        </p:spPr>
+        <p:style>
+          <a:lnRef idx="2">
+            <a:schemeClr val="dk1"/>
+          </a:lnRef>
+          <a:fillRef idx="1">
+            <a:schemeClr val="lt1"/>
+          </a:fillRef>
+          <a:effectRef idx="0">
+            <a:schemeClr val="dk1"/>
+          </a:effectRef>
+          <a:fontRef idx="minor">
+            <a:schemeClr val="dk1"/>
+          </a:fontRef>
+        </p:style>
+        <p:txBody>
+          <a:bodyPr rtlCol="0" anchor="ctr"/>
+          <a:lstStyle/>
+          <a:p>
+            <a:r>
+              <a:rPr lang="en-IN" dirty="0" smtClean="0">
+                <a:latin typeface="Calibri" panose="020F0502020204030204" pitchFamily="34" charset="0"/>
+              </a:rPr>
+              <a:t>From:</a:t>
+            </a:r>
+            <a:endParaRPr lang="en-IN" dirty="0">
+              <a:latin typeface="Calibri" panose="020F0502020204030204" pitchFamily="34" charset="0"/>
+            </a:endParaRPr>
+          </a:p>
+        </p:txBody>
+      </p:sp>
+      <p:sp>
+        <p:nvSpPr>
+          <p:cNvPr id="10" name="Rectangle 9"/>
+          <p:cNvSpPr/>
+          <p:nvPr/>
+        </p:nvSpPr>
+        <p:spPr>
+          <a:xfrm>
+            <a:off x="6136782" y="2523331"/>
+            <a:ext cx="873063" cy="493323"/>
+          </a:xfrm>
+          <a:prstGeom prst="rect">
+            <a:avLst/>
+          </a:prstGeom>
+          <a:noFill/>
+          <a:ln>
+            <a:noFill/>
+          </a:ln>
+        </p:spPr>
+        <p:style>
+          <a:lnRef idx="2">
+            <a:schemeClr val="dk1"/>
+          </a:lnRef>
+          <a:fillRef idx="1">
+            <a:schemeClr val="lt1"/>
+          </a:fillRef>
+          <a:effectRef idx="0">
+            <a:schemeClr val="dk1"/>
+          </a:effectRef>
+          <a:fontRef idx="minor">
+            <a:schemeClr val="dk1"/>
+          </a:fontRef>
+        </p:style>
+        <p:txBody>
+          <a:bodyPr rtlCol="0" anchor="ctr"/>
+          <a:lstStyle/>
+          <a:p>
+            <a:r>
+              <a:rPr lang="en-IN" dirty="0" smtClean="0">
+                <a:latin typeface="Calibri" panose="020F0502020204030204" pitchFamily="34" charset="0"/>
+              </a:rPr>
+              <a:t>To:</a:t>
+            </a:r>
+            <a:endParaRPr lang="en-IN" dirty="0">
+              <a:latin typeface="Calibri" panose="020F0502020204030204" pitchFamily="34" charset="0"/>
+            </a:endParaRPr>
+          </a:p>
+        </p:txBody>
+      </p:sp>
+      <p:sp>
+        <p:nvSpPr>
+          <p:cNvPr id="11" name="Rectangle 10"/>
+          <p:cNvSpPr/>
+          <p:nvPr/>
+        </p:nvSpPr>
+        <p:spPr>
+          <a:xfrm>
+            <a:off x="4250053" y="1783520"/>
+            <a:ext cx="3608443" cy="368710"/>
+          </a:xfrm>
+          <a:prstGeom prst="rect">
+            <a:avLst/>
+          </a:prstGeom>
+        </p:spPr>
+        <p:style>
+          <a:lnRef idx="2">
+            <a:schemeClr val="accent4"/>
+          </a:lnRef>
+          <a:fillRef idx="1">
+            <a:schemeClr val="lt1"/>
+          </a:fillRef>
+          <a:effectRef idx="0">
+            <a:schemeClr val="accent4"/>
+          </a:effectRef>
+          <a:fontRef idx="minor">
+            <a:schemeClr val="dk1"/>
+          </a:fontRef>
+        </p:style>
+        <p:txBody>
+          <a:bodyPr rtlCol="0" anchor="ctr"/>
+          <a:lstStyle/>
+          <a:p>
+            <a:endParaRPr lang="en-IN" dirty="0"/>
+          </a:p>
+        </p:txBody>
+      </p:sp>
+      <p:sp>
+        <p:nvSpPr>
+          <p:cNvPr id="15" name="Rectangle 14"/>
+          <p:cNvSpPr/>
+          <p:nvPr/>
+        </p:nvSpPr>
+        <p:spPr>
+          <a:xfrm>
+            <a:off x="4843493" y="2555832"/>
+            <a:ext cx="1312609" cy="428316"/>
+          </a:xfrm>
+          <a:prstGeom prst="rect">
+            <a:avLst/>
+          </a:prstGeom>
+        </p:spPr>
+        <p:style>
+          <a:lnRef idx="2">
+            <a:schemeClr val="accent4"/>
+          </a:lnRef>
+          <a:fillRef idx="1">
+            <a:schemeClr val="lt1"/>
+          </a:fillRef>
+          <a:effectRef idx="0">
+            <a:schemeClr val="accent4"/>
+          </a:effectRef>
+          <a:fontRef idx="minor">
+            <a:schemeClr val="dk1"/>
+          </a:fontRef>
+        </p:style>
+        <p:txBody>
+          <a:bodyPr rtlCol="0" anchor="ctr"/>
+          <a:lstStyle/>
+          <a:p>
+            <a:pPr algn="ctr"/>
+            <a:endParaRPr lang="en-IN" dirty="0"/>
+          </a:p>
+        </p:txBody>
+      </p:sp>
+      <p:sp>
+        <p:nvSpPr>
+          <p:cNvPr id="16" name="Rectangle 15"/>
+          <p:cNvSpPr/>
+          <p:nvPr/>
+        </p:nvSpPr>
+        <p:spPr>
+          <a:xfrm>
+            <a:off x="6545888" y="2553702"/>
+            <a:ext cx="1312609" cy="428316"/>
+          </a:xfrm>
+          <a:prstGeom prst="rect">
+            <a:avLst/>
+          </a:prstGeom>
+        </p:spPr>
+        <p:style>
+          <a:lnRef idx="2">
+            <a:schemeClr val="accent4"/>
+          </a:lnRef>
+          <a:fillRef idx="1">
+            <a:schemeClr val="lt1"/>
+          </a:fillRef>
+          <a:effectRef idx="0">
+            <a:schemeClr val="accent4"/>
+          </a:effectRef>
+          <a:fontRef idx="minor">
+            <a:schemeClr val="dk1"/>
+          </a:fontRef>
+        </p:style>
+        <p:txBody>
+          <a:bodyPr rtlCol="0" anchor="ctr"/>
+          <a:lstStyle/>
+          <a:p>
+            <a:pPr algn="ctr"/>
+            <a:endParaRPr lang="en-IN" dirty="0"/>
+          </a:p>
+        </p:txBody>
+      </p:sp>
+      <p:sp>
+        <p:nvSpPr>
+          <p:cNvPr id="17" name="Rounded Rectangle 16"/>
+          <p:cNvSpPr/>
+          <p:nvPr/>
+        </p:nvSpPr>
+        <p:spPr>
+          <a:xfrm>
+            <a:off x="6773622" y="4188352"/>
+            <a:ext cx="857140" cy="457200"/>
+          </a:xfrm>
+          <a:prstGeom prst="roundRect">
+            <a:avLst/>
+          </a:prstGeom>
+          <a:ln/>
+        </p:spPr>
+        <p:style>
+          <a:lnRef idx="2">
+            <a:schemeClr val="accent4">
+              <a:shade val="50000"/>
+            </a:schemeClr>
+          </a:lnRef>
+          <a:fillRef idx="1">
+            <a:schemeClr val="accent4"/>
+          </a:fillRef>
+          <a:effectRef idx="0">
+            <a:schemeClr val="accent4"/>
+          </a:effectRef>
+          <a:fontRef idx="minor">
+            <a:schemeClr val="lt1"/>
+          </a:fontRef>
+        </p:style>
+        <p:txBody>
+          <a:bodyPr rtlCol="0" anchor="ctr"/>
+          <a:lstStyle/>
+          <a:p>
+            <a:pPr algn="ctr"/>
+            <a:r>
+              <a:rPr lang="en-IN" dirty="0" smtClean="0">
+                <a:latin typeface="Calibri" panose="020F0502020204030204" pitchFamily="34" charset="0"/>
+              </a:rPr>
+              <a:t>Ok</a:t>
+            </a:r>
+            <a:endParaRPr lang="en-IN" dirty="0">
+              <a:latin typeface="Calibri" panose="020F0502020204030204" pitchFamily="34" charset="0"/>
+            </a:endParaRPr>
+          </a:p>
+        </p:txBody>
+      </p:sp>
+      <p:cxnSp>
+        <p:nvCxnSpPr>
+          <p:cNvPr id="5" name="Straight Arrow Connector 4"/>
+          <p:cNvCxnSpPr/>
+          <p:nvPr/>
+        </p:nvCxnSpPr>
+        <p:spPr>
+          <a:xfrm flipV="1">
+            <a:off x="7858496" y="2499266"/>
+            <a:ext cx="1285504" cy="288179"/>
+          </a:xfrm>
+          <a:prstGeom prst="straightConnector1">
+            <a:avLst/>
+          </a:prstGeom>
+          <a:ln>
+            <a:tailEnd type="triangle"/>
+          </a:ln>
+        </p:spPr>
+        <p:style>
+          <a:lnRef idx="1">
+            <a:schemeClr val="dk1"/>
+          </a:lnRef>
+          <a:fillRef idx="0">
+            <a:schemeClr val="dk1"/>
+          </a:fillRef>
+          <a:effectRef idx="0">
+            <a:schemeClr val="dk1"/>
+          </a:effectRef>
+          <a:fontRef idx="minor">
+            <a:schemeClr val="tx1"/>
+          </a:fontRef>
+        </p:style>
+      </p:cxnSp>
+      <p:sp>
+        <p:nvSpPr>
+          <p:cNvPr id="19" name="TextBox 18"/>
+          <p:cNvSpPr txBox="1"/>
+          <p:nvPr/>
+        </p:nvSpPr>
+        <p:spPr>
+          <a:xfrm>
+            <a:off x="9166015" y="2276254"/>
+            <a:ext cx="1329210" cy="369332"/>
+          </a:xfrm>
+          <a:prstGeom prst="rect">
+            <a:avLst/>
+          </a:prstGeom>
+          <a:noFill/>
+        </p:spPr>
+        <p:txBody>
+          <a:bodyPr wrap="none" rtlCol="0">
+            <a:spAutoFit/>
+          </a:bodyPr>
+          <a:lstStyle/>
+          <a:p>
+            <a:r>
+              <a:rPr lang="en-IN" dirty="0" smtClean="0">
+                <a:solidFill>
+                  <a:schemeClr val="bg1"/>
+                </a:solidFill>
+              </a:rPr>
+              <a:t>Date pickers</a:t>
+            </a:r>
+            <a:endParaRPr lang="en-IN" dirty="0">
+              <a:solidFill>
+                <a:schemeClr val="bg1"/>
+              </a:solidFill>
+            </a:endParaRPr>
+          </a:p>
+        </p:txBody>
+      </p:sp>
+    </p:spTree>
+    <p:extLst>
+      <p:ext uri="{BB962C8B-B14F-4D97-AF65-F5344CB8AC3E}">
+        <p14:creationId xmlns:p14="http://schemas.microsoft.com/office/powerpoint/2010/main" val="1852143747"/>
+      </p:ext>
+    </p:extLst>
+  </p:cSld>
+  <p:clrMapOvr>
+    <a:masterClrMapping/>
+  </p:clrMapOvr>
+  <p:timing>
+    <p:tnLst>
+      <p:par>
+        <p:cTn id="1" dur="indefinite" restart="never" nodeType="tmRoot"/>
+      </p:par>
+    </p:tnLst>
+  </p:timing>
+</p:sld>
+</file>
+
+<file path=ppt/slides/slide44.xml><?xml version="1.0" encoding="utf-8"?>
+<p:sld xmlns:a="http://schemas.openxmlformats.org/drawingml/2006/main" xmlns:r="http://schemas.openxmlformats.org/officeDocument/2006/relationships" xmlns:p="http://schemas.openxmlformats.org/presentationml/2006/main">
+  <p:cSld>
+    <p:spTree>
+      <p:nvGrpSpPr>
+        <p:cNvPr id="1" name=""/>
+        <p:cNvGrpSpPr/>
+        <p:nvPr/>
+      </p:nvGrpSpPr>
+      <p:grpSpPr>
+        <a:xfrm>
+          <a:off x="0" y="0"/>
+          <a:ext cx="0" cy="0"/>
+          <a:chOff x="0" y="0"/>
+          <a:chExt cx="0" cy="0"/>
+        </a:xfrm>
+      </p:grpSpPr>
+      <p:sp>
+        <p:nvSpPr>
+          <p:cNvPr id="2" name="Title 1"/>
+          <p:cNvSpPr>
+            <a:spLocks noGrp="1"/>
+          </p:cNvSpPr>
+          <p:nvPr>
+            <p:ph type="title"/>
+          </p:nvPr>
+        </p:nvSpPr>
+        <p:spPr/>
+        <p:txBody>
+          <a:bodyPr/>
+          <a:lstStyle/>
+          <a:p>
+            <a:r>
+              <a:rPr lang="en-IN" dirty="0" smtClean="0"/>
+              <a:t>On click of manage holiday – delete holiday</a:t>
+            </a:r>
+            <a:endParaRPr lang="en-IN" dirty="0"/>
+          </a:p>
+        </p:txBody>
+      </p:sp>
+      <p:sp>
+        <p:nvSpPr>
+          <p:cNvPr id="3" name="Rectangle 2"/>
+          <p:cNvSpPr/>
+          <p:nvPr/>
+        </p:nvSpPr>
+        <p:spPr>
+          <a:xfrm>
+            <a:off x="4121237" y="794441"/>
+            <a:ext cx="3966693" cy="5902573"/>
+          </a:xfrm>
+          <a:prstGeom prst="rect">
+            <a:avLst/>
+          </a:prstGeom>
+          <a:solidFill>
+            <a:schemeClr val="tx1">
+              <a:lumMod val="85000"/>
+            </a:schemeClr>
+          </a:solidFill>
+        </p:spPr>
+        <p:style>
+          <a:lnRef idx="2">
+            <a:schemeClr val="accent6"/>
+          </a:lnRef>
+          <a:fillRef idx="1">
+            <a:schemeClr val="lt1"/>
+          </a:fillRef>
+          <a:effectRef idx="0">
+            <a:schemeClr val="accent6"/>
+          </a:effectRef>
+          <a:fontRef idx="minor">
+            <a:schemeClr val="dk1"/>
+          </a:fontRef>
+        </p:style>
+        <p:txBody>
+          <a:bodyPr rtlCol="0" anchor="ctr"/>
+          <a:lstStyle/>
+          <a:p>
+            <a:pPr algn="ctr"/>
+            <a:endParaRPr lang="en-IN" dirty="0">
+              <a:latin typeface="Calibri" panose="020F0502020204030204" pitchFamily="34" charset="0"/>
+            </a:endParaRPr>
+          </a:p>
+        </p:txBody>
+      </p:sp>
+      <p:sp>
+        <p:nvSpPr>
+          <p:cNvPr id="4" name="Rectangle 3"/>
+          <p:cNvSpPr/>
+          <p:nvPr/>
+        </p:nvSpPr>
+        <p:spPr>
+          <a:xfrm>
+            <a:off x="4121237" y="794441"/>
+            <a:ext cx="3966693" cy="441931"/>
+          </a:xfrm>
+          <a:prstGeom prst="rect">
+            <a:avLst/>
+          </a:prstGeom>
+          <a:ln/>
+        </p:spPr>
+        <p:style>
+          <a:lnRef idx="2">
+            <a:schemeClr val="accent4">
+              <a:shade val="50000"/>
+            </a:schemeClr>
+          </a:lnRef>
+          <a:fillRef idx="1">
+            <a:schemeClr val="accent4"/>
+          </a:fillRef>
+          <a:effectRef idx="0">
+            <a:schemeClr val="accent4"/>
+          </a:effectRef>
+          <a:fontRef idx="minor">
+            <a:schemeClr val="lt1"/>
+          </a:fontRef>
+        </p:style>
+        <p:txBody>
+          <a:bodyPr rtlCol="0" anchor="ctr"/>
+          <a:lstStyle/>
+          <a:p>
+            <a:pPr algn="ctr"/>
+            <a:r>
+              <a:rPr lang="en-IN" dirty="0" smtClean="0">
+                <a:solidFill>
+                  <a:schemeClr val="bg1"/>
+                </a:solidFill>
+                <a:latin typeface="Calibri" panose="020F0502020204030204" pitchFamily="34" charset="0"/>
+              </a:rPr>
+              <a:t>Holidays			                :	</a:t>
+            </a:r>
+            <a:endParaRPr lang="en-IN" dirty="0">
+              <a:solidFill>
+                <a:schemeClr val="bg1"/>
+              </a:solidFill>
+              <a:latin typeface="Calibri" panose="020F0502020204030204" pitchFamily="34" charset="0"/>
+            </a:endParaRPr>
+          </a:p>
+        </p:txBody>
+      </p:sp>
+      <p:graphicFrame>
+        <p:nvGraphicFramePr>
+          <p:cNvPr id="5" name="Table 4"/>
+          <p:cNvGraphicFramePr>
+            <a:graphicFrameLocks noGrp="1"/>
+          </p:cNvGraphicFramePr>
+          <p:nvPr>
+            <p:extLst>
+              <p:ext uri="{D42A27DB-BD31-4B8C-83A1-F6EECF244321}">
+                <p14:modId xmlns:p14="http://schemas.microsoft.com/office/powerpoint/2010/main" val="2151702374"/>
               </p:ext>
             </p:extLst>
           </p:nvPr>
@@ -26006,8 +27507,8 @@
         <a:graphic>
           <a:graphicData uri="http://schemas.openxmlformats.org/drawingml/2006/table">
             <a:tbl>
-              <a:tblPr firstRow="1" bandRow="1">
-                <a:tableStyleId>{ED083AE6-46FA-4A59-8FB0-9F97EB10719F}</a:tableStyleId>
+              <a:tblPr bandRow="1">
+                <a:tableStyleId>{17292A2E-F333-43FB-9621-5CBBE7FDCDCB}</a:tableStyleId>
               </a:tblPr>
               <a:tblGrid>
                 <a:gridCol w="1601138"/>
@@ -26090,11 +27591,6 @@
                         </a:rPr>
                         <a:t>Labour day</a:t>
                       </a:r>
-                      <a:endParaRPr lang="en-IN" dirty="0" smtClean="0">
-                        <a:solidFill>
-                          <a:schemeClr val="bg1"/>
-                        </a:solidFill>
-                      </a:endParaRPr>
                     </a:p>
                   </a:txBody>
                   <a:tcPr/>
@@ -26232,11 +27728,6 @@
                         </a:rPr>
                         <a:t>Christmas</a:t>
                       </a:r>
-                      <a:endParaRPr lang="en-IN" dirty="0" smtClean="0">
-                        <a:solidFill>
-                          <a:schemeClr val="bg1"/>
-                        </a:solidFill>
-                      </a:endParaRPr>
                     </a:p>
                   </a:txBody>
                   <a:tcPr/>
@@ -26450,18 +27941,87 @@
       </p:pic>
       <p:sp>
         <p:nvSpPr>
-          <p:cNvPr id="14" name="Oval 13"/>
+          <p:cNvPr id="14" name="TextBox 13"/>
+          <p:cNvSpPr txBox="1"/>
+          <p:nvPr/>
+        </p:nvSpPr>
+        <p:spPr>
+          <a:xfrm>
+            <a:off x="4701187" y="3008511"/>
+            <a:ext cx="2920668" cy="1415772"/>
+          </a:xfrm>
+          <a:prstGeom prst="rect">
+            <a:avLst/>
+          </a:prstGeom>
+          <a:ln/>
+        </p:spPr>
+        <p:style>
+          <a:lnRef idx="2">
+            <a:schemeClr val="accent4"/>
+          </a:lnRef>
+          <a:fillRef idx="1">
+            <a:schemeClr val="lt1"/>
+          </a:fillRef>
+          <a:effectRef idx="0">
+            <a:schemeClr val="accent4"/>
+          </a:effectRef>
+          <a:fontRef idx="minor">
+            <a:schemeClr val="dk1"/>
+          </a:fontRef>
+        </p:style>
+        <p:txBody>
+          <a:bodyPr wrap="square" rtlCol="0">
+            <a:spAutoFit/>
+          </a:bodyPr>
+          <a:lstStyle/>
+          <a:p>
+            <a:r>
+              <a:rPr lang="en-IN" dirty="0" smtClean="0">
+                <a:solidFill>
+                  <a:schemeClr val="bg1"/>
+                </a:solidFill>
+              </a:rPr>
+              <a:t>Are you sure you want to delete this holiday?</a:t>
+            </a:r>
+          </a:p>
+          <a:p>
+            <a:endParaRPr lang="en-IN" sz="1400" dirty="0" smtClean="0">
+              <a:solidFill>
+                <a:schemeClr val="bg1"/>
+              </a:solidFill>
+            </a:endParaRPr>
+          </a:p>
+          <a:p>
+            <a:endParaRPr lang="en-IN" dirty="0">
+              <a:solidFill>
+                <a:schemeClr val="bg1"/>
+              </a:solidFill>
+            </a:endParaRPr>
+          </a:p>
+          <a:p>
+            <a:endParaRPr lang="en-IN" dirty="0">
+              <a:solidFill>
+                <a:schemeClr val="bg1"/>
+              </a:solidFill>
+            </a:endParaRPr>
+          </a:p>
+        </p:txBody>
+      </p:sp>
+      <p:sp>
+        <p:nvSpPr>
+          <p:cNvPr id="15" name="Rounded Rectangle 14"/>
           <p:cNvSpPr/>
           <p:nvPr/>
         </p:nvSpPr>
         <p:spPr>
           <a:xfrm>
-            <a:off x="5855988" y="5937851"/>
-            <a:ext cx="648052" cy="619886"/>
-          </a:xfrm>
-          <a:prstGeom prst="ellipse">
-            <a:avLst/>
-          </a:prstGeom>
+            <a:off x="5175932" y="3763990"/>
+            <a:ext cx="857140" cy="457200"/>
+          </a:xfrm>
+          <a:prstGeom prst="roundRect">
+            <a:avLst/>
+          </a:prstGeom>
+          <a:ln/>
         </p:spPr>
         <p:style>
           <a:lnRef idx="2">
@@ -26485,104 +28045,11 @@
           <a:p>
             <a:pPr algn="ctr"/>
             <a:r>
-              <a:rPr lang="en-IN" sz="5400" dirty="0" smtClean="0"/>
-              <a:t>+</a:t>
-            </a:r>
-            <a:endParaRPr lang="en-IN" sz="5400" dirty="0"/>
-          </a:p>
-        </p:txBody>
-      </p:sp>
-    </p:spTree>
-    <p:extLst>
-      <p:ext uri="{BB962C8B-B14F-4D97-AF65-F5344CB8AC3E}">
-        <p14:creationId xmlns:p14="http://schemas.microsoft.com/office/powerpoint/2010/main" val="4072250017"/>
-      </p:ext>
-    </p:extLst>
-  </p:cSld>
-  <p:clrMapOvr>
-    <a:masterClrMapping/>
-  </p:clrMapOvr>
-</p:sld>
-</file>
-
-<file path=ppt/slides/slide43.xml><?xml version="1.0" encoding="utf-8"?>
-<p:sld xmlns:a="http://schemas.openxmlformats.org/drawingml/2006/main" xmlns:r="http://schemas.openxmlformats.org/officeDocument/2006/relationships" xmlns:p="http://schemas.openxmlformats.org/presentationml/2006/main">
-  <p:cSld>
-    <p:spTree>
-      <p:nvGrpSpPr>
-        <p:cNvPr id="1" name=""/>
-        <p:cNvGrpSpPr/>
-        <p:nvPr/>
-      </p:nvGrpSpPr>
-      <p:grpSpPr>
-        <a:xfrm>
-          <a:off x="0" y="0"/>
-          <a:ext cx="0" cy="0"/>
-          <a:chOff x="0" y="0"/>
-          <a:chExt cx="0" cy="0"/>
-        </a:xfrm>
-      </p:grpSpPr>
-      <p:sp>
-        <p:nvSpPr>
-          <p:cNvPr id="2" name="Title 1"/>
-          <p:cNvSpPr>
-            <a:spLocks noGrp="1"/>
-          </p:cNvSpPr>
-          <p:nvPr>
-            <p:ph type="title"/>
-          </p:nvPr>
-        </p:nvSpPr>
-        <p:spPr/>
-        <p:txBody>
-          <a:bodyPr/>
-          <a:lstStyle/>
-          <a:p>
-            <a:r>
-              <a:rPr lang="en-IN" dirty="0" smtClean="0"/>
-              <a:t>On click of </a:t>
-            </a:r>
-            <a:r>
-              <a:rPr lang="en-IN" dirty="0" smtClean="0"/>
-              <a:t>Manage holidays – add holiday</a:t>
-            </a:r>
-            <a:endParaRPr lang="en-IN" dirty="0"/>
-          </a:p>
-        </p:txBody>
-      </p:sp>
-      <p:sp>
-        <p:nvSpPr>
-          <p:cNvPr id="4" name="Rectangle 3"/>
-          <p:cNvSpPr/>
-          <p:nvPr/>
-        </p:nvSpPr>
-        <p:spPr>
-          <a:xfrm>
-            <a:off x="4121237" y="794441"/>
-            <a:ext cx="3966693" cy="5902573"/>
-          </a:xfrm>
-          <a:prstGeom prst="rect">
-            <a:avLst/>
-          </a:prstGeom>
-        </p:spPr>
-        <p:style>
-          <a:lnRef idx="2">
-            <a:schemeClr val="accent6"/>
-          </a:lnRef>
-          <a:fillRef idx="1">
-            <a:schemeClr val="lt1"/>
-          </a:fillRef>
-          <a:effectRef idx="0">
-            <a:schemeClr val="accent6"/>
-          </a:effectRef>
-          <a:fontRef idx="minor">
-            <a:schemeClr val="dk1"/>
-          </a:fontRef>
-        </p:style>
-        <p:txBody>
-          <a:bodyPr rtlCol="0" anchor="ctr"/>
-          <a:lstStyle/>
-          <a:p>
-            <a:pPr algn="ctr"/>
+              <a:rPr lang="en-IN" dirty="0" smtClean="0">
+                <a:latin typeface="Calibri" panose="020F0502020204030204" pitchFamily="34" charset="0"/>
+              </a:rPr>
+              <a:t>Yes</a:t>
+            </a:r>
             <a:endParaRPr lang="en-IN" dirty="0">
               <a:latin typeface="Calibri" panose="020F0502020204030204" pitchFamily="34" charset="0"/>
             </a:endParaRPr>
@@ -26591,65 +28058,16 @@
       </p:sp>
       <p:sp>
         <p:nvSpPr>
-          <p:cNvPr id="6" name="Rectangle 5"/>
+          <p:cNvPr id="16" name="Rounded Rectangle 15"/>
           <p:cNvSpPr/>
           <p:nvPr/>
         </p:nvSpPr>
         <p:spPr>
           <a:xfrm>
-            <a:off x="4185634" y="1397600"/>
-            <a:ext cx="1970468" cy="309093"/>
-          </a:xfrm>
-          <a:prstGeom prst="rect">
-            <a:avLst/>
-          </a:prstGeom>
-          <a:noFill/>
-          <a:ln>
-            <a:noFill/>
-          </a:ln>
-        </p:spPr>
-        <p:style>
-          <a:lnRef idx="2">
-            <a:schemeClr val="dk1"/>
-          </a:lnRef>
-          <a:fillRef idx="1">
-            <a:schemeClr val="lt1"/>
-          </a:fillRef>
-          <a:effectRef idx="0">
-            <a:schemeClr val="dk1"/>
-          </a:effectRef>
-          <a:fontRef idx="minor">
-            <a:schemeClr val="dk1"/>
-          </a:fontRef>
-        </p:style>
-        <p:txBody>
-          <a:bodyPr rtlCol="0" anchor="ctr"/>
-          <a:lstStyle/>
-          <a:p>
-            <a:r>
-              <a:rPr lang="en-IN" dirty="0" smtClean="0">
-                <a:latin typeface="Calibri" panose="020F0502020204030204" pitchFamily="34" charset="0"/>
-              </a:rPr>
-              <a:t>Holiday Name:</a:t>
-            </a:r>
-            <a:endParaRPr lang="en-IN" dirty="0">
-              <a:latin typeface="Calibri" panose="020F0502020204030204" pitchFamily="34" charset="0"/>
-            </a:endParaRPr>
-          </a:p>
-        </p:txBody>
-      </p:sp>
-      <p:sp>
-        <p:nvSpPr>
-          <p:cNvPr id="7" name="Rectangle 6"/>
-          <p:cNvSpPr/>
-          <p:nvPr/>
-        </p:nvSpPr>
-        <p:spPr>
-          <a:xfrm>
-            <a:off x="4121237" y="794441"/>
-            <a:ext cx="3966693" cy="441931"/>
-          </a:xfrm>
-          <a:prstGeom prst="rect">
+            <a:off x="6353505" y="3772946"/>
+            <a:ext cx="857140" cy="457200"/>
+          </a:xfrm>
+          <a:prstGeom prst="roundRect">
             <a:avLst/>
           </a:prstGeom>
           <a:ln/>
@@ -26677,64 +28095,9 @@
             <a:pPr algn="ctr"/>
             <a:r>
               <a:rPr lang="en-IN" dirty="0" smtClean="0">
-                <a:solidFill>
-                  <a:schemeClr val="bg1"/>
-                </a:solidFill>
                 <a:latin typeface="Calibri" panose="020F0502020204030204" pitchFamily="34" charset="0"/>
               </a:rPr>
-              <a:t>Reports			                :	</a:t>
-            </a:r>
-            <a:endParaRPr lang="en-IN" dirty="0">
-              <a:solidFill>
-                <a:schemeClr val="bg1"/>
-              </a:solidFill>
-              <a:latin typeface="Calibri" panose="020F0502020204030204" pitchFamily="34" charset="0"/>
-            </a:endParaRPr>
-          </a:p>
-        </p:txBody>
-      </p:sp>
-      <p:sp>
-        <p:nvSpPr>
-          <p:cNvPr id="9" name="Rectangle 8"/>
-          <p:cNvSpPr/>
-          <p:nvPr/>
-        </p:nvSpPr>
-        <p:spPr>
-          <a:xfrm>
-            <a:off x="4185634" y="2499266"/>
-            <a:ext cx="873063" cy="493323"/>
-          </a:xfrm>
-          <a:prstGeom prst="rect">
-            <a:avLst/>
-          </a:prstGeom>
-          <a:noFill/>
-          <a:ln>
-            <a:noFill/>
-          </a:ln>
-        </p:spPr>
-        <p:style>
-          <a:lnRef idx="2">
-            <a:schemeClr val="dk1"/>
-          </a:lnRef>
-          <a:fillRef idx="1">
-            <a:schemeClr val="lt1"/>
-          </a:fillRef>
-          <a:effectRef idx="0">
-            <a:schemeClr val="dk1"/>
-          </a:effectRef>
-          <a:fontRef idx="minor">
-            <a:schemeClr val="dk1"/>
-          </a:fontRef>
-        </p:style>
-        <p:txBody>
-          <a:bodyPr rtlCol="0" anchor="ctr"/>
-          <a:lstStyle/>
-          <a:p>
-            <a:r>
-              <a:rPr lang="en-IN" dirty="0" smtClean="0">
-                <a:latin typeface="Calibri" panose="020F0502020204030204" pitchFamily="34" charset="0"/>
-              </a:rPr>
-              <a:t>From:</a:t>
+              <a:t>No</a:t>
             </a:r>
             <a:endParaRPr lang="en-IN" dirty="0">
               <a:latin typeface="Calibri" panose="020F0502020204030204" pitchFamily="34" charset="0"/>
@@ -26742,341 +28105,10 @@
           </a:p>
         </p:txBody>
       </p:sp>
-      <p:sp>
-        <p:nvSpPr>
-          <p:cNvPr id="10" name="Rectangle 9"/>
-          <p:cNvSpPr/>
-          <p:nvPr/>
-        </p:nvSpPr>
-        <p:spPr>
-          <a:xfrm>
-            <a:off x="6136782" y="2523331"/>
-            <a:ext cx="873063" cy="493323"/>
-          </a:xfrm>
-          <a:prstGeom prst="rect">
-            <a:avLst/>
-          </a:prstGeom>
-          <a:noFill/>
-          <a:ln>
-            <a:noFill/>
-          </a:ln>
-        </p:spPr>
-        <p:style>
-          <a:lnRef idx="2">
-            <a:schemeClr val="dk1"/>
-          </a:lnRef>
-          <a:fillRef idx="1">
-            <a:schemeClr val="lt1"/>
-          </a:fillRef>
-          <a:effectRef idx="0">
-            <a:schemeClr val="dk1"/>
-          </a:effectRef>
-          <a:fontRef idx="minor">
-            <a:schemeClr val="dk1"/>
-          </a:fontRef>
-        </p:style>
-        <p:txBody>
-          <a:bodyPr rtlCol="0" anchor="ctr"/>
-          <a:lstStyle/>
-          <a:p>
-            <a:r>
-              <a:rPr lang="en-IN" dirty="0" smtClean="0">
-                <a:latin typeface="Calibri" panose="020F0502020204030204" pitchFamily="34" charset="0"/>
-              </a:rPr>
-              <a:t>To:</a:t>
-            </a:r>
-            <a:endParaRPr lang="en-IN" dirty="0">
-              <a:latin typeface="Calibri" panose="020F0502020204030204" pitchFamily="34" charset="0"/>
-            </a:endParaRPr>
-          </a:p>
-        </p:txBody>
-      </p:sp>
-      <p:sp>
-        <p:nvSpPr>
-          <p:cNvPr id="11" name="Rectangle 10"/>
-          <p:cNvSpPr/>
-          <p:nvPr/>
-        </p:nvSpPr>
-        <p:spPr>
-          <a:xfrm>
-            <a:off x="4250053" y="1783520"/>
-            <a:ext cx="3608443" cy="368710"/>
-          </a:xfrm>
-          <a:prstGeom prst="rect">
-            <a:avLst/>
-          </a:prstGeom>
-        </p:spPr>
-        <p:style>
-          <a:lnRef idx="2">
-            <a:schemeClr val="accent4"/>
-          </a:lnRef>
-          <a:fillRef idx="1">
-            <a:schemeClr val="lt1"/>
-          </a:fillRef>
-          <a:effectRef idx="0">
-            <a:schemeClr val="accent4"/>
-          </a:effectRef>
-          <a:fontRef idx="minor">
-            <a:schemeClr val="dk1"/>
-          </a:fontRef>
-        </p:style>
-        <p:txBody>
-          <a:bodyPr rtlCol="0" anchor="ctr"/>
-          <a:lstStyle/>
-          <a:p>
-            <a:endParaRPr lang="en-IN" dirty="0"/>
-          </a:p>
-        </p:txBody>
-      </p:sp>
-      <p:sp>
-        <p:nvSpPr>
-          <p:cNvPr id="15" name="Rectangle 14"/>
-          <p:cNvSpPr/>
-          <p:nvPr/>
-        </p:nvSpPr>
-        <p:spPr>
-          <a:xfrm>
-            <a:off x="4843493" y="2555832"/>
-            <a:ext cx="1312609" cy="428316"/>
-          </a:xfrm>
-          <a:prstGeom prst="rect">
-            <a:avLst/>
-          </a:prstGeom>
-        </p:spPr>
-        <p:style>
-          <a:lnRef idx="2">
-            <a:schemeClr val="accent4"/>
-          </a:lnRef>
-          <a:fillRef idx="1">
-            <a:schemeClr val="lt1"/>
-          </a:fillRef>
-          <a:effectRef idx="0">
-            <a:schemeClr val="accent4"/>
-          </a:effectRef>
-          <a:fontRef idx="minor">
-            <a:schemeClr val="dk1"/>
-          </a:fontRef>
-        </p:style>
-        <p:txBody>
-          <a:bodyPr rtlCol="0" anchor="ctr"/>
-          <a:lstStyle/>
-          <a:p>
-            <a:pPr algn="ctr"/>
-            <a:endParaRPr lang="en-IN" dirty="0"/>
-          </a:p>
-        </p:txBody>
-      </p:sp>
-      <p:sp>
-        <p:nvSpPr>
-          <p:cNvPr id="16" name="Rectangle 15"/>
-          <p:cNvSpPr/>
-          <p:nvPr/>
-        </p:nvSpPr>
-        <p:spPr>
-          <a:xfrm>
-            <a:off x="6545888" y="2553702"/>
-            <a:ext cx="1312609" cy="428316"/>
-          </a:xfrm>
-          <a:prstGeom prst="rect">
-            <a:avLst/>
-          </a:prstGeom>
-        </p:spPr>
-        <p:style>
-          <a:lnRef idx="2">
-            <a:schemeClr val="accent4"/>
-          </a:lnRef>
-          <a:fillRef idx="1">
-            <a:schemeClr val="lt1"/>
-          </a:fillRef>
-          <a:effectRef idx="0">
-            <a:schemeClr val="accent4"/>
-          </a:effectRef>
-          <a:fontRef idx="minor">
-            <a:schemeClr val="dk1"/>
-          </a:fontRef>
-        </p:style>
-        <p:txBody>
-          <a:bodyPr rtlCol="0" anchor="ctr"/>
-          <a:lstStyle/>
-          <a:p>
-            <a:pPr algn="ctr"/>
-            <a:endParaRPr lang="en-IN" dirty="0"/>
-          </a:p>
-        </p:txBody>
-      </p:sp>
-      <p:sp>
-        <p:nvSpPr>
-          <p:cNvPr id="17" name="Rounded Rectangle 16"/>
-          <p:cNvSpPr/>
-          <p:nvPr/>
-        </p:nvSpPr>
-        <p:spPr>
-          <a:xfrm>
-            <a:off x="5688748" y="3812963"/>
-            <a:ext cx="857140" cy="457200"/>
-          </a:xfrm>
-          <a:prstGeom prst="roundRect">
-            <a:avLst/>
-          </a:prstGeom>
-          <a:ln/>
-        </p:spPr>
-        <p:style>
-          <a:lnRef idx="2">
-            <a:schemeClr val="accent4">
-              <a:shade val="50000"/>
-            </a:schemeClr>
-          </a:lnRef>
-          <a:fillRef idx="1">
-            <a:schemeClr val="accent4"/>
-          </a:fillRef>
-          <a:effectRef idx="0">
-            <a:schemeClr val="accent4"/>
-          </a:effectRef>
-          <a:fontRef idx="minor">
-            <a:schemeClr val="lt1"/>
-          </a:fontRef>
-        </p:style>
-        <p:txBody>
-          <a:bodyPr rtlCol="0" anchor="ctr"/>
-          <a:lstStyle/>
-          <a:p>
-            <a:pPr algn="ctr"/>
-            <a:r>
-              <a:rPr lang="en-IN" dirty="0" smtClean="0">
-                <a:latin typeface="Calibri" panose="020F0502020204030204" pitchFamily="34" charset="0"/>
-              </a:rPr>
-              <a:t>Add</a:t>
-            </a:r>
-            <a:endParaRPr lang="en-IN" dirty="0">
-              <a:latin typeface="Calibri" panose="020F0502020204030204" pitchFamily="34" charset="0"/>
-            </a:endParaRPr>
-          </a:p>
-        </p:txBody>
-      </p:sp>
-      <p:sp>
-        <p:nvSpPr>
-          <p:cNvPr id="18" name="Rounded Rectangle 17"/>
-          <p:cNvSpPr/>
-          <p:nvPr/>
-        </p:nvSpPr>
-        <p:spPr>
-          <a:xfrm>
-            <a:off x="6821664" y="3810622"/>
-            <a:ext cx="857140" cy="457200"/>
-          </a:xfrm>
-          <a:prstGeom prst="roundRect">
-            <a:avLst/>
-          </a:prstGeom>
-          <a:ln/>
-        </p:spPr>
-        <p:style>
-          <a:lnRef idx="2">
-            <a:schemeClr val="accent4">
-              <a:shade val="50000"/>
-            </a:schemeClr>
-          </a:lnRef>
-          <a:fillRef idx="1">
-            <a:schemeClr val="accent4"/>
-          </a:fillRef>
-          <a:effectRef idx="0">
-            <a:schemeClr val="accent4"/>
-          </a:effectRef>
-          <a:fontRef idx="minor">
-            <a:schemeClr val="lt1"/>
-          </a:fontRef>
-        </p:style>
-        <p:txBody>
-          <a:bodyPr rtlCol="0" anchor="ctr"/>
-          <a:lstStyle/>
-          <a:p>
-            <a:pPr algn="ctr"/>
-            <a:r>
-              <a:rPr lang="en-IN" dirty="0" smtClean="0">
-                <a:latin typeface="Calibri" panose="020F0502020204030204" pitchFamily="34" charset="0"/>
-              </a:rPr>
-              <a:t>Cancel</a:t>
-            </a:r>
-            <a:endParaRPr lang="en-IN" dirty="0">
-              <a:latin typeface="Calibri" panose="020F0502020204030204" pitchFamily="34" charset="0"/>
-            </a:endParaRPr>
-          </a:p>
-        </p:txBody>
-      </p:sp>
-      <p:cxnSp>
-        <p:nvCxnSpPr>
-          <p:cNvPr id="5" name="Straight Arrow Connector 4"/>
-          <p:cNvCxnSpPr/>
-          <p:nvPr/>
-        </p:nvCxnSpPr>
-        <p:spPr>
-          <a:xfrm flipV="1">
-            <a:off x="7858496" y="2499266"/>
-            <a:ext cx="1285504" cy="288179"/>
-          </a:xfrm>
-          <a:prstGeom prst="straightConnector1">
-            <a:avLst/>
-          </a:prstGeom>
-          <a:ln>
-            <a:tailEnd type="triangle"/>
-          </a:ln>
-        </p:spPr>
-        <p:style>
-          <a:lnRef idx="1">
-            <a:schemeClr val="dk1"/>
-          </a:lnRef>
-          <a:fillRef idx="0">
-            <a:schemeClr val="dk1"/>
-          </a:fillRef>
-          <a:effectRef idx="0">
-            <a:schemeClr val="dk1"/>
-          </a:effectRef>
-          <a:fontRef idx="minor">
-            <a:schemeClr val="tx1"/>
-          </a:fontRef>
-        </p:style>
-      </p:cxnSp>
-      <p:sp>
-        <p:nvSpPr>
-          <p:cNvPr id="19" name="TextBox 18"/>
-          <p:cNvSpPr txBox="1"/>
-          <p:nvPr/>
-        </p:nvSpPr>
-        <p:spPr>
-          <a:xfrm>
-            <a:off x="9166015" y="2276254"/>
-            <a:ext cx="1329210" cy="369332"/>
-          </a:xfrm>
-          <a:prstGeom prst="rect">
-            <a:avLst/>
-          </a:prstGeom>
-          <a:noFill/>
-        </p:spPr>
-        <p:txBody>
-          <a:bodyPr wrap="none" rtlCol="0">
-            <a:spAutoFit/>
-          </a:bodyPr>
-          <a:lstStyle/>
-          <a:p>
-            <a:r>
-              <a:rPr lang="en-IN" dirty="0" smtClean="0">
-                <a:solidFill>
-                  <a:schemeClr val="bg1"/>
-                </a:solidFill>
-              </a:rPr>
-              <a:t>Date pickers</a:t>
-            </a:r>
-            <a:endParaRPr lang="en-IN" dirty="0">
-              <a:solidFill>
-                <a:schemeClr val="bg1"/>
-              </a:solidFill>
-            </a:endParaRPr>
-          </a:p>
-        </p:txBody>
-      </p:sp>
     </p:spTree>
     <p:extLst>
       <p:ext uri="{BB962C8B-B14F-4D97-AF65-F5344CB8AC3E}">
-        <p14:creationId xmlns:p14="http://schemas.microsoft.com/office/powerpoint/2010/main" val="1852143747"/>
+        <p14:creationId xmlns:p14="http://schemas.microsoft.com/office/powerpoint/2010/main" val="3748280770"/>
       </p:ext>
     </p:extLst>
   </p:cSld>
@@ -27090,797 +28122,6 @@
       </p:par>
     </p:tnLst>
   </p:timing>
-</p:sld>
-</file>
-
-<file path=ppt/slides/slide44.xml><?xml version="1.0" encoding="utf-8"?>
-<p:sld xmlns:a="http://schemas.openxmlformats.org/drawingml/2006/main" xmlns:r="http://schemas.openxmlformats.org/officeDocument/2006/relationships" xmlns:p="http://schemas.openxmlformats.org/presentationml/2006/main">
-  <p:cSld>
-    <p:spTree>
-      <p:nvGrpSpPr>
-        <p:cNvPr id="1" name=""/>
-        <p:cNvGrpSpPr/>
-        <p:nvPr/>
-      </p:nvGrpSpPr>
-      <p:grpSpPr>
-        <a:xfrm>
-          <a:off x="0" y="0"/>
-          <a:ext cx="0" cy="0"/>
-          <a:chOff x="0" y="0"/>
-          <a:chExt cx="0" cy="0"/>
-        </a:xfrm>
-      </p:grpSpPr>
-      <p:sp>
-        <p:nvSpPr>
-          <p:cNvPr id="2" name="Title 1"/>
-          <p:cNvSpPr>
-            <a:spLocks noGrp="1"/>
-          </p:cNvSpPr>
-          <p:nvPr>
-            <p:ph type="title"/>
-          </p:nvPr>
-        </p:nvSpPr>
-        <p:spPr/>
-        <p:txBody>
-          <a:bodyPr/>
-          <a:lstStyle/>
-          <a:p>
-            <a:r>
-              <a:rPr lang="en-IN" dirty="0" smtClean="0"/>
-              <a:t>On click of manage holiday – delete holiday</a:t>
-            </a:r>
-            <a:endParaRPr lang="en-IN" dirty="0"/>
-          </a:p>
-        </p:txBody>
-      </p:sp>
-      <p:sp>
-        <p:nvSpPr>
-          <p:cNvPr id="3" name="Rectangle 2"/>
-          <p:cNvSpPr/>
-          <p:nvPr/>
-        </p:nvSpPr>
-        <p:spPr>
-          <a:xfrm>
-            <a:off x="4121237" y="794441"/>
-            <a:ext cx="3966693" cy="5902573"/>
-          </a:xfrm>
-          <a:prstGeom prst="rect">
-            <a:avLst/>
-          </a:prstGeom>
-          <a:solidFill>
-            <a:schemeClr val="tx1">
-              <a:lumMod val="85000"/>
-            </a:schemeClr>
-          </a:solidFill>
-        </p:spPr>
-        <p:style>
-          <a:lnRef idx="2">
-            <a:schemeClr val="accent6"/>
-          </a:lnRef>
-          <a:fillRef idx="1">
-            <a:schemeClr val="lt1"/>
-          </a:fillRef>
-          <a:effectRef idx="0">
-            <a:schemeClr val="accent6"/>
-          </a:effectRef>
-          <a:fontRef idx="minor">
-            <a:schemeClr val="dk1"/>
-          </a:fontRef>
-        </p:style>
-        <p:txBody>
-          <a:bodyPr rtlCol="0" anchor="ctr"/>
-          <a:lstStyle/>
-          <a:p>
-            <a:pPr algn="ctr"/>
-            <a:endParaRPr lang="en-IN" dirty="0">
-              <a:latin typeface="Calibri" panose="020F0502020204030204" pitchFamily="34" charset="0"/>
-            </a:endParaRPr>
-          </a:p>
-        </p:txBody>
-      </p:sp>
-      <p:sp>
-        <p:nvSpPr>
-          <p:cNvPr id="4" name="Rectangle 3"/>
-          <p:cNvSpPr/>
-          <p:nvPr/>
-        </p:nvSpPr>
-        <p:spPr>
-          <a:xfrm>
-            <a:off x="4121237" y="794441"/>
-            <a:ext cx="3966693" cy="441931"/>
-          </a:xfrm>
-          <a:prstGeom prst="rect">
-            <a:avLst/>
-          </a:prstGeom>
-          <a:ln/>
-        </p:spPr>
-        <p:style>
-          <a:lnRef idx="2">
-            <a:schemeClr val="accent4">
-              <a:shade val="50000"/>
-            </a:schemeClr>
-          </a:lnRef>
-          <a:fillRef idx="1">
-            <a:schemeClr val="accent4"/>
-          </a:fillRef>
-          <a:effectRef idx="0">
-            <a:schemeClr val="accent4"/>
-          </a:effectRef>
-          <a:fontRef idx="minor">
-            <a:schemeClr val="lt1"/>
-          </a:fontRef>
-        </p:style>
-        <p:txBody>
-          <a:bodyPr rtlCol="0" anchor="ctr"/>
-          <a:lstStyle/>
-          <a:p>
-            <a:pPr algn="ctr"/>
-            <a:r>
-              <a:rPr lang="en-IN" dirty="0" smtClean="0">
-                <a:solidFill>
-                  <a:schemeClr val="bg1"/>
-                </a:solidFill>
-                <a:latin typeface="Calibri" panose="020F0502020204030204" pitchFamily="34" charset="0"/>
-              </a:rPr>
-              <a:t>Holidays</a:t>
-            </a:r>
-            <a:r>
-              <a:rPr lang="en-IN" dirty="0" smtClean="0">
-                <a:solidFill>
-                  <a:schemeClr val="bg1"/>
-                </a:solidFill>
-                <a:latin typeface="Calibri" panose="020F0502020204030204" pitchFamily="34" charset="0"/>
-              </a:rPr>
-              <a:t>			                :	</a:t>
-            </a:r>
-            <a:endParaRPr lang="en-IN" dirty="0">
-              <a:solidFill>
-                <a:schemeClr val="bg1"/>
-              </a:solidFill>
-              <a:latin typeface="Calibri" panose="020F0502020204030204" pitchFamily="34" charset="0"/>
-            </a:endParaRPr>
-          </a:p>
-        </p:txBody>
-      </p:sp>
-      <p:graphicFrame>
-        <p:nvGraphicFramePr>
-          <p:cNvPr id="5" name="Table 4"/>
-          <p:cNvGraphicFramePr>
-            <a:graphicFrameLocks noGrp="1"/>
-          </p:cNvGraphicFramePr>
-          <p:nvPr>
-            <p:extLst>
-              <p:ext uri="{D42A27DB-BD31-4B8C-83A1-F6EECF244321}">
-                <p14:modId xmlns:p14="http://schemas.microsoft.com/office/powerpoint/2010/main" val="2043808662"/>
-              </p:ext>
-            </p:extLst>
-          </p:nvPr>
-        </p:nvGraphicFramePr>
-        <p:xfrm>
-          <a:off x="4121236" y="1519086"/>
-          <a:ext cx="3966693" cy="2435211"/>
-        </p:xfrm>
-        <a:graphic>
-          <a:graphicData uri="http://schemas.openxmlformats.org/drawingml/2006/table">
-            <a:tbl>
-              <a:tblPr firstRow="1" bandRow="1">
-                <a:tableStyleId>{ED083AE6-46FA-4A59-8FB0-9F97EB10719F}</a:tableStyleId>
-              </a:tblPr>
-              <a:tblGrid>
-                <a:gridCol w="1601138"/>
-                <a:gridCol w="2365555"/>
-              </a:tblGrid>
-              <a:tr h="768667">
-                <a:tc>
-                  <a:txBody>
-                    <a:bodyPr/>
-                    <a:lstStyle/>
-                    <a:p>
-                      <a:r>
-                        <a:rPr lang="en-IN" dirty="0" smtClean="0">
-                          <a:solidFill>
-                            <a:schemeClr val="bg1"/>
-                          </a:solidFill>
-                        </a:rPr>
-                        <a:t>Holiday</a:t>
-                      </a:r>
-                      <a:endParaRPr lang="en-IN" dirty="0">
-                        <a:solidFill>
-                          <a:schemeClr val="bg1"/>
-                        </a:solidFill>
-                      </a:endParaRPr>
-                    </a:p>
-                  </a:txBody>
-                  <a:tcPr/>
-                </a:tc>
-                <a:tc>
-                  <a:txBody>
-                    <a:bodyPr/>
-                    <a:lstStyle/>
-                    <a:p>
-                      <a:r>
-                        <a:rPr lang="en-IN" dirty="0" smtClean="0">
-                          <a:solidFill>
-                            <a:schemeClr val="bg1"/>
-                          </a:solidFill>
-                        </a:rPr>
-                        <a:t>Dates</a:t>
-                      </a:r>
-                      <a:endParaRPr lang="en-IN" dirty="0">
-                        <a:solidFill>
-                          <a:schemeClr val="bg1"/>
-                        </a:solidFill>
-                      </a:endParaRPr>
-                    </a:p>
-                  </a:txBody>
-                  <a:tcPr/>
-                </a:tc>
-              </a:tr>
-              <a:tr h="513232">
-                <a:tc>
-                  <a:txBody>
-                    <a:bodyPr/>
-                    <a:lstStyle/>
-                    <a:p>
-                      <a:pPr marL="0" marR="0" indent="0" algn="l" defTabSz="457200" rtl="0" eaLnBrk="1" fontAlgn="auto" latinLnBrk="0" hangingPunct="1">
-                        <a:lnSpc>
-                          <a:spcPct val="100000"/>
-                        </a:lnSpc>
-                        <a:spcBef>
-                          <a:spcPts val="0"/>
-                        </a:spcBef>
-                        <a:spcAft>
-                          <a:spcPts val="0"/>
-                        </a:spcAft>
-                        <a:buClrTx/>
-                        <a:buSzTx/>
-                        <a:buFontTx/>
-                        <a:buNone/>
-                        <a:tabLst/>
-                        <a:defRPr/>
-                      </a:pPr>
-                      <a:r>
-                        <a:rPr lang="en-IN" dirty="0" smtClean="0">
-                          <a:solidFill>
-                            <a:schemeClr val="bg1"/>
-                          </a:solidFill>
-                        </a:rPr>
-                        <a:t>Labour day</a:t>
-                      </a:r>
-                      <a:endParaRPr lang="en-IN" dirty="0" smtClean="0">
-                        <a:solidFill>
-                          <a:schemeClr val="bg1"/>
-                        </a:solidFill>
-                      </a:endParaRPr>
-                    </a:p>
-                  </a:txBody>
-                  <a:tcPr/>
-                </a:tc>
-                <a:tc>
-                  <a:txBody>
-                    <a:bodyPr/>
-                    <a:lstStyle/>
-                    <a:p>
-                      <a:r>
-                        <a:rPr lang="en-IN" dirty="0" smtClean="0">
-                          <a:solidFill>
-                            <a:schemeClr val="bg1"/>
-                          </a:solidFill>
-                        </a:rPr>
-                        <a:t>09/07/2015</a:t>
-                      </a:r>
-                      <a:endParaRPr lang="en-IN" dirty="0">
-                        <a:solidFill>
-                          <a:schemeClr val="bg1"/>
-                        </a:solidFill>
-                      </a:endParaRPr>
-                    </a:p>
-                  </a:txBody>
-                  <a:tcPr/>
-                </a:tc>
-              </a:tr>
-              <a:tr h="513232">
-                <a:tc>
-                  <a:txBody>
-                    <a:bodyPr/>
-                    <a:lstStyle/>
-                    <a:p>
-                      <a:pPr marL="0" marR="0" indent="0" algn="l" defTabSz="457200" rtl="0" eaLnBrk="1" fontAlgn="auto" latinLnBrk="0" hangingPunct="1">
-                        <a:lnSpc>
-                          <a:spcPct val="100000"/>
-                        </a:lnSpc>
-                        <a:spcBef>
-                          <a:spcPts val="0"/>
-                        </a:spcBef>
-                        <a:spcAft>
-                          <a:spcPts val="0"/>
-                        </a:spcAft>
-                        <a:buClrTx/>
-                        <a:buSzTx/>
-                        <a:buFontTx/>
-                        <a:buNone/>
-                        <a:tabLst/>
-                        <a:defRPr/>
-                      </a:pPr>
-                      <a:r>
-                        <a:rPr lang="en-IN" dirty="0" smtClean="0">
-                          <a:solidFill>
-                            <a:schemeClr val="bg1"/>
-                          </a:solidFill>
-                        </a:rPr>
-                        <a:t>Fall</a:t>
-                      </a:r>
-                      <a:r>
-                        <a:rPr lang="en-IN" baseline="0" dirty="0" smtClean="0">
-                          <a:solidFill>
-                            <a:schemeClr val="bg1"/>
-                          </a:solidFill>
-                        </a:rPr>
-                        <a:t> break</a:t>
-                      </a:r>
-                      <a:endParaRPr lang="en-IN" dirty="0" smtClean="0">
-                        <a:solidFill>
-                          <a:schemeClr val="bg1"/>
-                        </a:solidFill>
-                      </a:endParaRPr>
-                    </a:p>
-                  </a:txBody>
-                  <a:tcPr/>
-                </a:tc>
-                <a:tc>
-                  <a:txBody>
-                    <a:bodyPr/>
-                    <a:lstStyle/>
-                    <a:p>
-                      <a:r>
-                        <a:rPr lang="en-IN" dirty="0" smtClean="0">
-                          <a:solidFill>
-                            <a:schemeClr val="bg1"/>
-                          </a:solidFill>
-                        </a:rPr>
-                        <a:t>10/15/2015</a:t>
-                      </a:r>
-                      <a:r>
-                        <a:rPr lang="en-IN" baseline="0" dirty="0" smtClean="0">
-                          <a:solidFill>
-                            <a:schemeClr val="bg1"/>
-                          </a:solidFill>
-                        </a:rPr>
-                        <a:t> – 10/22/2015</a:t>
-                      </a:r>
-                      <a:endParaRPr lang="en-IN" dirty="0">
-                        <a:solidFill>
-                          <a:schemeClr val="bg1"/>
-                        </a:solidFill>
-                      </a:endParaRPr>
-                    </a:p>
-                  </a:txBody>
-                  <a:tcPr/>
-                </a:tc>
-              </a:tr>
-              <a:tr h="513232">
-                <a:tc>
-                  <a:txBody>
-                    <a:bodyPr/>
-                    <a:lstStyle/>
-                    <a:p>
-                      <a:pPr marL="0" marR="0" indent="0" algn="l" defTabSz="457200" rtl="0" eaLnBrk="1" fontAlgn="auto" latinLnBrk="0" hangingPunct="1">
-                        <a:lnSpc>
-                          <a:spcPct val="100000"/>
-                        </a:lnSpc>
-                        <a:spcBef>
-                          <a:spcPts val="0"/>
-                        </a:spcBef>
-                        <a:spcAft>
-                          <a:spcPts val="0"/>
-                        </a:spcAft>
-                        <a:buClrTx/>
-                        <a:buSzTx/>
-                        <a:buFontTx/>
-                        <a:buNone/>
-                        <a:tabLst/>
-                        <a:defRPr/>
-                      </a:pPr>
-                      <a:r>
-                        <a:rPr lang="en-IN" dirty="0" smtClean="0">
-                          <a:solidFill>
-                            <a:schemeClr val="bg1"/>
-                          </a:solidFill>
-                        </a:rPr>
-                        <a:t>Christmas</a:t>
-                      </a:r>
-                      <a:endParaRPr lang="en-IN" dirty="0" smtClean="0">
-                        <a:solidFill>
-                          <a:schemeClr val="bg1"/>
-                        </a:solidFill>
-                      </a:endParaRPr>
-                    </a:p>
-                  </a:txBody>
-                  <a:tcPr/>
-                </a:tc>
-                <a:tc>
-                  <a:txBody>
-                    <a:bodyPr/>
-                    <a:lstStyle/>
-                    <a:p>
-                      <a:r>
-                        <a:rPr lang="en-IN" dirty="0" smtClean="0">
-                          <a:solidFill>
-                            <a:schemeClr val="bg1"/>
-                          </a:solidFill>
-                        </a:rPr>
-                        <a:t>12/25/2015</a:t>
-                      </a:r>
-                      <a:endParaRPr lang="en-IN" dirty="0">
-                        <a:solidFill>
-                          <a:schemeClr val="bg1"/>
-                        </a:solidFill>
-                      </a:endParaRPr>
-                    </a:p>
-                  </a:txBody>
-                  <a:tcPr/>
-                </a:tc>
-              </a:tr>
-            </a:tbl>
-          </a:graphicData>
-        </a:graphic>
-      </p:graphicFrame>
-      <p:pic>
-        <p:nvPicPr>
-          <p:cNvPr id="8" name="Picture 7"/>
-          <p:cNvPicPr>
-            <a:picLocks noChangeAspect="1"/>
-          </p:cNvPicPr>
-          <p:nvPr/>
-        </p:nvPicPr>
-        <p:blipFill>
-          <a:blip r:embed="rId2">
-            <a:extLst>
-              <a:ext uri="{28A0092B-C50C-407E-A947-70E740481C1C}">
-                <a14:useLocalDpi xmlns:a14="http://schemas.microsoft.com/office/drawing/2010/main" val="0"/>
-              </a:ext>
-            </a:extLst>
-          </a:blip>
-          <a:stretch>
-            <a:fillRect/>
-          </a:stretch>
-        </p:blipFill>
-        <p:spPr>
-          <a:xfrm>
-            <a:off x="7182952" y="2265676"/>
-            <a:ext cx="457200" cy="457200"/>
-          </a:xfrm>
-          <a:prstGeom prst="rect">
-            <a:avLst/>
-          </a:prstGeom>
-        </p:spPr>
-      </p:pic>
-      <p:pic>
-        <p:nvPicPr>
-          <p:cNvPr id="9" name="Picture 8"/>
-          <p:cNvPicPr>
-            <a:picLocks noChangeAspect="1"/>
-          </p:cNvPicPr>
-          <p:nvPr/>
-        </p:nvPicPr>
-        <p:blipFill>
-          <a:blip r:embed="rId3">
-            <a:extLst>
-              <a:ext uri="{28A0092B-C50C-407E-A947-70E740481C1C}">
-                <a14:useLocalDpi xmlns:a14="http://schemas.microsoft.com/office/drawing/2010/main" val="0"/>
-              </a:ext>
-            </a:extLst>
-          </a:blip>
-          <a:stretch>
-            <a:fillRect/>
-          </a:stretch>
-        </p:blipFill>
-        <p:spPr>
-          <a:xfrm>
-            <a:off x="7601230" y="2262570"/>
-            <a:ext cx="457200" cy="457200"/>
-          </a:xfrm>
-          <a:prstGeom prst="rect">
-            <a:avLst/>
-          </a:prstGeom>
-        </p:spPr>
-      </p:pic>
-      <p:pic>
-        <p:nvPicPr>
-          <p:cNvPr id="10" name="Picture 9"/>
-          <p:cNvPicPr>
-            <a:picLocks noChangeAspect="1"/>
-          </p:cNvPicPr>
-          <p:nvPr/>
-        </p:nvPicPr>
-        <p:blipFill>
-          <a:blip r:embed="rId2">
-            <a:extLst>
-              <a:ext uri="{28A0092B-C50C-407E-A947-70E740481C1C}">
-                <a14:useLocalDpi xmlns:a14="http://schemas.microsoft.com/office/drawing/2010/main" val="0"/>
-              </a:ext>
-            </a:extLst>
-          </a:blip>
-          <a:stretch>
-            <a:fillRect/>
-          </a:stretch>
-        </p:blipFill>
-        <p:spPr>
-          <a:xfrm>
-            <a:off x="7144030" y="2876727"/>
-            <a:ext cx="457200" cy="457200"/>
-          </a:xfrm>
-          <a:prstGeom prst="rect">
-            <a:avLst/>
-          </a:prstGeom>
-        </p:spPr>
-      </p:pic>
-      <p:pic>
-        <p:nvPicPr>
-          <p:cNvPr id="11" name="Picture 10"/>
-          <p:cNvPicPr>
-            <a:picLocks noChangeAspect="1"/>
-          </p:cNvPicPr>
-          <p:nvPr/>
-        </p:nvPicPr>
-        <p:blipFill>
-          <a:blip r:embed="rId3">
-            <a:extLst>
-              <a:ext uri="{28A0092B-C50C-407E-A947-70E740481C1C}">
-                <a14:useLocalDpi xmlns:a14="http://schemas.microsoft.com/office/drawing/2010/main" val="0"/>
-              </a:ext>
-            </a:extLst>
-          </a:blip>
-          <a:stretch>
-            <a:fillRect/>
-          </a:stretch>
-        </p:blipFill>
-        <p:spPr>
-          <a:xfrm>
-            <a:off x="7562308" y="2873621"/>
-            <a:ext cx="457200" cy="457200"/>
-          </a:xfrm>
-          <a:prstGeom prst="rect">
-            <a:avLst/>
-          </a:prstGeom>
-        </p:spPr>
-      </p:pic>
-      <p:pic>
-        <p:nvPicPr>
-          <p:cNvPr id="12" name="Picture 11"/>
-          <p:cNvPicPr>
-            <a:picLocks noChangeAspect="1"/>
-          </p:cNvPicPr>
-          <p:nvPr/>
-        </p:nvPicPr>
-        <p:blipFill>
-          <a:blip r:embed="rId2">
-            <a:extLst>
-              <a:ext uri="{28A0092B-C50C-407E-A947-70E740481C1C}">
-                <a14:useLocalDpi xmlns:a14="http://schemas.microsoft.com/office/drawing/2010/main" val="0"/>
-              </a:ext>
-            </a:extLst>
-          </a:blip>
-          <a:stretch>
-            <a:fillRect/>
-          </a:stretch>
-        </p:blipFill>
-        <p:spPr>
-          <a:xfrm>
-            <a:off x="7144030" y="3481566"/>
-            <a:ext cx="457200" cy="457200"/>
-          </a:xfrm>
-          <a:prstGeom prst="rect">
-            <a:avLst/>
-          </a:prstGeom>
-        </p:spPr>
-      </p:pic>
-      <p:pic>
-        <p:nvPicPr>
-          <p:cNvPr id="13" name="Picture 12"/>
-          <p:cNvPicPr>
-            <a:picLocks noChangeAspect="1"/>
-          </p:cNvPicPr>
-          <p:nvPr/>
-        </p:nvPicPr>
-        <p:blipFill>
-          <a:blip r:embed="rId3">
-            <a:extLst>
-              <a:ext uri="{28A0092B-C50C-407E-A947-70E740481C1C}">
-                <a14:useLocalDpi xmlns:a14="http://schemas.microsoft.com/office/drawing/2010/main" val="0"/>
-              </a:ext>
-            </a:extLst>
-          </a:blip>
-          <a:stretch>
-            <a:fillRect/>
-          </a:stretch>
-        </p:blipFill>
-        <p:spPr>
-          <a:xfrm>
-            <a:off x="7562308" y="3478460"/>
-            <a:ext cx="457200" cy="457200"/>
-          </a:xfrm>
-          <a:prstGeom prst="rect">
-            <a:avLst/>
-          </a:prstGeom>
-        </p:spPr>
-      </p:pic>
-      <p:sp>
-        <p:nvSpPr>
-          <p:cNvPr id="14" name="TextBox 13"/>
-          <p:cNvSpPr txBox="1"/>
-          <p:nvPr/>
-        </p:nvSpPr>
-        <p:spPr>
-          <a:xfrm>
-            <a:off x="4701187" y="3008511"/>
-            <a:ext cx="2920668" cy="1415772"/>
-          </a:xfrm>
-          <a:prstGeom prst="rect">
-            <a:avLst/>
-          </a:prstGeom>
-          <a:ln/>
-        </p:spPr>
-        <p:style>
-          <a:lnRef idx="2">
-            <a:schemeClr val="accent4"/>
-          </a:lnRef>
-          <a:fillRef idx="1">
-            <a:schemeClr val="lt1"/>
-          </a:fillRef>
-          <a:effectRef idx="0">
-            <a:schemeClr val="accent4"/>
-          </a:effectRef>
-          <a:fontRef idx="minor">
-            <a:schemeClr val="dk1"/>
-          </a:fontRef>
-        </p:style>
-        <p:txBody>
-          <a:bodyPr wrap="square" rtlCol="0">
-            <a:spAutoFit/>
-          </a:bodyPr>
-          <a:lstStyle/>
-          <a:p>
-            <a:r>
-              <a:rPr lang="en-IN" dirty="0" smtClean="0">
-                <a:solidFill>
-                  <a:schemeClr val="bg1"/>
-                </a:solidFill>
-              </a:rPr>
-              <a:t>Are you sure you want to delete this holiday?</a:t>
-            </a:r>
-          </a:p>
-          <a:p>
-            <a:endParaRPr lang="en-IN" sz="1400" dirty="0" smtClean="0">
-              <a:solidFill>
-                <a:schemeClr val="bg1"/>
-              </a:solidFill>
-            </a:endParaRPr>
-          </a:p>
-          <a:p>
-            <a:endParaRPr lang="en-IN" dirty="0">
-              <a:solidFill>
-                <a:schemeClr val="bg1"/>
-              </a:solidFill>
-            </a:endParaRPr>
-          </a:p>
-          <a:p>
-            <a:endParaRPr lang="en-IN" dirty="0">
-              <a:solidFill>
-                <a:schemeClr val="bg1"/>
-              </a:solidFill>
-            </a:endParaRPr>
-          </a:p>
-        </p:txBody>
-      </p:sp>
-      <p:sp>
-        <p:nvSpPr>
-          <p:cNvPr id="15" name="Rounded Rectangle 14"/>
-          <p:cNvSpPr/>
-          <p:nvPr/>
-        </p:nvSpPr>
-        <p:spPr>
-          <a:xfrm>
-            <a:off x="5175932" y="3778738"/>
-            <a:ext cx="857140" cy="457200"/>
-          </a:xfrm>
-          <a:prstGeom prst="roundRect">
-            <a:avLst/>
-          </a:prstGeom>
-          <a:ln/>
-        </p:spPr>
-        <p:style>
-          <a:lnRef idx="2">
-            <a:schemeClr val="accent4">
-              <a:shade val="50000"/>
-            </a:schemeClr>
-          </a:lnRef>
-          <a:fillRef idx="1">
-            <a:schemeClr val="accent4"/>
-          </a:fillRef>
-          <a:effectRef idx="0">
-            <a:schemeClr val="accent4"/>
-          </a:effectRef>
-          <a:fontRef idx="minor">
-            <a:schemeClr val="lt1"/>
-          </a:fontRef>
-        </p:style>
-        <p:txBody>
-          <a:bodyPr rtlCol="0" anchor="ctr"/>
-          <a:lstStyle/>
-          <a:p>
-            <a:pPr algn="ctr"/>
-            <a:r>
-              <a:rPr lang="en-IN" dirty="0" smtClean="0">
-                <a:latin typeface="Calibri" panose="020F0502020204030204" pitchFamily="34" charset="0"/>
-              </a:rPr>
-              <a:t>Yes</a:t>
-            </a:r>
-            <a:endParaRPr lang="en-IN" dirty="0">
-              <a:latin typeface="Calibri" panose="020F0502020204030204" pitchFamily="34" charset="0"/>
-            </a:endParaRPr>
-          </a:p>
-        </p:txBody>
-      </p:sp>
-      <p:sp>
-        <p:nvSpPr>
-          <p:cNvPr id="16" name="Rounded Rectangle 15"/>
-          <p:cNvSpPr/>
-          <p:nvPr/>
-        </p:nvSpPr>
-        <p:spPr>
-          <a:xfrm>
-            <a:off x="6353505" y="3772946"/>
-            <a:ext cx="857140" cy="457200"/>
-          </a:xfrm>
-          <a:prstGeom prst="roundRect">
-            <a:avLst/>
-          </a:prstGeom>
-          <a:ln/>
-        </p:spPr>
-        <p:style>
-          <a:lnRef idx="2">
-            <a:schemeClr val="accent4">
-              <a:shade val="50000"/>
-            </a:schemeClr>
-          </a:lnRef>
-          <a:fillRef idx="1">
-            <a:schemeClr val="accent4"/>
-          </a:fillRef>
-          <a:effectRef idx="0">
-            <a:schemeClr val="accent4"/>
-          </a:effectRef>
-          <a:fontRef idx="minor">
-            <a:schemeClr val="lt1"/>
-          </a:fontRef>
-        </p:style>
-        <p:txBody>
-          <a:bodyPr rtlCol="0" anchor="ctr"/>
-          <a:lstStyle/>
-          <a:p>
-            <a:pPr algn="ctr"/>
-            <a:r>
-              <a:rPr lang="en-IN" dirty="0" smtClean="0">
-                <a:latin typeface="Calibri" panose="020F0502020204030204" pitchFamily="34" charset="0"/>
-              </a:rPr>
-              <a:t>No</a:t>
-            </a:r>
-            <a:endParaRPr lang="en-IN" dirty="0">
-              <a:latin typeface="Calibri" panose="020F0502020204030204" pitchFamily="34" charset="0"/>
-            </a:endParaRPr>
-          </a:p>
-        </p:txBody>
-      </p:sp>
-    </p:spTree>
-    <p:extLst>
-      <p:ext uri="{BB962C8B-B14F-4D97-AF65-F5344CB8AC3E}">
-        <p14:creationId xmlns:p14="http://schemas.microsoft.com/office/powerpoint/2010/main" val="3748280770"/>
-      </p:ext>
-    </p:extLst>
-  </p:cSld>
-  <p:clrMapOvr>
-    <a:masterClrMapping/>
-  </p:clrMapOvr>
 </p:sld>
 </file>
 
@@ -27918,11 +28159,11 @@
           <a:p>
             <a:r>
               <a:rPr lang="en-IN" dirty="0" smtClean="0"/>
-              <a:t>On click of </a:t>
+              <a:t>On click of Manage holidays – </a:t>
             </a:r>
             <a:r>
               <a:rPr lang="en-IN" dirty="0" smtClean="0"/>
-              <a:t>Manage holidays – add holiday</a:t>
+              <a:t>edit holiday</a:t>
             </a:r>
             <a:endParaRPr lang="en-IN" dirty="0"/>
           </a:p>
@@ -28061,7 +28302,16 @@
                 </a:solidFill>
                 <a:latin typeface="Calibri" panose="020F0502020204030204" pitchFamily="34" charset="0"/>
               </a:rPr>
-              <a:t>Reports			                :	</a:t>
+              <a:t>Holidays</a:t>
+            </a:r>
+            <a:r>
+              <a:rPr lang="en-IN" dirty="0" smtClean="0">
+                <a:solidFill>
+                  <a:schemeClr val="bg1"/>
+                </a:solidFill>
+                <a:latin typeface="Calibri" panose="020F0502020204030204" pitchFamily="34" charset="0"/>
+              </a:rPr>
+              <a:t>			                :	</a:t>
             </a:r>
             <a:endParaRPr lang="en-IN" dirty="0">
               <a:solidFill>
@@ -28303,7 +28553,7 @@
         </p:nvSpPr>
         <p:spPr>
           <a:xfrm>
-            <a:off x="5688748" y="3812963"/>
+            <a:off x="6918890" y="3876784"/>
             <a:ext cx="857140" cy="457200"/>
           </a:xfrm>
           <a:prstGeom prst="roundRect">
@@ -28336,56 +28586,7 @@
               <a:rPr lang="en-IN" dirty="0" smtClean="0">
                 <a:latin typeface="Calibri" panose="020F0502020204030204" pitchFamily="34" charset="0"/>
               </a:rPr>
-              <a:t>Add</a:t>
-            </a:r>
-            <a:endParaRPr lang="en-IN" dirty="0">
-              <a:latin typeface="Calibri" panose="020F0502020204030204" pitchFamily="34" charset="0"/>
-            </a:endParaRPr>
-          </a:p>
-        </p:txBody>
-      </p:sp>
-      <p:sp>
-        <p:nvSpPr>
-          <p:cNvPr id="18" name="Rounded Rectangle 17"/>
-          <p:cNvSpPr/>
-          <p:nvPr/>
-        </p:nvSpPr>
-        <p:spPr>
-          <a:xfrm>
-            <a:off x="6821664" y="3810622"/>
-            <a:ext cx="857140" cy="457200"/>
-          </a:xfrm>
-          <a:prstGeom prst="roundRect">
-            <a:avLst/>
-          </a:prstGeom>
-          <a:ln/>
-        </p:spPr>
-        <p:style>
-          <a:lnRef idx="2">
-            <a:schemeClr val="accent4">
-              <a:shade val="50000"/>
-            </a:schemeClr>
-          </a:lnRef>
-          <a:fillRef idx="1">
-            <a:schemeClr val="accent4"/>
-          </a:fillRef>
-          <a:effectRef idx="0">
-            <a:schemeClr val="accent4"/>
-          </a:effectRef>
-          <a:fontRef idx="minor">
-            <a:schemeClr val="lt1"/>
-          </a:fontRef>
-        </p:style>
-        <p:txBody>
-          <a:bodyPr rtlCol="0" anchor="ctr"/>
-          <a:lstStyle/>
-          <a:p>
-            <a:pPr algn="ctr"/>
-            <a:r>
-              <a:rPr lang="en-IN" dirty="0" smtClean="0">
-                <a:latin typeface="Calibri" panose="020F0502020204030204" pitchFamily="34" charset="0"/>
-              </a:rPr>
-              <a:t>Cancel</a:t>
+              <a:t>Ok</a:t>
             </a:r>
             <a:endParaRPr lang="en-IN" dirty="0">
               <a:latin typeface="Calibri" panose="020F0502020204030204" pitchFamily="34" charset="0"/>
@@ -28463,6 +28664,13 @@
   <p:clrMapOvr>
     <a:masterClrMapping/>
   </p:clrMapOvr>
+  <p:timing>
+    <p:tnLst>
+      <p:par>
+        <p:cTn id="1" dur="indefinite" restart="never" nodeType="tmRoot"/>
+      </p:par>
+    </p:tnLst>
+  </p:timing>
 </p:sld>
 </file>
 
@@ -28551,7 +28759,6 @@
               <a:rPr lang="en-IN" sz="2400" dirty="0"/>
               <a:t>and reports.</a:t>
             </a:r>
-            <a:endParaRPr lang="en-IN" sz="2400" dirty="0"/>
           </a:p>
         </p:txBody>
       </p:sp>
@@ -28609,11 +28816,7 @@
           <a:p>
             <a:r>
               <a:rPr lang="en-IN" dirty="0" smtClean="0"/>
-              <a:t>Student Home </a:t>
-            </a:r>
-            <a:r>
-              <a:rPr lang="en-IN" dirty="0" smtClean="0"/>
-              <a:t>screen (after login)</a:t>
+              <a:t>Student Home screen (after login)</a:t>
             </a:r>
             <a:endParaRPr lang="en-IN" dirty="0"/>
           </a:p>
@@ -28811,13 +29014,7 @@
                 <a:rPr lang="en-IN" dirty="0" smtClean="0">
                   <a:latin typeface="Calibri" panose="020F0502020204030204" pitchFamily="34" charset="0"/>
                 </a:rPr>
-                <a:t>Fill </a:t>
-              </a:r>
-              <a:r>
-                <a:rPr lang="en-IN" dirty="0" smtClean="0">
-                  <a:latin typeface="Calibri" panose="020F0502020204030204" pitchFamily="34" charset="0"/>
-                </a:rPr>
-                <a:t>attendance</a:t>
+                <a:t>Fill attendance</a:t>
               </a:r>
               <a:endParaRPr lang="en-IN" dirty="0">
                 <a:latin typeface="Calibri" panose="020F0502020204030204" pitchFamily="34" charset="0"/>
@@ -28928,6 +29125,13 @@
   <p:clrMapOvr>
     <a:masterClrMapping/>
   </p:clrMapOvr>
+  <p:timing>
+    <p:tnLst>
+      <p:par>
+        <p:cTn id="1" dur="indefinite" restart="never" nodeType="tmRoot"/>
+      </p:par>
+    </p:tnLst>
+  </p:timing>
 </p:sld>
 </file>
 
@@ -29057,12 +29261,25 @@
         </p:nvSpPr>
         <p:spPr/>
         <p:txBody>
-          <a:bodyPr/>
+          <a:bodyPr>
+            <a:scene3d>
+              <a:camera prst="orthographicFront"/>
+              <a:lightRig rig="harsh" dir="t"/>
+            </a:scene3d>
+            <a:sp3d extrusionH="57150" prstMaterial="matte">
+              <a:bevelT w="63500" h="12700" prst="angle"/>
+              <a:contourClr>
+                <a:schemeClr val="bg1">
+                  <a:lumMod val="65000"/>
+                </a:schemeClr>
+              </a:contourClr>
+            </a:sp3d>
+          </a:bodyPr>
           <a:lstStyle/>
           <a:p>
             <a:r>
               <a:rPr lang="en-IN" dirty="0" smtClean="0"/>
-              <a:t>New user registration</a:t>
+              <a:t> Login prompt – home screen without login</a:t>
             </a:r>
             <a:endParaRPr lang="en-IN" dirty="0"/>
           </a:p>
@@ -29070,13 +29287,13 @@
       </p:sp>
       <p:sp>
         <p:nvSpPr>
-          <p:cNvPr id="14" name="Rectangle 13"/>
+          <p:cNvPr id="4" name="Rectangle 3"/>
           <p:cNvSpPr/>
           <p:nvPr/>
         </p:nvSpPr>
         <p:spPr>
           <a:xfrm>
-            <a:off x="4121237" y="794441"/>
+            <a:off x="4121237" y="882929"/>
             <a:ext cx="3966693" cy="5902573"/>
           </a:xfrm>
           <a:prstGeom prst="rect">
@@ -29102,7 +29319,7 @@
           <a:lstStyle/>
           <a:p>
             <a:pPr algn="ctr"/>
-            <a:endParaRPr lang="en-IN" dirty="0">
+            <a:endParaRPr lang="en-IN">
               <a:latin typeface="Calibri" panose="020F0502020204030204" pitchFamily="34" charset="0"/>
             </a:endParaRPr>
           </a:p>
@@ -29110,14 +29327,14 @@
       </p:sp>
       <p:sp>
         <p:nvSpPr>
-          <p:cNvPr id="15" name="Rectangle 14"/>
+          <p:cNvPr id="5" name="Rectangle 4"/>
           <p:cNvSpPr/>
           <p:nvPr/>
         </p:nvSpPr>
         <p:spPr>
           <a:xfrm>
-            <a:off x="4346617" y="2581853"/>
-            <a:ext cx="3367828" cy="309093"/>
+            <a:off x="4752300" y="2544903"/>
+            <a:ext cx="2730325" cy="309093"/>
           </a:xfrm>
           <a:prstGeom prst="rect">
             <a:avLst/>
@@ -29155,13 +29372,13 @@
       </p:sp>
       <p:sp>
         <p:nvSpPr>
-          <p:cNvPr id="16" name="Rectangle 15"/>
+          <p:cNvPr id="6" name="Rectangle 5"/>
           <p:cNvSpPr/>
           <p:nvPr/>
         </p:nvSpPr>
         <p:spPr>
           <a:xfrm>
-            <a:off x="4254322" y="2208636"/>
+            <a:off x="4711505" y="2223301"/>
             <a:ext cx="1970468" cy="309093"/>
           </a:xfrm>
           <a:prstGeom prst="rect">
@@ -29194,16 +29411,7 @@
               <a:rPr lang="en-IN" smtClean="0">
                 <a:latin typeface="Calibri" panose="020F0502020204030204" pitchFamily="34" charset="0"/>
               </a:rPr>
-              <a:t>Email id: </a:t>
-            </a:r>
-            <a:r>
-              <a:rPr lang="en-IN" smtClean="0">
-                <a:solidFill>
-                  <a:srgbClr val="FF0000"/>
-                </a:solidFill>
-                <a:latin typeface="Calibri" panose="020F0502020204030204" pitchFamily="34" charset="0"/>
-              </a:rPr>
-              <a:t>*</a:t>
+              <a:t>Email id:</a:t>
             </a:r>
             <a:endParaRPr lang="en-IN">
               <a:latin typeface="Calibri" panose="020F0502020204030204" pitchFamily="34" charset="0"/>
@@ -29213,13 +29421,13 @@
       </p:sp>
       <p:sp>
         <p:nvSpPr>
-          <p:cNvPr id="17" name="Rectangle 16"/>
+          <p:cNvPr id="7" name="Rectangle 6"/>
           <p:cNvSpPr/>
           <p:nvPr/>
         </p:nvSpPr>
         <p:spPr>
           <a:xfrm>
-            <a:off x="4121237" y="794441"/>
+            <a:off x="4121237" y="882929"/>
             <a:ext cx="3966693" cy="441931"/>
           </a:xfrm>
           <a:prstGeom prst="rect">
@@ -29247,7 +29455,6 @@
           <a:bodyPr rtlCol="0" anchor="ctr"/>
           <a:lstStyle/>
           <a:p>
-            <a:pPr algn="ctr"/>
             <a:r>
               <a:rPr lang="en-IN" dirty="0" smtClean="0">
                 <a:solidFill>
@@ -29255,7 +29462,7 @@
                 </a:solidFill>
                 <a:latin typeface="Calibri" panose="020F0502020204030204" pitchFamily="34" charset="0"/>
               </a:rPr>
-              <a:t>Attendance: Register		:</a:t>
+              <a:t>Attendance: Login			:</a:t>
             </a:r>
             <a:endParaRPr lang="en-IN" dirty="0">
               <a:solidFill>
@@ -29268,19 +29475,18 @@
       </p:sp>
       <p:sp>
         <p:nvSpPr>
-          <p:cNvPr id="18" name="Rounded Rectangle 17"/>
+          <p:cNvPr id="8" name="Rounded Rectangle 7"/>
           <p:cNvSpPr/>
           <p:nvPr/>
         </p:nvSpPr>
         <p:spPr>
           <a:xfrm>
-            <a:off x="6943302" y="5863494"/>
+            <a:off x="5097887" y="4035871"/>
             <a:ext cx="811366" cy="425487"/>
           </a:xfrm>
           <a:prstGeom prst="roundRect">
             <a:avLst/>
           </a:prstGeom>
-          <a:ln/>
         </p:spPr>
         <p:style>
           <a:lnRef idx="2">
@@ -29307,7 +29513,7 @@
               <a:rPr lang="en-IN" sz="1500" smtClean="0">
                 <a:latin typeface="Calibri" panose="020F0502020204030204" pitchFamily="34" charset="0"/>
               </a:rPr>
-              <a:t>Ok</a:t>
+              <a:t>Login</a:t>
             </a:r>
             <a:endParaRPr lang="en-IN" sz="1500">
               <a:latin typeface="Calibri" panose="020F0502020204030204" pitchFamily="34" charset="0"/>
@@ -29317,14 +29523,14 @@
       </p:sp>
       <p:sp>
         <p:nvSpPr>
-          <p:cNvPr id="19" name="Rectangle 18"/>
+          <p:cNvPr id="9" name="Rectangle 8"/>
           <p:cNvSpPr/>
           <p:nvPr/>
         </p:nvSpPr>
         <p:spPr>
           <a:xfrm>
-            <a:off x="4346616" y="3334619"/>
-            <a:ext cx="3367829" cy="309093"/>
+            <a:off x="4797374" y="3318924"/>
+            <a:ext cx="2685251" cy="309093"/>
           </a:xfrm>
           <a:prstGeom prst="rect">
             <a:avLst/>
@@ -29362,13 +29568,13 @@
       </p:sp>
       <p:sp>
         <p:nvSpPr>
-          <p:cNvPr id="20" name="Rectangle 19"/>
+          <p:cNvPr id="10" name="Rectangle 9"/>
           <p:cNvSpPr/>
           <p:nvPr/>
         </p:nvSpPr>
         <p:spPr>
           <a:xfrm>
-            <a:off x="4254322" y="2955070"/>
+            <a:off x="4730830" y="3009831"/>
             <a:ext cx="1970468" cy="309093"/>
           </a:xfrm>
           <a:prstGeom prst="rect">
@@ -29401,623 +29607,133 @@
               <a:rPr lang="en-IN" smtClean="0">
                 <a:latin typeface="Calibri" panose="020F0502020204030204" pitchFamily="34" charset="0"/>
               </a:rPr>
-              <a:t>Password: </a:t>
-            </a:r>
-            <a:r>
-              <a:rPr lang="en-IN" smtClean="0">
+              <a:t>Password:</a:t>
+            </a:r>
+            <a:endParaRPr lang="en-IN">
+              <a:latin typeface="Calibri" panose="020F0502020204030204" pitchFamily="34" charset="0"/>
+            </a:endParaRPr>
+          </a:p>
+        </p:txBody>
+      </p:sp>
+      <p:sp>
+        <p:nvSpPr>
+          <p:cNvPr id="11" name="Rounded Rectangle 10"/>
+          <p:cNvSpPr/>
+          <p:nvPr/>
+        </p:nvSpPr>
+        <p:spPr>
+          <a:xfrm>
+            <a:off x="6129270" y="4035871"/>
+            <a:ext cx="811366" cy="425487"/>
+          </a:xfrm>
+          <a:prstGeom prst="roundRect">
+            <a:avLst/>
+          </a:prstGeom>
+        </p:spPr>
+        <p:style>
+          <a:lnRef idx="2">
+            <a:schemeClr val="accent4">
+              <a:shade val="50000"/>
+            </a:schemeClr>
+          </a:lnRef>
+          <a:fillRef idx="1">
+            <a:schemeClr val="accent4"/>
+          </a:fillRef>
+          <a:effectRef idx="0">
+            <a:schemeClr val="accent4"/>
+          </a:effectRef>
+          <a:fontRef idx="minor">
+            <a:schemeClr val="lt1"/>
+          </a:fontRef>
+        </p:style>
+        <p:txBody>
+          <a:bodyPr rtlCol="0" anchor="ctr"/>
+          <a:lstStyle/>
+          <a:p>
+            <a:pPr algn="ctr"/>
+            <a:r>
+              <a:rPr lang="en-IN" sz="1500" smtClean="0">
+                <a:latin typeface="Calibri" panose="020F0502020204030204" pitchFamily="34" charset="0"/>
+              </a:rPr>
+              <a:t>Cancel</a:t>
+            </a:r>
+            <a:endParaRPr lang="en-IN" sz="1500">
+              <a:latin typeface="Calibri" panose="020F0502020204030204" pitchFamily="34" charset="0"/>
+            </a:endParaRPr>
+          </a:p>
+        </p:txBody>
+      </p:sp>
+      <p:sp>
+        <p:nvSpPr>
+          <p:cNvPr id="12" name="TextBox 11"/>
+          <p:cNvSpPr txBox="1"/>
+          <p:nvPr/>
+        </p:nvSpPr>
+        <p:spPr>
+          <a:xfrm>
+            <a:off x="5213798" y="4546242"/>
+            <a:ext cx="2268827" cy="1077218"/>
+          </a:xfrm>
+          <a:prstGeom prst="rect">
+            <a:avLst/>
+          </a:prstGeom>
+          <a:noFill/>
+        </p:spPr>
+        <p:txBody>
+          <a:bodyPr wrap="square" rtlCol="0">
+            <a:spAutoFit/>
+          </a:bodyPr>
+          <a:lstStyle/>
+          <a:p>
+            <a:endParaRPr lang="en-IN" sz="1600" u="sng" dirty="0" smtClean="0">
+              <a:solidFill>
+                <a:srgbClr val="0070C0"/>
+              </a:solidFill>
+              <a:latin typeface="Calibri" panose="020F0502020204030204" pitchFamily="34" charset="0"/>
+            </a:endParaRPr>
+          </a:p>
+          <a:p>
+            <a:r>
+              <a:rPr lang="en-IN" sz="1600" u="sng" dirty="0" smtClean="0">
                 <a:solidFill>
-                  <a:srgbClr val="FF0000"/>
+                  <a:srgbClr val="0070C0"/>
                 </a:solidFill>
                 <a:latin typeface="Calibri" panose="020F0502020204030204" pitchFamily="34" charset="0"/>
               </a:rPr>
-              <a:t>*</a:t>
-            </a:r>
-            <a:endParaRPr lang="en-IN">
+              <a:t>Forgot Password?</a:t>
+            </a:r>
+          </a:p>
+          <a:p>
+            <a:endParaRPr lang="en-IN" sz="1600" u="sng" dirty="0" smtClean="0">
+              <a:solidFill>
+                <a:srgbClr val="0070C0"/>
+              </a:solidFill>
               <a:latin typeface="Calibri" panose="020F0502020204030204" pitchFamily="34" charset="0"/>
             </a:endParaRPr>
           </a:p>
-        </p:txBody>
-      </p:sp>
-      <p:sp>
-        <p:nvSpPr>
-          <p:cNvPr id="23" name="Rectangle 22"/>
-          <p:cNvSpPr/>
-          <p:nvPr/>
-        </p:nvSpPr>
-        <p:spPr>
-          <a:xfrm>
-            <a:off x="4370226" y="4066572"/>
-            <a:ext cx="3344219" cy="309093"/>
-          </a:xfrm>
-          <a:prstGeom prst="rect">
-            <a:avLst/>
-          </a:prstGeom>
-        </p:spPr>
-        <p:style>
-          <a:lnRef idx="2">
-            <a:schemeClr val="accent6"/>
-          </a:lnRef>
-          <a:fillRef idx="1">
-            <a:schemeClr val="lt1"/>
-          </a:fillRef>
-          <a:effectRef idx="0">
-            <a:schemeClr val="accent6"/>
-          </a:effectRef>
-          <a:fontRef idx="minor">
-            <a:schemeClr val="dk1"/>
-          </a:fontRef>
-        </p:style>
-        <p:txBody>
-          <a:bodyPr rtlCol="0" anchor="ctr"/>
-          <a:lstStyle/>
-          <a:p>
-            <a:r>
-              <a:rPr lang="en-IN" smtClean="0">
-                <a:latin typeface="Calibri" panose="020F0502020204030204" pitchFamily="34" charset="0"/>
-              </a:rPr>
-              <a:t>*******</a:t>
-            </a:r>
-            <a:endParaRPr lang="en-IN">
-              <a:latin typeface="Calibri" panose="020F0502020204030204" pitchFamily="34" charset="0"/>
-            </a:endParaRPr>
-          </a:p>
-        </p:txBody>
-      </p:sp>
-      <p:sp>
-        <p:nvSpPr>
-          <p:cNvPr id="24" name="Rectangle 23"/>
-          <p:cNvSpPr/>
-          <p:nvPr/>
-        </p:nvSpPr>
-        <p:spPr>
-          <a:xfrm>
-            <a:off x="4277931" y="3687023"/>
-            <a:ext cx="2161505" cy="309093"/>
-          </a:xfrm>
-          <a:prstGeom prst="rect">
-            <a:avLst/>
-          </a:prstGeom>
-          <a:noFill/>
-          <a:ln>
-            <a:noFill/>
-          </a:ln>
-        </p:spPr>
-        <p:style>
-          <a:lnRef idx="2">
-            <a:schemeClr val="dk1"/>
-          </a:lnRef>
-          <a:fillRef idx="1">
-            <a:schemeClr val="lt1"/>
-          </a:fillRef>
-          <a:effectRef idx="0">
-            <a:schemeClr val="dk1"/>
-          </a:effectRef>
-          <a:fontRef idx="minor">
-            <a:schemeClr val="dk1"/>
-          </a:fontRef>
-        </p:style>
-        <p:txBody>
-          <a:bodyPr rtlCol="0" anchor="ctr"/>
-          <a:lstStyle/>
-          <a:p>
-            <a:r>
-              <a:rPr lang="en-IN" dirty="0" smtClean="0">
-                <a:latin typeface="Calibri" panose="020F0502020204030204" pitchFamily="34" charset="0"/>
-              </a:rPr>
-              <a:t>Confirm Password: </a:t>
-            </a:r>
-            <a:r>
-              <a:rPr lang="en-IN" dirty="0" smtClean="0">
+          <a:p>
+            <a:r>
+              <a:rPr lang="en-IN" sz="1600" u="sng" dirty="0" smtClean="0">
                 <a:solidFill>
-                  <a:srgbClr val="FF0000"/>
+                  <a:srgbClr val="0070C0"/>
                 </a:solidFill>
                 <a:latin typeface="Calibri" panose="020F0502020204030204" pitchFamily="34" charset="0"/>
               </a:rPr>
-              <a:t>*</a:t>
-            </a:r>
-            <a:endParaRPr lang="en-IN" dirty="0">
-              <a:latin typeface="Calibri" panose="020F0502020204030204" pitchFamily="34" charset="0"/>
-            </a:endParaRPr>
-          </a:p>
-        </p:txBody>
-      </p:sp>
-      <p:sp>
-        <p:nvSpPr>
-          <p:cNvPr id="25" name="Rectangle 24"/>
-          <p:cNvSpPr/>
-          <p:nvPr/>
-        </p:nvSpPr>
-        <p:spPr>
-          <a:xfrm>
-            <a:off x="4344469" y="1877322"/>
-            <a:ext cx="3367828" cy="309093"/>
-          </a:xfrm>
-          <a:prstGeom prst="rect">
-            <a:avLst/>
-          </a:prstGeom>
-        </p:spPr>
-        <p:style>
-          <a:lnRef idx="2">
-            <a:schemeClr val="accent6"/>
-          </a:lnRef>
-          <a:fillRef idx="1">
-            <a:schemeClr val="lt1"/>
-          </a:fillRef>
-          <a:effectRef idx="0">
-            <a:schemeClr val="accent6"/>
-          </a:effectRef>
-          <a:fontRef idx="minor">
-            <a:schemeClr val="dk1"/>
-          </a:fontRef>
-        </p:style>
-        <p:txBody>
-          <a:bodyPr rtlCol="0" anchor="ctr"/>
-          <a:lstStyle/>
-          <a:p>
-            <a:r>
-              <a:rPr lang="en-IN" smtClean="0">
-                <a:latin typeface="Calibri" panose="020F0502020204030204" pitchFamily="34" charset="0"/>
-              </a:rPr>
-              <a:t>abc</a:t>
-            </a:r>
-            <a:endParaRPr lang="en-IN">
-              <a:latin typeface="Calibri" panose="020F0502020204030204" pitchFamily="34" charset="0"/>
-            </a:endParaRPr>
-          </a:p>
-        </p:txBody>
-      </p:sp>
-      <p:sp>
-        <p:nvSpPr>
-          <p:cNvPr id="26" name="Rectangle 25"/>
-          <p:cNvSpPr/>
-          <p:nvPr/>
-        </p:nvSpPr>
-        <p:spPr>
-          <a:xfrm>
-            <a:off x="4239295" y="1504105"/>
-            <a:ext cx="1970468" cy="309093"/>
-          </a:xfrm>
-          <a:prstGeom prst="rect">
-            <a:avLst/>
-          </a:prstGeom>
-          <a:noFill/>
-          <a:ln>
-            <a:noFill/>
-          </a:ln>
-        </p:spPr>
-        <p:style>
-          <a:lnRef idx="2">
-            <a:schemeClr val="dk1"/>
-          </a:lnRef>
-          <a:fillRef idx="1">
-            <a:schemeClr val="lt1"/>
-          </a:fillRef>
-          <a:effectRef idx="0">
-            <a:schemeClr val="dk1"/>
-          </a:effectRef>
-          <a:fontRef idx="minor">
-            <a:schemeClr val="dk1"/>
-          </a:fontRef>
-        </p:style>
-        <p:txBody>
-          <a:bodyPr rtlCol="0" anchor="ctr"/>
-          <a:lstStyle/>
-          <a:p>
-            <a:r>
-              <a:rPr lang="en-IN" dirty="0" smtClean="0">
-                <a:latin typeface="Calibri" panose="020F0502020204030204" pitchFamily="34" charset="0"/>
-              </a:rPr>
-              <a:t>Name: </a:t>
-            </a:r>
-            <a:r>
-              <a:rPr lang="en-IN" dirty="0" smtClean="0">
-                <a:solidFill>
-                  <a:srgbClr val="FF0000"/>
-                </a:solidFill>
-                <a:latin typeface="Calibri" panose="020F0502020204030204" pitchFamily="34" charset="0"/>
-              </a:rPr>
-              <a:t>*</a:t>
-            </a:r>
-            <a:endParaRPr lang="en-IN" dirty="0">
+              <a:t>New User?</a:t>
+            </a:r>
+            <a:endParaRPr lang="en-IN" sz="1600" u="sng" dirty="0">
               <a:solidFill>
-                <a:srgbClr val="FF0000"/>
+                <a:srgbClr val="0070C0"/>
               </a:solidFill>
               <a:latin typeface="Calibri" panose="020F0502020204030204" pitchFamily="34" charset="0"/>
             </a:endParaRPr>
           </a:p>
         </p:txBody>
       </p:sp>
-      <p:cxnSp>
-        <p:nvCxnSpPr>
-          <p:cNvPr id="37" name="Straight Arrow Connector 36"/>
-          <p:cNvCxnSpPr/>
-          <p:nvPr/>
-        </p:nvCxnSpPr>
-        <p:spPr>
-          <a:xfrm flipH="1" flipV="1">
-            <a:off x="3535151" y="5047215"/>
-            <a:ext cx="1132117" cy="157721"/>
-          </a:xfrm>
-          <a:prstGeom prst="straightConnector1">
-            <a:avLst/>
-          </a:prstGeom>
-          <a:ln>
-            <a:tailEnd type="triangle"/>
-          </a:ln>
-        </p:spPr>
-        <p:style>
-          <a:lnRef idx="1">
-            <a:schemeClr val="dk1"/>
-          </a:lnRef>
-          <a:fillRef idx="0">
-            <a:schemeClr val="dk1"/>
-          </a:fillRef>
-          <a:effectRef idx="0">
-            <a:schemeClr val="dk1"/>
-          </a:effectRef>
-          <a:fontRef idx="minor">
-            <a:schemeClr val="tx1"/>
-          </a:fontRef>
-        </p:style>
-      </p:cxnSp>
-      <p:sp>
-        <p:nvSpPr>
-          <p:cNvPr id="38" name="TextBox 37"/>
-          <p:cNvSpPr txBox="1"/>
-          <p:nvPr/>
-        </p:nvSpPr>
-        <p:spPr>
-          <a:xfrm>
-            <a:off x="2659993" y="4673998"/>
-            <a:ext cx="1311494" cy="646331"/>
-          </a:xfrm>
-          <a:prstGeom prst="rect">
-            <a:avLst/>
-          </a:prstGeom>
-          <a:noFill/>
-        </p:spPr>
-        <p:txBody>
-          <a:bodyPr wrap="square" rtlCol="0">
-            <a:spAutoFit/>
-          </a:bodyPr>
-          <a:lstStyle/>
-          <a:p>
-            <a:r>
-              <a:rPr lang="en-IN" dirty="0" smtClean="0">
-                <a:solidFill>
-                  <a:schemeClr val="bg1"/>
-                </a:solidFill>
-              </a:rPr>
-              <a:t>Radio button</a:t>
-            </a:r>
-            <a:endParaRPr lang="en-IN" dirty="0">
-              <a:solidFill>
-                <a:schemeClr val="bg1"/>
-              </a:solidFill>
-            </a:endParaRPr>
-          </a:p>
-        </p:txBody>
-      </p:sp>
-      <p:cxnSp>
-        <p:nvCxnSpPr>
-          <p:cNvPr id="44" name="Straight Arrow Connector 43"/>
-          <p:cNvCxnSpPr/>
-          <p:nvPr/>
-        </p:nvCxnSpPr>
-        <p:spPr>
-          <a:xfrm flipH="1">
-            <a:off x="3953810" y="6124963"/>
-            <a:ext cx="2989493" cy="59706"/>
-          </a:xfrm>
-          <a:prstGeom prst="straightConnector1">
-            <a:avLst/>
-          </a:prstGeom>
-          <a:ln>
-            <a:tailEnd type="triangle"/>
-          </a:ln>
-        </p:spPr>
-        <p:style>
-          <a:lnRef idx="1">
-            <a:schemeClr val="dk1"/>
-          </a:lnRef>
-          <a:fillRef idx="0">
-            <a:schemeClr val="dk1"/>
-          </a:fillRef>
-          <a:effectRef idx="0">
-            <a:schemeClr val="dk1"/>
-          </a:effectRef>
-          <a:fontRef idx="minor">
-            <a:schemeClr val="tx1"/>
-          </a:fontRef>
-        </p:style>
-      </p:cxnSp>
-      <p:sp>
-        <p:nvSpPr>
-          <p:cNvPr id="45" name="TextBox 44"/>
-          <p:cNvSpPr txBox="1"/>
-          <p:nvPr/>
-        </p:nvSpPr>
-        <p:spPr>
-          <a:xfrm>
-            <a:off x="45077" y="5647163"/>
-            <a:ext cx="3825020" cy="923330"/>
-          </a:xfrm>
-          <a:prstGeom prst="rect">
-            <a:avLst/>
-          </a:prstGeom>
-          <a:noFill/>
-        </p:spPr>
-        <p:txBody>
-          <a:bodyPr wrap="square" rtlCol="0">
-            <a:spAutoFit/>
-          </a:bodyPr>
-          <a:lstStyle/>
-          <a:p>
-            <a:r>
-              <a:rPr lang="en-IN" dirty="0" smtClean="0">
-                <a:solidFill>
-                  <a:schemeClr val="bg1"/>
-                </a:solidFill>
-              </a:rPr>
-              <a:t>If all fields are valid, new login is created after user’s email id </a:t>
-            </a:r>
-            <a:r>
-              <a:rPr lang="en-IN" dirty="0" smtClean="0">
-                <a:solidFill>
-                  <a:schemeClr val="bg1"/>
-                </a:solidFill>
-              </a:rPr>
-              <a:t>and </a:t>
-            </a:r>
-            <a:r>
-              <a:rPr lang="en-IN" dirty="0" smtClean="0">
-                <a:solidFill>
-                  <a:schemeClr val="bg1"/>
-                </a:solidFill>
-              </a:rPr>
-              <a:t>user is directed back to login screen</a:t>
-            </a:r>
-            <a:endParaRPr lang="en-IN" dirty="0">
-              <a:solidFill>
-                <a:schemeClr val="bg1"/>
-              </a:solidFill>
-            </a:endParaRPr>
-          </a:p>
-        </p:txBody>
-      </p:sp>
-      <p:sp>
-        <p:nvSpPr>
-          <p:cNvPr id="46" name="Rectangle 45"/>
-          <p:cNvSpPr/>
-          <p:nvPr/>
-        </p:nvSpPr>
-        <p:spPr>
-          <a:xfrm>
-            <a:off x="4308566" y="4549342"/>
-            <a:ext cx="1970468" cy="309093"/>
-          </a:xfrm>
-          <a:prstGeom prst="rect">
-            <a:avLst/>
-          </a:prstGeom>
-          <a:noFill/>
-          <a:ln>
-            <a:noFill/>
-          </a:ln>
-        </p:spPr>
-        <p:style>
-          <a:lnRef idx="2">
-            <a:schemeClr val="dk1"/>
-          </a:lnRef>
-          <a:fillRef idx="1">
-            <a:schemeClr val="lt1"/>
-          </a:fillRef>
-          <a:effectRef idx="0">
-            <a:schemeClr val="dk1"/>
-          </a:effectRef>
-          <a:fontRef idx="minor">
-            <a:schemeClr val="dk1"/>
-          </a:fontRef>
-        </p:style>
-        <p:txBody>
-          <a:bodyPr rtlCol="0" anchor="ctr"/>
-          <a:lstStyle/>
-          <a:p>
-            <a:r>
-              <a:rPr lang="en-IN" dirty="0" smtClean="0">
-                <a:latin typeface="Calibri" panose="020F0502020204030204" pitchFamily="34" charset="0"/>
-              </a:rPr>
-              <a:t>Login as: </a:t>
-            </a:r>
-            <a:r>
-              <a:rPr lang="en-IN" dirty="0" smtClean="0">
-                <a:solidFill>
-                  <a:srgbClr val="FF0000"/>
-                </a:solidFill>
-                <a:latin typeface="Calibri" panose="020F0502020204030204" pitchFamily="34" charset="0"/>
-              </a:rPr>
-              <a:t>*</a:t>
-            </a:r>
-            <a:endParaRPr lang="en-IN" dirty="0">
-              <a:solidFill>
-                <a:srgbClr val="FF0000"/>
-              </a:solidFill>
-              <a:latin typeface="Calibri" panose="020F0502020204030204" pitchFamily="34" charset="0"/>
-            </a:endParaRPr>
-          </a:p>
-        </p:txBody>
-      </p:sp>
-      <p:sp>
-        <p:nvSpPr>
-          <p:cNvPr id="4" name="Oval 3"/>
-          <p:cNvSpPr/>
-          <p:nvPr/>
-        </p:nvSpPr>
-        <p:spPr>
-          <a:xfrm>
-            <a:off x="4572003" y="5070764"/>
-            <a:ext cx="249382" cy="254651"/>
-          </a:xfrm>
-          <a:prstGeom prst="ellipse">
-            <a:avLst/>
-          </a:prstGeom>
-        </p:spPr>
-        <p:style>
-          <a:lnRef idx="2">
-            <a:schemeClr val="accent6"/>
-          </a:lnRef>
-          <a:fillRef idx="1">
-            <a:schemeClr val="lt1"/>
-          </a:fillRef>
-          <a:effectRef idx="0">
-            <a:schemeClr val="accent6"/>
-          </a:effectRef>
-          <a:fontRef idx="minor">
-            <a:schemeClr val="dk1"/>
-          </a:fontRef>
-        </p:style>
-        <p:txBody>
-          <a:bodyPr rtlCol="0" anchor="ctr"/>
-          <a:lstStyle/>
-          <a:p>
-            <a:pPr algn="ctr"/>
-            <a:endParaRPr lang="en-IN"/>
-          </a:p>
-        </p:txBody>
-      </p:sp>
-      <p:sp>
-        <p:nvSpPr>
-          <p:cNvPr id="47" name="Oval 46"/>
-          <p:cNvSpPr/>
-          <p:nvPr/>
-        </p:nvSpPr>
-        <p:spPr>
-          <a:xfrm>
-            <a:off x="6237319" y="5090164"/>
-            <a:ext cx="249382" cy="254651"/>
-          </a:xfrm>
-          <a:prstGeom prst="ellipse">
-            <a:avLst/>
-          </a:prstGeom>
-        </p:spPr>
-        <p:style>
-          <a:lnRef idx="2">
-            <a:schemeClr val="accent6"/>
-          </a:lnRef>
-          <a:fillRef idx="1">
-            <a:schemeClr val="lt1"/>
-          </a:fillRef>
-          <a:effectRef idx="0">
-            <a:schemeClr val="accent6"/>
-          </a:effectRef>
-          <a:fontRef idx="minor">
-            <a:schemeClr val="dk1"/>
-          </a:fontRef>
-        </p:style>
-        <p:txBody>
-          <a:bodyPr rtlCol="0" anchor="ctr"/>
-          <a:lstStyle/>
-          <a:p>
-            <a:pPr algn="ctr"/>
-            <a:endParaRPr lang="en-IN"/>
-          </a:p>
-        </p:txBody>
-      </p:sp>
-      <p:sp>
-        <p:nvSpPr>
-          <p:cNvPr id="5" name="Rectangle 4"/>
-          <p:cNvSpPr/>
-          <p:nvPr/>
-        </p:nvSpPr>
-        <p:spPr>
-          <a:xfrm>
-            <a:off x="4931637" y="5032112"/>
-            <a:ext cx="1111876" cy="312703"/>
-          </a:xfrm>
-          <a:prstGeom prst="rect">
-            <a:avLst/>
-          </a:prstGeom>
-          <a:noFill/>
-          <a:ln>
-            <a:noFill/>
-          </a:ln>
-        </p:spPr>
-        <p:style>
-          <a:lnRef idx="2">
-            <a:schemeClr val="dk1"/>
-          </a:lnRef>
-          <a:fillRef idx="1">
-            <a:schemeClr val="lt1"/>
-          </a:fillRef>
-          <a:effectRef idx="0">
-            <a:schemeClr val="dk1"/>
-          </a:effectRef>
-          <a:fontRef idx="minor">
-            <a:schemeClr val="dk1"/>
-          </a:fontRef>
-        </p:style>
-        <p:txBody>
-          <a:bodyPr rtlCol="0" anchor="ctr"/>
-          <a:lstStyle/>
-          <a:p>
-            <a:pPr algn="ctr"/>
-            <a:r>
-              <a:rPr lang="en-IN" dirty="0" smtClean="0"/>
-              <a:t>Facilitator/teacher</a:t>
-            </a:r>
-            <a:endParaRPr lang="en-IN" dirty="0"/>
-          </a:p>
-        </p:txBody>
-      </p:sp>
-      <p:sp>
-        <p:nvSpPr>
-          <p:cNvPr id="48" name="Rectangle 47"/>
-          <p:cNvSpPr/>
-          <p:nvPr/>
-        </p:nvSpPr>
-        <p:spPr>
-          <a:xfrm>
-            <a:off x="6497200" y="5034887"/>
-            <a:ext cx="1111876" cy="312703"/>
-          </a:xfrm>
-          <a:prstGeom prst="rect">
-            <a:avLst/>
-          </a:prstGeom>
-          <a:noFill/>
-          <a:ln>
-            <a:noFill/>
-          </a:ln>
-        </p:spPr>
-        <p:style>
-          <a:lnRef idx="2">
-            <a:schemeClr val="dk1"/>
-          </a:lnRef>
-          <a:fillRef idx="1">
-            <a:schemeClr val="lt1"/>
-          </a:fillRef>
-          <a:effectRef idx="0">
-            <a:schemeClr val="dk1"/>
-          </a:effectRef>
-          <a:fontRef idx="minor">
-            <a:schemeClr val="dk1"/>
-          </a:fontRef>
-        </p:style>
-        <p:txBody>
-          <a:bodyPr rtlCol="0" anchor="ctr"/>
-          <a:lstStyle/>
-          <a:p>
-            <a:pPr algn="ctr"/>
-            <a:r>
-              <a:rPr lang="en-IN" dirty="0" smtClean="0"/>
-              <a:t>Attendee/student</a:t>
-            </a:r>
-            <a:endParaRPr lang="en-IN" dirty="0"/>
-          </a:p>
-        </p:txBody>
-      </p:sp>
     </p:spTree>
     <p:extLst>
       <p:ext uri="{BB962C8B-B14F-4D97-AF65-F5344CB8AC3E}">
-        <p14:creationId xmlns:p14="http://schemas.microsoft.com/office/powerpoint/2010/main" val="3030402000"/>
+        <p14:creationId xmlns:p14="http://schemas.microsoft.com/office/powerpoint/2010/main" val="4171248633"/>
       </p:ext>
     </p:extLst>
   </p:cSld>
@@ -30488,6 +30204,13 @@
   <p:clrMapOvr>
     <a:masterClrMapping/>
   </p:clrMapOvr>
+  <p:timing>
+    <p:tnLst>
+      <p:par>
+        <p:cTn id="1" dur="indefinite" restart="never" nodeType="tmRoot"/>
+      </p:par>
+    </p:tnLst>
+  </p:timing>
 </p:sld>
 </file>
 
@@ -30970,6 +30693,13 @@
   <p:clrMapOvr>
     <a:masterClrMapping/>
   </p:clrMapOvr>
+  <p:timing>
+    <p:tnLst>
+      <p:par>
+        <p:cTn id="1" dur="indefinite" restart="never" nodeType="tmRoot"/>
+      </p:par>
+    </p:tnLst>
+  </p:timing>
 </p:sld>
 </file>
 
@@ -31549,6 +31279,13 @@
   <p:clrMapOvr>
     <a:masterClrMapping/>
   </p:clrMapOvr>
+  <p:timing>
+    <p:tnLst>
+      <p:par>
+        <p:cTn id="1" dur="indefinite" restart="never" nodeType="tmRoot"/>
+      </p:par>
+    </p:tnLst>
+  </p:timing>
 </p:sld>
 </file>
 
@@ -32077,6 +31814,13 @@
   <p:clrMapOvr>
     <a:masterClrMapping/>
   </p:clrMapOvr>
+  <p:timing>
+    <p:tnLst>
+      <p:par>
+        <p:cTn id="1" dur="indefinite" restart="never" nodeType="tmRoot"/>
+      </p:par>
+    </p:tnLst>
+  </p:timing>
 </p:sld>
 </file>
 
@@ -32701,6 +32445,13 @@
   <p:clrMapOvr>
     <a:masterClrMapping/>
   </p:clrMapOvr>
+  <p:timing>
+    <p:tnLst>
+      <p:par>
+        <p:cTn id="1" dur="indefinite" restart="never" nodeType="tmRoot"/>
+      </p:par>
+    </p:tnLst>
+  </p:timing>
 </p:sld>
 </file>
 
@@ -32826,15 +32577,7 @@
           <a:p>
             <a:r>
               <a:rPr lang="en-IN" dirty="0" smtClean="0"/>
-              <a:t>Show report- </a:t>
-            </a:r>
-            <a:r>
-              <a:rPr lang="en-IN" dirty="0" smtClean="0"/>
-              <a:t>attendee </a:t>
-            </a:r>
-            <a:r>
-              <a:rPr lang="en-IN" dirty="0" smtClean="0"/>
-              <a:t>wise</a:t>
+              <a:t>Show report- attendee wise</a:t>
             </a:r>
             <a:endParaRPr lang="en-IN" dirty="0"/>
           </a:p>
@@ -33438,6 +33181,13 @@
   <p:clrMapOvr>
     <a:masterClrMapping/>
   </p:clrMapOvr>
+  <p:timing>
+    <p:tnLst>
+      <p:par>
+        <p:cTn id="1" dur="indefinite" restart="never" nodeType="tmRoot"/>
+      </p:par>
+    </p:tnLst>
+  </p:timing>
 </p:sld>
 </file>
 
@@ -33607,7 +33357,19 @@
               <a:rPr lang="en-IN" dirty="0" smtClean="0">
                 <a:latin typeface="Calibri" panose="020F0502020204030204" pitchFamily="34" charset="0"/>
               </a:rPr>
-              <a:t>Email id to send code of to reset password:</a:t>
+              <a:t>Email id to send code </a:t>
+            </a:r>
+            <a:r>
+              <a:rPr lang="en-IN" dirty="0" smtClean="0">
+                <a:latin typeface="Calibri" panose="020F0502020204030204" pitchFamily="34" charset="0"/>
+              </a:rPr>
+              <a:t>to </a:t>
+            </a:r>
+            <a:r>
+              <a:rPr lang="en-IN" dirty="0" smtClean="0">
+                <a:latin typeface="Calibri" panose="020F0502020204030204" pitchFamily="34" charset="0"/>
+              </a:rPr>
+              <a:t>reset password:</a:t>
             </a:r>
             <a:endParaRPr lang="en-IN" dirty="0">
               <a:latin typeface="Calibri" panose="020F0502020204030204" pitchFamily="34" charset="0"/>
@@ -33826,15 +33588,7 @@
           <a:p>
             <a:r>
               <a:rPr lang="en-IN" dirty="0" smtClean="0"/>
-              <a:t>Forgot </a:t>
-            </a:r>
-            <a:r>
-              <a:rPr lang="en-IN" dirty="0" smtClean="0"/>
-              <a:t>password - </a:t>
-            </a:r>
-            <a:r>
-              <a:rPr lang="en-IN" dirty="0" smtClean="0"/>
-              <a:t>after checking email code</a:t>
+              <a:t>Forgot password - after checking email code</a:t>
             </a:r>
             <a:endParaRPr lang="en-IN" dirty="0"/>
           </a:p>
@@ -34458,15 +34212,7 @@
           <a:p>
             <a:r>
               <a:rPr lang="en-IN" dirty="0" smtClean="0"/>
-              <a:t>Forgot </a:t>
-            </a:r>
-            <a:r>
-              <a:rPr lang="en-IN" dirty="0" smtClean="0"/>
-              <a:t>password - </a:t>
-            </a:r>
-            <a:r>
-              <a:rPr lang="en-IN" dirty="0" smtClean="0"/>
-              <a:t>after giving correct code</a:t>
+              <a:t>Forgot password - after giving correct code</a:t>
             </a:r>
             <a:endParaRPr lang="en-IN" dirty="0"/>
           </a:p>
